--- a/sql_course/3_python/3_python.pptx
+++ b/sql_course/3_python/3_python.pptx
@@ -8,31 +8,27 @@
     <p:sldId id="349" r:id="rId2"/>
     <p:sldId id="271" r:id="rId3"/>
     <p:sldId id="333" r:id="rId4"/>
-    <p:sldId id="334" r:id="rId5"/>
-    <p:sldId id="339" r:id="rId6"/>
-    <p:sldId id="342" r:id="rId7"/>
-    <p:sldId id="324" r:id="rId8"/>
-    <p:sldId id="337" r:id="rId9"/>
-    <p:sldId id="335" r:id="rId10"/>
-    <p:sldId id="341" r:id="rId11"/>
-    <p:sldId id="336" r:id="rId12"/>
-    <p:sldId id="343" r:id="rId13"/>
-    <p:sldId id="344" r:id="rId14"/>
-    <p:sldId id="345" r:id="rId15"/>
-    <p:sldId id="347" r:id="rId16"/>
-    <p:sldId id="330" r:id="rId17"/>
-    <p:sldId id="328" r:id="rId18"/>
-    <p:sldId id="329" r:id="rId19"/>
-    <p:sldId id="348" r:id="rId20"/>
-    <p:sldId id="325" r:id="rId21"/>
-    <p:sldId id="331" r:id="rId22"/>
-    <p:sldId id="332" r:id="rId23"/>
-    <p:sldId id="346" r:id="rId24"/>
-    <p:sldId id="257" r:id="rId25"/>
-    <p:sldId id="258" r:id="rId26"/>
-    <p:sldId id="259" r:id="rId27"/>
-    <p:sldId id="260" r:id="rId28"/>
-    <p:sldId id="338" r:id="rId29"/>
+    <p:sldId id="324" r:id="rId5"/>
+    <p:sldId id="337" r:id="rId6"/>
+    <p:sldId id="335" r:id="rId7"/>
+    <p:sldId id="341" r:id="rId8"/>
+    <p:sldId id="336" r:id="rId9"/>
+    <p:sldId id="350" r:id="rId10"/>
+    <p:sldId id="344" r:id="rId11"/>
+    <p:sldId id="345" r:id="rId12"/>
+    <p:sldId id="347" r:id="rId13"/>
+    <p:sldId id="330" r:id="rId14"/>
+    <p:sldId id="328" r:id="rId15"/>
+    <p:sldId id="329" r:id="rId16"/>
+    <p:sldId id="348" r:id="rId17"/>
+    <p:sldId id="325" r:id="rId18"/>
+    <p:sldId id="331" r:id="rId19"/>
+    <p:sldId id="332" r:id="rId20"/>
+    <p:sldId id="346" r:id="rId21"/>
+    <p:sldId id="257" r:id="rId22"/>
+    <p:sldId id="258" r:id="rId23"/>
+    <p:sldId id="259" r:id="rId24"/>
+    <p:sldId id="260" r:id="rId25"/>
   </p:sldIdLst>
   <p:sldSz cx="12192000" cy="6858000"/>
   <p:notesSz cx="6858000" cy="9144000"/>
@@ -288,7 +284,7 @@
           <a:p>
             <a:fld id="{74C49272-0111-4310-A9F0-C1CA0D6AA5E5}" type="datetimeFigureOut">
               <a:rPr lang="en-NL" smtClean="0"/>
-              <a:t>16/01/2025</a:t>
+              <a:t>29/01/2025</a:t>
             </a:fld>
             <a:endParaRPr lang="en-NL"/>
           </a:p>
@@ -488,7 +484,7 @@
           <a:p>
             <a:fld id="{74C49272-0111-4310-A9F0-C1CA0D6AA5E5}" type="datetimeFigureOut">
               <a:rPr lang="en-NL" smtClean="0"/>
-              <a:t>16/01/2025</a:t>
+              <a:t>29/01/2025</a:t>
             </a:fld>
             <a:endParaRPr lang="en-NL"/>
           </a:p>
@@ -698,7 +694,7 @@
           <a:p>
             <a:fld id="{74C49272-0111-4310-A9F0-C1CA0D6AA5E5}" type="datetimeFigureOut">
               <a:rPr lang="en-NL" smtClean="0"/>
-              <a:t>16/01/2025</a:t>
+              <a:t>29/01/2025</a:t>
             </a:fld>
             <a:endParaRPr lang="en-NL"/>
           </a:p>
@@ -898,7 +894,7 @@
           <a:p>
             <a:fld id="{74C49272-0111-4310-A9F0-C1CA0D6AA5E5}" type="datetimeFigureOut">
               <a:rPr lang="en-NL" smtClean="0"/>
-              <a:t>16/01/2025</a:t>
+              <a:t>29/01/2025</a:t>
             </a:fld>
             <a:endParaRPr lang="en-NL"/>
           </a:p>
@@ -1174,7 +1170,7 @@
           <a:p>
             <a:fld id="{74C49272-0111-4310-A9F0-C1CA0D6AA5E5}" type="datetimeFigureOut">
               <a:rPr lang="en-NL" smtClean="0"/>
-              <a:t>16/01/2025</a:t>
+              <a:t>29/01/2025</a:t>
             </a:fld>
             <a:endParaRPr lang="en-NL"/>
           </a:p>
@@ -1442,7 +1438,7 @@
           <a:p>
             <a:fld id="{74C49272-0111-4310-A9F0-C1CA0D6AA5E5}" type="datetimeFigureOut">
               <a:rPr lang="en-NL" smtClean="0"/>
-              <a:t>16/01/2025</a:t>
+              <a:t>29/01/2025</a:t>
             </a:fld>
             <a:endParaRPr lang="en-NL"/>
           </a:p>
@@ -1857,7 +1853,7 @@
           <a:p>
             <a:fld id="{74C49272-0111-4310-A9F0-C1CA0D6AA5E5}" type="datetimeFigureOut">
               <a:rPr lang="en-NL" smtClean="0"/>
-              <a:t>16/01/2025</a:t>
+              <a:t>29/01/2025</a:t>
             </a:fld>
             <a:endParaRPr lang="en-NL"/>
           </a:p>
@@ -1999,7 +1995,7 @@
           <a:p>
             <a:fld id="{74C49272-0111-4310-A9F0-C1CA0D6AA5E5}" type="datetimeFigureOut">
               <a:rPr lang="en-NL" smtClean="0"/>
-              <a:t>16/01/2025</a:t>
+              <a:t>29/01/2025</a:t>
             </a:fld>
             <a:endParaRPr lang="en-NL"/>
           </a:p>
@@ -2112,7 +2108,7 @@
           <a:p>
             <a:fld id="{74C49272-0111-4310-A9F0-C1CA0D6AA5E5}" type="datetimeFigureOut">
               <a:rPr lang="en-NL" smtClean="0"/>
-              <a:t>16/01/2025</a:t>
+              <a:t>29/01/2025</a:t>
             </a:fld>
             <a:endParaRPr lang="en-NL"/>
           </a:p>
@@ -2425,7 +2421,7 @@
           <a:p>
             <a:fld id="{74C49272-0111-4310-A9F0-C1CA0D6AA5E5}" type="datetimeFigureOut">
               <a:rPr lang="en-NL" smtClean="0"/>
-              <a:t>16/01/2025</a:t>
+              <a:t>29/01/2025</a:t>
             </a:fld>
             <a:endParaRPr lang="en-NL"/>
           </a:p>
@@ -2714,7 +2710,7 @@
           <a:p>
             <a:fld id="{74C49272-0111-4310-A9F0-C1CA0D6AA5E5}" type="datetimeFigureOut">
               <a:rPr lang="en-NL" smtClean="0"/>
-              <a:t>16/01/2025</a:t>
+              <a:t>29/01/2025</a:t>
             </a:fld>
             <a:endParaRPr lang="en-NL"/>
           </a:p>
@@ -2957,7 +2953,7 @@
           <a:p>
             <a:fld id="{74C49272-0111-4310-A9F0-C1CA0D6AA5E5}" type="datetimeFigureOut">
               <a:rPr lang="en-NL" smtClean="0"/>
-              <a:t>16/01/2025</a:t>
+              <a:t>29/01/2025</a:t>
             </a:fld>
             <a:endParaRPr lang="en-NL"/>
           </a:p>
@@ -3462,1923 +3458,6 @@
       </p:grpSpPr>
       <p:sp>
         <p:nvSpPr>
-          <p:cNvPr id="30" name="Title 1">
-            <a:extLst>
-              <a:ext uri="{FF2B5EF4-FFF2-40B4-BE49-F238E27FC236}">
-                <a16:creationId xmlns:a16="http://schemas.microsoft.com/office/drawing/2014/main" id="{B660D0A5-4D69-4009-939F-E9EA258F856C}"/>
-              </a:ext>
-            </a:extLst>
-          </p:cNvPr>
-          <p:cNvSpPr>
-            <a:spLocks noGrp="1"/>
-          </p:cNvSpPr>
-          <p:nvPr>
-            <p:ph type="title"/>
-          </p:nvPr>
-        </p:nvSpPr>
-        <p:spPr>
-          <a:xfrm>
-            <a:off x="838200" y="365125"/>
-            <a:ext cx="10515600" cy="1325563"/>
-          </a:xfrm>
-        </p:spPr>
-        <p:txBody>
-          <a:bodyPr>
-            <a:normAutofit/>
-          </a:bodyPr>
-          <a:lstStyle/>
-          <a:p>
-            <a:r>
-              <a:rPr lang="nl-NL" sz="3600"/>
-              <a:t>Webwinkel: Unieke kenmerken</a:t>
-            </a:r>
-          </a:p>
-        </p:txBody>
-      </p:sp>
-      <p:graphicFrame>
-        <p:nvGraphicFramePr>
-          <p:cNvPr id="2" name="Table 3">
-            <a:extLst>
-              <a:ext uri="{FF2B5EF4-FFF2-40B4-BE49-F238E27FC236}">
-                <a16:creationId xmlns:a16="http://schemas.microsoft.com/office/drawing/2014/main" id="{667974EE-7976-B876-F99D-EA58284ED043}"/>
-              </a:ext>
-            </a:extLst>
-          </p:cNvPr>
-          <p:cNvGraphicFramePr>
-            <a:graphicFrameLocks noGrp="1"/>
-          </p:cNvGraphicFramePr>
-          <p:nvPr>
-            <p:extLst>
-              <p:ext uri="{D42A27DB-BD31-4B8C-83A1-F6EECF244321}">
-                <p14:modId xmlns:p14="http://schemas.microsoft.com/office/powerpoint/2010/main" val="957922496"/>
-              </p:ext>
-            </p:extLst>
-          </p:nvPr>
-        </p:nvGraphicFramePr>
-        <p:xfrm>
-          <a:off x="838200" y="2316480"/>
-          <a:ext cx="4411132" cy="1112520"/>
-        </p:xfrm>
-        <a:graphic>
-          <a:graphicData uri="http://schemas.openxmlformats.org/drawingml/2006/table">
-            <a:tbl>
-              <a:tblPr firstRow="1" bandRow="1">
-                <a:tableStyleId>{5C22544A-7EE6-4342-B048-85BDC9FD1C3A}</a:tableStyleId>
-              </a:tblPr>
-              <a:tblGrid>
-                <a:gridCol w="990600">
-                  <a:extLst>
-                    <a:ext uri="{9D8B030D-6E8A-4147-A177-3AD203B41FA5}">
-                      <a16:colId xmlns:a16="http://schemas.microsoft.com/office/drawing/2014/main" val="2260167414"/>
-                    </a:ext>
-                  </a:extLst>
-                </a:gridCol>
-                <a:gridCol w="2015067">
-                  <a:extLst>
-                    <a:ext uri="{9D8B030D-6E8A-4147-A177-3AD203B41FA5}">
-                      <a16:colId xmlns:a16="http://schemas.microsoft.com/office/drawing/2014/main" val="3113348022"/>
-                    </a:ext>
-                  </a:extLst>
-                </a:gridCol>
-                <a:gridCol w="872066">
-                  <a:extLst>
-                    <a:ext uri="{9D8B030D-6E8A-4147-A177-3AD203B41FA5}">
-                      <a16:colId xmlns:a16="http://schemas.microsoft.com/office/drawing/2014/main" val="2553575160"/>
-                    </a:ext>
-                  </a:extLst>
-                </a:gridCol>
-                <a:gridCol w="533399">
-                  <a:extLst>
-                    <a:ext uri="{9D8B030D-6E8A-4147-A177-3AD203B41FA5}">
-                      <a16:colId xmlns:a16="http://schemas.microsoft.com/office/drawing/2014/main" val="3305451767"/>
-                    </a:ext>
-                  </a:extLst>
-                </a:gridCol>
-              </a:tblGrid>
-              <a:tr h="370840">
-                <a:tc>
-                  <a:txBody>
-                    <a:bodyPr/>
-                    <a:lstStyle/>
-                    <a:p>
-                      <a:r>
-                        <a:rPr lang="en-US" sz="1400" dirty="0" err="1"/>
-                        <a:t>ProductId</a:t>
-                      </a:r>
-                      <a:endParaRPr lang="en-NL" sz="1400" dirty="0"/>
-                    </a:p>
-                  </a:txBody>
-                  <a:tcPr/>
-                </a:tc>
-                <a:tc>
-                  <a:txBody>
-                    <a:bodyPr/>
-                    <a:lstStyle/>
-                    <a:p>
-                      <a:r>
-                        <a:rPr lang="en-US" sz="1400" dirty="0"/>
-                        <a:t>Naam</a:t>
-                      </a:r>
-                      <a:endParaRPr lang="en-NL" sz="1400" dirty="0"/>
-                    </a:p>
-                  </a:txBody>
-                  <a:tcPr/>
-                </a:tc>
-                <a:tc>
-                  <a:txBody>
-                    <a:bodyPr/>
-                    <a:lstStyle/>
-                    <a:p>
-                      <a:r>
-                        <a:rPr lang="en-US" sz="1400" dirty="0" err="1"/>
-                        <a:t>EANCode</a:t>
-                      </a:r>
-                      <a:endParaRPr lang="en-NL" sz="1400" dirty="0"/>
-                    </a:p>
-                  </a:txBody>
-                  <a:tcPr/>
-                </a:tc>
-                <a:tc>
-                  <a:txBody>
-                    <a:bodyPr/>
-                    <a:lstStyle/>
-                    <a:p>
-                      <a:r>
-                        <a:rPr lang="en-US" sz="1400" dirty="0"/>
-                        <a:t>…</a:t>
-                      </a:r>
-                      <a:endParaRPr lang="en-NL" sz="1400" dirty="0"/>
-                    </a:p>
-                  </a:txBody>
-                  <a:tcPr/>
-                </a:tc>
-                <a:extLst>
-                  <a:ext uri="{0D108BD9-81ED-4DB2-BD59-A6C34878D82A}">
-                    <a16:rowId xmlns:a16="http://schemas.microsoft.com/office/drawing/2014/main" val="1030692646"/>
-                  </a:ext>
-                </a:extLst>
-              </a:tr>
-              <a:tr h="370840">
-                <a:tc>
-                  <a:txBody>
-                    <a:bodyPr/>
-                    <a:lstStyle/>
-                    <a:p>
-                      <a:r>
-                        <a:rPr lang="en-US" sz="1400" dirty="0"/>
-                        <a:t>1</a:t>
-                      </a:r>
-                      <a:endParaRPr lang="en-NL" sz="1400" dirty="0"/>
-                    </a:p>
-                  </a:txBody>
-                  <a:tcPr/>
-                </a:tc>
-                <a:tc>
-                  <a:txBody>
-                    <a:bodyPr/>
-                    <a:lstStyle/>
-                    <a:p>
-                      <a:r>
-                        <a:rPr lang="en-US" sz="1400" dirty="0" err="1"/>
-                        <a:t>Jip</a:t>
-                      </a:r>
-                      <a:r>
-                        <a:rPr lang="en-US" sz="1400" dirty="0"/>
-                        <a:t> </a:t>
-                      </a:r>
-                      <a:r>
-                        <a:rPr lang="en-US" sz="1400" dirty="0" err="1"/>
-                        <a:t>en</a:t>
-                      </a:r>
-                      <a:r>
-                        <a:rPr lang="en-US" sz="1400" dirty="0"/>
-                        <a:t> </a:t>
-                      </a:r>
-                      <a:r>
-                        <a:rPr lang="en-US" sz="1400" dirty="0" err="1"/>
-                        <a:t>Janneke</a:t>
-                      </a:r>
-                      <a:endParaRPr lang="en-NL" sz="1400" dirty="0"/>
-                    </a:p>
-                  </a:txBody>
-                  <a:tcPr/>
-                </a:tc>
-                <a:tc>
-                  <a:txBody>
-                    <a:bodyPr/>
-                    <a:lstStyle/>
-                    <a:p>
-                      <a:r>
-                        <a:rPr lang="en-US" sz="1400" dirty="0"/>
-                        <a:t>EAN001</a:t>
-                      </a:r>
-                      <a:endParaRPr lang="en-NL" sz="1400" dirty="0"/>
-                    </a:p>
-                  </a:txBody>
-                  <a:tcPr/>
-                </a:tc>
-                <a:tc>
-                  <a:txBody>
-                    <a:bodyPr/>
-                    <a:lstStyle/>
-                    <a:p>
-                      <a:r>
-                        <a:rPr lang="en-US" sz="1400" dirty="0"/>
-                        <a:t>…</a:t>
-                      </a:r>
-                      <a:endParaRPr lang="en-NL" sz="1400" dirty="0"/>
-                    </a:p>
-                  </a:txBody>
-                  <a:tcPr/>
-                </a:tc>
-                <a:extLst>
-                  <a:ext uri="{0D108BD9-81ED-4DB2-BD59-A6C34878D82A}">
-                    <a16:rowId xmlns:a16="http://schemas.microsoft.com/office/drawing/2014/main" val="3317498871"/>
-                  </a:ext>
-                </a:extLst>
-              </a:tr>
-              <a:tr h="370840">
-                <a:tc>
-                  <a:txBody>
-                    <a:bodyPr/>
-                    <a:lstStyle/>
-                    <a:p>
-                      <a:r>
-                        <a:rPr lang="en-US" sz="1400" dirty="0"/>
-                        <a:t>2</a:t>
-                      </a:r>
-                      <a:endParaRPr lang="en-NL" sz="1400" dirty="0"/>
-                    </a:p>
-                  </a:txBody>
-                  <a:tcPr/>
-                </a:tc>
-                <a:tc>
-                  <a:txBody>
-                    <a:bodyPr/>
-                    <a:lstStyle/>
-                    <a:p>
-                      <a:r>
-                        <a:rPr lang="en-US" sz="1400" dirty="0"/>
-                        <a:t>LEGO DUPLO </a:t>
-                      </a:r>
-                      <a:r>
-                        <a:rPr lang="en-US" sz="1400" dirty="0" err="1"/>
-                        <a:t>Brandweer</a:t>
-                      </a:r>
-                      <a:endParaRPr lang="en-NL" sz="1400" dirty="0"/>
-                    </a:p>
-                  </a:txBody>
-                  <a:tcPr/>
-                </a:tc>
-                <a:tc>
-                  <a:txBody>
-                    <a:bodyPr/>
-                    <a:lstStyle/>
-                    <a:p>
-                      <a:r>
-                        <a:rPr lang="en-US" sz="1400" dirty="0"/>
-                        <a:t>EAN002</a:t>
-                      </a:r>
-                      <a:endParaRPr lang="en-NL" sz="1400" dirty="0"/>
-                    </a:p>
-                  </a:txBody>
-                  <a:tcPr/>
-                </a:tc>
-                <a:tc>
-                  <a:txBody>
-                    <a:bodyPr/>
-                    <a:lstStyle/>
-                    <a:p>
-                      <a:r>
-                        <a:rPr lang="en-US" sz="1400" dirty="0"/>
-                        <a:t>…</a:t>
-                      </a:r>
-                      <a:endParaRPr lang="en-NL" sz="1400" dirty="0"/>
-                    </a:p>
-                  </a:txBody>
-                  <a:tcPr/>
-                </a:tc>
-                <a:extLst>
-                  <a:ext uri="{0D108BD9-81ED-4DB2-BD59-A6C34878D82A}">
-                    <a16:rowId xmlns:a16="http://schemas.microsoft.com/office/drawing/2014/main" val="4019080770"/>
-                  </a:ext>
-                </a:extLst>
-              </a:tr>
-            </a:tbl>
-          </a:graphicData>
-        </a:graphic>
-      </p:graphicFrame>
-      <p:sp>
-        <p:nvSpPr>
-          <p:cNvPr id="4" name="TextBox 3">
-            <a:extLst>
-              <a:ext uri="{FF2B5EF4-FFF2-40B4-BE49-F238E27FC236}">
-                <a16:creationId xmlns:a16="http://schemas.microsoft.com/office/drawing/2014/main" id="{D8D21865-C4EA-76CC-F22B-4F684B633F56}"/>
-              </a:ext>
-            </a:extLst>
-          </p:cNvPr>
-          <p:cNvSpPr txBox="1"/>
-          <p:nvPr/>
-        </p:nvSpPr>
-        <p:spPr>
-          <a:xfrm>
-            <a:off x="838200" y="1947148"/>
-            <a:ext cx="1154675" cy="369332"/>
-          </a:xfrm>
-          <a:prstGeom prst="rect">
-            <a:avLst/>
-          </a:prstGeom>
-          <a:noFill/>
-        </p:spPr>
-        <p:txBody>
-          <a:bodyPr wrap="none" rtlCol="0">
-            <a:spAutoFit/>
-          </a:bodyPr>
-          <a:lstStyle/>
-          <a:p>
-            <a:r>
-              <a:rPr lang="nl-NL" dirty="0"/>
-              <a:t>Producten</a:t>
-            </a:r>
-          </a:p>
-        </p:txBody>
-      </p:sp>
-      <p:sp>
-        <p:nvSpPr>
-          <p:cNvPr id="16" name="TextBox 15">
-            <a:extLst>
-              <a:ext uri="{FF2B5EF4-FFF2-40B4-BE49-F238E27FC236}">
-                <a16:creationId xmlns:a16="http://schemas.microsoft.com/office/drawing/2014/main" id="{65AB9E32-91C1-16A5-98F9-ABA1E44F6B0A}"/>
-              </a:ext>
-            </a:extLst>
-          </p:cNvPr>
-          <p:cNvSpPr txBox="1"/>
-          <p:nvPr/>
-        </p:nvSpPr>
-        <p:spPr>
-          <a:xfrm>
-            <a:off x="5960534" y="1949713"/>
-            <a:ext cx="5325534" cy="2308324"/>
-          </a:xfrm>
-          <a:prstGeom prst="rect">
-            <a:avLst/>
-          </a:prstGeom>
-          <a:noFill/>
-        </p:spPr>
-        <p:txBody>
-          <a:bodyPr wrap="square" rtlCol="0">
-            <a:spAutoFit/>
-          </a:bodyPr>
-          <a:lstStyle/>
-          <a:p>
-            <a:r>
-              <a:rPr lang="nl-NL" b="1" dirty="0"/>
-              <a:t>Wat te doen met product specifieke kenmerken?</a:t>
-            </a:r>
-          </a:p>
-          <a:p>
-            <a:pPr marL="285750" indent="-285750">
-              <a:buFontTx/>
-              <a:buChar char="-"/>
-            </a:pPr>
-            <a:r>
-              <a:rPr lang="nl-NL" dirty="0"/>
-              <a:t>Auteur</a:t>
-            </a:r>
-          </a:p>
-          <a:p>
-            <a:pPr marL="285750" indent="-285750">
-              <a:buFontTx/>
-              <a:buChar char="-"/>
-            </a:pPr>
-            <a:r>
-              <a:rPr lang="nl-NL" dirty="0"/>
-              <a:t>Aantal pagina’s</a:t>
-            </a:r>
-          </a:p>
-          <a:p>
-            <a:pPr marL="285750" indent="-285750">
-              <a:buFontTx/>
-              <a:buChar char="-"/>
-            </a:pPr>
-            <a:endParaRPr lang="nl-NL" dirty="0"/>
-          </a:p>
-          <a:p>
-            <a:r>
-              <a:rPr lang="nl-NL" b="1" dirty="0"/>
-              <a:t>Allemaal toevoegen aan dezelfde tabel?</a:t>
-            </a:r>
-          </a:p>
-          <a:p>
-            <a:pPr marL="285750" indent="-285750">
-              <a:buFontTx/>
-              <a:buChar char="-"/>
-            </a:pPr>
-            <a:r>
-              <a:rPr lang="nl-NL" dirty="0"/>
-              <a:t>De tabel wordt te breed om mee te kunnen werken…</a:t>
-            </a:r>
-          </a:p>
-          <a:p>
-            <a:endParaRPr lang="nl-NL" dirty="0"/>
-          </a:p>
-        </p:txBody>
-      </p:sp>
-    </p:spTree>
-    <p:extLst>
-      <p:ext uri="{BB962C8B-B14F-4D97-AF65-F5344CB8AC3E}">
-        <p14:creationId xmlns:p14="http://schemas.microsoft.com/office/powerpoint/2010/main" val="489352100"/>
-      </p:ext>
-    </p:extLst>
-  </p:cSld>
-  <p:clrMapOvr>
-    <a:masterClrMapping/>
-  </p:clrMapOvr>
-</p:sld>
-</file>
-
-<file path=ppt/slides/slide11.xml><?xml version="1.0" encoding="utf-8"?>
-<p:sld xmlns:a="http://schemas.openxmlformats.org/drawingml/2006/main" xmlns:r="http://schemas.openxmlformats.org/officeDocument/2006/relationships" xmlns:p="http://schemas.openxmlformats.org/presentationml/2006/main">
-  <p:cSld>
-    <p:spTree>
-      <p:nvGrpSpPr>
-        <p:cNvPr id="1" name=""/>
-        <p:cNvGrpSpPr/>
-        <p:nvPr/>
-      </p:nvGrpSpPr>
-      <p:grpSpPr>
-        <a:xfrm>
-          <a:off x="0" y="0"/>
-          <a:ext cx="0" cy="0"/>
-          <a:chOff x="0" y="0"/>
-          <a:chExt cx="0" cy="0"/>
-        </a:xfrm>
-      </p:grpSpPr>
-      <p:sp>
-        <p:nvSpPr>
-          <p:cNvPr id="30" name="Title 1">
-            <a:extLst>
-              <a:ext uri="{FF2B5EF4-FFF2-40B4-BE49-F238E27FC236}">
-                <a16:creationId xmlns:a16="http://schemas.microsoft.com/office/drawing/2014/main" id="{B660D0A5-4D69-4009-939F-E9EA258F856C}"/>
-              </a:ext>
-            </a:extLst>
-          </p:cNvPr>
-          <p:cNvSpPr>
-            <a:spLocks noGrp="1"/>
-          </p:cNvSpPr>
-          <p:nvPr>
-            <p:ph type="title"/>
-          </p:nvPr>
-        </p:nvSpPr>
-        <p:spPr>
-          <a:xfrm>
-            <a:off x="838200" y="365125"/>
-            <a:ext cx="10515600" cy="1325563"/>
-          </a:xfrm>
-        </p:spPr>
-        <p:txBody>
-          <a:bodyPr>
-            <a:normAutofit/>
-          </a:bodyPr>
-          <a:lstStyle/>
-          <a:p>
-            <a:r>
-              <a:rPr lang="nl-NL" sz="3600"/>
-              <a:t>Webwinkel: Unieke kenmerken</a:t>
-            </a:r>
-          </a:p>
-        </p:txBody>
-      </p:sp>
-      <p:graphicFrame>
-        <p:nvGraphicFramePr>
-          <p:cNvPr id="2" name="Table 3">
-            <a:extLst>
-              <a:ext uri="{FF2B5EF4-FFF2-40B4-BE49-F238E27FC236}">
-                <a16:creationId xmlns:a16="http://schemas.microsoft.com/office/drawing/2014/main" id="{667974EE-7976-B876-F99D-EA58284ED043}"/>
-              </a:ext>
-            </a:extLst>
-          </p:cNvPr>
-          <p:cNvGraphicFramePr>
-            <a:graphicFrameLocks noGrp="1"/>
-          </p:cNvGraphicFramePr>
-          <p:nvPr>
-            <p:extLst>
-              <p:ext uri="{D42A27DB-BD31-4B8C-83A1-F6EECF244321}">
-                <p14:modId xmlns:p14="http://schemas.microsoft.com/office/powerpoint/2010/main" val="1369777285"/>
-              </p:ext>
-            </p:extLst>
-          </p:nvPr>
-        </p:nvGraphicFramePr>
-        <p:xfrm>
-          <a:off x="838200" y="2316480"/>
-          <a:ext cx="4411132" cy="1112520"/>
-        </p:xfrm>
-        <a:graphic>
-          <a:graphicData uri="http://schemas.openxmlformats.org/drawingml/2006/table">
-            <a:tbl>
-              <a:tblPr firstRow="1" bandRow="1">
-                <a:tableStyleId>{5C22544A-7EE6-4342-B048-85BDC9FD1C3A}</a:tableStyleId>
-              </a:tblPr>
-              <a:tblGrid>
-                <a:gridCol w="990600">
-                  <a:extLst>
-                    <a:ext uri="{9D8B030D-6E8A-4147-A177-3AD203B41FA5}">
-                      <a16:colId xmlns:a16="http://schemas.microsoft.com/office/drawing/2014/main" val="2260167414"/>
-                    </a:ext>
-                  </a:extLst>
-                </a:gridCol>
-                <a:gridCol w="2015067">
-                  <a:extLst>
-                    <a:ext uri="{9D8B030D-6E8A-4147-A177-3AD203B41FA5}">
-                      <a16:colId xmlns:a16="http://schemas.microsoft.com/office/drawing/2014/main" val="3113348022"/>
-                    </a:ext>
-                  </a:extLst>
-                </a:gridCol>
-                <a:gridCol w="872066">
-                  <a:extLst>
-                    <a:ext uri="{9D8B030D-6E8A-4147-A177-3AD203B41FA5}">
-                      <a16:colId xmlns:a16="http://schemas.microsoft.com/office/drawing/2014/main" val="2553575160"/>
-                    </a:ext>
-                  </a:extLst>
-                </a:gridCol>
-                <a:gridCol w="533399">
-                  <a:extLst>
-                    <a:ext uri="{9D8B030D-6E8A-4147-A177-3AD203B41FA5}">
-                      <a16:colId xmlns:a16="http://schemas.microsoft.com/office/drawing/2014/main" val="3305451767"/>
-                    </a:ext>
-                  </a:extLst>
-                </a:gridCol>
-              </a:tblGrid>
-              <a:tr h="370840">
-                <a:tc>
-                  <a:txBody>
-                    <a:bodyPr/>
-                    <a:lstStyle/>
-                    <a:p>
-                      <a:r>
-                        <a:rPr lang="en-US" sz="1400" dirty="0" err="1"/>
-                        <a:t>ProductId</a:t>
-                      </a:r>
-                      <a:endParaRPr lang="en-NL" sz="1400" dirty="0"/>
-                    </a:p>
-                  </a:txBody>
-                  <a:tcPr/>
-                </a:tc>
-                <a:tc>
-                  <a:txBody>
-                    <a:bodyPr/>
-                    <a:lstStyle/>
-                    <a:p>
-                      <a:r>
-                        <a:rPr lang="en-US" sz="1400" dirty="0"/>
-                        <a:t>Naam</a:t>
-                      </a:r>
-                      <a:endParaRPr lang="en-NL" sz="1400" dirty="0"/>
-                    </a:p>
-                  </a:txBody>
-                  <a:tcPr/>
-                </a:tc>
-                <a:tc>
-                  <a:txBody>
-                    <a:bodyPr/>
-                    <a:lstStyle/>
-                    <a:p>
-                      <a:r>
-                        <a:rPr lang="en-US" sz="1400" dirty="0" err="1"/>
-                        <a:t>EANCode</a:t>
-                      </a:r>
-                      <a:endParaRPr lang="en-NL" sz="1400" dirty="0"/>
-                    </a:p>
-                  </a:txBody>
-                  <a:tcPr/>
-                </a:tc>
-                <a:tc>
-                  <a:txBody>
-                    <a:bodyPr/>
-                    <a:lstStyle/>
-                    <a:p>
-                      <a:r>
-                        <a:rPr lang="en-US" sz="1400" dirty="0"/>
-                        <a:t>…</a:t>
-                      </a:r>
-                      <a:endParaRPr lang="en-NL" sz="1400" dirty="0"/>
-                    </a:p>
-                  </a:txBody>
-                  <a:tcPr/>
-                </a:tc>
-                <a:extLst>
-                  <a:ext uri="{0D108BD9-81ED-4DB2-BD59-A6C34878D82A}">
-                    <a16:rowId xmlns:a16="http://schemas.microsoft.com/office/drawing/2014/main" val="1030692646"/>
-                  </a:ext>
-                </a:extLst>
-              </a:tr>
-              <a:tr h="370840">
-                <a:tc>
-                  <a:txBody>
-                    <a:bodyPr/>
-                    <a:lstStyle/>
-                    <a:p>
-                      <a:r>
-                        <a:rPr lang="en-US" sz="1400" dirty="0"/>
-                        <a:t>1</a:t>
-                      </a:r>
-                      <a:endParaRPr lang="en-NL" sz="1400" dirty="0"/>
-                    </a:p>
-                  </a:txBody>
-                  <a:tcPr/>
-                </a:tc>
-                <a:tc>
-                  <a:txBody>
-                    <a:bodyPr/>
-                    <a:lstStyle/>
-                    <a:p>
-                      <a:r>
-                        <a:rPr lang="en-US" sz="1400" dirty="0" err="1"/>
-                        <a:t>Jip</a:t>
-                      </a:r>
-                      <a:r>
-                        <a:rPr lang="en-US" sz="1400" dirty="0"/>
-                        <a:t> </a:t>
-                      </a:r>
-                      <a:r>
-                        <a:rPr lang="en-US" sz="1400" dirty="0" err="1"/>
-                        <a:t>en</a:t>
-                      </a:r>
-                      <a:r>
-                        <a:rPr lang="en-US" sz="1400" dirty="0"/>
-                        <a:t> </a:t>
-                      </a:r>
-                      <a:r>
-                        <a:rPr lang="en-US" sz="1400" dirty="0" err="1"/>
-                        <a:t>Janneke</a:t>
-                      </a:r>
-                      <a:endParaRPr lang="en-NL" sz="1400" dirty="0"/>
-                    </a:p>
-                  </a:txBody>
-                  <a:tcPr/>
-                </a:tc>
-                <a:tc>
-                  <a:txBody>
-                    <a:bodyPr/>
-                    <a:lstStyle/>
-                    <a:p>
-                      <a:r>
-                        <a:rPr lang="en-US" sz="1400" dirty="0"/>
-                        <a:t>EAN001</a:t>
-                      </a:r>
-                      <a:endParaRPr lang="en-NL" sz="1400" dirty="0"/>
-                    </a:p>
-                  </a:txBody>
-                  <a:tcPr/>
-                </a:tc>
-                <a:tc>
-                  <a:txBody>
-                    <a:bodyPr/>
-                    <a:lstStyle/>
-                    <a:p>
-                      <a:r>
-                        <a:rPr lang="en-US" sz="1400" dirty="0"/>
-                        <a:t>…</a:t>
-                      </a:r>
-                      <a:endParaRPr lang="en-NL" sz="1400" dirty="0"/>
-                    </a:p>
-                  </a:txBody>
-                  <a:tcPr/>
-                </a:tc>
-                <a:extLst>
-                  <a:ext uri="{0D108BD9-81ED-4DB2-BD59-A6C34878D82A}">
-                    <a16:rowId xmlns:a16="http://schemas.microsoft.com/office/drawing/2014/main" val="3317498871"/>
-                  </a:ext>
-                </a:extLst>
-              </a:tr>
-              <a:tr h="370840">
-                <a:tc>
-                  <a:txBody>
-                    <a:bodyPr/>
-                    <a:lstStyle/>
-                    <a:p>
-                      <a:r>
-                        <a:rPr lang="en-US" sz="1400" dirty="0"/>
-                        <a:t>2</a:t>
-                      </a:r>
-                      <a:endParaRPr lang="en-NL" sz="1400" dirty="0"/>
-                    </a:p>
-                  </a:txBody>
-                  <a:tcPr/>
-                </a:tc>
-                <a:tc>
-                  <a:txBody>
-                    <a:bodyPr/>
-                    <a:lstStyle/>
-                    <a:p>
-                      <a:r>
-                        <a:rPr lang="en-US" sz="1400" dirty="0"/>
-                        <a:t>LEGO DUPLO </a:t>
-                      </a:r>
-                      <a:r>
-                        <a:rPr lang="en-US" sz="1400" dirty="0" err="1"/>
-                        <a:t>Brandweer</a:t>
-                      </a:r>
-                      <a:endParaRPr lang="en-NL" sz="1400" dirty="0"/>
-                    </a:p>
-                  </a:txBody>
-                  <a:tcPr/>
-                </a:tc>
-                <a:tc>
-                  <a:txBody>
-                    <a:bodyPr/>
-                    <a:lstStyle/>
-                    <a:p>
-                      <a:r>
-                        <a:rPr lang="en-US" sz="1400" dirty="0"/>
-                        <a:t>EAN002</a:t>
-                      </a:r>
-                      <a:endParaRPr lang="en-NL" sz="1400" dirty="0"/>
-                    </a:p>
-                  </a:txBody>
-                  <a:tcPr/>
-                </a:tc>
-                <a:tc>
-                  <a:txBody>
-                    <a:bodyPr/>
-                    <a:lstStyle/>
-                    <a:p>
-                      <a:r>
-                        <a:rPr lang="en-US" sz="1400" dirty="0"/>
-                        <a:t>…</a:t>
-                      </a:r>
-                      <a:endParaRPr lang="en-NL" sz="1400" dirty="0"/>
-                    </a:p>
-                  </a:txBody>
-                  <a:tcPr/>
-                </a:tc>
-                <a:extLst>
-                  <a:ext uri="{0D108BD9-81ED-4DB2-BD59-A6C34878D82A}">
-                    <a16:rowId xmlns:a16="http://schemas.microsoft.com/office/drawing/2014/main" val="4019080770"/>
-                  </a:ext>
-                </a:extLst>
-              </a:tr>
-            </a:tbl>
-          </a:graphicData>
-        </a:graphic>
-      </p:graphicFrame>
-      <p:sp>
-        <p:nvSpPr>
-          <p:cNvPr id="4" name="TextBox 3">
-            <a:extLst>
-              <a:ext uri="{FF2B5EF4-FFF2-40B4-BE49-F238E27FC236}">
-                <a16:creationId xmlns:a16="http://schemas.microsoft.com/office/drawing/2014/main" id="{D8D21865-C4EA-76CC-F22B-4F684B633F56}"/>
-              </a:ext>
-            </a:extLst>
-          </p:cNvPr>
-          <p:cNvSpPr txBox="1"/>
-          <p:nvPr/>
-        </p:nvSpPr>
-        <p:spPr>
-          <a:xfrm>
-            <a:off x="838200" y="1947148"/>
-            <a:ext cx="1154675" cy="369332"/>
-          </a:xfrm>
-          <a:prstGeom prst="rect">
-            <a:avLst/>
-          </a:prstGeom>
-          <a:noFill/>
-        </p:spPr>
-        <p:txBody>
-          <a:bodyPr wrap="none" rtlCol="0">
-            <a:spAutoFit/>
-          </a:bodyPr>
-          <a:lstStyle/>
-          <a:p>
-            <a:r>
-              <a:rPr lang="nl-NL" dirty="0"/>
-              <a:t>Producten</a:t>
-            </a:r>
-          </a:p>
-        </p:txBody>
-      </p:sp>
-      <p:graphicFrame>
-        <p:nvGraphicFramePr>
-          <p:cNvPr id="3" name="Table 4">
-            <a:extLst>
-              <a:ext uri="{FF2B5EF4-FFF2-40B4-BE49-F238E27FC236}">
-                <a16:creationId xmlns:a16="http://schemas.microsoft.com/office/drawing/2014/main" id="{ADA19259-FE08-05F2-9024-51D4186A8503}"/>
-              </a:ext>
-            </a:extLst>
-          </p:cNvPr>
-          <p:cNvGraphicFramePr>
-            <a:graphicFrameLocks noGrp="1"/>
-          </p:cNvGraphicFramePr>
-          <p:nvPr>
-            <p:extLst>
-              <p:ext uri="{D42A27DB-BD31-4B8C-83A1-F6EECF244321}">
-                <p14:modId xmlns:p14="http://schemas.microsoft.com/office/powerpoint/2010/main" val="713487229"/>
-              </p:ext>
-            </p:extLst>
-          </p:nvPr>
-        </p:nvGraphicFramePr>
-        <p:xfrm>
-          <a:off x="838200" y="4360333"/>
-          <a:ext cx="4411133" cy="1483360"/>
-        </p:xfrm>
-        <a:graphic>
-          <a:graphicData uri="http://schemas.openxmlformats.org/drawingml/2006/table">
-            <a:tbl>
-              <a:tblPr firstRow="1" bandRow="1">
-                <a:tableStyleId>{5C22544A-7EE6-4342-B048-85BDC9FD1C3A}</a:tableStyleId>
-              </a:tblPr>
-              <a:tblGrid>
-                <a:gridCol w="995812">
-                  <a:extLst>
-                    <a:ext uri="{9D8B030D-6E8A-4147-A177-3AD203B41FA5}">
-                      <a16:colId xmlns:a16="http://schemas.microsoft.com/office/drawing/2014/main" val="1547597187"/>
-                    </a:ext>
-                  </a:extLst>
-                </a:gridCol>
-                <a:gridCol w="1070589">
-                  <a:extLst>
-                    <a:ext uri="{9D8B030D-6E8A-4147-A177-3AD203B41FA5}">
-                      <a16:colId xmlns:a16="http://schemas.microsoft.com/office/drawing/2014/main" val="1209011704"/>
-                    </a:ext>
-                  </a:extLst>
-                </a:gridCol>
-                <a:gridCol w="2344732">
-                  <a:extLst>
-                    <a:ext uri="{9D8B030D-6E8A-4147-A177-3AD203B41FA5}">
-                      <a16:colId xmlns:a16="http://schemas.microsoft.com/office/drawing/2014/main" val="3853541196"/>
-                    </a:ext>
-                  </a:extLst>
-                </a:gridCol>
-              </a:tblGrid>
-              <a:tr h="370840">
-                <a:tc>
-                  <a:txBody>
-                    <a:bodyPr/>
-                    <a:lstStyle/>
-                    <a:p>
-                      <a:r>
-                        <a:rPr lang="en-US" sz="1400" dirty="0" err="1"/>
-                        <a:t>ProductId</a:t>
-                      </a:r>
-                      <a:endParaRPr lang="en-NL" sz="1400" dirty="0"/>
-                    </a:p>
-                  </a:txBody>
-                  <a:tcPr/>
-                </a:tc>
-                <a:tc>
-                  <a:txBody>
-                    <a:bodyPr/>
-                    <a:lstStyle/>
-                    <a:p>
-                      <a:r>
-                        <a:rPr lang="en-US" sz="1400" dirty="0" err="1"/>
-                        <a:t>Kenmerk</a:t>
-                      </a:r>
-                      <a:endParaRPr lang="en-NL" sz="1400" dirty="0"/>
-                    </a:p>
-                  </a:txBody>
-                  <a:tcPr/>
-                </a:tc>
-                <a:tc>
-                  <a:txBody>
-                    <a:bodyPr/>
-                    <a:lstStyle/>
-                    <a:p>
-                      <a:r>
-                        <a:rPr lang="en-US" sz="1400" dirty="0" err="1"/>
-                        <a:t>Waarde</a:t>
-                      </a:r>
-                      <a:endParaRPr lang="en-NL" sz="1400" dirty="0"/>
-                    </a:p>
-                  </a:txBody>
-                  <a:tcPr/>
-                </a:tc>
-                <a:extLst>
-                  <a:ext uri="{0D108BD9-81ED-4DB2-BD59-A6C34878D82A}">
-                    <a16:rowId xmlns:a16="http://schemas.microsoft.com/office/drawing/2014/main" val="216668575"/>
-                  </a:ext>
-                </a:extLst>
-              </a:tr>
-              <a:tr h="370840">
-                <a:tc>
-                  <a:txBody>
-                    <a:bodyPr/>
-                    <a:lstStyle/>
-                    <a:p>
-                      <a:r>
-                        <a:rPr lang="en-US" sz="1400" dirty="0"/>
-                        <a:t>1</a:t>
-                      </a:r>
-                      <a:endParaRPr lang="en-NL" sz="1400" dirty="0"/>
-                    </a:p>
-                  </a:txBody>
-                  <a:tcPr/>
-                </a:tc>
-                <a:tc>
-                  <a:txBody>
-                    <a:bodyPr/>
-                    <a:lstStyle/>
-                    <a:p>
-                      <a:r>
-                        <a:rPr lang="en-US" sz="1400" dirty="0"/>
-                        <a:t>Auteur</a:t>
-                      </a:r>
-                      <a:endParaRPr lang="en-NL" sz="1400" dirty="0"/>
-                    </a:p>
-                  </a:txBody>
-                  <a:tcPr/>
-                </a:tc>
-                <a:tc>
-                  <a:txBody>
-                    <a:bodyPr/>
-                    <a:lstStyle/>
-                    <a:p>
-                      <a:r>
-                        <a:rPr lang="en-US" sz="1400" dirty="0"/>
-                        <a:t>Annie M.G. Schmidt</a:t>
-                      </a:r>
-                      <a:endParaRPr lang="en-NL" sz="1400" dirty="0"/>
-                    </a:p>
-                  </a:txBody>
-                  <a:tcPr/>
-                </a:tc>
-                <a:extLst>
-                  <a:ext uri="{0D108BD9-81ED-4DB2-BD59-A6C34878D82A}">
-                    <a16:rowId xmlns:a16="http://schemas.microsoft.com/office/drawing/2014/main" val="453986422"/>
-                  </a:ext>
-                </a:extLst>
-              </a:tr>
-              <a:tr h="370840">
-                <a:tc>
-                  <a:txBody>
-                    <a:bodyPr/>
-                    <a:lstStyle/>
-                    <a:p>
-                      <a:r>
-                        <a:rPr lang="en-US" sz="1400" dirty="0"/>
-                        <a:t>1</a:t>
-                      </a:r>
-                      <a:endParaRPr lang="en-NL" sz="1400" dirty="0"/>
-                    </a:p>
-                  </a:txBody>
-                  <a:tcPr/>
-                </a:tc>
-                <a:tc>
-                  <a:txBody>
-                    <a:bodyPr/>
-                    <a:lstStyle/>
-                    <a:p>
-                      <a:r>
-                        <a:rPr lang="en-US" sz="1400" dirty="0" err="1"/>
-                        <a:t>Pagina’s</a:t>
-                      </a:r>
-                      <a:endParaRPr lang="en-NL" sz="1400" dirty="0"/>
-                    </a:p>
-                  </a:txBody>
-                  <a:tcPr/>
-                </a:tc>
-                <a:tc>
-                  <a:txBody>
-                    <a:bodyPr/>
-                    <a:lstStyle/>
-                    <a:p>
-                      <a:r>
-                        <a:rPr lang="en-US" sz="1400" dirty="0"/>
-                        <a:t>353</a:t>
-                      </a:r>
-                      <a:endParaRPr lang="en-NL" sz="1400" dirty="0"/>
-                    </a:p>
-                  </a:txBody>
-                  <a:tcPr/>
-                </a:tc>
-                <a:extLst>
-                  <a:ext uri="{0D108BD9-81ED-4DB2-BD59-A6C34878D82A}">
-                    <a16:rowId xmlns:a16="http://schemas.microsoft.com/office/drawing/2014/main" val="1223654244"/>
-                  </a:ext>
-                </a:extLst>
-              </a:tr>
-              <a:tr h="370840">
-                <a:tc>
-                  <a:txBody>
-                    <a:bodyPr/>
-                    <a:lstStyle/>
-                    <a:p>
-                      <a:r>
-                        <a:rPr lang="en-US" sz="1400" dirty="0"/>
-                        <a:t>2</a:t>
-                      </a:r>
-                      <a:endParaRPr lang="en-NL" sz="1400" dirty="0"/>
-                    </a:p>
-                  </a:txBody>
-                  <a:tcPr/>
-                </a:tc>
-                <a:tc>
-                  <a:txBody>
-                    <a:bodyPr/>
-                    <a:lstStyle/>
-                    <a:p>
-                      <a:r>
-                        <a:rPr lang="en-US" sz="1400" dirty="0" err="1"/>
-                        <a:t>Setnummer</a:t>
-                      </a:r>
-                      <a:endParaRPr lang="en-NL" sz="1400" dirty="0"/>
-                    </a:p>
-                  </a:txBody>
-                  <a:tcPr/>
-                </a:tc>
-                <a:tc>
-                  <a:txBody>
-                    <a:bodyPr/>
-                    <a:lstStyle/>
-                    <a:p>
-                      <a:r>
-                        <a:rPr lang="en-US" sz="1400" dirty="0"/>
-                        <a:t>10969</a:t>
-                      </a:r>
-                      <a:endParaRPr lang="en-NL" sz="1400" dirty="0"/>
-                    </a:p>
-                  </a:txBody>
-                  <a:tcPr/>
-                </a:tc>
-                <a:extLst>
-                  <a:ext uri="{0D108BD9-81ED-4DB2-BD59-A6C34878D82A}">
-                    <a16:rowId xmlns:a16="http://schemas.microsoft.com/office/drawing/2014/main" val="3909285557"/>
-                  </a:ext>
-                </a:extLst>
-              </a:tr>
-            </a:tbl>
-          </a:graphicData>
-        </a:graphic>
-      </p:graphicFrame>
-      <p:sp>
-        <p:nvSpPr>
-          <p:cNvPr id="5" name="TextBox 4">
-            <a:extLst>
-              <a:ext uri="{FF2B5EF4-FFF2-40B4-BE49-F238E27FC236}">
-                <a16:creationId xmlns:a16="http://schemas.microsoft.com/office/drawing/2014/main" id="{E247233D-022F-C419-2A30-26021B9DF157}"/>
-              </a:ext>
-            </a:extLst>
-          </p:cNvPr>
-          <p:cNvSpPr txBox="1"/>
-          <p:nvPr/>
-        </p:nvSpPr>
-        <p:spPr>
-          <a:xfrm>
-            <a:off x="5960534" y="1949713"/>
-            <a:ext cx="5325534" cy="3416320"/>
-          </a:xfrm>
-          <a:prstGeom prst="rect">
-            <a:avLst/>
-          </a:prstGeom>
-          <a:noFill/>
-        </p:spPr>
-        <p:txBody>
-          <a:bodyPr wrap="square" rtlCol="0">
-            <a:spAutoFit/>
-          </a:bodyPr>
-          <a:lstStyle/>
-          <a:p>
-            <a:r>
-              <a:rPr lang="nl-NL" b="1" dirty="0"/>
-              <a:t>Wat te doen met product specifieke kenmerken?</a:t>
-            </a:r>
-          </a:p>
-          <a:p>
-            <a:pPr marL="285750" indent="-285750">
-              <a:buFontTx/>
-              <a:buChar char="-"/>
-            </a:pPr>
-            <a:r>
-              <a:rPr lang="nl-NL" dirty="0"/>
-              <a:t>Auteur</a:t>
-            </a:r>
-          </a:p>
-          <a:p>
-            <a:pPr marL="285750" indent="-285750">
-              <a:buFontTx/>
-              <a:buChar char="-"/>
-            </a:pPr>
-            <a:r>
-              <a:rPr lang="nl-NL" dirty="0"/>
-              <a:t>Aantal pagina’s</a:t>
-            </a:r>
-          </a:p>
-          <a:p>
-            <a:pPr marL="285750" indent="-285750">
-              <a:buFontTx/>
-              <a:buChar char="-"/>
-            </a:pPr>
-            <a:endParaRPr lang="nl-NL" dirty="0"/>
-          </a:p>
-          <a:p>
-            <a:r>
-              <a:rPr lang="nl-NL" b="1" dirty="0"/>
-              <a:t>Allemaal toevoegen aan dezelfde tabel?</a:t>
-            </a:r>
-          </a:p>
-          <a:p>
-            <a:pPr marL="285750" indent="-285750">
-              <a:buFontTx/>
-              <a:buChar char="-"/>
-            </a:pPr>
-            <a:r>
-              <a:rPr lang="nl-NL" dirty="0"/>
-              <a:t>De tabel wordt te breed om mee te kunnen werken…</a:t>
-            </a:r>
-          </a:p>
-          <a:p>
-            <a:endParaRPr lang="nl-NL" dirty="0"/>
-          </a:p>
-          <a:p>
-            <a:r>
-              <a:rPr lang="nl-NL" b="1" dirty="0"/>
-              <a:t>Alternatief:</a:t>
-            </a:r>
-          </a:p>
-          <a:p>
-            <a:pPr marL="285750" indent="-285750">
-              <a:buFontTx/>
-              <a:buChar char="-"/>
-            </a:pPr>
-            <a:r>
-              <a:rPr lang="nl-NL" dirty="0"/>
-              <a:t>Stop unieke kenmerken in een aparte tabel.</a:t>
-            </a:r>
-          </a:p>
-          <a:p>
-            <a:pPr marL="285750" indent="-285750">
-              <a:buFontTx/>
-              <a:buChar char="-"/>
-            </a:pPr>
-            <a:r>
-              <a:rPr lang="nl-NL" dirty="0"/>
-              <a:t>Sets van product + kenmerk + waarde.</a:t>
-            </a:r>
-          </a:p>
-          <a:p>
-            <a:pPr marL="285750" indent="-285750">
-              <a:buFontTx/>
-              <a:buChar char="-"/>
-            </a:pPr>
-            <a:r>
-              <a:rPr lang="nl-NL" dirty="0"/>
-              <a:t>Pivot het resultaat.</a:t>
-            </a:r>
-          </a:p>
-        </p:txBody>
-      </p:sp>
-      <p:sp>
-        <p:nvSpPr>
-          <p:cNvPr id="6" name="TextBox 5">
-            <a:extLst>
-              <a:ext uri="{FF2B5EF4-FFF2-40B4-BE49-F238E27FC236}">
-                <a16:creationId xmlns:a16="http://schemas.microsoft.com/office/drawing/2014/main" id="{946569C8-F9A7-501B-EA14-29EEDD351B3E}"/>
-              </a:ext>
-            </a:extLst>
-          </p:cNvPr>
-          <p:cNvSpPr txBox="1"/>
-          <p:nvPr/>
-        </p:nvSpPr>
-        <p:spPr>
-          <a:xfrm>
-            <a:off x="838199" y="3991001"/>
-            <a:ext cx="1987147" cy="369332"/>
-          </a:xfrm>
-          <a:prstGeom prst="rect">
-            <a:avLst/>
-          </a:prstGeom>
-          <a:noFill/>
-        </p:spPr>
-        <p:txBody>
-          <a:bodyPr wrap="none" rtlCol="0">
-            <a:spAutoFit/>
-          </a:bodyPr>
-          <a:lstStyle/>
-          <a:p>
-            <a:r>
-              <a:rPr lang="nl-NL"/>
-              <a:t>ProductKenmerken</a:t>
-            </a:r>
-            <a:endParaRPr lang="nl-NL" dirty="0"/>
-          </a:p>
-        </p:txBody>
-      </p:sp>
-    </p:spTree>
-    <p:extLst>
-      <p:ext uri="{BB962C8B-B14F-4D97-AF65-F5344CB8AC3E}">
-        <p14:creationId xmlns:p14="http://schemas.microsoft.com/office/powerpoint/2010/main" val="3427805686"/>
-      </p:ext>
-    </p:extLst>
-  </p:cSld>
-  <p:clrMapOvr>
-    <a:masterClrMapping/>
-  </p:clrMapOvr>
-</p:sld>
-</file>
-
-<file path=ppt/slides/slide12.xml><?xml version="1.0" encoding="utf-8"?>
-<p:sld xmlns:a="http://schemas.openxmlformats.org/drawingml/2006/main" xmlns:r="http://schemas.openxmlformats.org/officeDocument/2006/relationships" xmlns:p="http://schemas.openxmlformats.org/presentationml/2006/main">
-  <p:cSld>
-    <p:spTree>
-      <p:nvGrpSpPr>
-        <p:cNvPr id="1" name=""/>
-        <p:cNvGrpSpPr/>
-        <p:nvPr/>
-      </p:nvGrpSpPr>
-      <p:grpSpPr>
-        <a:xfrm>
-          <a:off x="0" y="0"/>
-          <a:ext cx="0" cy="0"/>
-          <a:chOff x="0" y="0"/>
-          <a:chExt cx="0" cy="0"/>
-        </a:xfrm>
-      </p:grpSpPr>
-      <p:sp>
-        <p:nvSpPr>
-          <p:cNvPr id="30" name="Title 1">
-            <a:extLst>
-              <a:ext uri="{FF2B5EF4-FFF2-40B4-BE49-F238E27FC236}">
-                <a16:creationId xmlns:a16="http://schemas.microsoft.com/office/drawing/2014/main" id="{B660D0A5-4D69-4009-939F-E9EA258F856C}"/>
-              </a:ext>
-            </a:extLst>
-          </p:cNvPr>
-          <p:cNvSpPr>
-            <a:spLocks noGrp="1"/>
-          </p:cNvSpPr>
-          <p:nvPr>
-            <p:ph type="title"/>
-          </p:nvPr>
-        </p:nvSpPr>
-        <p:spPr>
-          <a:xfrm>
-            <a:off x="838200" y="365125"/>
-            <a:ext cx="10515600" cy="1325563"/>
-          </a:xfrm>
-        </p:spPr>
-        <p:txBody>
-          <a:bodyPr>
-            <a:normAutofit/>
-          </a:bodyPr>
-          <a:lstStyle/>
-          <a:p>
-            <a:r>
-              <a:rPr lang="nl-NL" sz="3600" dirty="0"/>
-              <a:t>Webwinkel: Voorraad bijhouden</a:t>
-            </a:r>
-          </a:p>
-        </p:txBody>
-      </p:sp>
-      <p:graphicFrame>
-        <p:nvGraphicFramePr>
-          <p:cNvPr id="2" name="Table 3">
-            <a:extLst>
-              <a:ext uri="{FF2B5EF4-FFF2-40B4-BE49-F238E27FC236}">
-                <a16:creationId xmlns:a16="http://schemas.microsoft.com/office/drawing/2014/main" id="{667974EE-7976-B876-F99D-EA58284ED043}"/>
-              </a:ext>
-            </a:extLst>
-          </p:cNvPr>
-          <p:cNvGraphicFramePr>
-            <a:graphicFrameLocks noGrp="1"/>
-          </p:cNvGraphicFramePr>
-          <p:nvPr>
-            <p:extLst>
-              <p:ext uri="{D42A27DB-BD31-4B8C-83A1-F6EECF244321}">
-                <p14:modId xmlns:p14="http://schemas.microsoft.com/office/powerpoint/2010/main" val="1905959012"/>
-              </p:ext>
-            </p:extLst>
-          </p:nvPr>
-        </p:nvGraphicFramePr>
-        <p:xfrm>
-          <a:off x="838199" y="2316480"/>
-          <a:ext cx="4555067" cy="2225040"/>
-        </p:xfrm>
-        <a:graphic>
-          <a:graphicData uri="http://schemas.openxmlformats.org/drawingml/2006/table">
-            <a:tbl>
-              <a:tblPr firstRow="1" bandRow="1">
-                <a:tableStyleId>{5C22544A-7EE6-4342-B048-85BDC9FD1C3A}</a:tableStyleId>
-              </a:tblPr>
-              <a:tblGrid>
-                <a:gridCol w="1022923">
-                  <a:extLst>
-                    <a:ext uri="{9D8B030D-6E8A-4147-A177-3AD203B41FA5}">
-                      <a16:colId xmlns:a16="http://schemas.microsoft.com/office/drawing/2014/main" val="2260167414"/>
-                    </a:ext>
-                  </a:extLst>
-                </a:gridCol>
-                <a:gridCol w="1477556">
-                  <a:extLst>
-                    <a:ext uri="{9D8B030D-6E8A-4147-A177-3AD203B41FA5}">
-                      <a16:colId xmlns:a16="http://schemas.microsoft.com/office/drawing/2014/main" val="3113348022"/>
-                    </a:ext>
-                  </a:extLst>
-                </a:gridCol>
-                <a:gridCol w="911589">
-                  <a:extLst>
-                    <a:ext uri="{9D8B030D-6E8A-4147-A177-3AD203B41FA5}">
-                      <a16:colId xmlns:a16="http://schemas.microsoft.com/office/drawing/2014/main" val="2553575160"/>
-                    </a:ext>
-                  </a:extLst>
-                </a:gridCol>
-                <a:gridCol w="1142999">
-                  <a:extLst>
-                    <a:ext uri="{9D8B030D-6E8A-4147-A177-3AD203B41FA5}">
-                      <a16:colId xmlns:a16="http://schemas.microsoft.com/office/drawing/2014/main" val="3305451767"/>
-                    </a:ext>
-                  </a:extLst>
-                </a:gridCol>
-              </a:tblGrid>
-              <a:tr h="370840">
-                <a:tc>
-                  <a:txBody>
-                    <a:bodyPr/>
-                    <a:lstStyle/>
-                    <a:p>
-                      <a:r>
-                        <a:rPr lang="en-US" sz="1400" dirty="0" err="1"/>
-                        <a:t>ProductId</a:t>
-                      </a:r>
-                      <a:endParaRPr lang="en-NL" sz="1400" dirty="0"/>
-                    </a:p>
-                  </a:txBody>
-                  <a:tcPr/>
-                </a:tc>
-                <a:tc>
-                  <a:txBody>
-                    <a:bodyPr/>
-                    <a:lstStyle/>
-                    <a:p>
-                      <a:r>
-                        <a:rPr lang="en-US" sz="1400" dirty="0"/>
-                        <a:t>Type</a:t>
-                      </a:r>
-                      <a:endParaRPr lang="en-NL" sz="1400" dirty="0"/>
-                    </a:p>
-                  </a:txBody>
-                  <a:tcPr/>
-                </a:tc>
-                <a:tc>
-                  <a:txBody>
-                    <a:bodyPr/>
-                    <a:lstStyle/>
-                    <a:p>
-                      <a:r>
-                        <a:rPr lang="en-US" sz="1400" dirty="0" err="1"/>
-                        <a:t>Aantal</a:t>
-                      </a:r>
-                      <a:endParaRPr lang="en-NL" sz="1400" dirty="0"/>
-                    </a:p>
-                  </a:txBody>
-                  <a:tcPr/>
-                </a:tc>
-                <a:tc>
-                  <a:txBody>
-                    <a:bodyPr/>
-                    <a:lstStyle/>
-                    <a:p>
-                      <a:r>
-                        <a:rPr lang="en-US" sz="1400" dirty="0"/>
-                        <a:t>Datum</a:t>
-                      </a:r>
-                      <a:endParaRPr lang="en-NL" sz="1400" dirty="0"/>
-                    </a:p>
-                  </a:txBody>
-                  <a:tcPr/>
-                </a:tc>
-                <a:extLst>
-                  <a:ext uri="{0D108BD9-81ED-4DB2-BD59-A6C34878D82A}">
-                    <a16:rowId xmlns:a16="http://schemas.microsoft.com/office/drawing/2014/main" val="1030692646"/>
-                  </a:ext>
-                </a:extLst>
-              </a:tr>
-              <a:tr h="370840">
-                <a:tc>
-                  <a:txBody>
-                    <a:bodyPr/>
-                    <a:lstStyle/>
-                    <a:p>
-                      <a:r>
-                        <a:rPr lang="en-US" sz="1400" dirty="0"/>
-                        <a:t>1</a:t>
-                      </a:r>
-                      <a:endParaRPr lang="en-NL" sz="1400" dirty="0"/>
-                    </a:p>
-                  </a:txBody>
-                  <a:tcPr/>
-                </a:tc>
-                <a:tc>
-                  <a:txBody>
-                    <a:bodyPr/>
-                    <a:lstStyle/>
-                    <a:p>
-                      <a:r>
-                        <a:rPr lang="en-US" sz="1400" dirty="0"/>
-                        <a:t>Levering</a:t>
-                      </a:r>
-                      <a:endParaRPr lang="en-NL" sz="1400" dirty="0"/>
-                    </a:p>
-                  </a:txBody>
-                  <a:tcPr/>
-                </a:tc>
-                <a:tc>
-                  <a:txBody>
-                    <a:bodyPr/>
-                    <a:lstStyle/>
-                    <a:p>
-                      <a:r>
-                        <a:rPr lang="en-US" sz="1400" dirty="0"/>
-                        <a:t>250</a:t>
-                      </a:r>
-                      <a:endParaRPr lang="en-NL" sz="1400" dirty="0"/>
-                    </a:p>
-                  </a:txBody>
-                  <a:tcPr/>
-                </a:tc>
-                <a:tc>
-                  <a:txBody>
-                    <a:bodyPr/>
-                    <a:lstStyle/>
-                    <a:p>
-                      <a:r>
-                        <a:rPr lang="en-US" sz="1400" dirty="0"/>
-                        <a:t>10-01-2022</a:t>
-                      </a:r>
-                      <a:endParaRPr lang="en-NL" sz="1400" dirty="0"/>
-                    </a:p>
-                  </a:txBody>
-                  <a:tcPr/>
-                </a:tc>
-                <a:extLst>
-                  <a:ext uri="{0D108BD9-81ED-4DB2-BD59-A6C34878D82A}">
-                    <a16:rowId xmlns:a16="http://schemas.microsoft.com/office/drawing/2014/main" val="3317498871"/>
-                  </a:ext>
-                </a:extLst>
-              </a:tr>
-              <a:tr h="370840">
-                <a:tc>
-                  <a:txBody>
-                    <a:bodyPr/>
-                    <a:lstStyle/>
-                    <a:p>
-                      <a:r>
-                        <a:rPr lang="en-US" sz="1400" dirty="0"/>
-                        <a:t>1</a:t>
-                      </a:r>
-                      <a:endParaRPr lang="en-NL" sz="1400" dirty="0"/>
-                    </a:p>
-                  </a:txBody>
-                  <a:tcPr/>
-                </a:tc>
-                <a:tc>
-                  <a:txBody>
-                    <a:bodyPr/>
-                    <a:lstStyle/>
-                    <a:p>
-                      <a:r>
-                        <a:rPr lang="en-US" sz="1400" dirty="0" err="1"/>
-                        <a:t>Verkoop</a:t>
-                      </a:r>
-                      <a:endParaRPr lang="en-NL" sz="1400" dirty="0"/>
-                    </a:p>
-                  </a:txBody>
-                  <a:tcPr/>
-                </a:tc>
-                <a:tc>
-                  <a:txBody>
-                    <a:bodyPr/>
-                    <a:lstStyle/>
-                    <a:p>
-                      <a:r>
-                        <a:rPr lang="en-US" sz="1400" dirty="0"/>
-                        <a:t>-5</a:t>
-                      </a:r>
-                      <a:endParaRPr lang="en-NL" sz="1400" dirty="0"/>
-                    </a:p>
-                  </a:txBody>
-                  <a:tcPr/>
-                </a:tc>
-                <a:tc>
-                  <a:txBody>
-                    <a:bodyPr/>
-                    <a:lstStyle/>
-                    <a:p>
-                      <a:r>
-                        <a:rPr lang="en-US" sz="1400" dirty="0"/>
-                        <a:t>11-01-2022</a:t>
-                      </a:r>
-                      <a:endParaRPr lang="en-NL" sz="1400" dirty="0"/>
-                    </a:p>
-                  </a:txBody>
-                  <a:tcPr/>
-                </a:tc>
-                <a:extLst>
-                  <a:ext uri="{0D108BD9-81ED-4DB2-BD59-A6C34878D82A}">
-                    <a16:rowId xmlns:a16="http://schemas.microsoft.com/office/drawing/2014/main" val="4019080770"/>
-                  </a:ext>
-                </a:extLst>
-              </a:tr>
-              <a:tr h="370840">
-                <a:tc>
-                  <a:txBody>
-                    <a:bodyPr/>
-                    <a:lstStyle/>
-                    <a:p>
-                      <a:r>
-                        <a:rPr lang="en-US" sz="1400" dirty="0"/>
-                        <a:t>1</a:t>
-                      </a:r>
-                      <a:endParaRPr lang="en-NL" sz="1400" dirty="0"/>
-                    </a:p>
-                  </a:txBody>
-                  <a:tcPr/>
-                </a:tc>
-                <a:tc>
-                  <a:txBody>
-                    <a:bodyPr/>
-                    <a:lstStyle/>
-                    <a:p>
-                      <a:r>
-                        <a:rPr lang="en-US" sz="1400" dirty="0" err="1"/>
-                        <a:t>Verkoop</a:t>
-                      </a:r>
-                      <a:endParaRPr lang="en-NL" sz="1400" dirty="0"/>
-                    </a:p>
-                  </a:txBody>
-                  <a:tcPr/>
-                </a:tc>
-                <a:tc>
-                  <a:txBody>
-                    <a:bodyPr/>
-                    <a:lstStyle/>
-                    <a:p>
-                      <a:r>
-                        <a:rPr lang="en-US" sz="1400" dirty="0"/>
-                        <a:t>-10</a:t>
-                      </a:r>
-                      <a:endParaRPr lang="en-NL" sz="1400" dirty="0"/>
-                    </a:p>
-                  </a:txBody>
-                  <a:tcPr/>
-                </a:tc>
-                <a:tc>
-                  <a:txBody>
-                    <a:bodyPr/>
-                    <a:lstStyle/>
-                    <a:p>
-                      <a:r>
-                        <a:rPr lang="en-US" sz="1400" dirty="0"/>
-                        <a:t>12-01-2022</a:t>
-                      </a:r>
-                      <a:endParaRPr lang="en-NL" sz="1400" dirty="0"/>
-                    </a:p>
-                  </a:txBody>
-                  <a:tcPr/>
-                </a:tc>
-                <a:extLst>
-                  <a:ext uri="{0D108BD9-81ED-4DB2-BD59-A6C34878D82A}">
-                    <a16:rowId xmlns:a16="http://schemas.microsoft.com/office/drawing/2014/main" val="2121359659"/>
-                  </a:ext>
-                </a:extLst>
-              </a:tr>
-              <a:tr h="370840">
-                <a:tc>
-                  <a:txBody>
-                    <a:bodyPr/>
-                    <a:lstStyle/>
-                    <a:p>
-                      <a:r>
-                        <a:rPr lang="en-US" sz="1400" dirty="0"/>
-                        <a:t>1</a:t>
-                      </a:r>
-                      <a:endParaRPr lang="en-NL" sz="1400" dirty="0"/>
-                    </a:p>
-                  </a:txBody>
-                  <a:tcPr/>
-                </a:tc>
-                <a:tc>
-                  <a:txBody>
-                    <a:bodyPr/>
-                    <a:lstStyle/>
-                    <a:p>
-                      <a:r>
-                        <a:rPr lang="en-US" sz="1400" dirty="0"/>
-                        <a:t>Retour</a:t>
-                      </a:r>
-                      <a:endParaRPr lang="en-NL" sz="1400" dirty="0"/>
-                    </a:p>
-                  </a:txBody>
-                  <a:tcPr/>
-                </a:tc>
-                <a:tc>
-                  <a:txBody>
-                    <a:bodyPr/>
-                    <a:lstStyle/>
-                    <a:p>
-                      <a:r>
-                        <a:rPr lang="en-US" sz="1400" dirty="0"/>
-                        <a:t>1</a:t>
-                      </a:r>
-                      <a:endParaRPr lang="en-NL" sz="1400" dirty="0"/>
-                    </a:p>
-                  </a:txBody>
-                  <a:tcPr/>
-                </a:tc>
-                <a:tc>
-                  <a:txBody>
-                    <a:bodyPr/>
-                    <a:lstStyle/>
-                    <a:p>
-                      <a:r>
-                        <a:rPr lang="en-US" sz="1400" dirty="0"/>
-                        <a:t>12-01-2022</a:t>
-                      </a:r>
-                      <a:endParaRPr lang="en-NL" sz="1400" dirty="0"/>
-                    </a:p>
-                  </a:txBody>
-                  <a:tcPr/>
-                </a:tc>
-                <a:extLst>
-                  <a:ext uri="{0D108BD9-81ED-4DB2-BD59-A6C34878D82A}">
-                    <a16:rowId xmlns:a16="http://schemas.microsoft.com/office/drawing/2014/main" val="166387732"/>
-                  </a:ext>
-                </a:extLst>
-              </a:tr>
-              <a:tr h="370840">
-                <a:tc>
-                  <a:txBody>
-                    <a:bodyPr/>
-                    <a:lstStyle/>
-                    <a:p>
-                      <a:r>
-                        <a:rPr lang="en-US" sz="1400" dirty="0"/>
-                        <a:t>1</a:t>
-                      </a:r>
-                      <a:endParaRPr lang="en-NL" sz="1400" dirty="0"/>
-                    </a:p>
-                  </a:txBody>
-                  <a:tcPr/>
-                </a:tc>
-                <a:tc>
-                  <a:txBody>
-                    <a:bodyPr/>
-                    <a:lstStyle/>
-                    <a:p>
-                      <a:r>
-                        <a:rPr lang="en-US" sz="1400" dirty="0" err="1"/>
-                        <a:t>Reservering</a:t>
-                      </a:r>
-                      <a:endParaRPr lang="en-NL" sz="1400" dirty="0"/>
-                    </a:p>
-                  </a:txBody>
-                  <a:tcPr/>
-                </a:tc>
-                <a:tc>
-                  <a:txBody>
-                    <a:bodyPr/>
-                    <a:lstStyle/>
-                    <a:p>
-                      <a:r>
-                        <a:rPr lang="en-US" sz="1400" dirty="0"/>
-                        <a:t>-20</a:t>
-                      </a:r>
-                      <a:endParaRPr lang="en-NL" sz="1400" dirty="0"/>
-                    </a:p>
-                  </a:txBody>
-                  <a:tcPr/>
-                </a:tc>
-                <a:tc>
-                  <a:txBody>
-                    <a:bodyPr/>
-                    <a:lstStyle/>
-                    <a:p>
-                      <a:r>
-                        <a:rPr lang="en-US" sz="1400" dirty="0"/>
-                        <a:t>14-01-2022</a:t>
-                      </a:r>
-                      <a:endParaRPr lang="en-NL" sz="1400" dirty="0"/>
-                    </a:p>
-                  </a:txBody>
-                  <a:tcPr/>
-                </a:tc>
-                <a:extLst>
-                  <a:ext uri="{0D108BD9-81ED-4DB2-BD59-A6C34878D82A}">
-                    <a16:rowId xmlns:a16="http://schemas.microsoft.com/office/drawing/2014/main" val="4253853703"/>
-                  </a:ext>
-                </a:extLst>
-              </a:tr>
-            </a:tbl>
-          </a:graphicData>
-        </a:graphic>
-      </p:graphicFrame>
-      <p:sp>
-        <p:nvSpPr>
-          <p:cNvPr id="4" name="TextBox 3">
-            <a:extLst>
-              <a:ext uri="{FF2B5EF4-FFF2-40B4-BE49-F238E27FC236}">
-                <a16:creationId xmlns:a16="http://schemas.microsoft.com/office/drawing/2014/main" id="{D8D21865-C4EA-76CC-F22B-4F684B633F56}"/>
-              </a:ext>
-            </a:extLst>
-          </p:cNvPr>
-          <p:cNvSpPr txBox="1"/>
-          <p:nvPr/>
-        </p:nvSpPr>
-        <p:spPr>
-          <a:xfrm>
-            <a:off x="838200" y="1947148"/>
-            <a:ext cx="1048685" cy="369332"/>
-          </a:xfrm>
-          <a:prstGeom prst="rect">
-            <a:avLst/>
-          </a:prstGeom>
-          <a:noFill/>
-        </p:spPr>
-        <p:txBody>
-          <a:bodyPr wrap="none" rtlCol="0">
-            <a:spAutoFit/>
-          </a:bodyPr>
-          <a:lstStyle/>
-          <a:p>
-            <a:r>
-              <a:rPr lang="nl-NL" dirty="0"/>
-              <a:t>Voorraad</a:t>
-            </a:r>
-          </a:p>
-        </p:txBody>
-      </p:sp>
-      <p:sp>
-        <p:nvSpPr>
-          <p:cNvPr id="5" name="TextBox 4">
-            <a:extLst>
-              <a:ext uri="{FF2B5EF4-FFF2-40B4-BE49-F238E27FC236}">
-                <a16:creationId xmlns:a16="http://schemas.microsoft.com/office/drawing/2014/main" id="{E247233D-022F-C419-2A30-26021B9DF157}"/>
-              </a:ext>
-            </a:extLst>
-          </p:cNvPr>
-          <p:cNvSpPr txBox="1"/>
-          <p:nvPr/>
-        </p:nvSpPr>
-        <p:spPr>
-          <a:xfrm>
-            <a:off x="5960534" y="1949713"/>
-            <a:ext cx="5325534" cy="3970318"/>
-          </a:xfrm>
-          <a:prstGeom prst="rect">
-            <a:avLst/>
-          </a:prstGeom>
-          <a:noFill/>
-        </p:spPr>
-        <p:txBody>
-          <a:bodyPr wrap="square" rtlCol="0">
-            <a:spAutoFit/>
-          </a:bodyPr>
-          <a:lstStyle/>
-          <a:p>
-            <a:r>
-              <a:rPr lang="nl-NL" b="1" dirty="0"/>
-              <a:t>Uitdagingen met voorraad bijhouden</a:t>
-            </a:r>
-          </a:p>
-          <a:p>
-            <a:pPr marL="285750" indent="-285750">
-              <a:buFontTx/>
-              <a:buChar char="-"/>
-            </a:pPr>
-            <a:r>
-              <a:rPr lang="nl-NL" dirty="0"/>
-              <a:t>Bepaalde voorraad is reeds aanwezig.</a:t>
-            </a:r>
-          </a:p>
-          <a:p>
-            <a:pPr marL="285750" indent="-285750">
-              <a:buFontTx/>
-              <a:buChar char="-"/>
-            </a:pPr>
-            <a:r>
-              <a:rPr lang="nl-NL" dirty="0"/>
-              <a:t>Voorraad komt binnen op bepaalde data.</a:t>
-            </a:r>
-          </a:p>
-          <a:p>
-            <a:pPr marL="285750" indent="-285750">
-              <a:buFontTx/>
-              <a:buChar char="-"/>
-            </a:pPr>
-            <a:r>
-              <a:rPr lang="nl-NL" dirty="0"/>
-              <a:t>Optioneel: je zou kunnen reserveren.</a:t>
-            </a:r>
-          </a:p>
-          <a:p>
-            <a:endParaRPr lang="nl-NL" dirty="0"/>
-          </a:p>
-          <a:p>
-            <a:r>
-              <a:rPr lang="nl-NL" b="1" dirty="0"/>
-              <a:t>Optie: Voorraad mutaties in eigen tabel</a:t>
-            </a:r>
-            <a:endParaRPr lang="nl-NL" dirty="0"/>
-          </a:p>
-          <a:p>
-            <a:pPr marL="285750" indent="-285750">
-              <a:buFontTx/>
-              <a:buChar char="-"/>
-            </a:pPr>
-            <a:r>
-              <a:rPr lang="nl-NL" dirty="0"/>
-              <a:t>Overzicht van alle mutaties inclusief datum.</a:t>
-            </a:r>
-          </a:p>
-          <a:p>
-            <a:pPr marL="285750" indent="-285750">
-              <a:buFontTx/>
-              <a:buChar char="-"/>
-            </a:pPr>
-            <a:r>
-              <a:rPr lang="nl-NL" dirty="0"/>
-              <a:t>Verschillende soorten mutatie bij elkaar.</a:t>
-            </a:r>
-          </a:p>
-          <a:p>
-            <a:pPr marL="285750" indent="-285750">
-              <a:buFontTx/>
-              <a:buChar char="-"/>
-            </a:pPr>
-            <a:r>
-              <a:rPr lang="nl-NL" dirty="0"/>
-              <a:t>Voorraad te bepalen door te aggregeren op bepaalde datum.</a:t>
-            </a:r>
-          </a:p>
-          <a:p>
-            <a:endParaRPr lang="nl-NL" dirty="0"/>
-          </a:p>
-          <a:p>
-            <a:r>
-              <a:rPr lang="nl-NL" b="1" dirty="0"/>
-              <a:t>Nadeel:</a:t>
-            </a:r>
-          </a:p>
-          <a:p>
-            <a:pPr marL="285750" indent="-285750">
-              <a:buFontTx/>
-              <a:buChar char="-"/>
-            </a:pPr>
-            <a:r>
-              <a:rPr lang="nl-NL" dirty="0"/>
-              <a:t>Voorraad berekenen arbeidsintensief (</a:t>
-            </a:r>
-            <a:r>
-              <a:rPr lang="nl-NL" dirty="0" err="1"/>
-              <a:t>caching</a:t>
-            </a:r>
-            <a:r>
-              <a:rPr lang="nl-NL" dirty="0"/>
-              <a:t>).</a:t>
-            </a:r>
-          </a:p>
-          <a:p>
-            <a:pPr marL="285750" indent="-285750">
-              <a:buFontTx/>
-              <a:buChar char="-"/>
-            </a:pPr>
-            <a:r>
-              <a:rPr lang="nl-NL" dirty="0"/>
-              <a:t>Tabel kan vrij fors worden (historiseren).</a:t>
-            </a:r>
-          </a:p>
-        </p:txBody>
-      </p:sp>
-    </p:spTree>
-    <p:extLst>
-      <p:ext uri="{BB962C8B-B14F-4D97-AF65-F5344CB8AC3E}">
-        <p14:creationId xmlns:p14="http://schemas.microsoft.com/office/powerpoint/2010/main" val="3356532346"/>
-      </p:ext>
-    </p:extLst>
-  </p:cSld>
-  <p:clrMapOvr>
-    <a:masterClrMapping/>
-  </p:clrMapOvr>
-</p:sld>
-</file>
-
-<file path=ppt/slides/slide13.xml><?xml version="1.0" encoding="utf-8"?>
-<p:sld xmlns:a="http://schemas.openxmlformats.org/drawingml/2006/main" xmlns:r="http://schemas.openxmlformats.org/officeDocument/2006/relationships" xmlns:p="http://schemas.openxmlformats.org/presentationml/2006/main">
-  <p:cSld>
-    <p:spTree>
-      <p:nvGrpSpPr>
-        <p:cNvPr id="1" name=""/>
-        <p:cNvGrpSpPr/>
-        <p:nvPr/>
-      </p:nvGrpSpPr>
-      <p:grpSpPr>
-        <a:xfrm>
-          <a:off x="0" y="0"/>
-          <a:ext cx="0" cy="0"/>
-          <a:chOff x="0" y="0"/>
-          <a:chExt cx="0" cy="0"/>
-        </a:xfrm>
-      </p:grpSpPr>
-      <p:sp>
-        <p:nvSpPr>
           <p:cNvPr id="4" name="Title 3">
             <a:extLst>
               <a:ext uri="{FF2B5EF4-FFF2-40B4-BE49-F238E27FC236}">
@@ -5444,7 +3523,7 @@
 </p:sld>
 </file>
 
-<file path=ppt/slides/slide14.xml><?xml version="1.0" encoding="utf-8"?>
+<file path=ppt/slides/slide11.xml><?xml version="1.0" encoding="utf-8"?>
 <p:sld xmlns:a="http://schemas.openxmlformats.org/drawingml/2006/main" xmlns:r="http://schemas.openxmlformats.org/officeDocument/2006/relationships" xmlns:p="http://schemas.openxmlformats.org/presentationml/2006/main">
   <p:cSld>
     <p:spTree>
@@ -6014,6 +4093,509 @@
 </p:sld>
 </file>
 
+<file path=ppt/slides/slide12.xml><?xml version="1.0" encoding="utf-8"?>
+<p:sld xmlns:a="http://schemas.openxmlformats.org/drawingml/2006/main" xmlns:r="http://schemas.openxmlformats.org/officeDocument/2006/relationships" xmlns:p="http://schemas.openxmlformats.org/presentationml/2006/main">
+  <p:cSld>
+    <p:spTree>
+      <p:nvGrpSpPr>
+        <p:cNvPr id="1" name=""/>
+        <p:cNvGrpSpPr/>
+        <p:nvPr/>
+      </p:nvGrpSpPr>
+      <p:grpSpPr>
+        <a:xfrm>
+          <a:off x="0" y="0"/>
+          <a:ext cx="0" cy="0"/>
+          <a:chOff x="0" y="0"/>
+          <a:chExt cx="0" cy="0"/>
+        </a:xfrm>
+      </p:grpSpPr>
+      <p:sp>
+        <p:nvSpPr>
+          <p:cNvPr id="4" name="Title 3">
+            <a:extLst>
+              <a:ext uri="{FF2B5EF4-FFF2-40B4-BE49-F238E27FC236}">
+                <a16:creationId xmlns:a16="http://schemas.microsoft.com/office/drawing/2014/main" id="{389254C4-EE31-9B70-D8ED-5D6464F22608}"/>
+              </a:ext>
+            </a:extLst>
+          </p:cNvPr>
+          <p:cNvSpPr>
+            <a:spLocks noGrp="1"/>
+          </p:cNvSpPr>
+          <p:nvPr>
+            <p:ph type="title"/>
+          </p:nvPr>
+        </p:nvSpPr>
+        <p:spPr/>
+        <p:txBody>
+          <a:bodyPr/>
+          <a:lstStyle/>
+          <a:p>
+            <a:r>
+              <a:rPr lang="en-US" dirty="0"/>
+              <a:t>Data in queries</a:t>
+            </a:r>
+            <a:endParaRPr lang="en-NL" dirty="0"/>
+          </a:p>
+        </p:txBody>
+      </p:sp>
+      <p:sp>
+        <p:nvSpPr>
+          <p:cNvPr id="5" name="Text Placeholder 4">
+            <a:extLst>
+              <a:ext uri="{FF2B5EF4-FFF2-40B4-BE49-F238E27FC236}">
+                <a16:creationId xmlns:a16="http://schemas.microsoft.com/office/drawing/2014/main" id="{8C4E500D-E628-DFE7-A7A9-7EEAC19FDFBE}"/>
+              </a:ext>
+            </a:extLst>
+          </p:cNvPr>
+          <p:cNvSpPr>
+            <a:spLocks noGrp="1"/>
+          </p:cNvSpPr>
+          <p:nvPr>
+            <p:ph type="body" idx="1"/>
+          </p:nvPr>
+        </p:nvSpPr>
+        <p:spPr/>
+        <p:txBody>
+          <a:bodyPr/>
+          <a:lstStyle/>
+          <a:p>
+            <a:endParaRPr lang="en-NL"/>
+          </a:p>
+        </p:txBody>
+      </p:sp>
+    </p:spTree>
+    <p:extLst>
+      <p:ext uri="{BB962C8B-B14F-4D97-AF65-F5344CB8AC3E}">
+        <p14:creationId xmlns:p14="http://schemas.microsoft.com/office/powerpoint/2010/main" val="4063081341"/>
+      </p:ext>
+    </p:extLst>
+  </p:cSld>
+  <p:clrMapOvr>
+    <a:masterClrMapping/>
+  </p:clrMapOvr>
+</p:sld>
+</file>
+
+<file path=ppt/slides/slide13.xml><?xml version="1.0" encoding="utf-8"?>
+<p:sld xmlns:a="http://schemas.openxmlformats.org/drawingml/2006/main" xmlns:r="http://schemas.openxmlformats.org/officeDocument/2006/relationships" xmlns:p="http://schemas.openxmlformats.org/presentationml/2006/main">
+  <p:cSld>
+    <p:spTree>
+      <p:nvGrpSpPr>
+        <p:cNvPr id="1" name=""/>
+        <p:cNvGrpSpPr/>
+        <p:nvPr/>
+      </p:nvGrpSpPr>
+      <p:grpSpPr>
+        <a:xfrm>
+          <a:off x="0" y="0"/>
+          <a:ext cx="0" cy="0"/>
+          <a:chOff x="0" y="0"/>
+          <a:chExt cx="0" cy="0"/>
+        </a:xfrm>
+      </p:grpSpPr>
+      <p:sp>
+        <p:nvSpPr>
+          <p:cNvPr id="2" name="Title 1">
+            <a:extLst>
+              <a:ext uri="{FF2B5EF4-FFF2-40B4-BE49-F238E27FC236}">
+                <a16:creationId xmlns:a16="http://schemas.microsoft.com/office/drawing/2014/main" id="{EFFCF4BF-EB09-7892-A56D-89F6761FB5E8}"/>
+              </a:ext>
+            </a:extLst>
+          </p:cNvPr>
+          <p:cNvSpPr>
+            <a:spLocks noGrp="1"/>
+          </p:cNvSpPr>
+          <p:nvPr>
+            <p:ph type="title"/>
+          </p:nvPr>
+        </p:nvSpPr>
+        <p:spPr/>
+        <p:txBody>
+          <a:bodyPr/>
+          <a:lstStyle/>
+          <a:p>
+            <a:r>
+              <a:rPr lang="en-US" dirty="0"/>
+              <a:t>Data in queries</a:t>
+            </a:r>
+            <a:endParaRPr lang="en-NL" dirty="0"/>
+          </a:p>
+        </p:txBody>
+      </p:sp>
+      <p:sp>
+        <p:nvSpPr>
+          <p:cNvPr id="3" name="Content Placeholder 2">
+            <a:extLst>
+              <a:ext uri="{FF2B5EF4-FFF2-40B4-BE49-F238E27FC236}">
+                <a16:creationId xmlns:a16="http://schemas.microsoft.com/office/drawing/2014/main" id="{547DDF4A-2778-00F1-32B9-3B75308DB11E}"/>
+              </a:ext>
+            </a:extLst>
+          </p:cNvPr>
+          <p:cNvSpPr>
+            <a:spLocks noGrp="1"/>
+          </p:cNvSpPr>
+          <p:nvPr>
+            <p:ph idx="1"/>
+          </p:nvPr>
+        </p:nvSpPr>
+        <p:spPr>
+          <a:xfrm>
+            <a:off x="838199" y="1825625"/>
+            <a:ext cx="10303933" cy="4351338"/>
+          </a:xfrm>
+        </p:spPr>
+        <p:txBody>
+          <a:bodyPr>
+            <a:normAutofit/>
+          </a:bodyPr>
+          <a:lstStyle/>
+          <a:p>
+            <a:pPr marL="0" indent="0">
+              <a:buNone/>
+            </a:pPr>
+            <a:r>
+              <a:rPr lang="nl-NL" sz="1800" dirty="0"/>
+              <a:t>Queries gebruiken soms externe data:</a:t>
+            </a:r>
+          </a:p>
+          <a:p>
+            <a:pPr marL="0" indent="0">
+              <a:buNone/>
+            </a:pPr>
+            <a:endParaRPr lang="nl-NL" sz="1600" b="1" dirty="0"/>
+          </a:p>
+          <a:p>
+            <a:pPr marL="0" indent="0">
+              <a:buNone/>
+            </a:pPr>
+            <a:r>
+              <a:rPr lang="nl-NL" sz="1600" dirty="0">
+                <a:latin typeface="Courier New" panose="02070309020205020404" pitchFamily="49" charset="0"/>
+                <a:cs typeface="Courier New" panose="02070309020205020404" pitchFamily="49" charset="0"/>
+              </a:rPr>
+              <a:t>SELECT * FROM Personen WHERE Leeftijd = &lt;waarde&gt;</a:t>
+            </a:r>
+          </a:p>
+          <a:p>
+            <a:pPr marL="0" indent="0">
+              <a:buNone/>
+            </a:pPr>
+            <a:endParaRPr lang="nl-NL" sz="1600" dirty="0">
+              <a:latin typeface="Courier New" panose="02070309020205020404" pitchFamily="49" charset="0"/>
+              <a:cs typeface="Courier New" panose="02070309020205020404" pitchFamily="49" charset="0"/>
+            </a:endParaRPr>
+          </a:p>
+          <a:p>
+            <a:pPr marL="0" indent="0">
+              <a:buNone/>
+            </a:pPr>
+            <a:r>
+              <a:rPr lang="nl-NL" sz="1800" dirty="0"/>
+              <a:t>Met Python zou je de waarde direct in de query kunnen plakken:</a:t>
+            </a:r>
+          </a:p>
+          <a:p>
+            <a:pPr marL="0" indent="0">
+              <a:buNone/>
+            </a:pPr>
+            <a:endParaRPr lang="nl-NL" sz="1600" dirty="0"/>
+          </a:p>
+          <a:p>
+            <a:pPr marL="0" indent="0">
+              <a:buNone/>
+            </a:pPr>
+            <a:r>
+              <a:rPr lang="nl-NL" sz="1600" dirty="0">
+                <a:latin typeface="Courier New" panose="02070309020205020404" pitchFamily="49" charset="0"/>
+                <a:cs typeface="Courier New" panose="02070309020205020404" pitchFamily="49" charset="0"/>
+              </a:rPr>
+              <a:t>leeftijd = 22</a:t>
+            </a:r>
+          </a:p>
+          <a:p>
+            <a:pPr marL="0" indent="0">
+              <a:buNone/>
+            </a:pPr>
+            <a:r>
+              <a:rPr lang="nl-NL" sz="1600" dirty="0">
+                <a:latin typeface="Courier New" panose="02070309020205020404" pitchFamily="49" charset="0"/>
+                <a:cs typeface="Courier New" panose="02070309020205020404" pitchFamily="49" charset="0"/>
+              </a:rPr>
+              <a:t>query = </a:t>
+            </a:r>
+            <a:r>
+              <a:rPr lang="nl-NL" sz="1600" dirty="0" err="1">
+                <a:latin typeface="Courier New" panose="02070309020205020404" pitchFamily="49" charset="0"/>
+                <a:cs typeface="Courier New" panose="02070309020205020404" pitchFamily="49" charset="0"/>
+              </a:rPr>
+              <a:t>f"SELECT</a:t>
+            </a:r>
+            <a:r>
+              <a:rPr lang="nl-NL" sz="1600" dirty="0">
+                <a:latin typeface="Courier New" panose="02070309020205020404" pitchFamily="49" charset="0"/>
+                <a:cs typeface="Courier New" panose="02070309020205020404" pitchFamily="49" charset="0"/>
+              </a:rPr>
+              <a:t> * FROM Personen WHERE Leeftijd = {leeftijd}"</a:t>
+            </a:r>
+          </a:p>
+          <a:p>
+            <a:pPr marL="0" indent="0">
+              <a:buNone/>
+            </a:pPr>
+            <a:endParaRPr lang="nl-NL" sz="1600" dirty="0">
+              <a:latin typeface="Courier New" panose="02070309020205020404" pitchFamily="49" charset="0"/>
+              <a:cs typeface="Courier New" panose="02070309020205020404" pitchFamily="49" charset="0"/>
+            </a:endParaRPr>
+          </a:p>
+          <a:p>
+            <a:pPr marL="0" indent="0">
+              <a:buNone/>
+            </a:pPr>
+            <a:endParaRPr lang="nl-NL" sz="1600" dirty="0"/>
+          </a:p>
+        </p:txBody>
+      </p:sp>
+    </p:spTree>
+    <p:extLst>
+      <p:ext uri="{BB962C8B-B14F-4D97-AF65-F5344CB8AC3E}">
+        <p14:creationId xmlns:p14="http://schemas.microsoft.com/office/powerpoint/2010/main" val="206410462"/>
+      </p:ext>
+    </p:extLst>
+  </p:cSld>
+  <p:clrMapOvr>
+    <a:masterClrMapping/>
+  </p:clrMapOvr>
+</p:sld>
+</file>
+
+<file path=ppt/slides/slide14.xml><?xml version="1.0" encoding="utf-8"?>
+<p:sld xmlns:a="http://schemas.openxmlformats.org/drawingml/2006/main" xmlns:r="http://schemas.openxmlformats.org/officeDocument/2006/relationships" xmlns:p="http://schemas.openxmlformats.org/presentationml/2006/main">
+  <p:cSld>
+    <p:spTree>
+      <p:nvGrpSpPr>
+        <p:cNvPr id="1" name=""/>
+        <p:cNvGrpSpPr/>
+        <p:nvPr/>
+      </p:nvGrpSpPr>
+      <p:grpSpPr>
+        <a:xfrm>
+          <a:off x="0" y="0"/>
+          <a:ext cx="0" cy="0"/>
+          <a:chOff x="0" y="0"/>
+          <a:chExt cx="0" cy="0"/>
+        </a:xfrm>
+      </p:grpSpPr>
+      <p:sp>
+        <p:nvSpPr>
+          <p:cNvPr id="2" name="Title 1">
+            <a:extLst>
+              <a:ext uri="{FF2B5EF4-FFF2-40B4-BE49-F238E27FC236}">
+                <a16:creationId xmlns:a16="http://schemas.microsoft.com/office/drawing/2014/main" id="{EFFCF4BF-EB09-7892-A56D-89F6761FB5E8}"/>
+              </a:ext>
+            </a:extLst>
+          </p:cNvPr>
+          <p:cNvSpPr>
+            <a:spLocks noGrp="1"/>
+          </p:cNvSpPr>
+          <p:nvPr>
+            <p:ph type="title"/>
+          </p:nvPr>
+        </p:nvSpPr>
+        <p:spPr/>
+        <p:txBody>
+          <a:bodyPr/>
+          <a:lstStyle/>
+          <a:p>
+            <a:r>
+              <a:rPr lang="nl-NL" dirty="0"/>
+              <a:t>Data in queries</a:t>
+            </a:r>
+          </a:p>
+        </p:txBody>
+      </p:sp>
+      <p:sp>
+        <p:nvSpPr>
+          <p:cNvPr id="3" name="Content Placeholder 2">
+            <a:extLst>
+              <a:ext uri="{FF2B5EF4-FFF2-40B4-BE49-F238E27FC236}">
+                <a16:creationId xmlns:a16="http://schemas.microsoft.com/office/drawing/2014/main" id="{547DDF4A-2778-00F1-32B9-3B75308DB11E}"/>
+              </a:ext>
+            </a:extLst>
+          </p:cNvPr>
+          <p:cNvSpPr>
+            <a:spLocks noGrp="1"/>
+          </p:cNvSpPr>
+          <p:nvPr>
+            <p:ph idx="1"/>
+          </p:nvPr>
+        </p:nvSpPr>
+        <p:spPr>
+          <a:xfrm>
+            <a:off x="838199" y="1825625"/>
+            <a:ext cx="10303933" cy="4351338"/>
+          </a:xfrm>
+        </p:spPr>
+        <p:txBody>
+          <a:bodyPr>
+            <a:normAutofit/>
+          </a:bodyPr>
+          <a:lstStyle/>
+          <a:p>
+            <a:pPr marL="0" indent="0">
+              <a:buNone/>
+            </a:pPr>
+            <a:r>
+              <a:rPr lang="nl-NL" sz="1800" dirty="0"/>
+              <a:t>Queries gebruiken soms externe data:</a:t>
+            </a:r>
+          </a:p>
+          <a:p>
+            <a:pPr marL="0" indent="0">
+              <a:buNone/>
+            </a:pPr>
+            <a:endParaRPr lang="nl-NL" sz="1600" b="1" dirty="0"/>
+          </a:p>
+          <a:p>
+            <a:pPr marL="0" indent="0">
+              <a:buNone/>
+            </a:pPr>
+            <a:r>
+              <a:rPr lang="nl-NL" sz="1600" dirty="0">
+                <a:latin typeface="Courier New" panose="02070309020205020404" pitchFamily="49" charset="0"/>
+                <a:cs typeface="Courier New" panose="02070309020205020404" pitchFamily="49" charset="0"/>
+              </a:rPr>
+              <a:t>SELECT * FROM Personen WHERE Leeftijd = &lt;waarde&gt;</a:t>
+            </a:r>
+          </a:p>
+          <a:p>
+            <a:pPr marL="0" indent="0">
+              <a:buNone/>
+            </a:pPr>
+            <a:endParaRPr lang="nl-NL" sz="1600" dirty="0">
+              <a:latin typeface="Courier New" panose="02070309020205020404" pitchFamily="49" charset="0"/>
+              <a:cs typeface="Courier New" panose="02070309020205020404" pitchFamily="49" charset="0"/>
+            </a:endParaRPr>
+          </a:p>
+          <a:p>
+            <a:pPr marL="0" indent="0">
+              <a:buNone/>
+            </a:pPr>
+            <a:r>
+              <a:rPr lang="nl-NL" sz="1800" dirty="0"/>
+              <a:t>Met Python zou je de waarde direct in de query kunnen plakken:</a:t>
+            </a:r>
+          </a:p>
+          <a:p>
+            <a:pPr marL="0" indent="0">
+              <a:buNone/>
+            </a:pPr>
+            <a:endParaRPr lang="nl-NL" sz="1600" dirty="0"/>
+          </a:p>
+          <a:p>
+            <a:pPr marL="0" indent="0">
+              <a:buNone/>
+            </a:pPr>
+            <a:r>
+              <a:rPr lang="nl-NL" sz="1600" dirty="0">
+                <a:latin typeface="Courier New" panose="02070309020205020404" pitchFamily="49" charset="0"/>
+                <a:cs typeface="Courier New" panose="02070309020205020404" pitchFamily="49" charset="0"/>
+              </a:rPr>
+              <a:t>leeftijd = 22</a:t>
+            </a:r>
+          </a:p>
+          <a:p>
+            <a:pPr marL="0" indent="0">
+              <a:buNone/>
+            </a:pPr>
+            <a:r>
+              <a:rPr lang="nl-NL" sz="1600" dirty="0">
+                <a:latin typeface="Courier New" panose="02070309020205020404" pitchFamily="49" charset="0"/>
+                <a:cs typeface="Courier New" panose="02070309020205020404" pitchFamily="49" charset="0"/>
+              </a:rPr>
+              <a:t>query = </a:t>
+            </a:r>
+            <a:r>
+              <a:rPr lang="nl-NL" sz="1600" dirty="0" err="1">
+                <a:latin typeface="Courier New" panose="02070309020205020404" pitchFamily="49" charset="0"/>
+                <a:cs typeface="Courier New" panose="02070309020205020404" pitchFamily="49" charset="0"/>
+              </a:rPr>
+              <a:t>f"SELECT</a:t>
+            </a:r>
+            <a:r>
+              <a:rPr lang="nl-NL" sz="1600" dirty="0">
+                <a:latin typeface="Courier New" panose="02070309020205020404" pitchFamily="49" charset="0"/>
+                <a:cs typeface="Courier New" panose="02070309020205020404" pitchFamily="49" charset="0"/>
+              </a:rPr>
+              <a:t> * FROM Personen WHERE Leeftijd = {leeftijd}"</a:t>
+            </a:r>
+          </a:p>
+          <a:p>
+            <a:pPr marL="0" indent="0">
+              <a:buNone/>
+            </a:pPr>
+            <a:endParaRPr lang="nl-NL" sz="1600" dirty="0">
+              <a:latin typeface="Courier New" panose="02070309020205020404" pitchFamily="49" charset="0"/>
+              <a:cs typeface="Courier New" panose="02070309020205020404" pitchFamily="49" charset="0"/>
+            </a:endParaRPr>
+          </a:p>
+          <a:p>
+            <a:pPr marL="0" indent="0">
+              <a:buNone/>
+            </a:pPr>
+            <a:r>
+              <a:rPr lang="nl-NL" sz="1800" dirty="0"/>
+              <a:t>Maar wat gebeurt er met deze waarde…</a:t>
+            </a:r>
+          </a:p>
+          <a:p>
+            <a:pPr marL="0" indent="0">
+              <a:buNone/>
+            </a:pPr>
+            <a:endParaRPr lang="nl-NL" sz="1600" dirty="0"/>
+          </a:p>
+          <a:p>
+            <a:pPr marL="0" indent="0">
+              <a:buNone/>
+            </a:pPr>
+            <a:r>
+              <a:rPr lang="nl-NL" sz="1600" dirty="0">
+                <a:latin typeface="Courier New" panose="02070309020205020404" pitchFamily="49" charset="0"/>
+                <a:cs typeface="Courier New" panose="02070309020205020404" pitchFamily="49" charset="0"/>
+              </a:rPr>
+              <a:t>leeftijd = "22; DROP TABLE Personen;"</a:t>
+            </a:r>
+          </a:p>
+          <a:p>
+            <a:pPr marL="0" indent="0">
+              <a:buNone/>
+            </a:pPr>
+            <a:endParaRPr lang="nl-NL" sz="1600" dirty="0">
+              <a:latin typeface="Courier New" panose="02070309020205020404" pitchFamily="49" charset="0"/>
+              <a:cs typeface="Courier New" panose="02070309020205020404" pitchFamily="49" charset="0"/>
+            </a:endParaRPr>
+          </a:p>
+          <a:p>
+            <a:pPr marL="0" indent="0">
+              <a:buNone/>
+            </a:pPr>
+            <a:endParaRPr lang="nl-NL" sz="1600" dirty="0"/>
+          </a:p>
+        </p:txBody>
+      </p:sp>
+    </p:spTree>
+    <p:extLst>
+      <p:ext uri="{BB962C8B-B14F-4D97-AF65-F5344CB8AC3E}">
+        <p14:creationId xmlns:p14="http://schemas.microsoft.com/office/powerpoint/2010/main" val="3241581677"/>
+      </p:ext>
+    </p:extLst>
+  </p:cSld>
+  <p:clrMapOvr>
+    <a:masterClrMapping/>
+  </p:clrMapOvr>
+</p:sld>
+</file>
+
 <file path=ppt/slides/slide15.xml><?xml version="1.0" encoding="utf-8"?>
 <p:sld xmlns:a="http://schemas.openxmlformats.org/drawingml/2006/main" xmlns:r="http://schemas.openxmlformats.org/officeDocument/2006/relationships" xmlns:p="http://schemas.openxmlformats.org/presentationml/2006/main">
   <p:cSld>
@@ -6033,10 +4615,10 @@
       </p:grpSpPr>
       <p:sp>
         <p:nvSpPr>
-          <p:cNvPr id="4" name="Title 3">
-            <a:extLst>
-              <a:ext uri="{FF2B5EF4-FFF2-40B4-BE49-F238E27FC236}">
-                <a16:creationId xmlns:a16="http://schemas.microsoft.com/office/drawing/2014/main" id="{389254C4-EE31-9B70-D8ED-5D6464F22608}"/>
+          <p:cNvPr id="2" name="Title 1">
+            <a:extLst>
+              <a:ext uri="{FF2B5EF4-FFF2-40B4-BE49-F238E27FC236}">
+                <a16:creationId xmlns:a16="http://schemas.microsoft.com/office/drawing/2014/main" id="{EFFCF4BF-EB09-7892-A56D-89F6761FB5E8}"/>
               </a:ext>
             </a:extLst>
           </p:cNvPr>
@@ -6053,35 +4635,18 @@
           <a:lstStyle/>
           <a:p>
             <a:r>
-              <a:rPr lang="en-US" dirty="0"/>
-              <a:t>SQL </a:t>
-            </a:r>
-            <a:r>
-              <a:rPr lang="en-US" dirty="0" err="1"/>
-              <a:t>en</a:t>
-            </a:r>
-            <a:r>
-              <a:rPr lang="en-US" dirty="0"/>
-              <a:t> </a:t>
-            </a:r>
-            <a:r>
-              <a:rPr lang="en-US" dirty="0" err="1"/>
-              <a:t>externe</a:t>
-            </a:r>
-            <a:r>
-              <a:rPr lang="en-US" dirty="0"/>
-              <a:t> data</a:t>
-            </a:r>
-            <a:endParaRPr lang="en-NL" dirty="0"/>
-          </a:p>
-        </p:txBody>
-      </p:sp>
-      <p:sp>
-        <p:nvSpPr>
-          <p:cNvPr id="5" name="Text Placeholder 4">
-            <a:extLst>
-              <a:ext uri="{FF2B5EF4-FFF2-40B4-BE49-F238E27FC236}">
-                <a16:creationId xmlns:a16="http://schemas.microsoft.com/office/drawing/2014/main" id="{8C4E500D-E628-DFE7-A7A9-7EEAC19FDFBE}"/>
+              <a:rPr lang="nl-NL" dirty="0"/>
+              <a:t>Queries met parameters</a:t>
+            </a:r>
+          </a:p>
+        </p:txBody>
+      </p:sp>
+      <p:sp>
+        <p:nvSpPr>
+          <p:cNvPr id="3" name="Content Placeholder 2">
+            <a:extLst>
+              <a:ext uri="{FF2B5EF4-FFF2-40B4-BE49-F238E27FC236}">
+                <a16:creationId xmlns:a16="http://schemas.microsoft.com/office/drawing/2014/main" id="{547DDF4A-2778-00F1-32B9-3B75308DB11E}"/>
               </a:ext>
             </a:extLst>
           </p:cNvPr>
@@ -6089,22 +4654,294 @@
             <a:spLocks noGrp="1"/>
           </p:cNvSpPr>
           <p:nvPr>
-            <p:ph type="body" idx="1"/>
+            <p:ph idx="1"/>
           </p:nvPr>
         </p:nvSpPr>
-        <p:spPr/>
-        <p:txBody>
-          <a:bodyPr/>
+        <p:spPr>
+          <a:xfrm>
+            <a:off x="838199" y="1825625"/>
+            <a:ext cx="10303933" cy="4351338"/>
+          </a:xfrm>
+        </p:spPr>
+        <p:txBody>
+          <a:bodyPr>
+            <a:normAutofit/>
+          </a:bodyPr>
           <a:lstStyle/>
           <a:p>
-            <a:endParaRPr lang="en-NL"/>
+            <a:pPr marL="0" indent="0">
+              <a:buNone/>
+            </a:pPr>
+            <a:r>
+              <a:rPr lang="nl-NL" sz="1800" dirty="0"/>
+              <a:t>Gebruik parameters voor externe data in een query:</a:t>
+            </a:r>
+          </a:p>
+          <a:p>
+            <a:pPr marL="0" indent="0">
+              <a:buNone/>
+            </a:pPr>
+            <a:endParaRPr lang="nl-NL" sz="1800" dirty="0"/>
+          </a:p>
+          <a:p>
+            <a:pPr marL="0" indent="0">
+              <a:buNone/>
+            </a:pPr>
+            <a:r>
+              <a:rPr lang="nl-NL" sz="1600" dirty="0">
+                <a:solidFill>
+                  <a:schemeClr val="accent5">
+                    <a:lumMod val="75000"/>
+                  </a:schemeClr>
+                </a:solidFill>
+                <a:latin typeface="Courier New" panose="02070309020205020404" pitchFamily="49" charset="0"/>
+                <a:cs typeface="Courier New" panose="02070309020205020404" pitchFamily="49" charset="0"/>
+              </a:rPr>
+              <a:t>SELECT</a:t>
+            </a:r>
+            <a:r>
+              <a:rPr lang="nl-NL" sz="1600" dirty="0">
+                <a:latin typeface="Courier New" panose="02070309020205020404" pitchFamily="49" charset="0"/>
+                <a:cs typeface="Courier New" panose="02070309020205020404" pitchFamily="49" charset="0"/>
+              </a:rPr>
+              <a:t> * </a:t>
+            </a:r>
+            <a:r>
+              <a:rPr lang="nl-NL" sz="1600" dirty="0">
+                <a:solidFill>
+                  <a:schemeClr val="accent5">
+                    <a:lumMod val="75000"/>
+                  </a:schemeClr>
+                </a:solidFill>
+                <a:latin typeface="Courier New" panose="02070309020205020404" pitchFamily="49" charset="0"/>
+                <a:cs typeface="Courier New" panose="02070309020205020404" pitchFamily="49" charset="0"/>
+              </a:rPr>
+              <a:t>FROM</a:t>
+            </a:r>
+            <a:r>
+              <a:rPr lang="nl-NL" sz="1600" dirty="0">
+                <a:latin typeface="Courier New" panose="02070309020205020404" pitchFamily="49" charset="0"/>
+                <a:cs typeface="Courier New" panose="02070309020205020404" pitchFamily="49" charset="0"/>
+              </a:rPr>
+              <a:t> Personen </a:t>
+            </a:r>
+            <a:r>
+              <a:rPr lang="nl-NL" sz="1600" dirty="0">
+                <a:solidFill>
+                  <a:schemeClr val="accent5">
+                    <a:lumMod val="75000"/>
+                  </a:schemeClr>
+                </a:solidFill>
+                <a:latin typeface="Courier New" panose="02070309020205020404" pitchFamily="49" charset="0"/>
+                <a:cs typeface="Courier New" panose="02070309020205020404" pitchFamily="49" charset="0"/>
+              </a:rPr>
+              <a:t>WHERE</a:t>
+            </a:r>
+            <a:r>
+              <a:rPr lang="nl-NL" sz="1600" dirty="0">
+                <a:latin typeface="Courier New" panose="02070309020205020404" pitchFamily="49" charset="0"/>
+                <a:cs typeface="Courier New" panose="02070309020205020404" pitchFamily="49" charset="0"/>
+              </a:rPr>
+              <a:t> Leeftijd = ?</a:t>
+            </a:r>
+          </a:p>
+          <a:p>
+            <a:pPr marL="0" indent="0">
+              <a:buNone/>
+            </a:pPr>
+            <a:r>
+              <a:rPr lang="nl-NL" sz="1600" dirty="0">
+                <a:solidFill>
+                  <a:schemeClr val="accent5">
+                    <a:lumMod val="75000"/>
+                  </a:schemeClr>
+                </a:solidFill>
+                <a:latin typeface="Courier New" panose="02070309020205020404" pitchFamily="49" charset="0"/>
+                <a:cs typeface="Courier New" panose="02070309020205020404" pitchFamily="49" charset="0"/>
+              </a:rPr>
+              <a:t>SELECT</a:t>
+            </a:r>
+            <a:r>
+              <a:rPr lang="nl-NL" sz="1600" dirty="0">
+                <a:latin typeface="Courier New" panose="02070309020205020404" pitchFamily="49" charset="0"/>
+                <a:cs typeface="Courier New" panose="02070309020205020404" pitchFamily="49" charset="0"/>
+              </a:rPr>
+              <a:t> * </a:t>
+            </a:r>
+            <a:r>
+              <a:rPr lang="nl-NL" sz="1600" dirty="0">
+                <a:solidFill>
+                  <a:schemeClr val="accent5">
+                    <a:lumMod val="75000"/>
+                  </a:schemeClr>
+                </a:solidFill>
+                <a:latin typeface="Courier New" panose="02070309020205020404" pitchFamily="49" charset="0"/>
+                <a:cs typeface="Courier New" panose="02070309020205020404" pitchFamily="49" charset="0"/>
+              </a:rPr>
+              <a:t>FROM</a:t>
+            </a:r>
+            <a:r>
+              <a:rPr lang="nl-NL" sz="1600" dirty="0">
+                <a:latin typeface="Courier New" panose="02070309020205020404" pitchFamily="49" charset="0"/>
+                <a:cs typeface="Courier New" panose="02070309020205020404" pitchFamily="49" charset="0"/>
+              </a:rPr>
+              <a:t> Personen </a:t>
+            </a:r>
+            <a:r>
+              <a:rPr lang="nl-NL" sz="1600" dirty="0">
+                <a:solidFill>
+                  <a:schemeClr val="accent5">
+                    <a:lumMod val="75000"/>
+                  </a:schemeClr>
+                </a:solidFill>
+                <a:latin typeface="Courier New" panose="02070309020205020404" pitchFamily="49" charset="0"/>
+                <a:cs typeface="Courier New" panose="02070309020205020404" pitchFamily="49" charset="0"/>
+              </a:rPr>
+              <a:t>WHERE</a:t>
+            </a:r>
+            <a:r>
+              <a:rPr lang="nl-NL" sz="1600" dirty="0">
+                <a:latin typeface="Courier New" panose="02070309020205020404" pitchFamily="49" charset="0"/>
+                <a:cs typeface="Courier New" panose="02070309020205020404" pitchFamily="49" charset="0"/>
+              </a:rPr>
+              <a:t> Leeftijd = :leeftijd</a:t>
+            </a:r>
+          </a:p>
+          <a:p>
+            <a:pPr marL="0" indent="0">
+              <a:buNone/>
+            </a:pPr>
+            <a:endParaRPr lang="nl-NL" sz="1800" dirty="0"/>
+          </a:p>
+          <a:p>
+            <a:pPr marL="0" indent="0">
+              <a:buNone/>
+            </a:pPr>
+            <a:r>
+              <a:rPr lang="nl-NL" sz="1800" dirty="0"/>
+              <a:t>Vul de parameters met waardes via de </a:t>
+            </a:r>
+            <a:r>
+              <a:rPr lang="nl-NL" sz="1800" dirty="0" err="1"/>
+              <a:t>SQLite</a:t>
+            </a:r>
+            <a:r>
+              <a:rPr lang="nl-NL" sz="1800" dirty="0"/>
+              <a:t> API:</a:t>
+            </a:r>
+          </a:p>
+          <a:p>
+            <a:pPr marL="0" indent="0">
+              <a:buNone/>
+            </a:pPr>
+            <a:endParaRPr lang="nl-NL" sz="1800" dirty="0"/>
+          </a:p>
+          <a:p>
+            <a:pPr marL="0" indent="0">
+              <a:buNone/>
+            </a:pPr>
+            <a:r>
+              <a:rPr lang="nl-NL" sz="1600" dirty="0">
+                <a:latin typeface="Courier New" panose="02070309020205020404" pitchFamily="49" charset="0"/>
+                <a:cs typeface="Courier New" panose="02070309020205020404" pitchFamily="49" charset="0"/>
+              </a:rPr>
+              <a:t>leeftijd = 22</a:t>
+            </a:r>
+          </a:p>
+          <a:p>
+            <a:pPr marL="0" indent="0">
+              <a:buNone/>
+            </a:pPr>
+            <a:r>
+              <a:rPr lang="nl-NL" sz="1600" dirty="0">
+                <a:latin typeface="Courier New" panose="02070309020205020404" pitchFamily="49" charset="0"/>
+                <a:cs typeface="Courier New" panose="02070309020205020404" pitchFamily="49" charset="0"/>
+              </a:rPr>
+              <a:t>query = "</a:t>
+            </a:r>
+            <a:r>
+              <a:rPr lang="nl-NL" sz="1600" dirty="0">
+                <a:solidFill>
+                  <a:schemeClr val="accent5">
+                    <a:lumMod val="75000"/>
+                  </a:schemeClr>
+                </a:solidFill>
+                <a:latin typeface="Courier New" panose="02070309020205020404" pitchFamily="49" charset="0"/>
+                <a:cs typeface="Courier New" panose="02070309020205020404" pitchFamily="49" charset="0"/>
+              </a:rPr>
+              <a:t>SELECT</a:t>
+            </a:r>
+            <a:r>
+              <a:rPr lang="nl-NL" sz="1600" dirty="0">
+                <a:latin typeface="Courier New" panose="02070309020205020404" pitchFamily="49" charset="0"/>
+                <a:cs typeface="Courier New" panose="02070309020205020404" pitchFamily="49" charset="0"/>
+              </a:rPr>
+              <a:t> * </a:t>
+            </a:r>
+            <a:r>
+              <a:rPr lang="nl-NL" sz="1600" dirty="0">
+                <a:solidFill>
+                  <a:schemeClr val="accent5">
+                    <a:lumMod val="75000"/>
+                  </a:schemeClr>
+                </a:solidFill>
+                <a:latin typeface="Courier New" panose="02070309020205020404" pitchFamily="49" charset="0"/>
+                <a:cs typeface="Courier New" panose="02070309020205020404" pitchFamily="49" charset="0"/>
+              </a:rPr>
+              <a:t>FROM</a:t>
+            </a:r>
+            <a:r>
+              <a:rPr lang="nl-NL" sz="1600" dirty="0">
+                <a:latin typeface="Courier New" panose="02070309020205020404" pitchFamily="49" charset="0"/>
+                <a:cs typeface="Courier New" panose="02070309020205020404" pitchFamily="49" charset="0"/>
+              </a:rPr>
+              <a:t> Personen </a:t>
+            </a:r>
+            <a:r>
+              <a:rPr lang="nl-NL" sz="1600" dirty="0">
+                <a:solidFill>
+                  <a:schemeClr val="accent5">
+                    <a:lumMod val="75000"/>
+                  </a:schemeClr>
+                </a:solidFill>
+                <a:latin typeface="Courier New" panose="02070309020205020404" pitchFamily="49" charset="0"/>
+                <a:cs typeface="Courier New" panose="02070309020205020404" pitchFamily="49" charset="0"/>
+              </a:rPr>
+              <a:t>WHERE</a:t>
+            </a:r>
+            <a:r>
+              <a:rPr lang="nl-NL" sz="1600" dirty="0">
+                <a:latin typeface="Courier New" panose="02070309020205020404" pitchFamily="49" charset="0"/>
+                <a:cs typeface="Courier New" panose="02070309020205020404" pitchFamily="49" charset="0"/>
+              </a:rPr>
+              <a:t> Leeftijd = ?"</a:t>
+            </a:r>
+          </a:p>
+          <a:p>
+            <a:pPr marL="0" indent="0">
+              <a:buNone/>
+            </a:pPr>
+            <a:r>
+              <a:rPr lang="nl-NL" sz="1600" dirty="0" err="1">
+                <a:latin typeface="Courier New" panose="02070309020205020404" pitchFamily="49" charset="0"/>
+                <a:cs typeface="Courier New" panose="02070309020205020404" pitchFamily="49" charset="0"/>
+              </a:rPr>
+              <a:t>connection.execute</a:t>
+            </a:r>
+            <a:r>
+              <a:rPr lang="nl-NL" sz="1600" dirty="0">
+                <a:latin typeface="Courier New" panose="02070309020205020404" pitchFamily="49" charset="0"/>
+                <a:cs typeface="Courier New" panose="02070309020205020404" pitchFamily="49" charset="0"/>
+              </a:rPr>
+              <a:t>(query, [leeftijd])</a:t>
+            </a:r>
           </a:p>
         </p:txBody>
       </p:sp>
     </p:spTree>
     <p:extLst>
       <p:ext uri="{BB962C8B-B14F-4D97-AF65-F5344CB8AC3E}">
-        <p14:creationId xmlns:p14="http://schemas.microsoft.com/office/powerpoint/2010/main" val="4063081341"/>
+        <p14:creationId xmlns:p14="http://schemas.microsoft.com/office/powerpoint/2010/main" val="2111219817"/>
       </p:ext>
     </p:extLst>
   </p:cSld>
@@ -6133,10 +4970,10 @@
       </p:grpSpPr>
       <p:sp>
         <p:nvSpPr>
-          <p:cNvPr id="2" name="Title 1">
-            <a:extLst>
-              <a:ext uri="{FF2B5EF4-FFF2-40B4-BE49-F238E27FC236}">
-                <a16:creationId xmlns:a16="http://schemas.microsoft.com/office/drawing/2014/main" id="{EFFCF4BF-EB09-7892-A56D-89F6761FB5E8}"/>
+          <p:cNvPr id="4" name="Title 3">
+            <a:extLst>
+              <a:ext uri="{FF2B5EF4-FFF2-40B4-BE49-F238E27FC236}">
+                <a16:creationId xmlns:a16="http://schemas.microsoft.com/office/drawing/2014/main" id="{389254C4-EE31-9B70-D8ED-5D6464F22608}"/>
               </a:ext>
             </a:extLst>
           </p:cNvPr>
@@ -6154,7 +4991,11 @@
           <a:p>
             <a:r>
               <a:rPr lang="en-US" dirty="0"/>
-              <a:t>Data in queries</a:t>
+              <a:t>SQL </a:t>
+            </a:r>
+            <a:r>
+              <a:rPr lang="en-US" dirty="0" err="1"/>
+              <a:t>Transacties</a:t>
             </a:r>
             <a:endParaRPr lang="en-NL" dirty="0"/>
           </a:p>
@@ -6162,10 +5003,10 @@
       </p:sp>
       <p:sp>
         <p:nvSpPr>
-          <p:cNvPr id="3" name="Content Placeholder 2">
-            <a:extLst>
-              <a:ext uri="{FF2B5EF4-FFF2-40B4-BE49-F238E27FC236}">
-                <a16:creationId xmlns:a16="http://schemas.microsoft.com/office/drawing/2014/main" id="{547DDF4A-2778-00F1-32B9-3B75308DB11E}"/>
+          <p:cNvPr id="5" name="Text Placeholder 4">
+            <a:extLst>
+              <a:ext uri="{FF2B5EF4-FFF2-40B4-BE49-F238E27FC236}">
+                <a16:creationId xmlns:a16="http://schemas.microsoft.com/office/drawing/2014/main" id="{8C4E500D-E628-DFE7-A7A9-7EEAC19FDFBE}"/>
               </a:ext>
             </a:extLst>
           </p:cNvPr>
@@ -6173,130 +5014,22 @@
             <a:spLocks noGrp="1"/>
           </p:cNvSpPr>
           <p:nvPr>
-            <p:ph idx="1"/>
+            <p:ph type="body" idx="1"/>
           </p:nvPr>
         </p:nvSpPr>
-        <p:spPr>
-          <a:xfrm>
-            <a:off x="838199" y="1825625"/>
-            <a:ext cx="10303933" cy="4351338"/>
-          </a:xfrm>
-        </p:spPr>
-        <p:txBody>
-          <a:bodyPr>
-            <a:normAutofit/>
-          </a:bodyPr>
+        <p:spPr/>
+        <p:txBody>
+          <a:bodyPr/>
           <a:lstStyle/>
           <a:p>
-            <a:pPr marL="0" indent="0">
-              <a:buNone/>
-            </a:pPr>
-            <a:r>
-              <a:rPr lang="nl-NL" sz="1800" dirty="0"/>
-              <a:t>Queries gebruiken soms externe data:</a:t>
-            </a:r>
-          </a:p>
-          <a:p>
-            <a:pPr marL="0" indent="0">
-              <a:buNone/>
-            </a:pPr>
-            <a:endParaRPr lang="nl-NL" sz="1600" b="1" dirty="0"/>
-          </a:p>
-          <a:p>
-            <a:pPr marL="0" indent="0">
-              <a:buNone/>
-            </a:pPr>
-            <a:r>
-              <a:rPr lang="nl-NL" sz="1600" dirty="0">
-                <a:latin typeface="Courier New" panose="02070309020205020404" pitchFamily="49" charset="0"/>
-                <a:cs typeface="Courier New" panose="02070309020205020404" pitchFamily="49" charset="0"/>
-              </a:rPr>
-              <a:t>SELECT * FROM Personen WHERE Leeftijd = &lt;waarde&gt;</a:t>
-            </a:r>
-          </a:p>
-          <a:p>
-            <a:pPr marL="0" indent="0">
-              <a:buNone/>
-            </a:pPr>
-            <a:endParaRPr lang="nl-NL" sz="1600" dirty="0">
-              <a:latin typeface="Courier New" panose="02070309020205020404" pitchFamily="49" charset="0"/>
-              <a:cs typeface="Courier New" panose="02070309020205020404" pitchFamily="49" charset="0"/>
-            </a:endParaRPr>
-          </a:p>
-          <a:p>
-            <a:pPr marL="0" indent="0">
-              <a:buNone/>
-            </a:pPr>
-            <a:r>
-              <a:rPr lang="nl-NL" sz="1800" dirty="0"/>
-              <a:t>Met Python zou je de waarde direct in de query kunnen plakken:</a:t>
-            </a:r>
-          </a:p>
-          <a:p>
-            <a:pPr marL="0" indent="0">
-              <a:buNone/>
-            </a:pPr>
-            <a:endParaRPr lang="nl-NL" sz="1600" dirty="0"/>
-          </a:p>
-          <a:p>
-            <a:pPr marL="0" indent="0">
-              <a:buNone/>
-            </a:pPr>
-            <a:r>
-              <a:rPr lang="nl-NL" sz="1600" dirty="0">
-                <a:latin typeface="Courier New" panose="02070309020205020404" pitchFamily="49" charset="0"/>
-                <a:cs typeface="Courier New" panose="02070309020205020404" pitchFamily="49" charset="0"/>
-              </a:rPr>
-              <a:t>leeftijd = 22</a:t>
-            </a:r>
-          </a:p>
-          <a:p>
-            <a:pPr marL="0" indent="0">
-              <a:buNone/>
-            </a:pPr>
-            <a:r>
-              <a:rPr lang="nl-NL" sz="1600" dirty="0">
-                <a:latin typeface="Courier New" panose="02070309020205020404" pitchFamily="49" charset="0"/>
-                <a:cs typeface="Courier New" panose="02070309020205020404" pitchFamily="49" charset="0"/>
-              </a:rPr>
-              <a:t>query = </a:t>
-            </a:r>
-            <a:r>
-              <a:rPr lang="nl-NL" sz="1600" dirty="0" err="1">
-                <a:latin typeface="Courier New" panose="02070309020205020404" pitchFamily="49" charset="0"/>
-                <a:cs typeface="Courier New" panose="02070309020205020404" pitchFamily="49" charset="0"/>
-              </a:rPr>
-              <a:t>f"SELECT</a:t>
-            </a:r>
-            <a:r>
-              <a:rPr lang="nl-NL" sz="1600" dirty="0">
-                <a:latin typeface="Courier New" panose="02070309020205020404" pitchFamily="49" charset="0"/>
-                <a:cs typeface="Courier New" panose="02070309020205020404" pitchFamily="49" charset="0"/>
-              </a:rPr>
-              <a:t> * FROM Personen WHERE Leeftijd = {leeftijd}"</a:t>
-            </a:r>
-          </a:p>
-          <a:p>
-            <a:pPr marL="0" indent="0">
-              <a:buNone/>
-            </a:pPr>
-            <a:endParaRPr lang="nl-NL" sz="1600" dirty="0">
-              <a:latin typeface="Courier New" panose="02070309020205020404" pitchFamily="49" charset="0"/>
-              <a:cs typeface="Courier New" panose="02070309020205020404" pitchFamily="49" charset="0"/>
-            </a:endParaRPr>
-          </a:p>
-          <a:p>
-            <a:pPr marL="0" indent="0">
-              <a:buNone/>
-            </a:pPr>
-            <a:endParaRPr lang="nl-NL" sz="1600" dirty="0"/>
+            <a:endParaRPr lang="en-NL"/>
           </a:p>
         </p:txBody>
       </p:sp>
     </p:spTree>
     <p:extLst>
       <p:ext uri="{BB962C8B-B14F-4D97-AF65-F5344CB8AC3E}">
-        <p14:creationId xmlns:p14="http://schemas.microsoft.com/office/powerpoint/2010/main" val="206410462"/>
+        <p14:creationId xmlns:p14="http://schemas.microsoft.com/office/powerpoint/2010/main" val="2969676268"/>
       </p:ext>
     </p:extLst>
   </p:cSld>
@@ -6346,7 +5079,7 @@
           <a:p>
             <a:r>
               <a:rPr lang="nl-NL" dirty="0"/>
-              <a:t>Data in queries</a:t>
+              <a:t>Het probleem van losse queries</a:t>
             </a:r>
           </a:p>
         </p:txBody>
@@ -6370,7 +5103,7 @@
         <p:spPr>
           <a:xfrm>
             <a:off x="838199" y="1825625"/>
-            <a:ext cx="10303933" cy="4351338"/>
+            <a:ext cx="10329334" cy="4351338"/>
           </a:xfrm>
         </p:spPr>
         <p:txBody>
@@ -6384,97 +5117,113 @@
             </a:pPr>
             <a:r>
               <a:rPr lang="nl-NL" sz="1800" dirty="0"/>
-              <a:t>Queries gebruiken soms externe data:</a:t>
+              <a:t>Stel je voor dat je meerdere tabellen tegelijk wilt updaten:</a:t>
             </a:r>
           </a:p>
           <a:p>
             <a:pPr marL="0" indent="0">
               <a:buNone/>
             </a:pPr>
-            <a:endParaRPr lang="nl-NL" sz="1600" b="1" dirty="0"/>
+            <a:endParaRPr lang="nl-NL" sz="1800" dirty="0"/>
           </a:p>
           <a:p>
             <a:pPr marL="0" indent="0">
               <a:buNone/>
             </a:pPr>
+            <a:r>
+              <a:rPr lang="nl-NL" sz="1600" dirty="0">
+                <a:solidFill>
+                  <a:srgbClr val="00B050"/>
+                </a:solidFill>
+                <a:latin typeface="Courier New" panose="02070309020205020404" pitchFamily="49" charset="0"/>
+                <a:cs typeface="Courier New" panose="02070309020205020404" pitchFamily="49" charset="0"/>
+                <a:sym typeface="Wingdings" panose="05000000000000000000" pitchFamily="2" charset="2"/>
+              </a:rPr>
+              <a:t></a:t>
+            </a:r>
+            <a:r>
+              <a:rPr lang="nl-NL" sz="1600" dirty="0">
+                <a:latin typeface="Courier New" panose="02070309020205020404" pitchFamily="49" charset="0"/>
+                <a:cs typeface="Courier New" panose="02070309020205020404" pitchFamily="49" charset="0"/>
+                <a:sym typeface="Wingdings" panose="05000000000000000000" pitchFamily="2" charset="2"/>
+              </a:rPr>
+              <a:t> </a:t>
+            </a:r>
             <a:r>
               <a:rPr lang="nl-NL" sz="1600" dirty="0">
                 <a:latin typeface="Courier New" panose="02070309020205020404" pitchFamily="49" charset="0"/>
                 <a:cs typeface="Courier New" panose="02070309020205020404" pitchFamily="49" charset="0"/>
               </a:rPr>
-              <a:t>SELECT * FROM Personen WHERE Leeftijd = &lt;waarde&gt;</a:t>
+              <a:t>INSERT INTO Personen …</a:t>
             </a:r>
           </a:p>
           <a:p>
             <a:pPr marL="0" indent="0">
               <a:buNone/>
             </a:pPr>
-            <a:endParaRPr lang="nl-NL" sz="1600" dirty="0">
-              <a:latin typeface="Courier New" panose="02070309020205020404" pitchFamily="49" charset="0"/>
-              <a:cs typeface="Courier New" panose="02070309020205020404" pitchFamily="49" charset="0"/>
-            </a:endParaRPr>
-          </a:p>
-          <a:p>
-            <a:pPr marL="0" indent="0">
-              <a:buNone/>
-            </a:pPr>
-            <a:r>
-              <a:rPr lang="nl-NL" sz="1800" dirty="0"/>
-              <a:t>Met Python zou je de waarde direct in de query kunnen plakken:</a:t>
-            </a:r>
-          </a:p>
-          <a:p>
-            <a:pPr marL="0" indent="0">
-              <a:buNone/>
-            </a:pPr>
-            <a:endParaRPr lang="nl-NL" sz="1600" dirty="0"/>
-          </a:p>
-          <a:p>
-            <a:pPr marL="0" indent="0">
-              <a:buNone/>
-            </a:pPr>
+            <a:r>
+              <a:rPr lang="nl-NL" sz="1600" dirty="0">
+                <a:solidFill>
+                  <a:srgbClr val="00B050"/>
+                </a:solidFill>
+                <a:latin typeface="Courier New" panose="02070309020205020404" pitchFamily="49" charset="0"/>
+                <a:cs typeface="Courier New" panose="02070309020205020404" pitchFamily="49" charset="0"/>
+                <a:sym typeface="Wingdings" panose="05000000000000000000" pitchFamily="2" charset="2"/>
+              </a:rPr>
+              <a:t></a:t>
+            </a:r>
+            <a:r>
+              <a:rPr lang="nl-NL" sz="1600" dirty="0">
+                <a:latin typeface="Courier New" panose="02070309020205020404" pitchFamily="49" charset="0"/>
+                <a:cs typeface="Courier New" panose="02070309020205020404" pitchFamily="49" charset="0"/>
+                <a:sym typeface="Wingdings" panose="05000000000000000000" pitchFamily="2" charset="2"/>
+              </a:rPr>
+              <a:t> </a:t>
+            </a:r>
             <a:r>
               <a:rPr lang="nl-NL" sz="1600" dirty="0">
                 <a:latin typeface="Courier New" panose="02070309020205020404" pitchFamily="49" charset="0"/>
                 <a:cs typeface="Courier New" panose="02070309020205020404" pitchFamily="49" charset="0"/>
               </a:rPr>
-              <a:t>leeftijd = 22</a:t>
+              <a:t>INSERT INTO Producten …</a:t>
             </a:r>
           </a:p>
           <a:p>
             <a:pPr marL="0" indent="0">
               <a:buNone/>
             </a:pPr>
+            <a:r>
+              <a:rPr lang="nl-NL" sz="1600" dirty="0">
+                <a:solidFill>
+                  <a:srgbClr val="FF0000"/>
+                </a:solidFill>
+                <a:latin typeface="Courier New" panose="02070309020205020404" pitchFamily="49" charset="0"/>
+                <a:cs typeface="Courier New" panose="02070309020205020404" pitchFamily="49" charset="0"/>
+                <a:sym typeface="Wingdings" panose="05000000000000000000" pitchFamily="2" charset="2"/>
+              </a:rPr>
+              <a:t></a:t>
+            </a:r>
+            <a:r>
+              <a:rPr lang="nl-NL" sz="1600" dirty="0">
+                <a:latin typeface="Courier New" panose="02070309020205020404" pitchFamily="49" charset="0"/>
+                <a:cs typeface="Courier New" panose="02070309020205020404" pitchFamily="49" charset="0"/>
+                <a:sym typeface="Wingdings" panose="05000000000000000000" pitchFamily="2" charset="2"/>
+              </a:rPr>
+              <a:t> </a:t>
+            </a:r>
             <a:r>
               <a:rPr lang="nl-NL" sz="1600" dirty="0">
                 <a:latin typeface="Courier New" panose="02070309020205020404" pitchFamily="49" charset="0"/>
                 <a:cs typeface="Courier New" panose="02070309020205020404" pitchFamily="49" charset="0"/>
               </a:rPr>
-              <a:t>query = </a:t>
-            </a:r>
-            <a:r>
-              <a:rPr lang="nl-NL" sz="1600" dirty="0" err="1">
-                <a:latin typeface="Courier New" panose="02070309020205020404" pitchFamily="49" charset="0"/>
-                <a:cs typeface="Courier New" panose="02070309020205020404" pitchFamily="49" charset="0"/>
-              </a:rPr>
-              <a:t>f"SELECT</a:t>
-            </a:r>
-            <a:r>
-              <a:rPr lang="nl-NL" sz="1600" dirty="0">
-                <a:latin typeface="Courier New" panose="02070309020205020404" pitchFamily="49" charset="0"/>
-                <a:cs typeface="Courier New" panose="02070309020205020404" pitchFamily="49" charset="0"/>
-              </a:rPr>
-              <a:t> * FROM Personen WHERE Leeftijd = {leeftijd}"</a:t>
+              <a:t>INSERT INTO Transacties …</a:t>
             </a:r>
           </a:p>
           <a:p>
             <a:pPr marL="0" indent="0">
               <a:buNone/>
             </a:pPr>
-            <a:endParaRPr lang="nl-NL" sz="1600" dirty="0">
-              <a:latin typeface="Courier New" panose="02070309020205020404" pitchFamily="49" charset="0"/>
-              <a:cs typeface="Courier New" panose="02070309020205020404" pitchFamily="49" charset="0"/>
-            </a:endParaRPr>
+            <a:endParaRPr lang="nl-NL" sz="1600" dirty="0"/>
           </a:p>
           <a:p>
             <a:pPr marL="0" indent="0">
@@ -6482,48 +5231,45 @@
             </a:pPr>
             <a:r>
               <a:rPr lang="nl-NL" sz="1800" dirty="0"/>
-              <a:t>Maar wat gebeurt er met deze waarde…</a:t>
+              <a:t>Maar de laatste query faalt, bijvoorbeeld vanwege een veld dat niet uniek is….</a:t>
             </a:r>
           </a:p>
           <a:p>
             <a:pPr marL="0" indent="0">
               <a:buNone/>
             </a:pPr>
-            <a:endParaRPr lang="nl-NL" sz="1600" dirty="0"/>
+            <a:endParaRPr lang="nl-NL" sz="1800" dirty="0"/>
           </a:p>
           <a:p>
             <a:pPr marL="0" indent="0">
               <a:buNone/>
             </a:pPr>
             <a:r>
-              <a:rPr lang="nl-NL" sz="1600" dirty="0">
-                <a:latin typeface="Courier New" panose="02070309020205020404" pitchFamily="49" charset="0"/>
-                <a:cs typeface="Courier New" panose="02070309020205020404" pitchFamily="49" charset="0"/>
-              </a:rPr>
-              <a:t>leeftijd = "22; DROP TABLE Personen;"</a:t>
+              <a:rPr lang="nl-NL" sz="1800" dirty="0"/>
+              <a:t>Dan heb je wellicht personen of producten in de database die overbodig zijn!</a:t>
             </a:r>
           </a:p>
           <a:p>
             <a:pPr marL="0" indent="0">
               <a:buNone/>
             </a:pPr>
-            <a:endParaRPr lang="nl-NL" sz="1600" dirty="0">
-              <a:latin typeface="Courier New" panose="02070309020205020404" pitchFamily="49" charset="0"/>
-              <a:cs typeface="Courier New" panose="02070309020205020404" pitchFamily="49" charset="0"/>
-            </a:endParaRPr>
+            <a:endParaRPr lang="nl-NL" sz="1800" dirty="0"/>
           </a:p>
           <a:p>
             <a:pPr marL="0" indent="0">
               <a:buNone/>
             </a:pPr>
-            <a:endParaRPr lang="nl-NL" sz="1600" dirty="0"/>
+            <a:r>
+              <a:rPr lang="nl-NL" sz="1800" dirty="0"/>
+              <a:t>Het liefste zou je alle queries als één blok willen uitvoeren…</a:t>
+            </a:r>
           </a:p>
         </p:txBody>
       </p:sp>
     </p:spTree>
     <p:extLst>
       <p:ext uri="{BB962C8B-B14F-4D97-AF65-F5344CB8AC3E}">
-        <p14:creationId xmlns:p14="http://schemas.microsoft.com/office/powerpoint/2010/main" val="3241581677"/>
+        <p14:creationId xmlns:p14="http://schemas.microsoft.com/office/powerpoint/2010/main" val="1544590498"/>
       </p:ext>
     </p:extLst>
   </p:cSld>
@@ -6573,773 +5319,6 @@
           <a:p>
             <a:r>
               <a:rPr lang="nl-NL" dirty="0"/>
-              <a:t>Queries met parameters</a:t>
-            </a:r>
-          </a:p>
-        </p:txBody>
-      </p:sp>
-      <p:sp>
-        <p:nvSpPr>
-          <p:cNvPr id="3" name="Content Placeholder 2">
-            <a:extLst>
-              <a:ext uri="{FF2B5EF4-FFF2-40B4-BE49-F238E27FC236}">
-                <a16:creationId xmlns:a16="http://schemas.microsoft.com/office/drawing/2014/main" id="{547DDF4A-2778-00F1-32B9-3B75308DB11E}"/>
-              </a:ext>
-            </a:extLst>
-          </p:cNvPr>
-          <p:cNvSpPr>
-            <a:spLocks noGrp="1"/>
-          </p:cNvSpPr>
-          <p:nvPr>
-            <p:ph idx="1"/>
-          </p:nvPr>
-        </p:nvSpPr>
-        <p:spPr>
-          <a:xfrm>
-            <a:off x="838199" y="1825625"/>
-            <a:ext cx="10303933" cy="4351338"/>
-          </a:xfrm>
-        </p:spPr>
-        <p:txBody>
-          <a:bodyPr>
-            <a:normAutofit/>
-          </a:bodyPr>
-          <a:lstStyle/>
-          <a:p>
-            <a:pPr marL="0" indent="0">
-              <a:buNone/>
-            </a:pPr>
-            <a:r>
-              <a:rPr lang="nl-NL" sz="1800" dirty="0"/>
-              <a:t>Gebruik parameters voor externe data in een query:</a:t>
-            </a:r>
-          </a:p>
-          <a:p>
-            <a:pPr marL="0" indent="0">
-              <a:buNone/>
-            </a:pPr>
-            <a:endParaRPr lang="nl-NL" sz="1800" dirty="0"/>
-          </a:p>
-          <a:p>
-            <a:pPr marL="0" indent="0">
-              <a:buNone/>
-            </a:pPr>
-            <a:r>
-              <a:rPr lang="nl-NL" sz="1600" dirty="0">
-                <a:latin typeface="Courier New" panose="02070309020205020404" pitchFamily="49" charset="0"/>
-                <a:cs typeface="Courier New" panose="02070309020205020404" pitchFamily="49" charset="0"/>
-              </a:rPr>
-              <a:t>SELECT * FROM Personen WHERE Leeftijd = ?</a:t>
-            </a:r>
-          </a:p>
-          <a:p>
-            <a:pPr marL="0" indent="0">
-              <a:buNone/>
-            </a:pPr>
-            <a:r>
-              <a:rPr lang="nl-NL" sz="1600" dirty="0">
-                <a:latin typeface="Courier New" panose="02070309020205020404" pitchFamily="49" charset="0"/>
-                <a:cs typeface="Courier New" panose="02070309020205020404" pitchFamily="49" charset="0"/>
-              </a:rPr>
-              <a:t>SELECT * FROM Personen WHERE Leeftijd = @leeftijd</a:t>
-            </a:r>
-          </a:p>
-          <a:p>
-            <a:pPr marL="0" indent="0">
-              <a:buNone/>
-            </a:pPr>
-            <a:endParaRPr lang="nl-NL" sz="1800" dirty="0"/>
-          </a:p>
-          <a:p>
-            <a:pPr marL="0" indent="0">
-              <a:buNone/>
-            </a:pPr>
-            <a:r>
-              <a:rPr lang="nl-NL" sz="1800" dirty="0"/>
-              <a:t>Vul de parameters met waardes via de </a:t>
-            </a:r>
-            <a:r>
-              <a:rPr lang="nl-NL" sz="1800" dirty="0" err="1"/>
-              <a:t>SQLite</a:t>
-            </a:r>
-            <a:r>
-              <a:rPr lang="nl-NL" sz="1800" dirty="0"/>
-              <a:t> API:</a:t>
-            </a:r>
-          </a:p>
-          <a:p>
-            <a:pPr marL="0" indent="0">
-              <a:buNone/>
-            </a:pPr>
-            <a:endParaRPr lang="nl-NL" sz="1800" dirty="0"/>
-          </a:p>
-          <a:p>
-            <a:pPr marL="0" indent="0">
-              <a:buNone/>
-            </a:pPr>
-            <a:r>
-              <a:rPr lang="nl-NL" sz="1600" dirty="0">
-                <a:latin typeface="Courier New" panose="02070309020205020404" pitchFamily="49" charset="0"/>
-                <a:cs typeface="Courier New" panose="02070309020205020404" pitchFamily="49" charset="0"/>
-              </a:rPr>
-              <a:t>leeftijd = 22</a:t>
-            </a:r>
-          </a:p>
-          <a:p>
-            <a:pPr marL="0" indent="0">
-              <a:buNone/>
-            </a:pPr>
-            <a:r>
-              <a:rPr lang="nl-NL" sz="1600" dirty="0">
-                <a:latin typeface="Courier New" panose="02070309020205020404" pitchFamily="49" charset="0"/>
-                <a:cs typeface="Courier New" panose="02070309020205020404" pitchFamily="49" charset="0"/>
-              </a:rPr>
-              <a:t>query = "SELECT * FROM Personen WHERE Leeftijd = ?"</a:t>
-            </a:r>
-          </a:p>
-          <a:p>
-            <a:pPr marL="0" indent="0">
-              <a:buNone/>
-            </a:pPr>
-            <a:r>
-              <a:rPr lang="nl-NL" sz="1600" dirty="0" err="1">
-                <a:latin typeface="Courier New" panose="02070309020205020404" pitchFamily="49" charset="0"/>
-                <a:cs typeface="Courier New" panose="02070309020205020404" pitchFamily="49" charset="0"/>
-              </a:rPr>
-              <a:t>connection.execute</a:t>
-            </a:r>
-            <a:r>
-              <a:rPr lang="nl-NL" sz="1600" dirty="0">
-                <a:latin typeface="Courier New" panose="02070309020205020404" pitchFamily="49" charset="0"/>
-                <a:cs typeface="Courier New" panose="02070309020205020404" pitchFamily="49" charset="0"/>
-              </a:rPr>
-              <a:t>(query, [leeftijd])</a:t>
-            </a:r>
-          </a:p>
-        </p:txBody>
-      </p:sp>
-    </p:spTree>
-    <p:extLst>
-      <p:ext uri="{BB962C8B-B14F-4D97-AF65-F5344CB8AC3E}">
-        <p14:creationId xmlns:p14="http://schemas.microsoft.com/office/powerpoint/2010/main" val="2111219817"/>
-      </p:ext>
-    </p:extLst>
-  </p:cSld>
-  <p:clrMapOvr>
-    <a:masterClrMapping/>
-  </p:clrMapOvr>
-</p:sld>
-</file>
-
-<file path=ppt/slides/slide19.xml><?xml version="1.0" encoding="utf-8"?>
-<p:sld xmlns:a="http://schemas.openxmlformats.org/drawingml/2006/main" xmlns:r="http://schemas.openxmlformats.org/officeDocument/2006/relationships" xmlns:p="http://schemas.openxmlformats.org/presentationml/2006/main">
-  <p:cSld>
-    <p:spTree>
-      <p:nvGrpSpPr>
-        <p:cNvPr id="1" name=""/>
-        <p:cNvGrpSpPr/>
-        <p:nvPr/>
-      </p:nvGrpSpPr>
-      <p:grpSpPr>
-        <a:xfrm>
-          <a:off x="0" y="0"/>
-          <a:ext cx="0" cy="0"/>
-          <a:chOff x="0" y="0"/>
-          <a:chExt cx="0" cy="0"/>
-        </a:xfrm>
-      </p:grpSpPr>
-      <p:sp>
-        <p:nvSpPr>
-          <p:cNvPr id="4" name="Title 3">
-            <a:extLst>
-              <a:ext uri="{FF2B5EF4-FFF2-40B4-BE49-F238E27FC236}">
-                <a16:creationId xmlns:a16="http://schemas.microsoft.com/office/drawing/2014/main" id="{389254C4-EE31-9B70-D8ED-5D6464F22608}"/>
-              </a:ext>
-            </a:extLst>
-          </p:cNvPr>
-          <p:cNvSpPr>
-            <a:spLocks noGrp="1"/>
-          </p:cNvSpPr>
-          <p:nvPr>
-            <p:ph type="title"/>
-          </p:nvPr>
-        </p:nvSpPr>
-        <p:spPr/>
-        <p:txBody>
-          <a:bodyPr/>
-          <a:lstStyle/>
-          <a:p>
-            <a:r>
-              <a:rPr lang="en-US" dirty="0"/>
-              <a:t>SQL </a:t>
-            </a:r>
-            <a:r>
-              <a:rPr lang="en-US" dirty="0" err="1"/>
-              <a:t>Transacties</a:t>
-            </a:r>
-            <a:endParaRPr lang="en-NL" dirty="0"/>
-          </a:p>
-        </p:txBody>
-      </p:sp>
-      <p:sp>
-        <p:nvSpPr>
-          <p:cNvPr id="5" name="Text Placeholder 4">
-            <a:extLst>
-              <a:ext uri="{FF2B5EF4-FFF2-40B4-BE49-F238E27FC236}">
-                <a16:creationId xmlns:a16="http://schemas.microsoft.com/office/drawing/2014/main" id="{8C4E500D-E628-DFE7-A7A9-7EEAC19FDFBE}"/>
-              </a:ext>
-            </a:extLst>
-          </p:cNvPr>
-          <p:cNvSpPr>
-            <a:spLocks noGrp="1"/>
-          </p:cNvSpPr>
-          <p:nvPr>
-            <p:ph type="body" idx="1"/>
-          </p:nvPr>
-        </p:nvSpPr>
-        <p:spPr/>
-        <p:txBody>
-          <a:bodyPr/>
-          <a:lstStyle/>
-          <a:p>
-            <a:endParaRPr lang="en-NL"/>
-          </a:p>
-        </p:txBody>
-      </p:sp>
-    </p:spTree>
-    <p:extLst>
-      <p:ext uri="{BB962C8B-B14F-4D97-AF65-F5344CB8AC3E}">
-        <p14:creationId xmlns:p14="http://schemas.microsoft.com/office/powerpoint/2010/main" val="2969676268"/>
-      </p:ext>
-    </p:extLst>
-  </p:cSld>
-  <p:clrMapOvr>
-    <a:masterClrMapping/>
-  </p:clrMapOvr>
-</p:sld>
-</file>
-
-<file path=ppt/slides/slide2.xml><?xml version="1.0" encoding="utf-8"?>
-<p:sld xmlns:a="http://schemas.openxmlformats.org/drawingml/2006/main" xmlns:r="http://schemas.openxmlformats.org/officeDocument/2006/relationships" xmlns:p="http://schemas.openxmlformats.org/presentationml/2006/main">
-  <p:cSld>
-    <p:spTree>
-      <p:nvGrpSpPr>
-        <p:cNvPr id="1" name=""/>
-        <p:cNvGrpSpPr/>
-        <p:nvPr/>
-      </p:nvGrpSpPr>
-      <p:grpSpPr>
-        <a:xfrm>
-          <a:off x="0" y="0"/>
-          <a:ext cx="0" cy="0"/>
-          <a:chOff x="0" y="0"/>
-          <a:chExt cx="0" cy="0"/>
-        </a:xfrm>
-      </p:grpSpPr>
-      <p:sp>
-        <p:nvSpPr>
-          <p:cNvPr id="2" name="Title 1">
-            <a:extLst>
-              <a:ext uri="{FF2B5EF4-FFF2-40B4-BE49-F238E27FC236}">
-                <a16:creationId xmlns:a16="http://schemas.microsoft.com/office/drawing/2014/main" id="{9BDFD261-0D2C-41B9-9E28-43DF575D40E0}"/>
-              </a:ext>
-            </a:extLst>
-          </p:cNvPr>
-          <p:cNvSpPr>
-            <a:spLocks noGrp="1"/>
-          </p:cNvSpPr>
-          <p:nvPr>
-            <p:ph type="title"/>
-          </p:nvPr>
-        </p:nvSpPr>
-        <p:spPr/>
-        <p:txBody>
-          <a:bodyPr/>
-          <a:lstStyle/>
-          <a:p>
-            <a:r>
-              <a:rPr lang="nl-NL" sz="3600" dirty="0"/>
-              <a:t>Agenda</a:t>
-            </a:r>
-            <a:endParaRPr lang="nl-NL" dirty="0"/>
-          </a:p>
-        </p:txBody>
-      </p:sp>
-      <p:sp>
-        <p:nvSpPr>
-          <p:cNvPr id="3" name="Content Placeholder 2">
-            <a:extLst>
-              <a:ext uri="{FF2B5EF4-FFF2-40B4-BE49-F238E27FC236}">
-                <a16:creationId xmlns:a16="http://schemas.microsoft.com/office/drawing/2014/main" id="{7844B503-C44F-453E-9465-D42E4557DE0C}"/>
-              </a:ext>
-            </a:extLst>
-          </p:cNvPr>
-          <p:cNvSpPr>
-            <a:spLocks noGrp="1"/>
-          </p:cNvSpPr>
-          <p:nvPr>
-            <p:ph idx="1"/>
-          </p:nvPr>
-        </p:nvSpPr>
-        <p:spPr>
-          <a:xfrm>
-            <a:off x="838199" y="1825625"/>
-            <a:ext cx="7433345" cy="4351338"/>
-          </a:xfrm>
-        </p:spPr>
-        <p:txBody>
-          <a:bodyPr>
-            <a:noAutofit/>
-          </a:bodyPr>
-          <a:lstStyle/>
-          <a:p>
-            <a:pPr>
-              <a:buFontTx/>
-              <a:buChar char="-"/>
-            </a:pPr>
-            <a:r>
-              <a:rPr lang="nl-NL" sz="2000" dirty="0"/>
-              <a:t>Opdracht: webwinkel.</a:t>
-            </a:r>
-          </a:p>
-          <a:p>
-            <a:pPr>
-              <a:buFontTx/>
-              <a:buChar char="-"/>
-            </a:pPr>
-            <a:endParaRPr lang="nl-NL" sz="2000" dirty="0"/>
-          </a:p>
-          <a:p>
-            <a:pPr>
-              <a:buFontTx/>
-              <a:buChar char="-"/>
-            </a:pPr>
-            <a:r>
-              <a:rPr lang="nl-NL" sz="2000" dirty="0"/>
-              <a:t>Werken met de </a:t>
-            </a:r>
-            <a:r>
-              <a:rPr lang="nl-NL" sz="2000" dirty="0" err="1"/>
-              <a:t>SQLite</a:t>
-            </a:r>
-            <a:r>
-              <a:rPr lang="nl-NL" sz="2000" dirty="0"/>
-              <a:t> API.</a:t>
-            </a:r>
-          </a:p>
-          <a:p>
-            <a:pPr lvl="1">
-              <a:buFontTx/>
-              <a:buChar char="-"/>
-            </a:pPr>
-            <a:r>
-              <a:rPr lang="nl-NL" sz="2000" dirty="0"/>
-              <a:t>Data in </a:t>
-            </a:r>
-            <a:r>
-              <a:rPr lang="nl-NL" sz="2000" dirty="0" err="1"/>
-              <a:t>queries</a:t>
-            </a:r>
-            <a:r>
-              <a:rPr lang="nl-NL" sz="2000" dirty="0"/>
-              <a:t>.</a:t>
-            </a:r>
-          </a:p>
-          <a:p>
-            <a:pPr lvl="1">
-              <a:buFontTx/>
-              <a:buChar char="-"/>
-            </a:pPr>
-            <a:r>
-              <a:rPr lang="nl-NL" sz="2000" dirty="0"/>
-              <a:t>SQL Transacties.</a:t>
-            </a:r>
-          </a:p>
-          <a:p>
-            <a:pPr>
-              <a:buFontTx/>
-              <a:buChar char="-"/>
-            </a:pPr>
-            <a:endParaRPr lang="nl-NL" sz="2000" dirty="0"/>
-          </a:p>
-          <a:p>
-            <a:pPr>
-              <a:buFontTx/>
-              <a:buChar char="-"/>
-            </a:pPr>
-            <a:r>
-              <a:rPr lang="fr-FR" sz="2000" dirty="0"/>
-              <a:t>SQL en pandas</a:t>
-            </a:r>
-          </a:p>
-          <a:p>
-            <a:pPr>
-              <a:buFontTx/>
-              <a:buChar char="-"/>
-            </a:pPr>
-            <a:endParaRPr lang="fr-FR" sz="2000" dirty="0"/>
-          </a:p>
-          <a:p>
-            <a:pPr>
-              <a:buFontTx/>
-              <a:buChar char="-"/>
-            </a:pPr>
-            <a:r>
-              <a:rPr lang="fr-FR" sz="2000" dirty="0"/>
-              <a:t>Object </a:t>
-            </a:r>
-            <a:r>
-              <a:rPr lang="fr-FR" sz="2000" dirty="0" err="1"/>
-              <a:t>Relational</a:t>
-            </a:r>
-            <a:r>
-              <a:rPr lang="fr-FR" sz="2000" dirty="0"/>
-              <a:t> Model (ORM)</a:t>
-            </a:r>
-            <a:endParaRPr lang="nl-NL" sz="2000" dirty="0"/>
-          </a:p>
-          <a:p>
-            <a:pPr>
-              <a:buFontTx/>
-              <a:buChar char="-"/>
-            </a:pPr>
-            <a:endParaRPr lang="nl-NL" sz="2000" dirty="0"/>
-          </a:p>
-          <a:p>
-            <a:pPr>
-              <a:buFontTx/>
-              <a:buChar char="-"/>
-            </a:pPr>
-            <a:r>
-              <a:rPr lang="nl-NL" sz="2000" dirty="0"/>
-              <a:t>Wanneer Python of SQL?</a:t>
-            </a:r>
-          </a:p>
-        </p:txBody>
-      </p:sp>
-      <p:pic>
-        <p:nvPicPr>
-          <p:cNvPr id="4" name="Picture 3">
-            <a:extLst>
-              <a:ext uri="{FF2B5EF4-FFF2-40B4-BE49-F238E27FC236}">
-                <a16:creationId xmlns:a16="http://schemas.microsoft.com/office/drawing/2014/main" id="{8C834871-A025-6FF4-F699-02E486426896}"/>
-              </a:ext>
-            </a:extLst>
-          </p:cNvPr>
-          <p:cNvPicPr>
-            <a:picLocks noChangeAspect="1"/>
-          </p:cNvPicPr>
-          <p:nvPr/>
-        </p:nvPicPr>
-        <p:blipFill>
-          <a:blip r:embed="rId2"/>
-          <a:stretch>
-            <a:fillRect/>
-          </a:stretch>
-        </p:blipFill>
-        <p:spPr>
-          <a:xfrm rot="1217736">
-            <a:off x="8324075" y="3685187"/>
-            <a:ext cx="2694468" cy="2415360"/>
-          </a:xfrm>
-          <a:prstGeom prst="rect">
-            <a:avLst/>
-          </a:prstGeom>
-        </p:spPr>
-      </p:pic>
-    </p:spTree>
-    <p:extLst>
-      <p:ext uri="{BB962C8B-B14F-4D97-AF65-F5344CB8AC3E}">
-        <p14:creationId xmlns:p14="http://schemas.microsoft.com/office/powerpoint/2010/main" val="564599959"/>
-      </p:ext>
-    </p:extLst>
-  </p:cSld>
-  <p:clrMapOvr>
-    <a:masterClrMapping/>
-  </p:clrMapOvr>
-</p:sld>
-</file>
-
-<file path=ppt/slides/slide20.xml><?xml version="1.0" encoding="utf-8"?>
-<p:sld xmlns:a="http://schemas.openxmlformats.org/drawingml/2006/main" xmlns:r="http://schemas.openxmlformats.org/officeDocument/2006/relationships" xmlns:p="http://schemas.openxmlformats.org/presentationml/2006/main">
-  <p:cSld>
-    <p:spTree>
-      <p:nvGrpSpPr>
-        <p:cNvPr id="1" name=""/>
-        <p:cNvGrpSpPr/>
-        <p:nvPr/>
-      </p:nvGrpSpPr>
-      <p:grpSpPr>
-        <a:xfrm>
-          <a:off x="0" y="0"/>
-          <a:ext cx="0" cy="0"/>
-          <a:chOff x="0" y="0"/>
-          <a:chExt cx="0" cy="0"/>
-        </a:xfrm>
-      </p:grpSpPr>
-      <p:sp>
-        <p:nvSpPr>
-          <p:cNvPr id="2" name="Title 1">
-            <a:extLst>
-              <a:ext uri="{FF2B5EF4-FFF2-40B4-BE49-F238E27FC236}">
-                <a16:creationId xmlns:a16="http://schemas.microsoft.com/office/drawing/2014/main" id="{EFFCF4BF-EB09-7892-A56D-89F6761FB5E8}"/>
-              </a:ext>
-            </a:extLst>
-          </p:cNvPr>
-          <p:cNvSpPr>
-            <a:spLocks noGrp="1"/>
-          </p:cNvSpPr>
-          <p:nvPr>
-            <p:ph type="title"/>
-          </p:nvPr>
-        </p:nvSpPr>
-        <p:spPr/>
-        <p:txBody>
-          <a:bodyPr/>
-          <a:lstStyle/>
-          <a:p>
-            <a:r>
-              <a:rPr lang="nl-NL" dirty="0"/>
-              <a:t>Het probleem van losse queries</a:t>
-            </a:r>
-          </a:p>
-        </p:txBody>
-      </p:sp>
-      <p:sp>
-        <p:nvSpPr>
-          <p:cNvPr id="3" name="Content Placeholder 2">
-            <a:extLst>
-              <a:ext uri="{FF2B5EF4-FFF2-40B4-BE49-F238E27FC236}">
-                <a16:creationId xmlns:a16="http://schemas.microsoft.com/office/drawing/2014/main" id="{547DDF4A-2778-00F1-32B9-3B75308DB11E}"/>
-              </a:ext>
-            </a:extLst>
-          </p:cNvPr>
-          <p:cNvSpPr>
-            <a:spLocks noGrp="1"/>
-          </p:cNvSpPr>
-          <p:nvPr>
-            <p:ph idx="1"/>
-          </p:nvPr>
-        </p:nvSpPr>
-        <p:spPr>
-          <a:xfrm>
-            <a:off x="838199" y="1825625"/>
-            <a:ext cx="10329334" cy="4351338"/>
-          </a:xfrm>
-        </p:spPr>
-        <p:txBody>
-          <a:bodyPr>
-            <a:normAutofit/>
-          </a:bodyPr>
-          <a:lstStyle/>
-          <a:p>
-            <a:pPr marL="0" indent="0">
-              <a:buNone/>
-            </a:pPr>
-            <a:r>
-              <a:rPr lang="nl-NL" sz="1800" dirty="0"/>
-              <a:t>Stel je voor dat je meerdere tabellen tegelijk wilt updaten:</a:t>
-            </a:r>
-          </a:p>
-          <a:p>
-            <a:pPr marL="0" indent="0">
-              <a:buNone/>
-            </a:pPr>
-            <a:endParaRPr lang="nl-NL" sz="1800" dirty="0"/>
-          </a:p>
-          <a:p>
-            <a:pPr marL="0" indent="0">
-              <a:buNone/>
-            </a:pPr>
-            <a:r>
-              <a:rPr lang="nl-NL" sz="1600" dirty="0">
-                <a:solidFill>
-                  <a:srgbClr val="00B050"/>
-                </a:solidFill>
-                <a:latin typeface="Courier New" panose="02070309020205020404" pitchFamily="49" charset="0"/>
-                <a:cs typeface="Courier New" panose="02070309020205020404" pitchFamily="49" charset="0"/>
-                <a:sym typeface="Wingdings" panose="05000000000000000000" pitchFamily="2" charset="2"/>
-              </a:rPr>
-              <a:t></a:t>
-            </a:r>
-            <a:r>
-              <a:rPr lang="nl-NL" sz="1600" dirty="0">
-                <a:latin typeface="Courier New" panose="02070309020205020404" pitchFamily="49" charset="0"/>
-                <a:cs typeface="Courier New" panose="02070309020205020404" pitchFamily="49" charset="0"/>
-                <a:sym typeface="Wingdings" panose="05000000000000000000" pitchFamily="2" charset="2"/>
-              </a:rPr>
-              <a:t> </a:t>
-            </a:r>
-            <a:r>
-              <a:rPr lang="nl-NL" sz="1600" dirty="0">
-                <a:latin typeface="Courier New" panose="02070309020205020404" pitchFamily="49" charset="0"/>
-                <a:cs typeface="Courier New" panose="02070309020205020404" pitchFamily="49" charset="0"/>
-              </a:rPr>
-              <a:t>INSERT INTO Personen …</a:t>
-            </a:r>
-          </a:p>
-          <a:p>
-            <a:pPr marL="0" indent="0">
-              <a:buNone/>
-            </a:pPr>
-            <a:r>
-              <a:rPr lang="nl-NL" sz="1600" dirty="0">
-                <a:solidFill>
-                  <a:srgbClr val="00B050"/>
-                </a:solidFill>
-                <a:latin typeface="Courier New" panose="02070309020205020404" pitchFamily="49" charset="0"/>
-                <a:cs typeface="Courier New" panose="02070309020205020404" pitchFamily="49" charset="0"/>
-                <a:sym typeface="Wingdings" panose="05000000000000000000" pitchFamily="2" charset="2"/>
-              </a:rPr>
-              <a:t></a:t>
-            </a:r>
-            <a:r>
-              <a:rPr lang="nl-NL" sz="1600" dirty="0">
-                <a:latin typeface="Courier New" panose="02070309020205020404" pitchFamily="49" charset="0"/>
-                <a:cs typeface="Courier New" panose="02070309020205020404" pitchFamily="49" charset="0"/>
-                <a:sym typeface="Wingdings" panose="05000000000000000000" pitchFamily="2" charset="2"/>
-              </a:rPr>
-              <a:t> </a:t>
-            </a:r>
-            <a:r>
-              <a:rPr lang="nl-NL" sz="1600" dirty="0">
-                <a:latin typeface="Courier New" panose="02070309020205020404" pitchFamily="49" charset="0"/>
-                <a:cs typeface="Courier New" panose="02070309020205020404" pitchFamily="49" charset="0"/>
-              </a:rPr>
-              <a:t>INSERT INTO Producten …</a:t>
-            </a:r>
-          </a:p>
-          <a:p>
-            <a:pPr marL="0" indent="0">
-              <a:buNone/>
-            </a:pPr>
-            <a:r>
-              <a:rPr lang="nl-NL" sz="1600" dirty="0">
-                <a:solidFill>
-                  <a:srgbClr val="FF0000"/>
-                </a:solidFill>
-                <a:latin typeface="Courier New" panose="02070309020205020404" pitchFamily="49" charset="0"/>
-                <a:cs typeface="Courier New" panose="02070309020205020404" pitchFamily="49" charset="0"/>
-                <a:sym typeface="Wingdings" panose="05000000000000000000" pitchFamily="2" charset="2"/>
-              </a:rPr>
-              <a:t></a:t>
-            </a:r>
-            <a:r>
-              <a:rPr lang="nl-NL" sz="1600" dirty="0">
-                <a:latin typeface="Courier New" panose="02070309020205020404" pitchFamily="49" charset="0"/>
-                <a:cs typeface="Courier New" panose="02070309020205020404" pitchFamily="49" charset="0"/>
-                <a:sym typeface="Wingdings" panose="05000000000000000000" pitchFamily="2" charset="2"/>
-              </a:rPr>
-              <a:t> </a:t>
-            </a:r>
-            <a:r>
-              <a:rPr lang="nl-NL" sz="1600" dirty="0">
-                <a:latin typeface="Courier New" panose="02070309020205020404" pitchFamily="49" charset="0"/>
-                <a:cs typeface="Courier New" panose="02070309020205020404" pitchFamily="49" charset="0"/>
-              </a:rPr>
-              <a:t>INSERT INTO Transacties …</a:t>
-            </a:r>
-          </a:p>
-          <a:p>
-            <a:pPr marL="0" indent="0">
-              <a:buNone/>
-            </a:pPr>
-            <a:endParaRPr lang="nl-NL" sz="1600" dirty="0"/>
-          </a:p>
-          <a:p>
-            <a:pPr marL="0" indent="0">
-              <a:buNone/>
-            </a:pPr>
-            <a:r>
-              <a:rPr lang="nl-NL" sz="1800" dirty="0"/>
-              <a:t>Maar de laatste query faalt, bijvoorbeeld vanwege een veld dat niet uniek is….</a:t>
-            </a:r>
-          </a:p>
-          <a:p>
-            <a:pPr marL="0" indent="0">
-              <a:buNone/>
-            </a:pPr>
-            <a:endParaRPr lang="nl-NL" sz="1800" dirty="0"/>
-          </a:p>
-          <a:p>
-            <a:pPr marL="0" indent="0">
-              <a:buNone/>
-            </a:pPr>
-            <a:r>
-              <a:rPr lang="nl-NL" sz="1800" dirty="0"/>
-              <a:t>Dan heb je wellicht personen of producten in de database die overbodig zijn!</a:t>
-            </a:r>
-          </a:p>
-          <a:p>
-            <a:pPr marL="0" indent="0">
-              <a:buNone/>
-            </a:pPr>
-            <a:endParaRPr lang="nl-NL" sz="1800" dirty="0"/>
-          </a:p>
-          <a:p>
-            <a:pPr marL="0" indent="0">
-              <a:buNone/>
-            </a:pPr>
-            <a:r>
-              <a:rPr lang="nl-NL" sz="1800" dirty="0"/>
-              <a:t>Het liefste zou je alle queries als één blok willen uitvoeren…</a:t>
-            </a:r>
-          </a:p>
-        </p:txBody>
-      </p:sp>
-    </p:spTree>
-    <p:extLst>
-      <p:ext uri="{BB962C8B-B14F-4D97-AF65-F5344CB8AC3E}">
-        <p14:creationId xmlns:p14="http://schemas.microsoft.com/office/powerpoint/2010/main" val="1544590498"/>
-      </p:ext>
-    </p:extLst>
-  </p:cSld>
-  <p:clrMapOvr>
-    <a:masterClrMapping/>
-  </p:clrMapOvr>
-</p:sld>
-</file>
-
-<file path=ppt/slides/slide21.xml><?xml version="1.0" encoding="utf-8"?>
-<p:sld xmlns:a="http://schemas.openxmlformats.org/drawingml/2006/main" xmlns:r="http://schemas.openxmlformats.org/officeDocument/2006/relationships" xmlns:p="http://schemas.openxmlformats.org/presentationml/2006/main">
-  <p:cSld>
-    <p:spTree>
-      <p:nvGrpSpPr>
-        <p:cNvPr id="1" name=""/>
-        <p:cNvGrpSpPr/>
-        <p:nvPr/>
-      </p:nvGrpSpPr>
-      <p:grpSpPr>
-        <a:xfrm>
-          <a:off x="0" y="0"/>
-          <a:ext cx="0" cy="0"/>
-          <a:chOff x="0" y="0"/>
-          <a:chExt cx="0" cy="0"/>
-        </a:xfrm>
-      </p:grpSpPr>
-      <p:sp>
-        <p:nvSpPr>
-          <p:cNvPr id="2" name="Title 1">
-            <a:extLst>
-              <a:ext uri="{FF2B5EF4-FFF2-40B4-BE49-F238E27FC236}">
-                <a16:creationId xmlns:a16="http://schemas.microsoft.com/office/drawing/2014/main" id="{EFFCF4BF-EB09-7892-A56D-89F6761FB5E8}"/>
-              </a:ext>
-            </a:extLst>
-          </p:cNvPr>
-          <p:cNvSpPr>
-            <a:spLocks noGrp="1"/>
-          </p:cNvSpPr>
-          <p:nvPr>
-            <p:ph type="title"/>
-          </p:nvPr>
-        </p:nvSpPr>
-        <p:spPr/>
-        <p:txBody>
-          <a:bodyPr/>
-          <a:lstStyle/>
-          <a:p>
-            <a:r>
-              <a:rPr lang="nl-NL" dirty="0"/>
               <a:t>Queries bundelen in transacties</a:t>
             </a:r>
           </a:p>
@@ -7480,7 +5459,7 @@
 </p:sld>
 </file>
 
-<file path=ppt/slides/slide22.xml><?xml version="1.0" encoding="utf-8"?>
+<file path=ppt/slides/slide19.xml><?xml version="1.0" encoding="utf-8"?>
 <p:sld xmlns:a="http://schemas.openxmlformats.org/drawingml/2006/main" xmlns:r="http://schemas.openxmlformats.org/officeDocument/2006/relationships" xmlns:p="http://schemas.openxmlformats.org/presentationml/2006/main">
   <p:cSld>
     <p:spTree>
@@ -7839,10 +5818,22 @@
             </a:pPr>
             <a:r>
               <a:rPr lang="nl-NL" sz="1800" dirty="0">
+                <a:solidFill>
+                  <a:schemeClr val="accent5">
+                    <a:lumMod val="75000"/>
+                  </a:schemeClr>
+                </a:solidFill>
                 <a:latin typeface="Courier New" panose="02070309020205020404" pitchFamily="49" charset="0"/>
                 <a:cs typeface="Courier New" panose="02070309020205020404" pitchFamily="49" charset="0"/>
               </a:rPr>
-              <a:t>BEGIN TRANSACTION;</a:t>
+              <a:t>BEGIN TRANSACTION</a:t>
+            </a:r>
+            <a:r>
+              <a:rPr lang="nl-NL" sz="1800" dirty="0">
+                <a:latin typeface="Courier New" panose="02070309020205020404" pitchFamily="49" charset="0"/>
+                <a:cs typeface="Courier New" panose="02070309020205020404" pitchFamily="49" charset="0"/>
+              </a:rPr>
+              <a:t>;</a:t>
             </a:r>
           </a:p>
           <a:p>
@@ -7862,23 +5853,54 @@
             </a:pPr>
             <a:r>
               <a:rPr lang="nl-NL" sz="1800" dirty="0">
+                <a:solidFill>
+                  <a:schemeClr val="accent5">
+                    <a:lumMod val="75000"/>
+                  </a:schemeClr>
+                </a:solidFill>
                 <a:latin typeface="Courier New" panose="02070309020205020404" pitchFamily="49" charset="0"/>
                 <a:cs typeface="Courier New" panose="02070309020205020404" pitchFamily="49" charset="0"/>
               </a:rPr>
-              <a:t>INSERT INTO Producten (…)</a:t>
-            </a:r>
-          </a:p>
-          <a:p>
-            <a:pPr marL="0" indent="0">
-              <a:buFont typeface="Arial" panose="020B0604020202020204" pitchFamily="34" charset="0"/>
-              <a:buNone/>
-            </a:pPr>
+              <a:t>INSERT INTO </a:t>
+            </a:r>
             <a:r>
               <a:rPr lang="nl-NL" sz="1800" dirty="0">
                 <a:latin typeface="Courier New" panose="02070309020205020404" pitchFamily="49" charset="0"/>
                 <a:cs typeface="Courier New" panose="02070309020205020404" pitchFamily="49" charset="0"/>
               </a:rPr>
-              <a:t>  VALUES (...);</a:t>
+              <a:t>Producten (…)</a:t>
+            </a:r>
+          </a:p>
+          <a:p>
+            <a:pPr marL="0" indent="0">
+              <a:buFont typeface="Arial" panose="020B0604020202020204" pitchFamily="34" charset="0"/>
+              <a:buNone/>
+            </a:pPr>
+            <a:r>
+              <a:rPr lang="nl-NL" sz="1800" dirty="0">
+                <a:latin typeface="Courier New" panose="02070309020205020404" pitchFamily="49" charset="0"/>
+                <a:cs typeface="Courier New" panose="02070309020205020404" pitchFamily="49" charset="0"/>
+              </a:rPr>
+              <a:t>  </a:t>
+            </a:r>
+            <a:r>
+              <a:rPr lang="nl-NL" sz="1800" dirty="0">
+                <a:solidFill>
+                  <a:schemeClr val="accent5">
+                    <a:lumMod val="75000"/>
+                  </a:schemeClr>
+                </a:solidFill>
+                <a:latin typeface="Courier New" panose="02070309020205020404" pitchFamily="49" charset="0"/>
+                <a:cs typeface="Courier New" panose="02070309020205020404" pitchFamily="49" charset="0"/>
+              </a:rPr>
+              <a:t>VALUES</a:t>
+            </a:r>
+            <a:r>
+              <a:rPr lang="nl-NL" sz="1800" dirty="0">
+                <a:latin typeface="Courier New" panose="02070309020205020404" pitchFamily="49" charset="0"/>
+                <a:cs typeface="Courier New" panose="02070309020205020404" pitchFamily="49" charset="0"/>
+              </a:rPr>
+              <a:t> (...);</a:t>
             </a:r>
           </a:p>
           <a:p>
@@ -7898,6 +5920,11 @@
             </a:pPr>
             <a:r>
               <a:rPr lang="nl-NL" sz="1800" dirty="0">
+                <a:solidFill>
+                  <a:schemeClr val="accent5">
+                    <a:lumMod val="75000"/>
+                  </a:schemeClr>
+                </a:solidFill>
                 <a:latin typeface="Courier New" panose="02070309020205020404" pitchFamily="49" charset="0"/>
                 <a:cs typeface="Courier New" panose="02070309020205020404" pitchFamily="49" charset="0"/>
               </a:rPr>
@@ -7928,7 +5955,26 @@
                 <a:latin typeface="Courier New" panose="02070309020205020404" pitchFamily="49" charset="0"/>
                 <a:cs typeface="Courier New" panose="02070309020205020404" pitchFamily="49" charset="0"/>
               </a:rPr>
-              <a:t>  VALUES(...);</a:t>
+              <a:t>  </a:t>
+            </a:r>
+            <a:r>
+              <a:rPr lang="nl-NL" sz="1800" dirty="0">
+                <a:solidFill>
+                  <a:schemeClr val="accent5">
+                    <a:lumMod val="75000"/>
+                  </a:schemeClr>
+                </a:solidFill>
+                <a:latin typeface="Courier New" panose="02070309020205020404" pitchFamily="49" charset="0"/>
+                <a:cs typeface="Courier New" panose="02070309020205020404" pitchFamily="49" charset="0"/>
+              </a:rPr>
+              <a:t>VALUES</a:t>
+            </a:r>
+            <a:r>
+              <a:rPr lang="nl-NL" sz="1800" dirty="0">
+                <a:latin typeface="Courier New" panose="02070309020205020404" pitchFamily="49" charset="0"/>
+                <a:cs typeface="Courier New" panose="02070309020205020404" pitchFamily="49" charset="0"/>
+              </a:rPr>
+              <a:t>(...);</a:t>
             </a:r>
           </a:p>
           <a:p>
@@ -7948,10 +5994,22 @@
             </a:pPr>
             <a:r>
               <a:rPr lang="nl-NL" sz="1800" dirty="0">
+                <a:solidFill>
+                  <a:schemeClr val="accent5">
+                    <a:lumMod val="75000"/>
+                  </a:schemeClr>
+                </a:solidFill>
                 <a:latin typeface="Courier New" panose="02070309020205020404" pitchFamily="49" charset="0"/>
                 <a:cs typeface="Courier New" panose="02070309020205020404" pitchFamily="49" charset="0"/>
               </a:rPr>
-              <a:t>COMMIT;</a:t>
+              <a:t>COMMIT</a:t>
+            </a:r>
+            <a:r>
+              <a:rPr lang="nl-NL" sz="1800" dirty="0">
+                <a:latin typeface="Courier New" panose="02070309020205020404" pitchFamily="49" charset="0"/>
+                <a:cs typeface="Courier New" panose="02070309020205020404" pitchFamily="49" charset="0"/>
+              </a:rPr>
+              <a:t>;</a:t>
             </a:r>
           </a:p>
         </p:txBody>
@@ -8007,7 +6065,7 @@
 </p:sld>
 </file>
 
-<file path=ppt/slides/slide23.xml><?xml version="1.0" encoding="utf-8"?>
+<file path=ppt/slides/slide2.xml><?xml version="1.0" encoding="utf-8"?>
 <p:sld xmlns:a="http://schemas.openxmlformats.org/drawingml/2006/main" xmlns:r="http://schemas.openxmlformats.org/officeDocument/2006/relationships" xmlns:p="http://schemas.openxmlformats.org/presentationml/2006/main">
   <p:cSld>
     <p:spTree>
@@ -8026,6 +6084,247 @@
       </p:grpSpPr>
       <p:sp>
         <p:nvSpPr>
+          <p:cNvPr id="2" name="Title 1">
+            <a:extLst>
+              <a:ext uri="{FF2B5EF4-FFF2-40B4-BE49-F238E27FC236}">
+                <a16:creationId xmlns:a16="http://schemas.microsoft.com/office/drawing/2014/main" id="{9BDFD261-0D2C-41B9-9E28-43DF575D40E0}"/>
+              </a:ext>
+            </a:extLst>
+          </p:cNvPr>
+          <p:cNvSpPr>
+            <a:spLocks noGrp="1"/>
+          </p:cNvSpPr>
+          <p:nvPr>
+            <p:ph type="title"/>
+          </p:nvPr>
+        </p:nvSpPr>
+        <p:spPr/>
+        <p:txBody>
+          <a:bodyPr/>
+          <a:lstStyle/>
+          <a:p>
+            <a:r>
+              <a:rPr lang="nl-NL" sz="3600" dirty="0"/>
+              <a:t>Agenda</a:t>
+            </a:r>
+            <a:endParaRPr lang="nl-NL" dirty="0"/>
+          </a:p>
+        </p:txBody>
+      </p:sp>
+      <p:sp>
+        <p:nvSpPr>
+          <p:cNvPr id="3" name="Content Placeholder 2">
+            <a:extLst>
+              <a:ext uri="{FF2B5EF4-FFF2-40B4-BE49-F238E27FC236}">
+                <a16:creationId xmlns:a16="http://schemas.microsoft.com/office/drawing/2014/main" id="{7844B503-C44F-453E-9465-D42E4557DE0C}"/>
+              </a:ext>
+            </a:extLst>
+          </p:cNvPr>
+          <p:cNvSpPr>
+            <a:spLocks noGrp="1"/>
+          </p:cNvSpPr>
+          <p:nvPr>
+            <p:ph idx="1"/>
+          </p:nvPr>
+        </p:nvSpPr>
+        <p:spPr>
+          <a:xfrm>
+            <a:off x="838199" y="1825625"/>
+            <a:ext cx="7433345" cy="4351338"/>
+          </a:xfrm>
+        </p:spPr>
+        <p:txBody>
+          <a:bodyPr>
+            <a:noAutofit/>
+          </a:bodyPr>
+          <a:lstStyle/>
+          <a:p>
+            <a:pPr>
+              <a:buFontTx/>
+              <a:buChar char="-"/>
+            </a:pPr>
+            <a:r>
+              <a:rPr lang="nl-NL" sz="2000" dirty="0"/>
+              <a:t>Huiswerk.</a:t>
+            </a:r>
+          </a:p>
+          <a:p>
+            <a:pPr>
+              <a:buFontTx/>
+              <a:buChar char="-"/>
+            </a:pPr>
+            <a:endParaRPr lang="nl-NL" sz="2000" dirty="0"/>
+          </a:p>
+          <a:p>
+            <a:pPr>
+              <a:buFontTx/>
+              <a:buChar char="-"/>
+            </a:pPr>
+            <a:r>
+              <a:rPr lang="nl-NL" sz="2000" dirty="0"/>
+              <a:t>Werken met de </a:t>
+            </a:r>
+            <a:r>
+              <a:rPr lang="nl-NL" sz="2000" dirty="0" err="1"/>
+              <a:t>SQLite</a:t>
+            </a:r>
+            <a:r>
+              <a:rPr lang="nl-NL" sz="2000" dirty="0"/>
+              <a:t> API.</a:t>
+            </a:r>
+          </a:p>
+          <a:p>
+            <a:pPr lvl="1">
+              <a:buFontTx/>
+              <a:buChar char="-"/>
+            </a:pPr>
+            <a:r>
+              <a:rPr lang="nl-NL" sz="2000" dirty="0"/>
+              <a:t>Data in </a:t>
+            </a:r>
+            <a:r>
+              <a:rPr lang="nl-NL" sz="2000" dirty="0" err="1"/>
+              <a:t>queries</a:t>
+            </a:r>
+            <a:r>
+              <a:rPr lang="nl-NL" sz="2000" dirty="0"/>
+              <a:t>.</a:t>
+            </a:r>
+          </a:p>
+          <a:p>
+            <a:pPr lvl="1">
+              <a:buFontTx/>
+              <a:buChar char="-"/>
+            </a:pPr>
+            <a:r>
+              <a:rPr lang="nl-NL" sz="2000" dirty="0"/>
+              <a:t>SQL Transacties.</a:t>
+            </a:r>
+          </a:p>
+          <a:p>
+            <a:pPr>
+              <a:buFontTx/>
+              <a:buChar char="-"/>
+            </a:pPr>
+            <a:endParaRPr lang="nl-NL" sz="2000" dirty="0"/>
+          </a:p>
+          <a:p>
+            <a:pPr>
+              <a:buFontTx/>
+              <a:buChar char="-"/>
+            </a:pPr>
+            <a:r>
+              <a:rPr lang="fr-FR" sz="2000" dirty="0"/>
+              <a:t>SQL en Pandas</a:t>
+            </a:r>
+          </a:p>
+          <a:p>
+            <a:pPr>
+              <a:buFontTx/>
+              <a:buChar char="-"/>
+            </a:pPr>
+            <a:endParaRPr lang="fr-FR" sz="2000" dirty="0"/>
+          </a:p>
+          <a:p>
+            <a:pPr>
+              <a:buFontTx/>
+              <a:buChar char="-"/>
+            </a:pPr>
+            <a:r>
+              <a:rPr lang="fr-FR" sz="2000" dirty="0"/>
+              <a:t>Object </a:t>
+            </a:r>
+            <a:r>
+              <a:rPr lang="fr-FR" sz="2000" dirty="0" err="1"/>
+              <a:t>Relational</a:t>
+            </a:r>
+            <a:r>
+              <a:rPr lang="fr-FR" sz="2000" dirty="0"/>
+              <a:t> Model (ORM)</a:t>
+            </a:r>
+            <a:endParaRPr lang="nl-NL" sz="2000" dirty="0"/>
+          </a:p>
+          <a:p>
+            <a:pPr>
+              <a:buFontTx/>
+              <a:buChar char="-"/>
+            </a:pPr>
+            <a:endParaRPr lang="nl-NL" sz="2000" dirty="0"/>
+          </a:p>
+          <a:p>
+            <a:pPr>
+              <a:buFontTx/>
+              <a:buChar char="-"/>
+            </a:pPr>
+            <a:r>
+              <a:rPr lang="nl-NL" sz="2000" dirty="0"/>
+              <a:t>Wanneer Python of SQL?</a:t>
+            </a:r>
+          </a:p>
+        </p:txBody>
+      </p:sp>
+      <p:pic>
+        <p:nvPicPr>
+          <p:cNvPr id="4" name="Picture 3">
+            <a:extLst>
+              <a:ext uri="{FF2B5EF4-FFF2-40B4-BE49-F238E27FC236}">
+                <a16:creationId xmlns:a16="http://schemas.microsoft.com/office/drawing/2014/main" id="{8C834871-A025-6FF4-F699-02E486426896}"/>
+              </a:ext>
+            </a:extLst>
+          </p:cNvPr>
+          <p:cNvPicPr>
+            <a:picLocks noChangeAspect="1"/>
+          </p:cNvPicPr>
+          <p:nvPr/>
+        </p:nvPicPr>
+        <p:blipFill>
+          <a:blip r:embed="rId2"/>
+          <a:stretch>
+            <a:fillRect/>
+          </a:stretch>
+        </p:blipFill>
+        <p:spPr>
+          <a:xfrm rot="1217736">
+            <a:off x="8324075" y="3685187"/>
+            <a:ext cx="2694468" cy="2415360"/>
+          </a:xfrm>
+          <a:prstGeom prst="rect">
+            <a:avLst/>
+          </a:prstGeom>
+        </p:spPr>
+      </p:pic>
+    </p:spTree>
+    <p:extLst>
+      <p:ext uri="{BB962C8B-B14F-4D97-AF65-F5344CB8AC3E}">
+        <p14:creationId xmlns:p14="http://schemas.microsoft.com/office/powerpoint/2010/main" val="564599959"/>
+      </p:ext>
+    </p:extLst>
+  </p:cSld>
+  <p:clrMapOvr>
+    <a:masterClrMapping/>
+  </p:clrMapOvr>
+</p:sld>
+</file>
+
+<file path=ppt/slides/slide20.xml><?xml version="1.0" encoding="utf-8"?>
+<p:sld xmlns:a="http://schemas.openxmlformats.org/drawingml/2006/main" xmlns:r="http://schemas.openxmlformats.org/officeDocument/2006/relationships" xmlns:p="http://schemas.openxmlformats.org/presentationml/2006/main">
+  <p:cSld>
+    <p:spTree>
+      <p:nvGrpSpPr>
+        <p:cNvPr id="1" name=""/>
+        <p:cNvGrpSpPr/>
+        <p:nvPr/>
+      </p:nvGrpSpPr>
+      <p:grpSpPr>
+        <a:xfrm>
+          <a:off x="0" y="0"/>
+          <a:ext cx="0" cy="0"/>
+          <a:chOff x="0" y="0"/>
+          <a:chExt cx="0" cy="0"/>
+        </a:xfrm>
+      </p:grpSpPr>
+      <p:sp>
+        <p:nvSpPr>
           <p:cNvPr id="4" name="Title 3">
             <a:extLst>
               <a:ext uri="{FF2B5EF4-FFF2-40B4-BE49-F238E27FC236}">
@@ -8090,7 +6389,7 @@
 </p:sld>
 </file>
 
-<file path=ppt/slides/slide24.xml><?xml version="1.0" encoding="utf-8"?>
+<file path=ppt/slides/slide21.xml><?xml version="1.0" encoding="utf-8"?>
 <p:sld xmlns:a="http://schemas.openxmlformats.org/drawingml/2006/main" xmlns:r="http://schemas.openxmlformats.org/officeDocument/2006/relationships" xmlns:p="http://schemas.openxmlformats.org/presentationml/2006/main">
   <p:cSld>
     <p:spTree>
@@ -8561,7 +6860,7 @@
 </p:sld>
 </file>
 
-<file path=ppt/slides/slide25.xml><?xml version="1.0" encoding="utf-8"?>
+<file path=ppt/slides/slide22.xml><?xml version="1.0" encoding="utf-8"?>
 <p:sld xmlns:a="http://schemas.openxmlformats.org/drawingml/2006/main" xmlns:r="http://schemas.openxmlformats.org/officeDocument/2006/relationships" xmlns:p="http://schemas.openxmlformats.org/presentationml/2006/main">
   <p:cSld>
     <p:spTree>
@@ -9033,7 +7332,7 @@
 </p:sld>
 </file>
 
-<file path=ppt/slides/slide26.xml><?xml version="1.0" encoding="utf-8"?>
+<file path=ppt/slides/slide23.xml><?xml version="1.0" encoding="utf-8"?>
 <p:sld xmlns:a="http://schemas.openxmlformats.org/drawingml/2006/main" xmlns:r="http://schemas.openxmlformats.org/officeDocument/2006/relationships" xmlns:p="http://schemas.openxmlformats.org/presentationml/2006/main">
   <p:cSld>
     <p:spTree>
@@ -9592,7 +7891,7 @@
 </p:sld>
 </file>
 
-<file path=ppt/slides/slide27.xml><?xml version="1.0" encoding="utf-8"?>
+<file path=ppt/slides/slide24.xml><?xml version="1.0" encoding="utf-8"?>
 <p:sld xmlns:a="http://schemas.openxmlformats.org/drawingml/2006/main" xmlns:r="http://schemas.openxmlformats.org/officeDocument/2006/relationships" xmlns:p="http://schemas.openxmlformats.org/presentationml/2006/main">
   <p:cSld>
     <p:spTree>
@@ -10325,86 +8624,6 @@
 </p:sld>
 </file>
 
-<file path=ppt/slides/slide28.xml><?xml version="1.0" encoding="utf-8"?>
-<p:sld xmlns:a="http://schemas.openxmlformats.org/drawingml/2006/main" xmlns:r="http://schemas.openxmlformats.org/officeDocument/2006/relationships" xmlns:p="http://schemas.openxmlformats.org/presentationml/2006/main">
-  <p:cSld>
-    <p:spTree>
-      <p:nvGrpSpPr>
-        <p:cNvPr id="1" name=""/>
-        <p:cNvGrpSpPr/>
-        <p:nvPr/>
-      </p:nvGrpSpPr>
-      <p:grpSpPr>
-        <a:xfrm>
-          <a:off x="0" y="0"/>
-          <a:ext cx="0" cy="0"/>
-          <a:chOff x="0" y="0"/>
-          <a:chExt cx="0" cy="0"/>
-        </a:xfrm>
-      </p:grpSpPr>
-      <p:sp>
-        <p:nvSpPr>
-          <p:cNvPr id="2" name="Title 1">
-            <a:extLst>
-              <a:ext uri="{FF2B5EF4-FFF2-40B4-BE49-F238E27FC236}">
-                <a16:creationId xmlns:a16="http://schemas.microsoft.com/office/drawing/2014/main" id="{6CF71BDF-8008-95AF-82DF-D59BC786195B}"/>
-              </a:ext>
-            </a:extLst>
-          </p:cNvPr>
-          <p:cNvSpPr>
-            <a:spLocks noGrp="1"/>
-          </p:cNvSpPr>
-          <p:nvPr>
-            <p:ph type="title"/>
-          </p:nvPr>
-        </p:nvSpPr>
-        <p:spPr/>
-        <p:txBody>
-          <a:bodyPr/>
-          <a:lstStyle/>
-          <a:p>
-            <a:endParaRPr lang="en-NL"/>
-          </a:p>
-        </p:txBody>
-      </p:sp>
-      <p:sp>
-        <p:nvSpPr>
-          <p:cNvPr id="3" name="Content Placeholder 2">
-            <a:extLst>
-              <a:ext uri="{FF2B5EF4-FFF2-40B4-BE49-F238E27FC236}">
-                <a16:creationId xmlns:a16="http://schemas.microsoft.com/office/drawing/2014/main" id="{BAA7F995-2C9A-07A3-5DE8-4B37ED203381}"/>
-              </a:ext>
-            </a:extLst>
-          </p:cNvPr>
-          <p:cNvSpPr>
-            <a:spLocks noGrp="1"/>
-          </p:cNvSpPr>
-          <p:nvPr>
-            <p:ph idx="1"/>
-          </p:nvPr>
-        </p:nvSpPr>
-        <p:spPr/>
-        <p:txBody>
-          <a:bodyPr/>
-          <a:lstStyle/>
-          <a:p>
-            <a:endParaRPr lang="en-NL"/>
-          </a:p>
-        </p:txBody>
-      </p:sp>
-    </p:spTree>
-    <p:extLst>
-      <p:ext uri="{BB962C8B-B14F-4D97-AF65-F5344CB8AC3E}">
-        <p14:creationId xmlns:p14="http://schemas.microsoft.com/office/powerpoint/2010/main" val="1467481207"/>
-      </p:ext>
-    </p:extLst>
-  </p:cSld>
-  <p:clrMapOvr>
-    <a:masterClrMapping/>
-  </p:clrMapOvr>
-</p:sld>
-</file>
-
 <file path=ppt/slides/slide3.xml><?xml version="1.0" encoding="utf-8"?>
 <p:sld xmlns:a="http://schemas.openxmlformats.org/drawingml/2006/main" xmlns:r="http://schemas.openxmlformats.org/officeDocument/2006/relationships" xmlns:p="http://schemas.openxmlformats.org/presentationml/2006/main">
   <p:cSld>
@@ -10447,7 +8666,7 @@
           <a:p>
             <a:r>
               <a:rPr lang="nl-NL" sz="3600" dirty="0"/>
-              <a:t>Webwinkel opdracht</a:t>
+              <a:t>Huiswerk</a:t>
             </a:r>
           </a:p>
         </p:txBody>
@@ -10484,15 +8703,56 @@
               <a:buNone/>
             </a:pPr>
             <a:r>
+              <a:rPr lang="nl-NL" sz="2000" noProof="0" dirty="0"/>
+              <a:t>De sales database was niet erg goed gemodelleerd....</a:t>
+            </a:r>
+          </a:p>
+          <a:p>
+            <a:pPr marL="0" indent="0">
+              <a:buNone/>
+            </a:pPr>
+            <a:endParaRPr lang="nl-NL" sz="2000" noProof="0" dirty="0"/>
+          </a:p>
+          <a:p>
+            <a:pPr marL="0" indent="0">
+              <a:buNone/>
+            </a:pPr>
+            <a:r>
               <a:rPr lang="nl-NL" sz="2000" dirty="0"/>
-              <a:t>Zet een database op voor een webwinkel met producten naar keuze.</a:t>
-            </a:r>
+              <a:t>Kun jij de opzet van </a:t>
+            </a:r>
+            <a:r>
+              <a:rPr lang="nl-NL" sz="2000" dirty="0">
+                <a:latin typeface="Courier New" panose="02070309020205020404" pitchFamily="49" charset="0"/>
+                <a:cs typeface="Courier New" panose="02070309020205020404" pitchFamily="49" charset="0"/>
+              </a:rPr>
+              <a:t>Transacties</a:t>
+            </a:r>
+            <a:r>
+              <a:rPr lang="nl-NL" sz="2000" dirty="0"/>
+              <a:t> en </a:t>
+            </a:r>
+            <a:r>
+              <a:rPr lang="nl-NL" sz="2000" dirty="0">
+                <a:latin typeface="Courier New" panose="02070309020205020404" pitchFamily="49" charset="0"/>
+                <a:cs typeface="Courier New" panose="02070309020205020404" pitchFamily="49" charset="0"/>
+              </a:rPr>
+              <a:t>Producten</a:t>
+            </a:r>
+            <a:r>
+              <a:rPr lang="nl-NL" sz="2000" dirty="0"/>
+              <a:t> verbeteren?</a:t>
+            </a:r>
+            <a:endParaRPr lang="nl-NL" sz="2000" dirty="0">
+              <a:latin typeface="Courier New" panose="02070309020205020404" pitchFamily="49" charset="0"/>
+              <a:cs typeface="Courier New" panose="02070309020205020404" pitchFamily="49" charset="0"/>
+            </a:endParaRPr>
           </a:p>
           <a:p>
             <a:pPr marL="0" indent="0">
               <a:buNone/>
             </a:pPr>
-            <a:endParaRPr lang="nl-NL" sz="2000" dirty="0"/>
+            <a:endParaRPr lang="nl-NL" sz="2000" noProof="0" dirty="0"/>
           </a:p>
           <a:p>
             <a:pPr>
@@ -10500,69 +8760,25 @@
               <a:buChar char="-"/>
             </a:pPr>
             <a:r>
-              <a:rPr lang="nl-NL" sz="2000" dirty="0"/>
-              <a:t>Maak een ERD diagram waarin je alle entiteiten en hun relaties weergeeft.</a:t>
-            </a:r>
+              <a:rPr lang="nl-NL" sz="2000" noProof="0" dirty="0"/>
+              <a:t>Maak een ERD waarin je de entiteiten en hun relaties weergeeft.</a:t>
+            </a:r>
+          </a:p>
+          <a:p>
+            <a:pPr marL="0" indent="0">
+              <a:buNone/>
+            </a:pPr>
+            <a:endParaRPr lang="nl-NL" sz="2000" noProof="0" dirty="0"/>
           </a:p>
           <a:p>
             <a:pPr>
               <a:buFontTx/>
               <a:buChar char="-"/>
             </a:pPr>
-            <a:endParaRPr lang="nl-NL" sz="2000" dirty="0"/>
-          </a:p>
-          <a:p>
-            <a:pPr>
-              <a:buFontTx/>
-              <a:buChar char="-"/>
-            </a:pPr>
-            <a:r>
-              <a:rPr lang="nl-NL" sz="2000" dirty="0"/>
-              <a:t>Maak een SQL script om alle tabellen aan te maken.</a:t>
-            </a:r>
-          </a:p>
-          <a:p>
-            <a:pPr>
-              <a:buFontTx/>
-              <a:buChar char="-"/>
-            </a:pPr>
-            <a:endParaRPr lang="nl-NL" sz="2000" dirty="0"/>
-          </a:p>
-          <a:p>
-            <a:pPr>
-              <a:buFontTx/>
-              <a:buChar char="-"/>
-            </a:pPr>
-            <a:r>
-              <a:rPr lang="nl-NL" sz="2000" dirty="0"/>
-              <a:t>Maak query's voor:</a:t>
-            </a:r>
-          </a:p>
-          <a:p>
-            <a:pPr lvl="1">
-              <a:buFontTx/>
-              <a:buChar char="-"/>
-            </a:pPr>
-            <a:r>
-              <a:rPr lang="nl-NL" sz="1600" dirty="0"/>
-              <a:t>Weergeven van producten op de website.</a:t>
-            </a:r>
-          </a:p>
-          <a:p>
-            <a:pPr lvl="1">
-              <a:buFontTx/>
-              <a:buChar char="-"/>
-            </a:pPr>
-            <a:r>
-              <a:rPr lang="nl-NL" sz="1600" dirty="0"/>
-              <a:t>Rapportages verkoopcijfers per productcategorie.</a:t>
-            </a:r>
-          </a:p>
-          <a:p>
-            <a:pPr marL="457200" indent="-457200">
-              <a:buAutoNum type="arabicPeriod"/>
-            </a:pPr>
-            <a:endParaRPr lang="nl-NL" sz="2000" dirty="0"/>
+            <a:r>
+              <a:rPr lang="nl-NL" sz="2000" noProof="0" dirty="0"/>
+              <a:t>Maak een SQL script om de tabellen aan te maken.</a:t>
+            </a:r>
           </a:p>
         </p:txBody>
       </p:sp>
@@ -10591,7 +8807,7 @@
         </p:spPr>
         <p:txBody>
           <a:bodyPr vert="horz" lIns="91440" tIns="45720" rIns="91440" bIns="45720" rtlCol="0">
-            <a:normAutofit fontScale="92500" lnSpcReduction="10000"/>
+            <a:normAutofit/>
           </a:bodyPr>
           <a:lstStyle>
             <a:lvl1pPr marL="228600" indent="-228600" algn="l" defTabSz="914400" rtl="0" eaLnBrk="1" latinLnBrk="0" hangingPunct="1">
@@ -10763,8 +8979,8 @@
               <a:buChar char="-"/>
             </a:pPr>
             <a:r>
-              <a:rPr lang="nl-NL" sz="2000" dirty="0"/>
-              <a:t>Houd rekening met verschillende adressen per klant; factuur / levering.</a:t>
+              <a:rPr lang="nl-NL" sz="2000" noProof="0" dirty="0"/>
+              <a:t>Hoe zou je de transacties netjes genormaliseerd opslaan (3NF)?</a:t>
             </a:r>
           </a:p>
           <a:p>
@@ -10780,8 +8996,8 @@
               <a:buChar char="-"/>
             </a:pPr>
             <a:r>
-              <a:rPr lang="nl-NL" sz="2000" dirty="0"/>
-              <a:t>Hoe ga je om met prijswijzigingen en kortingsacties?</a:t>
+              <a:rPr lang="nl-NL" sz="2000" noProof="0" dirty="0"/>
+              <a:t>Hoe ga je om met prijswijzigingen of tijdelijke kortingsacties?</a:t>
             </a:r>
           </a:p>
           <a:p>
@@ -10789,7 +9005,7 @@
               <a:buFontTx/>
               <a:buChar char="-"/>
             </a:pPr>
-            <a:endParaRPr lang="nl-NL" sz="2000" dirty="0"/>
+            <a:endParaRPr lang="nl-NL" sz="2000" noProof="0" dirty="0"/>
           </a:p>
           <a:p>
             <a:pPr>
@@ -10797,63 +9013,45 @@
               <a:buChar char="-"/>
             </a:pPr>
             <a:r>
-              <a:rPr lang="nl-NL" sz="2000" dirty="0"/>
-              <a:t>Hoe ga je om met producten met allerlei verschillende eigenschappen?</a:t>
-            </a:r>
+              <a:rPr lang="nl-NL" sz="2000" noProof="0" dirty="0"/>
+              <a:t>Wat doe je als producten heel veel verschillende eigenschappen hebben?</a:t>
+            </a:r>
+          </a:p>
+          <a:p>
+            <a:pPr marL="0" indent="0">
+              <a:buNone/>
+            </a:pPr>
+            <a:endParaRPr lang="nl-NL" sz="2000" noProof="0" dirty="0"/>
           </a:p>
           <a:p>
             <a:pPr>
               <a:buFontTx/>
               <a:buChar char="-"/>
             </a:pPr>
-            <a:endParaRPr lang="nl-NL" sz="2000" dirty="0"/>
-          </a:p>
-          <a:p>
-            <a:pPr>
-              <a:buFontTx/>
-              <a:buChar char="-"/>
-            </a:pPr>
+            <a:r>
+              <a:rPr lang="nl-NL" sz="2000" noProof="0" dirty="0"/>
+              <a:t>Hoe </a:t>
+            </a:r>
             <a:r>
               <a:rPr lang="nl-NL" sz="2000" dirty="0"/>
-              <a:t>Hoe houd je voorraden / leveringen / </a:t>
-            </a:r>
-            <a:r>
-              <a:rPr lang="nl-NL" sz="2000" dirty="0" err="1"/>
-              <a:t>retouren</a:t>
+              <a:t>ga je om met hiërarchische </a:t>
+            </a:r>
+            <a:r>
+              <a:rPr lang="nl-NL" sz="2000" noProof="0" dirty="0"/>
+              <a:t>product categorieën (levensmiddelen &gt; vers &gt; </a:t>
             </a:r>
             <a:r>
               <a:rPr lang="nl-NL" sz="2000" dirty="0"/>
-              <a:t> bij?</a:t>
-            </a:r>
-          </a:p>
-          <a:p>
-            <a:pPr>
-              <a:buFontTx/>
-              <a:buChar char="-"/>
-            </a:pPr>
-            <a:endParaRPr lang="nl-NL" sz="2000" dirty="0"/>
-          </a:p>
-          <a:p>
-            <a:pPr>
-              <a:buFontTx/>
-              <a:buChar char="-"/>
-            </a:pPr>
-            <a:r>
-              <a:rPr lang="nl-NL" sz="2000" dirty="0"/>
-              <a:t>Heb je product categorieën? Zijn deze exclusief? Zijn ze hiërarchisch?</a:t>
-            </a:r>
-          </a:p>
-          <a:p>
-            <a:pPr>
-              <a:buFontTx/>
-              <a:buChar char="-"/>
-            </a:pPr>
-            <a:endParaRPr lang="nl-NL" sz="2000" dirty="0"/>
-          </a:p>
-          <a:p>
-            <a:pPr>
-              <a:buFontTx/>
-              <a:buChar char="-"/>
+              <a:t>f</a:t>
+            </a:r>
+            <a:r>
+              <a:rPr lang="nl-NL" sz="2000" noProof="0" dirty="0"/>
+              <a:t>ruit)?</a:t>
+            </a:r>
+          </a:p>
+          <a:p>
+            <a:pPr marL="0" indent="0">
+              <a:buNone/>
             </a:pPr>
             <a:endParaRPr lang="nl-NL" sz="2000" dirty="0"/>
           </a:p>
@@ -10925,1720 +9123,6 @@
           <a:chExt cx="0" cy="0"/>
         </a:xfrm>
       </p:grpSpPr>
-      <p:pic>
-        <p:nvPicPr>
-          <p:cNvPr id="4" name="Picture 3">
-            <a:extLst>
-              <a:ext uri="{FF2B5EF4-FFF2-40B4-BE49-F238E27FC236}">
-                <a16:creationId xmlns:a16="http://schemas.microsoft.com/office/drawing/2014/main" id="{563E0C6D-5CE7-1C62-09C6-4136F701B65C}"/>
-              </a:ext>
-            </a:extLst>
-          </p:cNvPr>
-          <p:cNvPicPr>
-            <a:picLocks noChangeAspect="1"/>
-          </p:cNvPicPr>
-          <p:nvPr/>
-        </p:nvPicPr>
-        <p:blipFill>
-          <a:blip r:embed="rId2"/>
-          <a:stretch>
-            <a:fillRect/>
-          </a:stretch>
-        </p:blipFill>
-        <p:spPr>
-          <a:xfrm>
-            <a:off x="2279507" y="223631"/>
-            <a:ext cx="8502755" cy="6541236"/>
-          </a:xfrm>
-          <a:prstGeom prst="rect">
-            <a:avLst/>
-          </a:prstGeom>
-        </p:spPr>
-      </p:pic>
-      <p:sp>
-        <p:nvSpPr>
-          <p:cNvPr id="2" name="Title 1">
-            <a:extLst>
-              <a:ext uri="{FF2B5EF4-FFF2-40B4-BE49-F238E27FC236}">
-                <a16:creationId xmlns:a16="http://schemas.microsoft.com/office/drawing/2014/main" id="{9916802F-75A2-7390-6C19-E0B0FAD3B560}"/>
-              </a:ext>
-            </a:extLst>
-          </p:cNvPr>
-          <p:cNvSpPr>
-            <a:spLocks noGrp="1"/>
-          </p:cNvSpPr>
-          <p:nvPr>
-            <p:ph type="title"/>
-          </p:nvPr>
-        </p:nvSpPr>
-        <p:spPr/>
-        <p:txBody>
-          <a:bodyPr/>
-          <a:lstStyle/>
-          <a:p>
-            <a:r>
-              <a:rPr lang="en-US" dirty="0" err="1"/>
-              <a:t>Webwinkel</a:t>
-            </a:r>
-            <a:r>
-              <a:rPr lang="en-US" dirty="0"/>
-              <a:t>: ERD</a:t>
-            </a:r>
-            <a:endParaRPr lang="en-NL" dirty="0"/>
-          </a:p>
-        </p:txBody>
-      </p:sp>
-    </p:spTree>
-    <p:extLst>
-      <p:ext uri="{BB962C8B-B14F-4D97-AF65-F5344CB8AC3E}">
-        <p14:creationId xmlns:p14="http://schemas.microsoft.com/office/powerpoint/2010/main" val="168599317"/>
-      </p:ext>
-    </p:extLst>
-  </p:cSld>
-  <p:clrMapOvr>
-    <a:masterClrMapping/>
-  </p:clrMapOvr>
-</p:sld>
-</file>
-
-<file path=ppt/slides/slide5.xml><?xml version="1.0" encoding="utf-8"?>
-<p:sld xmlns:a="http://schemas.openxmlformats.org/drawingml/2006/main" xmlns:r="http://schemas.openxmlformats.org/officeDocument/2006/relationships" xmlns:p="http://schemas.openxmlformats.org/presentationml/2006/main">
-  <p:cSld>
-    <p:spTree>
-      <p:nvGrpSpPr>
-        <p:cNvPr id="1" name=""/>
-        <p:cNvGrpSpPr/>
-        <p:nvPr/>
-      </p:nvGrpSpPr>
-      <p:grpSpPr>
-        <a:xfrm>
-          <a:off x="0" y="0"/>
-          <a:ext cx="0" cy="0"/>
-          <a:chOff x="0" y="0"/>
-          <a:chExt cx="0" cy="0"/>
-        </a:xfrm>
-      </p:grpSpPr>
-      <p:sp>
-        <p:nvSpPr>
-          <p:cNvPr id="30" name="Title 1">
-            <a:extLst>
-              <a:ext uri="{FF2B5EF4-FFF2-40B4-BE49-F238E27FC236}">
-                <a16:creationId xmlns:a16="http://schemas.microsoft.com/office/drawing/2014/main" id="{B660D0A5-4D69-4009-939F-E9EA258F856C}"/>
-              </a:ext>
-            </a:extLst>
-          </p:cNvPr>
-          <p:cNvSpPr>
-            <a:spLocks noGrp="1"/>
-          </p:cNvSpPr>
-          <p:nvPr>
-            <p:ph type="title"/>
-          </p:nvPr>
-        </p:nvSpPr>
-        <p:spPr>
-          <a:xfrm>
-            <a:off x="838200" y="365125"/>
-            <a:ext cx="10515600" cy="1325563"/>
-          </a:xfrm>
-        </p:spPr>
-        <p:txBody>
-          <a:bodyPr>
-            <a:normAutofit/>
-          </a:bodyPr>
-          <a:lstStyle/>
-          <a:p>
-            <a:r>
-              <a:rPr lang="nl-NL" sz="3600" dirty="0"/>
-              <a:t>Webwinkel: Adressen</a:t>
-            </a:r>
-          </a:p>
-        </p:txBody>
-      </p:sp>
-      <p:graphicFrame>
-        <p:nvGraphicFramePr>
-          <p:cNvPr id="2" name="Table 3">
-            <a:extLst>
-              <a:ext uri="{FF2B5EF4-FFF2-40B4-BE49-F238E27FC236}">
-                <a16:creationId xmlns:a16="http://schemas.microsoft.com/office/drawing/2014/main" id="{667974EE-7976-B876-F99D-EA58284ED043}"/>
-              </a:ext>
-            </a:extLst>
-          </p:cNvPr>
-          <p:cNvGraphicFramePr>
-            <a:graphicFrameLocks noGrp="1"/>
-          </p:cNvGraphicFramePr>
-          <p:nvPr>
-            <p:extLst>
-              <p:ext uri="{D42A27DB-BD31-4B8C-83A1-F6EECF244321}">
-                <p14:modId xmlns:p14="http://schemas.microsoft.com/office/powerpoint/2010/main" val="3591671731"/>
-              </p:ext>
-            </p:extLst>
-          </p:nvPr>
-        </p:nvGraphicFramePr>
-        <p:xfrm>
-          <a:off x="838200" y="2316480"/>
-          <a:ext cx="4411132" cy="1112520"/>
-        </p:xfrm>
-        <a:graphic>
-          <a:graphicData uri="http://schemas.openxmlformats.org/drawingml/2006/table">
-            <a:tbl>
-              <a:tblPr firstRow="1" bandRow="1">
-                <a:tableStyleId>{5C22544A-7EE6-4342-B048-85BDC9FD1C3A}</a:tableStyleId>
-              </a:tblPr>
-              <a:tblGrid>
-                <a:gridCol w="990600">
-                  <a:extLst>
-                    <a:ext uri="{9D8B030D-6E8A-4147-A177-3AD203B41FA5}">
-                      <a16:colId xmlns:a16="http://schemas.microsoft.com/office/drawing/2014/main" val="2260167414"/>
-                    </a:ext>
-                  </a:extLst>
-                </a:gridCol>
-                <a:gridCol w="1557867">
-                  <a:extLst>
-                    <a:ext uri="{9D8B030D-6E8A-4147-A177-3AD203B41FA5}">
-                      <a16:colId xmlns:a16="http://schemas.microsoft.com/office/drawing/2014/main" val="3113348022"/>
-                    </a:ext>
-                  </a:extLst>
-                </a:gridCol>
-                <a:gridCol w="1117600">
-                  <a:extLst>
-                    <a:ext uri="{9D8B030D-6E8A-4147-A177-3AD203B41FA5}">
-                      <a16:colId xmlns:a16="http://schemas.microsoft.com/office/drawing/2014/main" val="2553575160"/>
-                    </a:ext>
-                  </a:extLst>
-                </a:gridCol>
-                <a:gridCol w="745065">
-                  <a:extLst>
-                    <a:ext uri="{9D8B030D-6E8A-4147-A177-3AD203B41FA5}">
-                      <a16:colId xmlns:a16="http://schemas.microsoft.com/office/drawing/2014/main" val="3305451767"/>
-                    </a:ext>
-                  </a:extLst>
-                </a:gridCol>
-              </a:tblGrid>
-              <a:tr h="370840">
-                <a:tc>
-                  <a:txBody>
-                    <a:bodyPr/>
-                    <a:lstStyle/>
-                    <a:p>
-                      <a:r>
-                        <a:rPr lang="en-US" sz="1400" dirty="0" err="1"/>
-                        <a:t>AdresId</a:t>
-                      </a:r>
-                      <a:endParaRPr lang="en-NL" sz="1400" dirty="0"/>
-                    </a:p>
-                  </a:txBody>
-                  <a:tcPr/>
-                </a:tc>
-                <a:tc>
-                  <a:txBody>
-                    <a:bodyPr/>
-                    <a:lstStyle/>
-                    <a:p>
-                      <a:r>
-                        <a:rPr lang="en-US" sz="1400" dirty="0"/>
-                        <a:t>Postcode</a:t>
-                      </a:r>
-                      <a:endParaRPr lang="en-NL" sz="1400" dirty="0"/>
-                    </a:p>
-                  </a:txBody>
-                  <a:tcPr/>
-                </a:tc>
-                <a:tc>
-                  <a:txBody>
-                    <a:bodyPr/>
-                    <a:lstStyle/>
-                    <a:p>
-                      <a:r>
-                        <a:rPr lang="en-US" sz="1400" dirty="0" err="1"/>
-                        <a:t>HuisNr</a:t>
-                      </a:r>
-                      <a:endParaRPr lang="en-NL" sz="1400" dirty="0"/>
-                    </a:p>
-                  </a:txBody>
-                  <a:tcPr/>
-                </a:tc>
-                <a:tc>
-                  <a:txBody>
-                    <a:bodyPr/>
-                    <a:lstStyle/>
-                    <a:p>
-                      <a:r>
-                        <a:rPr lang="en-US" sz="1400" dirty="0"/>
-                        <a:t>…</a:t>
-                      </a:r>
-                      <a:endParaRPr lang="en-NL" sz="1400" dirty="0"/>
-                    </a:p>
-                  </a:txBody>
-                  <a:tcPr/>
-                </a:tc>
-                <a:extLst>
-                  <a:ext uri="{0D108BD9-81ED-4DB2-BD59-A6C34878D82A}">
-                    <a16:rowId xmlns:a16="http://schemas.microsoft.com/office/drawing/2014/main" val="1030692646"/>
-                  </a:ext>
-                </a:extLst>
-              </a:tr>
-              <a:tr h="370840">
-                <a:tc>
-                  <a:txBody>
-                    <a:bodyPr/>
-                    <a:lstStyle/>
-                    <a:p>
-                      <a:r>
-                        <a:rPr lang="en-US" sz="1400" dirty="0"/>
-                        <a:t>1</a:t>
-                      </a:r>
-                      <a:endParaRPr lang="en-NL" sz="1400" dirty="0"/>
-                    </a:p>
-                  </a:txBody>
-                  <a:tcPr/>
-                </a:tc>
-                <a:tc>
-                  <a:txBody>
-                    <a:bodyPr/>
-                    <a:lstStyle/>
-                    <a:p>
-                      <a:r>
-                        <a:rPr lang="en-US" sz="1400" dirty="0"/>
-                        <a:t>1234 AB</a:t>
-                      </a:r>
-                      <a:endParaRPr lang="en-NL" sz="1400" dirty="0"/>
-                    </a:p>
-                  </a:txBody>
-                  <a:tcPr/>
-                </a:tc>
-                <a:tc>
-                  <a:txBody>
-                    <a:bodyPr/>
-                    <a:lstStyle/>
-                    <a:p>
-                      <a:r>
-                        <a:rPr lang="en-US" sz="1400" dirty="0"/>
-                        <a:t>111</a:t>
-                      </a:r>
-                      <a:endParaRPr lang="en-NL" sz="1400" dirty="0"/>
-                    </a:p>
-                  </a:txBody>
-                  <a:tcPr/>
-                </a:tc>
-                <a:tc>
-                  <a:txBody>
-                    <a:bodyPr/>
-                    <a:lstStyle/>
-                    <a:p>
-                      <a:r>
-                        <a:rPr lang="en-US" sz="1400" dirty="0"/>
-                        <a:t>…</a:t>
-                      </a:r>
-                      <a:endParaRPr lang="en-NL" sz="1400" dirty="0"/>
-                    </a:p>
-                  </a:txBody>
-                  <a:tcPr/>
-                </a:tc>
-                <a:extLst>
-                  <a:ext uri="{0D108BD9-81ED-4DB2-BD59-A6C34878D82A}">
-                    <a16:rowId xmlns:a16="http://schemas.microsoft.com/office/drawing/2014/main" val="3317498871"/>
-                  </a:ext>
-                </a:extLst>
-              </a:tr>
-              <a:tr h="370840">
-                <a:tc>
-                  <a:txBody>
-                    <a:bodyPr/>
-                    <a:lstStyle/>
-                    <a:p>
-                      <a:r>
-                        <a:rPr lang="en-US" sz="1400" dirty="0"/>
-                        <a:t>2</a:t>
-                      </a:r>
-                      <a:endParaRPr lang="en-NL" sz="1400" dirty="0"/>
-                    </a:p>
-                  </a:txBody>
-                  <a:tcPr/>
-                </a:tc>
-                <a:tc>
-                  <a:txBody>
-                    <a:bodyPr/>
-                    <a:lstStyle/>
-                    <a:p>
-                      <a:r>
-                        <a:rPr lang="en-US" sz="1400" dirty="0"/>
-                        <a:t>5678 CD</a:t>
-                      </a:r>
-                      <a:endParaRPr lang="en-NL" sz="1400" dirty="0"/>
-                    </a:p>
-                  </a:txBody>
-                  <a:tcPr/>
-                </a:tc>
-                <a:tc>
-                  <a:txBody>
-                    <a:bodyPr/>
-                    <a:lstStyle/>
-                    <a:p>
-                      <a:r>
-                        <a:rPr lang="en-US" sz="1400" dirty="0"/>
-                        <a:t>22</a:t>
-                      </a:r>
-                      <a:endParaRPr lang="en-NL" sz="1400" dirty="0"/>
-                    </a:p>
-                  </a:txBody>
-                  <a:tcPr/>
-                </a:tc>
-                <a:tc>
-                  <a:txBody>
-                    <a:bodyPr/>
-                    <a:lstStyle/>
-                    <a:p>
-                      <a:endParaRPr lang="en-NL" sz="1400" dirty="0"/>
-                    </a:p>
-                  </a:txBody>
-                  <a:tcPr/>
-                </a:tc>
-                <a:extLst>
-                  <a:ext uri="{0D108BD9-81ED-4DB2-BD59-A6C34878D82A}">
-                    <a16:rowId xmlns:a16="http://schemas.microsoft.com/office/drawing/2014/main" val="4233816247"/>
-                  </a:ext>
-                </a:extLst>
-              </a:tr>
-            </a:tbl>
-          </a:graphicData>
-        </a:graphic>
-      </p:graphicFrame>
-      <p:sp>
-        <p:nvSpPr>
-          <p:cNvPr id="4" name="TextBox 3">
-            <a:extLst>
-              <a:ext uri="{FF2B5EF4-FFF2-40B4-BE49-F238E27FC236}">
-                <a16:creationId xmlns:a16="http://schemas.microsoft.com/office/drawing/2014/main" id="{D8D21865-C4EA-76CC-F22B-4F684B633F56}"/>
-              </a:ext>
-            </a:extLst>
-          </p:cNvPr>
-          <p:cNvSpPr txBox="1"/>
-          <p:nvPr/>
-        </p:nvSpPr>
-        <p:spPr>
-          <a:xfrm>
-            <a:off x="838200" y="1947148"/>
-            <a:ext cx="1048877" cy="369332"/>
-          </a:xfrm>
-          <a:prstGeom prst="rect">
-            <a:avLst/>
-          </a:prstGeom>
-          <a:noFill/>
-        </p:spPr>
-        <p:txBody>
-          <a:bodyPr wrap="none" rtlCol="0">
-            <a:spAutoFit/>
-          </a:bodyPr>
-          <a:lstStyle/>
-          <a:p>
-            <a:r>
-              <a:rPr lang="nl-NL" dirty="0"/>
-              <a:t>Adressen</a:t>
-            </a:r>
-          </a:p>
-        </p:txBody>
-      </p:sp>
-      <p:sp>
-        <p:nvSpPr>
-          <p:cNvPr id="16" name="TextBox 15">
-            <a:extLst>
-              <a:ext uri="{FF2B5EF4-FFF2-40B4-BE49-F238E27FC236}">
-                <a16:creationId xmlns:a16="http://schemas.microsoft.com/office/drawing/2014/main" id="{65AB9E32-91C1-16A5-98F9-ABA1E44F6B0A}"/>
-              </a:ext>
-            </a:extLst>
-          </p:cNvPr>
-          <p:cNvSpPr txBox="1"/>
-          <p:nvPr/>
-        </p:nvSpPr>
-        <p:spPr>
-          <a:xfrm>
-            <a:off x="5960534" y="1949713"/>
-            <a:ext cx="5325534" cy="4247317"/>
-          </a:xfrm>
-          <a:prstGeom prst="rect">
-            <a:avLst/>
-          </a:prstGeom>
-          <a:noFill/>
-        </p:spPr>
-        <p:txBody>
-          <a:bodyPr wrap="square" rtlCol="0">
-            <a:spAutoFit/>
-          </a:bodyPr>
-          <a:lstStyle/>
-          <a:p>
-            <a:endParaRPr lang="nl-NL" dirty="0"/>
-          </a:p>
-          <a:p>
-            <a:pPr marL="285750" indent="-285750">
-              <a:buFontTx/>
-              <a:buChar char="-"/>
-            </a:pPr>
-            <a:r>
-              <a:rPr lang="nl-NL" dirty="0"/>
-              <a:t>Het aantal adressen is (in principe) eindig.</a:t>
-            </a:r>
-          </a:p>
-          <a:p>
-            <a:pPr marL="285750" indent="-285750">
-              <a:buFontTx/>
-              <a:buChar char="-"/>
-            </a:pPr>
-            <a:r>
-              <a:rPr lang="nl-NL" dirty="0"/>
-              <a:t>Adressen kunnen hergebruikt / gedeeld worden.</a:t>
-            </a:r>
-          </a:p>
-          <a:p>
-            <a:pPr marL="285750" indent="-285750">
-              <a:buFontTx/>
-              <a:buChar char="-"/>
-            </a:pPr>
-            <a:r>
-              <a:rPr lang="nl-NL" dirty="0"/>
-              <a:t>Daarom: opslaan in een eigen tabel</a:t>
-            </a:r>
-          </a:p>
-          <a:p>
-            <a:endParaRPr lang="nl-NL" dirty="0"/>
-          </a:p>
-          <a:p>
-            <a:endParaRPr lang="nl-NL" dirty="0"/>
-          </a:p>
-          <a:p>
-            <a:endParaRPr lang="nl-NL" dirty="0"/>
-          </a:p>
-          <a:p>
-            <a:pPr marL="285750" indent="-285750">
-              <a:buFontTx/>
-              <a:buChar char="-"/>
-            </a:pPr>
-            <a:r>
-              <a:rPr lang="nl-NL" dirty="0"/>
-              <a:t>Pas bij bestellingen zijn adres nodig.</a:t>
-            </a:r>
-          </a:p>
-          <a:p>
-            <a:pPr marL="285750" indent="-285750">
-              <a:buFontTx/>
-              <a:buChar char="-"/>
-            </a:pPr>
-            <a:r>
-              <a:rPr lang="nl-NL" dirty="0"/>
-              <a:t>Koppelen bezorg- en factuuradres.</a:t>
-            </a:r>
-          </a:p>
-          <a:p>
-            <a:pPr marL="285750" indent="-285750">
-              <a:buFontTx/>
-              <a:buChar char="-"/>
-            </a:pPr>
-            <a:endParaRPr lang="nl-NL" dirty="0"/>
-          </a:p>
-          <a:p>
-            <a:pPr marL="285750" indent="-285750">
-              <a:buFontTx/>
-              <a:buChar char="-"/>
-            </a:pPr>
-            <a:endParaRPr lang="nl-NL" dirty="0"/>
-          </a:p>
-          <a:p>
-            <a:pPr marL="285750" indent="-285750">
-              <a:buFontTx/>
-              <a:buChar char="-"/>
-            </a:pPr>
-            <a:endParaRPr lang="nl-NL" dirty="0"/>
-          </a:p>
-          <a:p>
-            <a:pPr marL="285750" indent="-285750">
-              <a:buFontTx/>
-              <a:buChar char="-"/>
-            </a:pPr>
-            <a:r>
-              <a:rPr lang="nl-NL" dirty="0"/>
-              <a:t>Optioneel: Per klant standaard adressen opslaan.</a:t>
-            </a:r>
-          </a:p>
-          <a:p>
-            <a:pPr marL="285750" indent="-285750">
-              <a:buFontTx/>
-              <a:buChar char="-"/>
-            </a:pPr>
-            <a:r>
-              <a:rPr lang="nl-NL" dirty="0"/>
-              <a:t>Eventueel koppeltabel bij meerdere adressen.</a:t>
-            </a:r>
-          </a:p>
-          <a:p>
-            <a:endParaRPr lang="nl-NL" dirty="0"/>
-          </a:p>
-        </p:txBody>
-      </p:sp>
-      <p:graphicFrame>
-        <p:nvGraphicFramePr>
-          <p:cNvPr id="3" name="Table 3">
-            <a:extLst>
-              <a:ext uri="{FF2B5EF4-FFF2-40B4-BE49-F238E27FC236}">
-                <a16:creationId xmlns:a16="http://schemas.microsoft.com/office/drawing/2014/main" id="{B8FA5005-0D22-FE4A-3A64-0FB6D1B038DB}"/>
-              </a:ext>
-            </a:extLst>
-          </p:cNvPr>
-          <p:cNvGraphicFramePr>
-            <a:graphicFrameLocks noGrp="1"/>
-          </p:cNvGraphicFramePr>
-          <p:nvPr>
-            <p:extLst>
-              <p:ext uri="{D42A27DB-BD31-4B8C-83A1-F6EECF244321}">
-                <p14:modId xmlns:p14="http://schemas.microsoft.com/office/powerpoint/2010/main" val="2829117023"/>
-              </p:ext>
-            </p:extLst>
-          </p:nvPr>
-        </p:nvGraphicFramePr>
-        <p:xfrm>
-          <a:off x="838200" y="4034709"/>
-          <a:ext cx="4411132" cy="741680"/>
-        </p:xfrm>
-        <a:graphic>
-          <a:graphicData uri="http://schemas.openxmlformats.org/drawingml/2006/table">
-            <a:tbl>
-              <a:tblPr firstRow="1" bandRow="1">
-                <a:tableStyleId>{5C22544A-7EE6-4342-B048-85BDC9FD1C3A}</a:tableStyleId>
-              </a:tblPr>
-              <a:tblGrid>
-                <a:gridCol w="1396538">
-                  <a:extLst>
-                    <a:ext uri="{9D8B030D-6E8A-4147-A177-3AD203B41FA5}">
-                      <a16:colId xmlns:a16="http://schemas.microsoft.com/office/drawing/2014/main" val="2260167414"/>
-                    </a:ext>
-                  </a:extLst>
-                </a:gridCol>
-                <a:gridCol w="1405929">
-                  <a:extLst>
-                    <a:ext uri="{9D8B030D-6E8A-4147-A177-3AD203B41FA5}">
-                      <a16:colId xmlns:a16="http://schemas.microsoft.com/office/drawing/2014/main" val="3113348022"/>
-                    </a:ext>
-                  </a:extLst>
-                </a:gridCol>
-                <a:gridCol w="1608665">
-                  <a:extLst>
-                    <a:ext uri="{9D8B030D-6E8A-4147-A177-3AD203B41FA5}">
-                      <a16:colId xmlns:a16="http://schemas.microsoft.com/office/drawing/2014/main" val="2553575160"/>
-                    </a:ext>
-                  </a:extLst>
-                </a:gridCol>
-              </a:tblGrid>
-              <a:tr h="370840">
-                <a:tc>
-                  <a:txBody>
-                    <a:bodyPr/>
-                    <a:lstStyle/>
-                    <a:p>
-                      <a:r>
-                        <a:rPr lang="en-US" sz="1400" dirty="0" err="1"/>
-                        <a:t>BestellingId</a:t>
-                      </a:r>
-                      <a:endParaRPr lang="en-NL" sz="1400" dirty="0"/>
-                    </a:p>
-                  </a:txBody>
-                  <a:tcPr/>
-                </a:tc>
-                <a:tc>
-                  <a:txBody>
-                    <a:bodyPr/>
-                    <a:lstStyle/>
-                    <a:p>
-                      <a:r>
-                        <a:rPr lang="en-US" sz="1400" dirty="0" err="1"/>
-                        <a:t>BezorgAdresId</a:t>
-                      </a:r>
-                      <a:endParaRPr lang="en-NL" sz="1400" dirty="0"/>
-                    </a:p>
-                  </a:txBody>
-                  <a:tcPr/>
-                </a:tc>
-                <a:tc>
-                  <a:txBody>
-                    <a:bodyPr/>
-                    <a:lstStyle/>
-                    <a:p>
-                      <a:r>
-                        <a:rPr lang="en-US" sz="1400" dirty="0" err="1"/>
-                        <a:t>FactuurAdresId</a:t>
-                      </a:r>
-                      <a:endParaRPr lang="en-NL" sz="1400" dirty="0"/>
-                    </a:p>
-                  </a:txBody>
-                  <a:tcPr/>
-                </a:tc>
-                <a:extLst>
-                  <a:ext uri="{0D108BD9-81ED-4DB2-BD59-A6C34878D82A}">
-                    <a16:rowId xmlns:a16="http://schemas.microsoft.com/office/drawing/2014/main" val="1030692646"/>
-                  </a:ext>
-                </a:extLst>
-              </a:tr>
-              <a:tr h="370840">
-                <a:tc>
-                  <a:txBody>
-                    <a:bodyPr/>
-                    <a:lstStyle/>
-                    <a:p>
-                      <a:r>
-                        <a:rPr lang="en-US" sz="1400" dirty="0"/>
-                        <a:t>1</a:t>
-                      </a:r>
-                      <a:endParaRPr lang="en-NL" sz="1400" dirty="0"/>
-                    </a:p>
-                  </a:txBody>
-                  <a:tcPr/>
-                </a:tc>
-                <a:tc>
-                  <a:txBody>
-                    <a:bodyPr/>
-                    <a:lstStyle/>
-                    <a:p>
-                      <a:r>
-                        <a:rPr lang="en-US" sz="1400" dirty="0"/>
-                        <a:t>1</a:t>
-                      </a:r>
-                      <a:endParaRPr lang="en-NL" sz="1400" dirty="0"/>
-                    </a:p>
-                  </a:txBody>
-                  <a:tcPr/>
-                </a:tc>
-                <a:tc>
-                  <a:txBody>
-                    <a:bodyPr/>
-                    <a:lstStyle/>
-                    <a:p>
-                      <a:r>
-                        <a:rPr lang="en-US" sz="1400" dirty="0"/>
-                        <a:t>2</a:t>
-                      </a:r>
-                      <a:endParaRPr lang="en-NL" sz="1400" dirty="0"/>
-                    </a:p>
-                  </a:txBody>
-                  <a:tcPr/>
-                </a:tc>
-                <a:extLst>
-                  <a:ext uri="{0D108BD9-81ED-4DB2-BD59-A6C34878D82A}">
-                    <a16:rowId xmlns:a16="http://schemas.microsoft.com/office/drawing/2014/main" val="3317498871"/>
-                  </a:ext>
-                </a:extLst>
-              </a:tr>
-            </a:tbl>
-          </a:graphicData>
-        </a:graphic>
-      </p:graphicFrame>
-      <p:sp>
-        <p:nvSpPr>
-          <p:cNvPr id="5" name="TextBox 4">
-            <a:extLst>
-              <a:ext uri="{FF2B5EF4-FFF2-40B4-BE49-F238E27FC236}">
-                <a16:creationId xmlns:a16="http://schemas.microsoft.com/office/drawing/2014/main" id="{9DE52347-E8DA-B75B-5045-F82DE64A6BF8}"/>
-              </a:ext>
-            </a:extLst>
-          </p:cNvPr>
-          <p:cNvSpPr txBox="1"/>
-          <p:nvPr/>
-        </p:nvSpPr>
-        <p:spPr>
-          <a:xfrm>
-            <a:off x="838200" y="3665377"/>
-            <a:ext cx="1327030" cy="369332"/>
-          </a:xfrm>
-          <a:prstGeom prst="rect">
-            <a:avLst/>
-          </a:prstGeom>
-          <a:noFill/>
-        </p:spPr>
-        <p:txBody>
-          <a:bodyPr wrap="none" rtlCol="0">
-            <a:spAutoFit/>
-          </a:bodyPr>
-          <a:lstStyle/>
-          <a:p>
-            <a:r>
-              <a:rPr lang="nl-NL" dirty="0"/>
-              <a:t>Bestellingen</a:t>
-            </a:r>
-          </a:p>
-        </p:txBody>
-      </p:sp>
-      <p:graphicFrame>
-        <p:nvGraphicFramePr>
-          <p:cNvPr id="7" name="Table 3">
-            <a:extLst>
-              <a:ext uri="{FF2B5EF4-FFF2-40B4-BE49-F238E27FC236}">
-                <a16:creationId xmlns:a16="http://schemas.microsoft.com/office/drawing/2014/main" id="{8FECF686-D46E-2B8B-E29E-744068B23677}"/>
-              </a:ext>
-            </a:extLst>
-          </p:cNvPr>
-          <p:cNvGraphicFramePr>
-            <a:graphicFrameLocks noGrp="1"/>
-          </p:cNvGraphicFramePr>
-          <p:nvPr>
-            <p:extLst>
-              <p:ext uri="{D42A27DB-BD31-4B8C-83A1-F6EECF244321}">
-                <p14:modId xmlns:p14="http://schemas.microsoft.com/office/powerpoint/2010/main" val="523975753"/>
-              </p:ext>
-            </p:extLst>
-          </p:nvPr>
-        </p:nvGraphicFramePr>
-        <p:xfrm>
-          <a:off x="838200" y="5382099"/>
-          <a:ext cx="4411132" cy="741680"/>
-        </p:xfrm>
-        <a:graphic>
-          <a:graphicData uri="http://schemas.openxmlformats.org/drawingml/2006/table">
-            <a:tbl>
-              <a:tblPr firstRow="1" bandRow="1">
-                <a:tableStyleId>{5C22544A-7EE6-4342-B048-85BDC9FD1C3A}</a:tableStyleId>
-              </a:tblPr>
-              <a:tblGrid>
-                <a:gridCol w="1396538">
-                  <a:extLst>
-                    <a:ext uri="{9D8B030D-6E8A-4147-A177-3AD203B41FA5}">
-                      <a16:colId xmlns:a16="http://schemas.microsoft.com/office/drawing/2014/main" val="2260167414"/>
-                    </a:ext>
-                  </a:extLst>
-                </a:gridCol>
-                <a:gridCol w="1405929">
-                  <a:extLst>
-                    <a:ext uri="{9D8B030D-6E8A-4147-A177-3AD203B41FA5}">
-                      <a16:colId xmlns:a16="http://schemas.microsoft.com/office/drawing/2014/main" val="3113348022"/>
-                    </a:ext>
-                  </a:extLst>
-                </a:gridCol>
-                <a:gridCol w="1608665">
-                  <a:extLst>
-                    <a:ext uri="{9D8B030D-6E8A-4147-A177-3AD203B41FA5}">
-                      <a16:colId xmlns:a16="http://schemas.microsoft.com/office/drawing/2014/main" val="2553575160"/>
-                    </a:ext>
-                  </a:extLst>
-                </a:gridCol>
-              </a:tblGrid>
-              <a:tr h="370840">
-                <a:tc>
-                  <a:txBody>
-                    <a:bodyPr/>
-                    <a:lstStyle/>
-                    <a:p>
-                      <a:r>
-                        <a:rPr lang="en-US" sz="1400" dirty="0" err="1"/>
-                        <a:t>KlantId</a:t>
-                      </a:r>
-                      <a:endParaRPr lang="en-NL" sz="1400" dirty="0"/>
-                    </a:p>
-                  </a:txBody>
-                  <a:tcPr/>
-                </a:tc>
-                <a:tc>
-                  <a:txBody>
-                    <a:bodyPr/>
-                    <a:lstStyle/>
-                    <a:p>
-                      <a:r>
-                        <a:rPr lang="en-US" sz="1400" dirty="0" err="1"/>
-                        <a:t>BezorgAdresId</a:t>
-                      </a:r>
-                      <a:endParaRPr lang="en-NL" sz="1400" dirty="0"/>
-                    </a:p>
-                  </a:txBody>
-                  <a:tcPr/>
-                </a:tc>
-                <a:tc>
-                  <a:txBody>
-                    <a:bodyPr/>
-                    <a:lstStyle/>
-                    <a:p>
-                      <a:r>
-                        <a:rPr lang="en-US" sz="1400" dirty="0" err="1"/>
-                        <a:t>FactuurAdresId</a:t>
-                      </a:r>
-                      <a:endParaRPr lang="en-NL" sz="1400" dirty="0"/>
-                    </a:p>
-                  </a:txBody>
-                  <a:tcPr/>
-                </a:tc>
-                <a:extLst>
-                  <a:ext uri="{0D108BD9-81ED-4DB2-BD59-A6C34878D82A}">
-                    <a16:rowId xmlns:a16="http://schemas.microsoft.com/office/drawing/2014/main" val="1030692646"/>
-                  </a:ext>
-                </a:extLst>
-              </a:tr>
-              <a:tr h="370840">
-                <a:tc>
-                  <a:txBody>
-                    <a:bodyPr/>
-                    <a:lstStyle/>
-                    <a:p>
-                      <a:r>
-                        <a:rPr lang="en-US" sz="1400" dirty="0"/>
-                        <a:t>1</a:t>
-                      </a:r>
-                      <a:endParaRPr lang="en-NL" sz="1400" dirty="0"/>
-                    </a:p>
-                  </a:txBody>
-                  <a:tcPr/>
-                </a:tc>
-                <a:tc>
-                  <a:txBody>
-                    <a:bodyPr/>
-                    <a:lstStyle/>
-                    <a:p>
-                      <a:r>
-                        <a:rPr lang="en-US" sz="1400" dirty="0"/>
-                        <a:t>1</a:t>
-                      </a:r>
-                      <a:endParaRPr lang="en-NL" sz="1400" dirty="0"/>
-                    </a:p>
-                  </a:txBody>
-                  <a:tcPr/>
-                </a:tc>
-                <a:tc>
-                  <a:txBody>
-                    <a:bodyPr/>
-                    <a:lstStyle/>
-                    <a:p>
-                      <a:r>
-                        <a:rPr lang="en-US" sz="1400" dirty="0"/>
-                        <a:t>NULL</a:t>
-                      </a:r>
-                      <a:endParaRPr lang="en-NL" sz="1400" dirty="0"/>
-                    </a:p>
-                  </a:txBody>
-                  <a:tcPr/>
-                </a:tc>
-                <a:extLst>
-                  <a:ext uri="{0D108BD9-81ED-4DB2-BD59-A6C34878D82A}">
-                    <a16:rowId xmlns:a16="http://schemas.microsoft.com/office/drawing/2014/main" val="3317498871"/>
-                  </a:ext>
-                </a:extLst>
-              </a:tr>
-            </a:tbl>
-          </a:graphicData>
-        </a:graphic>
-      </p:graphicFrame>
-      <p:sp>
-        <p:nvSpPr>
-          <p:cNvPr id="8" name="TextBox 7">
-            <a:extLst>
-              <a:ext uri="{FF2B5EF4-FFF2-40B4-BE49-F238E27FC236}">
-                <a16:creationId xmlns:a16="http://schemas.microsoft.com/office/drawing/2014/main" id="{C29DBA0A-4545-8DE2-1609-7F1E14EE1B53}"/>
-              </a:ext>
-            </a:extLst>
-          </p:cNvPr>
-          <p:cNvSpPr txBox="1"/>
-          <p:nvPr/>
-        </p:nvSpPr>
-        <p:spPr>
-          <a:xfrm>
-            <a:off x="838200" y="5012767"/>
-            <a:ext cx="665054" cy="369332"/>
-          </a:xfrm>
-          <a:prstGeom prst="rect">
-            <a:avLst/>
-          </a:prstGeom>
-          <a:noFill/>
-        </p:spPr>
-        <p:txBody>
-          <a:bodyPr wrap="none" rtlCol="0">
-            <a:spAutoFit/>
-          </a:bodyPr>
-          <a:lstStyle/>
-          <a:p>
-            <a:r>
-              <a:rPr lang="nl-NL" dirty="0"/>
-              <a:t>Klant</a:t>
-            </a:r>
-          </a:p>
-        </p:txBody>
-      </p:sp>
-    </p:spTree>
-    <p:extLst>
-      <p:ext uri="{BB962C8B-B14F-4D97-AF65-F5344CB8AC3E}">
-        <p14:creationId xmlns:p14="http://schemas.microsoft.com/office/powerpoint/2010/main" val="754661600"/>
-      </p:ext>
-    </p:extLst>
-  </p:cSld>
-  <p:clrMapOvr>
-    <a:masterClrMapping/>
-  </p:clrMapOvr>
-</p:sld>
-</file>
-
-<file path=ppt/slides/slide6.xml><?xml version="1.0" encoding="utf-8"?>
-<p:sld xmlns:a="http://schemas.openxmlformats.org/drawingml/2006/main" xmlns:r="http://schemas.openxmlformats.org/officeDocument/2006/relationships" xmlns:p="http://schemas.openxmlformats.org/presentationml/2006/main">
-  <p:cSld>
-    <p:spTree>
-      <p:nvGrpSpPr>
-        <p:cNvPr id="1" name=""/>
-        <p:cNvGrpSpPr/>
-        <p:nvPr/>
-      </p:nvGrpSpPr>
-      <p:grpSpPr>
-        <a:xfrm>
-          <a:off x="0" y="0"/>
-          <a:ext cx="0" cy="0"/>
-          <a:chOff x="0" y="0"/>
-          <a:chExt cx="0" cy="0"/>
-        </a:xfrm>
-      </p:grpSpPr>
-      <p:sp>
-        <p:nvSpPr>
-          <p:cNvPr id="30" name="Title 1">
-            <a:extLst>
-              <a:ext uri="{FF2B5EF4-FFF2-40B4-BE49-F238E27FC236}">
-                <a16:creationId xmlns:a16="http://schemas.microsoft.com/office/drawing/2014/main" id="{B660D0A5-4D69-4009-939F-E9EA258F856C}"/>
-              </a:ext>
-            </a:extLst>
-          </p:cNvPr>
-          <p:cNvSpPr>
-            <a:spLocks noGrp="1"/>
-          </p:cNvSpPr>
-          <p:nvPr>
-            <p:ph type="title"/>
-          </p:nvPr>
-        </p:nvSpPr>
-        <p:spPr>
-          <a:xfrm>
-            <a:off x="838200" y="365125"/>
-            <a:ext cx="10515600" cy="1325563"/>
-          </a:xfrm>
-        </p:spPr>
-        <p:txBody>
-          <a:bodyPr>
-            <a:normAutofit/>
-          </a:bodyPr>
-          <a:lstStyle/>
-          <a:p>
-            <a:r>
-              <a:rPr lang="nl-NL" sz="3600" dirty="0"/>
-              <a:t>Webwinkel: Bestellingen</a:t>
-            </a:r>
-          </a:p>
-        </p:txBody>
-      </p:sp>
-      <p:sp>
-        <p:nvSpPr>
-          <p:cNvPr id="16" name="TextBox 15">
-            <a:extLst>
-              <a:ext uri="{FF2B5EF4-FFF2-40B4-BE49-F238E27FC236}">
-                <a16:creationId xmlns:a16="http://schemas.microsoft.com/office/drawing/2014/main" id="{65AB9E32-91C1-16A5-98F9-ABA1E44F6B0A}"/>
-              </a:ext>
-            </a:extLst>
-          </p:cNvPr>
-          <p:cNvSpPr txBox="1"/>
-          <p:nvPr/>
-        </p:nvSpPr>
-        <p:spPr>
-          <a:xfrm>
-            <a:off x="770467" y="4654730"/>
-            <a:ext cx="10515599" cy="1477328"/>
-          </a:xfrm>
-          <a:prstGeom prst="rect">
-            <a:avLst/>
-          </a:prstGeom>
-          <a:noFill/>
-        </p:spPr>
-        <p:txBody>
-          <a:bodyPr wrap="square" rtlCol="0">
-            <a:spAutoFit/>
-          </a:bodyPr>
-          <a:lstStyle/>
-          <a:p>
-            <a:r>
-              <a:rPr lang="nl-NL" dirty="0"/>
-              <a:t>Bestellingen vallen uiteen in 2 tabellen</a:t>
-            </a:r>
-          </a:p>
-          <a:p>
-            <a:pPr marL="285750" indent="-285750">
-              <a:buFontTx/>
-              <a:buChar char="-"/>
-            </a:pPr>
-            <a:endParaRPr lang="nl-NL" dirty="0"/>
-          </a:p>
-          <a:p>
-            <a:pPr marL="285750" indent="-285750">
-              <a:buFontTx/>
-              <a:buChar char="-"/>
-            </a:pPr>
-            <a:r>
-              <a:rPr lang="nl-NL" dirty="0"/>
-              <a:t>Bestellingen tabel:	Record per bestelling met welke klant, welk adres, et cetera</a:t>
-            </a:r>
-          </a:p>
-          <a:p>
-            <a:pPr marL="285750" indent="-285750">
-              <a:buFontTx/>
-              <a:buChar char="-"/>
-            </a:pPr>
-            <a:endParaRPr lang="nl-NL" dirty="0"/>
-          </a:p>
-          <a:p>
-            <a:pPr marL="285750" indent="-285750">
-              <a:buFontTx/>
-              <a:buChar char="-"/>
-            </a:pPr>
-            <a:r>
-              <a:rPr lang="nl-NL" dirty="0" err="1"/>
-              <a:t>BestelRegel</a:t>
-            </a:r>
-            <a:r>
-              <a:rPr lang="nl-NL" dirty="0"/>
-              <a:t> tabel:	Record per besteld product, aantal, prijs, et cetera.</a:t>
-            </a:r>
-          </a:p>
-        </p:txBody>
-      </p:sp>
-      <p:graphicFrame>
-        <p:nvGraphicFramePr>
-          <p:cNvPr id="3" name="Table 3">
-            <a:extLst>
-              <a:ext uri="{FF2B5EF4-FFF2-40B4-BE49-F238E27FC236}">
-                <a16:creationId xmlns:a16="http://schemas.microsoft.com/office/drawing/2014/main" id="{B8FA5005-0D22-FE4A-3A64-0FB6D1B038DB}"/>
-              </a:ext>
-            </a:extLst>
-          </p:cNvPr>
-          <p:cNvGraphicFramePr>
-            <a:graphicFrameLocks noGrp="1"/>
-          </p:cNvGraphicFramePr>
-          <p:nvPr>
-            <p:extLst>
-              <p:ext uri="{D42A27DB-BD31-4B8C-83A1-F6EECF244321}">
-                <p14:modId xmlns:p14="http://schemas.microsoft.com/office/powerpoint/2010/main" val="4072882215"/>
-              </p:ext>
-            </p:extLst>
-          </p:nvPr>
-        </p:nvGraphicFramePr>
-        <p:xfrm>
-          <a:off x="5825067" y="1799631"/>
-          <a:ext cx="4411132" cy="741680"/>
-        </p:xfrm>
-        <a:graphic>
-          <a:graphicData uri="http://schemas.openxmlformats.org/drawingml/2006/table">
-            <a:tbl>
-              <a:tblPr firstRow="1" bandRow="1">
-                <a:tableStyleId>{5C22544A-7EE6-4342-B048-85BDC9FD1C3A}</a:tableStyleId>
-              </a:tblPr>
-              <a:tblGrid>
-                <a:gridCol w="1396538">
-                  <a:extLst>
-                    <a:ext uri="{9D8B030D-6E8A-4147-A177-3AD203B41FA5}">
-                      <a16:colId xmlns:a16="http://schemas.microsoft.com/office/drawing/2014/main" val="2260167414"/>
-                    </a:ext>
-                  </a:extLst>
-                </a:gridCol>
-                <a:gridCol w="1405929">
-                  <a:extLst>
-                    <a:ext uri="{9D8B030D-6E8A-4147-A177-3AD203B41FA5}">
-                      <a16:colId xmlns:a16="http://schemas.microsoft.com/office/drawing/2014/main" val="3113348022"/>
-                    </a:ext>
-                  </a:extLst>
-                </a:gridCol>
-                <a:gridCol w="1608665">
-                  <a:extLst>
-                    <a:ext uri="{9D8B030D-6E8A-4147-A177-3AD203B41FA5}">
-                      <a16:colId xmlns:a16="http://schemas.microsoft.com/office/drawing/2014/main" val="2553575160"/>
-                    </a:ext>
-                  </a:extLst>
-                </a:gridCol>
-              </a:tblGrid>
-              <a:tr h="370840">
-                <a:tc>
-                  <a:txBody>
-                    <a:bodyPr/>
-                    <a:lstStyle/>
-                    <a:p>
-                      <a:r>
-                        <a:rPr lang="en-US" sz="1400" dirty="0" err="1"/>
-                        <a:t>BestellingId</a:t>
-                      </a:r>
-                      <a:endParaRPr lang="en-NL" sz="1400" dirty="0"/>
-                    </a:p>
-                  </a:txBody>
-                  <a:tcPr/>
-                </a:tc>
-                <a:tc>
-                  <a:txBody>
-                    <a:bodyPr/>
-                    <a:lstStyle/>
-                    <a:p>
-                      <a:r>
-                        <a:rPr lang="en-US" sz="1400" dirty="0" err="1"/>
-                        <a:t>KlantId</a:t>
-                      </a:r>
-                      <a:endParaRPr lang="en-NL" sz="1400" dirty="0"/>
-                    </a:p>
-                  </a:txBody>
-                  <a:tcPr/>
-                </a:tc>
-                <a:tc>
-                  <a:txBody>
-                    <a:bodyPr/>
-                    <a:lstStyle/>
-                    <a:p>
-                      <a:r>
-                        <a:rPr lang="en-US" sz="1400" dirty="0" err="1"/>
-                        <a:t>BezorgAdresId</a:t>
-                      </a:r>
-                      <a:endParaRPr lang="en-NL" sz="1400" dirty="0"/>
-                    </a:p>
-                  </a:txBody>
-                  <a:tcPr/>
-                </a:tc>
-                <a:extLst>
-                  <a:ext uri="{0D108BD9-81ED-4DB2-BD59-A6C34878D82A}">
-                    <a16:rowId xmlns:a16="http://schemas.microsoft.com/office/drawing/2014/main" val="1030692646"/>
-                  </a:ext>
-                </a:extLst>
-              </a:tr>
-              <a:tr h="370840">
-                <a:tc>
-                  <a:txBody>
-                    <a:bodyPr/>
-                    <a:lstStyle/>
-                    <a:p>
-                      <a:r>
-                        <a:rPr lang="en-US" sz="1400" dirty="0"/>
-                        <a:t>1</a:t>
-                      </a:r>
-                      <a:endParaRPr lang="en-NL" sz="1400" dirty="0"/>
-                    </a:p>
-                  </a:txBody>
-                  <a:tcPr/>
-                </a:tc>
-                <a:tc>
-                  <a:txBody>
-                    <a:bodyPr/>
-                    <a:lstStyle/>
-                    <a:p>
-                      <a:r>
-                        <a:rPr lang="en-US" sz="1400" dirty="0"/>
-                        <a:t>1</a:t>
-                      </a:r>
-                      <a:endParaRPr lang="en-NL" sz="1400" dirty="0"/>
-                    </a:p>
-                  </a:txBody>
-                  <a:tcPr/>
-                </a:tc>
-                <a:tc>
-                  <a:txBody>
-                    <a:bodyPr/>
-                    <a:lstStyle/>
-                    <a:p>
-                      <a:r>
-                        <a:rPr lang="en-US" sz="1400" dirty="0"/>
-                        <a:t>2</a:t>
-                      </a:r>
-                      <a:endParaRPr lang="en-NL" sz="1400" dirty="0"/>
-                    </a:p>
-                  </a:txBody>
-                  <a:tcPr/>
-                </a:tc>
-                <a:extLst>
-                  <a:ext uri="{0D108BD9-81ED-4DB2-BD59-A6C34878D82A}">
-                    <a16:rowId xmlns:a16="http://schemas.microsoft.com/office/drawing/2014/main" val="3317498871"/>
-                  </a:ext>
-                </a:extLst>
-              </a:tr>
-            </a:tbl>
-          </a:graphicData>
-        </a:graphic>
-      </p:graphicFrame>
-      <p:sp>
-        <p:nvSpPr>
-          <p:cNvPr id="5" name="TextBox 4">
-            <a:extLst>
-              <a:ext uri="{FF2B5EF4-FFF2-40B4-BE49-F238E27FC236}">
-                <a16:creationId xmlns:a16="http://schemas.microsoft.com/office/drawing/2014/main" id="{9DE52347-E8DA-B75B-5045-F82DE64A6BF8}"/>
-              </a:ext>
-            </a:extLst>
-          </p:cNvPr>
-          <p:cNvSpPr txBox="1"/>
-          <p:nvPr/>
-        </p:nvSpPr>
-        <p:spPr>
-          <a:xfrm>
-            <a:off x="5825067" y="1430299"/>
-            <a:ext cx="1327030" cy="369332"/>
-          </a:xfrm>
-          <a:prstGeom prst="rect">
-            <a:avLst/>
-          </a:prstGeom>
-          <a:noFill/>
-        </p:spPr>
-        <p:txBody>
-          <a:bodyPr wrap="none" rtlCol="0">
-            <a:spAutoFit/>
-          </a:bodyPr>
-          <a:lstStyle/>
-          <a:p>
-            <a:r>
-              <a:rPr lang="nl-NL" dirty="0"/>
-              <a:t>Bestellingen</a:t>
-            </a:r>
-          </a:p>
-        </p:txBody>
-      </p:sp>
-      <p:graphicFrame>
-        <p:nvGraphicFramePr>
-          <p:cNvPr id="7" name="Table 3">
-            <a:extLst>
-              <a:ext uri="{FF2B5EF4-FFF2-40B4-BE49-F238E27FC236}">
-                <a16:creationId xmlns:a16="http://schemas.microsoft.com/office/drawing/2014/main" id="{8FECF686-D46E-2B8B-E29E-744068B23677}"/>
-              </a:ext>
-            </a:extLst>
-          </p:cNvPr>
-          <p:cNvGraphicFramePr>
-            <a:graphicFrameLocks noGrp="1"/>
-          </p:cNvGraphicFramePr>
-          <p:nvPr>
-            <p:extLst>
-              <p:ext uri="{D42A27DB-BD31-4B8C-83A1-F6EECF244321}">
-                <p14:modId xmlns:p14="http://schemas.microsoft.com/office/powerpoint/2010/main" val="1672111797"/>
-              </p:ext>
-            </p:extLst>
-          </p:nvPr>
-        </p:nvGraphicFramePr>
-        <p:xfrm>
-          <a:off x="5825067" y="3533294"/>
-          <a:ext cx="4411133" cy="741680"/>
-        </p:xfrm>
-        <a:graphic>
-          <a:graphicData uri="http://schemas.openxmlformats.org/drawingml/2006/table">
-            <a:tbl>
-              <a:tblPr firstRow="1" bandRow="1">
-                <a:tableStyleId>{5C22544A-7EE6-4342-B048-85BDC9FD1C3A}</a:tableStyleId>
-              </a:tblPr>
-              <a:tblGrid>
-                <a:gridCol w="1185333">
-                  <a:extLst>
-                    <a:ext uri="{9D8B030D-6E8A-4147-A177-3AD203B41FA5}">
-                      <a16:colId xmlns:a16="http://schemas.microsoft.com/office/drawing/2014/main" val="2260167414"/>
-                    </a:ext>
-                  </a:extLst>
-                </a:gridCol>
-                <a:gridCol w="1253067">
-                  <a:extLst>
-                    <a:ext uri="{9D8B030D-6E8A-4147-A177-3AD203B41FA5}">
-                      <a16:colId xmlns:a16="http://schemas.microsoft.com/office/drawing/2014/main" val="3113348022"/>
-                    </a:ext>
-                  </a:extLst>
-                </a:gridCol>
-                <a:gridCol w="880533">
-                  <a:extLst>
-                    <a:ext uri="{9D8B030D-6E8A-4147-A177-3AD203B41FA5}">
-                      <a16:colId xmlns:a16="http://schemas.microsoft.com/office/drawing/2014/main" val="2553575160"/>
-                    </a:ext>
-                  </a:extLst>
-                </a:gridCol>
-                <a:gridCol w="1092200">
-                  <a:extLst>
-                    <a:ext uri="{9D8B030D-6E8A-4147-A177-3AD203B41FA5}">
-                      <a16:colId xmlns:a16="http://schemas.microsoft.com/office/drawing/2014/main" val="2834293720"/>
-                    </a:ext>
-                  </a:extLst>
-                </a:gridCol>
-              </a:tblGrid>
-              <a:tr h="370840">
-                <a:tc>
-                  <a:txBody>
-                    <a:bodyPr/>
-                    <a:lstStyle/>
-                    <a:p>
-                      <a:r>
-                        <a:rPr lang="en-US" sz="1400" dirty="0" err="1"/>
-                        <a:t>BestellingId</a:t>
-                      </a:r>
-                      <a:endParaRPr lang="en-NL" sz="1400" dirty="0"/>
-                    </a:p>
-                  </a:txBody>
-                  <a:tcPr/>
-                </a:tc>
-                <a:tc>
-                  <a:txBody>
-                    <a:bodyPr/>
-                    <a:lstStyle/>
-                    <a:p>
-                      <a:r>
-                        <a:rPr lang="en-US" sz="1400" dirty="0" err="1"/>
-                        <a:t>ProductId</a:t>
-                      </a:r>
-                      <a:endParaRPr lang="en-NL" sz="1400" dirty="0"/>
-                    </a:p>
-                  </a:txBody>
-                  <a:tcPr/>
-                </a:tc>
-                <a:tc>
-                  <a:txBody>
-                    <a:bodyPr/>
-                    <a:lstStyle/>
-                    <a:p>
-                      <a:r>
-                        <a:rPr lang="en-US" sz="1400" dirty="0" err="1"/>
-                        <a:t>Aantal</a:t>
-                      </a:r>
-                      <a:endParaRPr lang="en-NL" sz="1400" dirty="0"/>
-                    </a:p>
-                  </a:txBody>
-                  <a:tcPr/>
-                </a:tc>
-                <a:tc>
-                  <a:txBody>
-                    <a:bodyPr/>
-                    <a:lstStyle/>
-                    <a:p>
-                      <a:r>
-                        <a:rPr lang="en-US" sz="1400" dirty="0" err="1"/>
-                        <a:t>Prijs</a:t>
-                      </a:r>
-                      <a:endParaRPr lang="en-NL" sz="1400" dirty="0"/>
-                    </a:p>
-                  </a:txBody>
-                  <a:tcPr/>
-                </a:tc>
-                <a:extLst>
-                  <a:ext uri="{0D108BD9-81ED-4DB2-BD59-A6C34878D82A}">
-                    <a16:rowId xmlns:a16="http://schemas.microsoft.com/office/drawing/2014/main" val="1030692646"/>
-                  </a:ext>
-                </a:extLst>
-              </a:tr>
-              <a:tr h="370840">
-                <a:tc>
-                  <a:txBody>
-                    <a:bodyPr/>
-                    <a:lstStyle/>
-                    <a:p>
-                      <a:r>
-                        <a:rPr lang="en-US" sz="1400" dirty="0"/>
-                        <a:t>1</a:t>
-                      </a:r>
-                      <a:endParaRPr lang="en-NL" sz="1400" dirty="0"/>
-                    </a:p>
-                  </a:txBody>
-                  <a:tcPr/>
-                </a:tc>
-                <a:tc>
-                  <a:txBody>
-                    <a:bodyPr/>
-                    <a:lstStyle/>
-                    <a:p>
-                      <a:r>
-                        <a:rPr lang="en-US" sz="1400" dirty="0"/>
-                        <a:t>1</a:t>
-                      </a:r>
-                      <a:endParaRPr lang="en-NL" sz="1400" dirty="0"/>
-                    </a:p>
-                  </a:txBody>
-                  <a:tcPr/>
-                </a:tc>
-                <a:tc>
-                  <a:txBody>
-                    <a:bodyPr/>
-                    <a:lstStyle/>
-                    <a:p>
-                      <a:r>
-                        <a:rPr lang="en-US" sz="1400" dirty="0"/>
-                        <a:t>3</a:t>
-                      </a:r>
-                      <a:endParaRPr lang="en-NL" sz="1400" dirty="0"/>
-                    </a:p>
-                  </a:txBody>
-                  <a:tcPr/>
-                </a:tc>
-                <a:tc>
-                  <a:txBody>
-                    <a:bodyPr/>
-                    <a:lstStyle/>
-                    <a:p>
-                      <a:r>
-                        <a:rPr lang="en-US" sz="1400" dirty="0"/>
-                        <a:t>…</a:t>
-                      </a:r>
-                      <a:endParaRPr lang="en-NL" sz="1400" dirty="0"/>
-                    </a:p>
-                  </a:txBody>
-                  <a:tcPr/>
-                </a:tc>
-                <a:extLst>
-                  <a:ext uri="{0D108BD9-81ED-4DB2-BD59-A6C34878D82A}">
-                    <a16:rowId xmlns:a16="http://schemas.microsoft.com/office/drawing/2014/main" val="3317498871"/>
-                  </a:ext>
-                </a:extLst>
-              </a:tr>
-            </a:tbl>
-          </a:graphicData>
-        </a:graphic>
-      </p:graphicFrame>
-      <p:sp>
-        <p:nvSpPr>
-          <p:cNvPr id="8" name="TextBox 7">
-            <a:extLst>
-              <a:ext uri="{FF2B5EF4-FFF2-40B4-BE49-F238E27FC236}">
-                <a16:creationId xmlns:a16="http://schemas.microsoft.com/office/drawing/2014/main" id="{C29DBA0A-4545-8DE2-1609-7F1E14EE1B53}"/>
-              </a:ext>
-            </a:extLst>
-          </p:cNvPr>
-          <p:cNvSpPr txBox="1"/>
-          <p:nvPr/>
-        </p:nvSpPr>
-        <p:spPr>
-          <a:xfrm>
-            <a:off x="5825067" y="3163962"/>
-            <a:ext cx="1266885" cy="369332"/>
-          </a:xfrm>
-          <a:prstGeom prst="rect">
-            <a:avLst/>
-          </a:prstGeom>
-          <a:noFill/>
-        </p:spPr>
-        <p:txBody>
-          <a:bodyPr wrap="none" rtlCol="0">
-            <a:spAutoFit/>
-          </a:bodyPr>
-          <a:lstStyle/>
-          <a:p>
-            <a:r>
-              <a:rPr lang="nl-NL" dirty="0" err="1"/>
-              <a:t>BestelRegel</a:t>
-            </a:r>
-            <a:endParaRPr lang="nl-NL" dirty="0"/>
-          </a:p>
-        </p:txBody>
-      </p:sp>
-      <p:pic>
-        <p:nvPicPr>
-          <p:cNvPr id="9" name="Picture 8">
-            <a:extLst>
-              <a:ext uri="{FF2B5EF4-FFF2-40B4-BE49-F238E27FC236}">
-                <a16:creationId xmlns:a16="http://schemas.microsoft.com/office/drawing/2014/main" id="{6D850A71-14C5-60B1-21FD-385D8505691E}"/>
-              </a:ext>
-            </a:extLst>
-          </p:cNvPr>
-          <p:cNvPicPr>
-            <a:picLocks noChangeAspect="1"/>
-          </p:cNvPicPr>
-          <p:nvPr/>
-        </p:nvPicPr>
-        <p:blipFill>
-          <a:blip r:embed="rId2"/>
-          <a:stretch>
-            <a:fillRect/>
-          </a:stretch>
-        </p:blipFill>
-        <p:spPr>
-          <a:xfrm>
-            <a:off x="838200" y="1814695"/>
-            <a:ext cx="2476500" cy="2447925"/>
-          </a:xfrm>
-          <a:prstGeom prst="rect">
-            <a:avLst/>
-          </a:prstGeom>
-        </p:spPr>
-      </p:pic>
-      <p:sp>
-        <p:nvSpPr>
-          <p:cNvPr id="11" name="Rectangle 10">
-            <a:extLst>
-              <a:ext uri="{FF2B5EF4-FFF2-40B4-BE49-F238E27FC236}">
-                <a16:creationId xmlns:a16="http://schemas.microsoft.com/office/drawing/2014/main" id="{5AAF9D91-3367-D512-DFFB-39FAC59D9599}"/>
-              </a:ext>
-            </a:extLst>
-          </p:cNvPr>
-          <p:cNvSpPr/>
-          <p:nvPr/>
-        </p:nvSpPr>
-        <p:spPr>
-          <a:xfrm>
-            <a:off x="770467" y="1716090"/>
-            <a:ext cx="2633133" cy="2652712"/>
-          </a:xfrm>
-          <a:prstGeom prst="rect">
-            <a:avLst/>
-          </a:prstGeom>
-          <a:noFill/>
-          <a:ln w="28575"/>
-        </p:spPr>
-        <p:style>
-          <a:lnRef idx="2">
-            <a:schemeClr val="accent5"/>
-          </a:lnRef>
-          <a:fillRef idx="1">
-            <a:schemeClr val="lt1"/>
-          </a:fillRef>
-          <a:effectRef idx="0">
-            <a:schemeClr val="accent5"/>
-          </a:effectRef>
-          <a:fontRef idx="minor">
-            <a:schemeClr val="dk1"/>
-          </a:fontRef>
-        </p:style>
-        <p:txBody>
-          <a:bodyPr rtlCol="0" anchor="ctr"/>
-          <a:lstStyle/>
-          <a:p>
-            <a:pPr algn="ctr"/>
-            <a:endParaRPr lang="en-NL"/>
-          </a:p>
-        </p:txBody>
-      </p:sp>
-      <p:cxnSp>
-        <p:nvCxnSpPr>
-          <p:cNvPr id="13" name="Straight Arrow Connector 12">
-            <a:extLst>
-              <a:ext uri="{FF2B5EF4-FFF2-40B4-BE49-F238E27FC236}">
-                <a16:creationId xmlns:a16="http://schemas.microsoft.com/office/drawing/2014/main" id="{F85520C9-AA23-7514-8481-D0A9403E1059}"/>
-              </a:ext>
-            </a:extLst>
-          </p:cNvPr>
-          <p:cNvCxnSpPr/>
-          <p:nvPr/>
-        </p:nvCxnSpPr>
-        <p:spPr>
-          <a:xfrm>
-            <a:off x="3403600" y="2108200"/>
-            <a:ext cx="2286000" cy="0"/>
-          </a:xfrm>
-          <a:prstGeom prst="straightConnector1">
-            <a:avLst/>
-          </a:prstGeom>
-          <a:ln w="28575">
-            <a:tailEnd type="triangle"/>
-          </a:ln>
-        </p:spPr>
-        <p:style>
-          <a:lnRef idx="1">
-            <a:schemeClr val="accent1"/>
-          </a:lnRef>
-          <a:fillRef idx="0">
-            <a:schemeClr val="accent1"/>
-          </a:fillRef>
-          <a:effectRef idx="0">
-            <a:schemeClr val="accent1"/>
-          </a:effectRef>
-          <a:fontRef idx="minor">
-            <a:schemeClr val="tx1"/>
-          </a:fontRef>
-        </p:style>
-      </p:cxnSp>
-      <p:sp>
-        <p:nvSpPr>
-          <p:cNvPr id="14" name="Rectangle 13">
-            <a:extLst>
-              <a:ext uri="{FF2B5EF4-FFF2-40B4-BE49-F238E27FC236}">
-                <a16:creationId xmlns:a16="http://schemas.microsoft.com/office/drawing/2014/main" id="{8B7D5D54-44EA-2C81-39D2-4BD44EE6A078}"/>
-              </a:ext>
-            </a:extLst>
-          </p:cNvPr>
-          <p:cNvSpPr/>
-          <p:nvPr/>
-        </p:nvSpPr>
-        <p:spPr>
-          <a:xfrm>
-            <a:off x="910167" y="2870200"/>
-            <a:ext cx="2230966" cy="601135"/>
-          </a:xfrm>
-          <a:prstGeom prst="rect">
-            <a:avLst/>
-          </a:prstGeom>
-          <a:noFill/>
-          <a:ln w="28575"/>
-        </p:spPr>
-        <p:style>
-          <a:lnRef idx="2">
-            <a:schemeClr val="accent4"/>
-          </a:lnRef>
-          <a:fillRef idx="1">
-            <a:schemeClr val="lt1"/>
-          </a:fillRef>
-          <a:effectRef idx="0">
-            <a:schemeClr val="accent4"/>
-          </a:effectRef>
-          <a:fontRef idx="minor">
-            <a:schemeClr val="dk1"/>
-          </a:fontRef>
-        </p:style>
-        <p:txBody>
-          <a:bodyPr rtlCol="0" anchor="ctr"/>
-          <a:lstStyle/>
-          <a:p>
-            <a:pPr algn="ctr"/>
-            <a:endParaRPr lang="en-NL"/>
-          </a:p>
-        </p:txBody>
-      </p:sp>
-      <p:cxnSp>
-        <p:nvCxnSpPr>
-          <p:cNvPr id="17" name="Connector: Elbow 16">
-            <a:extLst>
-              <a:ext uri="{FF2B5EF4-FFF2-40B4-BE49-F238E27FC236}">
-                <a16:creationId xmlns:a16="http://schemas.microsoft.com/office/drawing/2014/main" id="{E0FC7D4C-F662-F166-A686-3101CECF3C0C}"/>
-              </a:ext>
-            </a:extLst>
-          </p:cNvPr>
-          <p:cNvCxnSpPr>
-            <a:cxnSpLocks/>
-            <a:stCxn id="14" idx="3"/>
-          </p:cNvCxnSpPr>
-          <p:nvPr/>
-        </p:nvCxnSpPr>
-        <p:spPr>
-          <a:xfrm>
-            <a:off x="3141133" y="3170768"/>
-            <a:ext cx="2548467" cy="715432"/>
-          </a:xfrm>
-          <a:prstGeom prst="bentConnector3">
-            <a:avLst/>
-          </a:prstGeom>
-          <a:ln w="28575">
-            <a:tailEnd type="triangle"/>
-          </a:ln>
-        </p:spPr>
-        <p:style>
-          <a:lnRef idx="2">
-            <a:schemeClr val="accent4"/>
-          </a:lnRef>
-          <a:fillRef idx="1">
-            <a:schemeClr val="lt1"/>
-          </a:fillRef>
-          <a:effectRef idx="0">
-            <a:schemeClr val="accent4"/>
-          </a:effectRef>
-          <a:fontRef idx="minor">
-            <a:schemeClr val="dk1"/>
-          </a:fontRef>
-        </p:style>
-      </p:cxnSp>
-    </p:spTree>
-    <p:extLst>
-      <p:ext uri="{BB962C8B-B14F-4D97-AF65-F5344CB8AC3E}">
-        <p14:creationId xmlns:p14="http://schemas.microsoft.com/office/powerpoint/2010/main" val="2187157700"/>
-      </p:ext>
-    </p:extLst>
-  </p:cSld>
-  <p:clrMapOvr>
-    <a:masterClrMapping/>
-  </p:clrMapOvr>
-</p:sld>
-</file>
-
-<file path=ppt/slides/slide7.xml><?xml version="1.0" encoding="utf-8"?>
-<p:sld xmlns:a="http://schemas.openxmlformats.org/drawingml/2006/main" xmlns:r="http://schemas.openxmlformats.org/officeDocument/2006/relationships" xmlns:p="http://schemas.openxmlformats.org/presentationml/2006/main">
-  <p:cSld>
-    <p:spTree>
-      <p:nvGrpSpPr>
-        <p:cNvPr id="1" name=""/>
-        <p:cNvGrpSpPr/>
-        <p:nvPr/>
-      </p:nvGrpSpPr>
-      <p:grpSpPr>
-        <a:xfrm>
-          <a:off x="0" y="0"/>
-          <a:ext cx="0" cy="0"/>
-          <a:chOff x="0" y="0"/>
-          <a:chExt cx="0" cy="0"/>
-        </a:xfrm>
-      </p:grpSpPr>
       <p:cxnSp>
         <p:nvCxnSpPr>
           <p:cNvPr id="5" name="Straight Connector 4">
@@ -13302,7 +9786,7 @@
           <a:p>
             <a:r>
               <a:rPr lang="nl-NL" sz="3600" dirty="0"/>
-              <a:t>Webwinkel: Prijzen</a:t>
+              <a:t>Producten: Prijzen</a:t>
             </a:r>
           </a:p>
         </p:txBody>
@@ -13358,7 +9842,7 @@
 </p:sld>
 </file>
 
-<file path=ppt/slides/slide8.xml><?xml version="1.0" encoding="utf-8"?>
+<file path=ppt/slides/slide5.xml><?xml version="1.0" encoding="utf-8"?>
 <p:sld xmlns:a="http://schemas.openxmlformats.org/drawingml/2006/main" xmlns:r="http://schemas.openxmlformats.org/officeDocument/2006/relationships" xmlns:p="http://schemas.openxmlformats.org/presentationml/2006/main">
   <p:cSld>
     <p:spTree>
@@ -13404,8 +9888,8 @@
           <a:lstStyle/>
           <a:p>
             <a:r>
-              <a:rPr lang="nl-NL" sz="3600"/>
-              <a:t>Webwinkel: Prijzen</a:t>
+              <a:rPr lang="nl-NL" sz="3600" dirty="0"/>
+              <a:t>Producten: Prijzen</a:t>
             </a:r>
           </a:p>
         </p:txBody>
@@ -14294,7 +10778,7 @@
 </p:sld>
 </file>
 
-<file path=ppt/slides/slide9.xml><?xml version="1.0" encoding="utf-8"?>
+<file path=ppt/slides/slide6.xml><?xml version="1.0" encoding="utf-8"?>
 <p:sld xmlns:a="http://schemas.openxmlformats.org/drawingml/2006/main" xmlns:r="http://schemas.openxmlformats.org/officeDocument/2006/relationships" xmlns:p="http://schemas.openxmlformats.org/presentationml/2006/main">
   <p:cSld>
     <p:spTree>
@@ -14486,7 +10970,7 @@
           <a:p>
             <a:r>
               <a:rPr lang="nl-NL" sz="3600" dirty="0"/>
-              <a:t>Webwinkel: Kortingen</a:t>
+              <a:t>Producten: Kortingen</a:t>
             </a:r>
           </a:p>
         </p:txBody>
@@ -14877,6 +11361,1766 @@
     <p:extLst>
       <p:ext uri="{BB962C8B-B14F-4D97-AF65-F5344CB8AC3E}">
         <p14:creationId xmlns:p14="http://schemas.microsoft.com/office/powerpoint/2010/main" val="1436443989"/>
+      </p:ext>
+    </p:extLst>
+  </p:cSld>
+  <p:clrMapOvr>
+    <a:masterClrMapping/>
+  </p:clrMapOvr>
+</p:sld>
+</file>
+
+<file path=ppt/slides/slide7.xml><?xml version="1.0" encoding="utf-8"?>
+<p:sld xmlns:a="http://schemas.openxmlformats.org/drawingml/2006/main" xmlns:r="http://schemas.openxmlformats.org/officeDocument/2006/relationships" xmlns:p="http://schemas.openxmlformats.org/presentationml/2006/main">
+  <p:cSld>
+    <p:spTree>
+      <p:nvGrpSpPr>
+        <p:cNvPr id="1" name=""/>
+        <p:cNvGrpSpPr/>
+        <p:nvPr/>
+      </p:nvGrpSpPr>
+      <p:grpSpPr>
+        <a:xfrm>
+          <a:off x="0" y="0"/>
+          <a:ext cx="0" cy="0"/>
+          <a:chOff x="0" y="0"/>
+          <a:chExt cx="0" cy="0"/>
+        </a:xfrm>
+      </p:grpSpPr>
+      <p:sp>
+        <p:nvSpPr>
+          <p:cNvPr id="30" name="Title 1">
+            <a:extLst>
+              <a:ext uri="{FF2B5EF4-FFF2-40B4-BE49-F238E27FC236}">
+                <a16:creationId xmlns:a16="http://schemas.microsoft.com/office/drawing/2014/main" id="{B660D0A5-4D69-4009-939F-E9EA258F856C}"/>
+              </a:ext>
+            </a:extLst>
+          </p:cNvPr>
+          <p:cNvSpPr>
+            <a:spLocks noGrp="1"/>
+          </p:cNvSpPr>
+          <p:nvPr>
+            <p:ph type="title"/>
+          </p:nvPr>
+        </p:nvSpPr>
+        <p:spPr>
+          <a:xfrm>
+            <a:off x="838200" y="365125"/>
+            <a:ext cx="10515600" cy="1325563"/>
+          </a:xfrm>
+        </p:spPr>
+        <p:txBody>
+          <a:bodyPr>
+            <a:normAutofit/>
+          </a:bodyPr>
+          <a:lstStyle/>
+          <a:p>
+            <a:r>
+              <a:rPr lang="nl-NL" sz="3600" dirty="0"/>
+              <a:t>Producten: Unieke kenmerken</a:t>
+            </a:r>
+          </a:p>
+        </p:txBody>
+      </p:sp>
+      <p:graphicFrame>
+        <p:nvGraphicFramePr>
+          <p:cNvPr id="2" name="Table 3">
+            <a:extLst>
+              <a:ext uri="{FF2B5EF4-FFF2-40B4-BE49-F238E27FC236}">
+                <a16:creationId xmlns:a16="http://schemas.microsoft.com/office/drawing/2014/main" id="{667974EE-7976-B876-F99D-EA58284ED043}"/>
+              </a:ext>
+            </a:extLst>
+          </p:cNvPr>
+          <p:cNvGraphicFramePr>
+            <a:graphicFrameLocks noGrp="1"/>
+          </p:cNvGraphicFramePr>
+          <p:nvPr>
+            <p:extLst>
+              <p:ext uri="{D42A27DB-BD31-4B8C-83A1-F6EECF244321}">
+                <p14:modId xmlns:p14="http://schemas.microsoft.com/office/powerpoint/2010/main" val="957922496"/>
+              </p:ext>
+            </p:extLst>
+          </p:nvPr>
+        </p:nvGraphicFramePr>
+        <p:xfrm>
+          <a:off x="838200" y="2316480"/>
+          <a:ext cx="4411132" cy="1112520"/>
+        </p:xfrm>
+        <a:graphic>
+          <a:graphicData uri="http://schemas.openxmlformats.org/drawingml/2006/table">
+            <a:tbl>
+              <a:tblPr firstRow="1" bandRow="1">
+                <a:tableStyleId>{5C22544A-7EE6-4342-B048-85BDC9FD1C3A}</a:tableStyleId>
+              </a:tblPr>
+              <a:tblGrid>
+                <a:gridCol w="990600">
+                  <a:extLst>
+                    <a:ext uri="{9D8B030D-6E8A-4147-A177-3AD203B41FA5}">
+                      <a16:colId xmlns:a16="http://schemas.microsoft.com/office/drawing/2014/main" val="2260167414"/>
+                    </a:ext>
+                  </a:extLst>
+                </a:gridCol>
+                <a:gridCol w="2015067">
+                  <a:extLst>
+                    <a:ext uri="{9D8B030D-6E8A-4147-A177-3AD203B41FA5}">
+                      <a16:colId xmlns:a16="http://schemas.microsoft.com/office/drawing/2014/main" val="3113348022"/>
+                    </a:ext>
+                  </a:extLst>
+                </a:gridCol>
+                <a:gridCol w="872066">
+                  <a:extLst>
+                    <a:ext uri="{9D8B030D-6E8A-4147-A177-3AD203B41FA5}">
+                      <a16:colId xmlns:a16="http://schemas.microsoft.com/office/drawing/2014/main" val="2553575160"/>
+                    </a:ext>
+                  </a:extLst>
+                </a:gridCol>
+                <a:gridCol w="533399">
+                  <a:extLst>
+                    <a:ext uri="{9D8B030D-6E8A-4147-A177-3AD203B41FA5}">
+                      <a16:colId xmlns:a16="http://schemas.microsoft.com/office/drawing/2014/main" val="3305451767"/>
+                    </a:ext>
+                  </a:extLst>
+                </a:gridCol>
+              </a:tblGrid>
+              <a:tr h="370840">
+                <a:tc>
+                  <a:txBody>
+                    <a:bodyPr/>
+                    <a:lstStyle/>
+                    <a:p>
+                      <a:r>
+                        <a:rPr lang="en-US" sz="1400" dirty="0" err="1"/>
+                        <a:t>ProductId</a:t>
+                      </a:r>
+                      <a:endParaRPr lang="en-NL" sz="1400" dirty="0"/>
+                    </a:p>
+                  </a:txBody>
+                  <a:tcPr/>
+                </a:tc>
+                <a:tc>
+                  <a:txBody>
+                    <a:bodyPr/>
+                    <a:lstStyle/>
+                    <a:p>
+                      <a:r>
+                        <a:rPr lang="en-US" sz="1400" dirty="0"/>
+                        <a:t>Naam</a:t>
+                      </a:r>
+                      <a:endParaRPr lang="en-NL" sz="1400" dirty="0"/>
+                    </a:p>
+                  </a:txBody>
+                  <a:tcPr/>
+                </a:tc>
+                <a:tc>
+                  <a:txBody>
+                    <a:bodyPr/>
+                    <a:lstStyle/>
+                    <a:p>
+                      <a:r>
+                        <a:rPr lang="en-US" sz="1400" dirty="0" err="1"/>
+                        <a:t>EANCode</a:t>
+                      </a:r>
+                      <a:endParaRPr lang="en-NL" sz="1400" dirty="0"/>
+                    </a:p>
+                  </a:txBody>
+                  <a:tcPr/>
+                </a:tc>
+                <a:tc>
+                  <a:txBody>
+                    <a:bodyPr/>
+                    <a:lstStyle/>
+                    <a:p>
+                      <a:r>
+                        <a:rPr lang="en-US" sz="1400" dirty="0"/>
+                        <a:t>…</a:t>
+                      </a:r>
+                      <a:endParaRPr lang="en-NL" sz="1400" dirty="0"/>
+                    </a:p>
+                  </a:txBody>
+                  <a:tcPr/>
+                </a:tc>
+                <a:extLst>
+                  <a:ext uri="{0D108BD9-81ED-4DB2-BD59-A6C34878D82A}">
+                    <a16:rowId xmlns:a16="http://schemas.microsoft.com/office/drawing/2014/main" val="1030692646"/>
+                  </a:ext>
+                </a:extLst>
+              </a:tr>
+              <a:tr h="370840">
+                <a:tc>
+                  <a:txBody>
+                    <a:bodyPr/>
+                    <a:lstStyle/>
+                    <a:p>
+                      <a:r>
+                        <a:rPr lang="en-US" sz="1400" dirty="0"/>
+                        <a:t>1</a:t>
+                      </a:r>
+                      <a:endParaRPr lang="en-NL" sz="1400" dirty="0"/>
+                    </a:p>
+                  </a:txBody>
+                  <a:tcPr/>
+                </a:tc>
+                <a:tc>
+                  <a:txBody>
+                    <a:bodyPr/>
+                    <a:lstStyle/>
+                    <a:p>
+                      <a:r>
+                        <a:rPr lang="en-US" sz="1400" dirty="0" err="1"/>
+                        <a:t>Jip</a:t>
+                      </a:r>
+                      <a:r>
+                        <a:rPr lang="en-US" sz="1400" dirty="0"/>
+                        <a:t> </a:t>
+                      </a:r>
+                      <a:r>
+                        <a:rPr lang="en-US" sz="1400" dirty="0" err="1"/>
+                        <a:t>en</a:t>
+                      </a:r>
+                      <a:r>
+                        <a:rPr lang="en-US" sz="1400" dirty="0"/>
+                        <a:t> </a:t>
+                      </a:r>
+                      <a:r>
+                        <a:rPr lang="en-US" sz="1400" dirty="0" err="1"/>
+                        <a:t>Janneke</a:t>
+                      </a:r>
+                      <a:endParaRPr lang="en-NL" sz="1400" dirty="0"/>
+                    </a:p>
+                  </a:txBody>
+                  <a:tcPr/>
+                </a:tc>
+                <a:tc>
+                  <a:txBody>
+                    <a:bodyPr/>
+                    <a:lstStyle/>
+                    <a:p>
+                      <a:r>
+                        <a:rPr lang="en-US" sz="1400" dirty="0"/>
+                        <a:t>EAN001</a:t>
+                      </a:r>
+                      <a:endParaRPr lang="en-NL" sz="1400" dirty="0"/>
+                    </a:p>
+                  </a:txBody>
+                  <a:tcPr/>
+                </a:tc>
+                <a:tc>
+                  <a:txBody>
+                    <a:bodyPr/>
+                    <a:lstStyle/>
+                    <a:p>
+                      <a:r>
+                        <a:rPr lang="en-US" sz="1400" dirty="0"/>
+                        <a:t>…</a:t>
+                      </a:r>
+                      <a:endParaRPr lang="en-NL" sz="1400" dirty="0"/>
+                    </a:p>
+                  </a:txBody>
+                  <a:tcPr/>
+                </a:tc>
+                <a:extLst>
+                  <a:ext uri="{0D108BD9-81ED-4DB2-BD59-A6C34878D82A}">
+                    <a16:rowId xmlns:a16="http://schemas.microsoft.com/office/drawing/2014/main" val="3317498871"/>
+                  </a:ext>
+                </a:extLst>
+              </a:tr>
+              <a:tr h="370840">
+                <a:tc>
+                  <a:txBody>
+                    <a:bodyPr/>
+                    <a:lstStyle/>
+                    <a:p>
+                      <a:r>
+                        <a:rPr lang="en-US" sz="1400" dirty="0"/>
+                        <a:t>2</a:t>
+                      </a:r>
+                      <a:endParaRPr lang="en-NL" sz="1400" dirty="0"/>
+                    </a:p>
+                  </a:txBody>
+                  <a:tcPr/>
+                </a:tc>
+                <a:tc>
+                  <a:txBody>
+                    <a:bodyPr/>
+                    <a:lstStyle/>
+                    <a:p>
+                      <a:r>
+                        <a:rPr lang="en-US" sz="1400" dirty="0"/>
+                        <a:t>LEGO DUPLO </a:t>
+                      </a:r>
+                      <a:r>
+                        <a:rPr lang="en-US" sz="1400" dirty="0" err="1"/>
+                        <a:t>Brandweer</a:t>
+                      </a:r>
+                      <a:endParaRPr lang="en-NL" sz="1400" dirty="0"/>
+                    </a:p>
+                  </a:txBody>
+                  <a:tcPr/>
+                </a:tc>
+                <a:tc>
+                  <a:txBody>
+                    <a:bodyPr/>
+                    <a:lstStyle/>
+                    <a:p>
+                      <a:r>
+                        <a:rPr lang="en-US" sz="1400" dirty="0"/>
+                        <a:t>EAN002</a:t>
+                      </a:r>
+                      <a:endParaRPr lang="en-NL" sz="1400" dirty="0"/>
+                    </a:p>
+                  </a:txBody>
+                  <a:tcPr/>
+                </a:tc>
+                <a:tc>
+                  <a:txBody>
+                    <a:bodyPr/>
+                    <a:lstStyle/>
+                    <a:p>
+                      <a:r>
+                        <a:rPr lang="en-US" sz="1400" dirty="0"/>
+                        <a:t>…</a:t>
+                      </a:r>
+                      <a:endParaRPr lang="en-NL" sz="1400" dirty="0"/>
+                    </a:p>
+                  </a:txBody>
+                  <a:tcPr/>
+                </a:tc>
+                <a:extLst>
+                  <a:ext uri="{0D108BD9-81ED-4DB2-BD59-A6C34878D82A}">
+                    <a16:rowId xmlns:a16="http://schemas.microsoft.com/office/drawing/2014/main" val="4019080770"/>
+                  </a:ext>
+                </a:extLst>
+              </a:tr>
+            </a:tbl>
+          </a:graphicData>
+        </a:graphic>
+      </p:graphicFrame>
+      <p:sp>
+        <p:nvSpPr>
+          <p:cNvPr id="4" name="TextBox 3">
+            <a:extLst>
+              <a:ext uri="{FF2B5EF4-FFF2-40B4-BE49-F238E27FC236}">
+                <a16:creationId xmlns:a16="http://schemas.microsoft.com/office/drawing/2014/main" id="{D8D21865-C4EA-76CC-F22B-4F684B633F56}"/>
+              </a:ext>
+            </a:extLst>
+          </p:cNvPr>
+          <p:cNvSpPr txBox="1"/>
+          <p:nvPr/>
+        </p:nvSpPr>
+        <p:spPr>
+          <a:xfrm>
+            <a:off x="838200" y="1947148"/>
+            <a:ext cx="1154675" cy="369332"/>
+          </a:xfrm>
+          <a:prstGeom prst="rect">
+            <a:avLst/>
+          </a:prstGeom>
+          <a:noFill/>
+        </p:spPr>
+        <p:txBody>
+          <a:bodyPr wrap="none" rtlCol="0">
+            <a:spAutoFit/>
+          </a:bodyPr>
+          <a:lstStyle/>
+          <a:p>
+            <a:r>
+              <a:rPr lang="nl-NL" dirty="0"/>
+              <a:t>Producten</a:t>
+            </a:r>
+          </a:p>
+        </p:txBody>
+      </p:sp>
+      <p:sp>
+        <p:nvSpPr>
+          <p:cNvPr id="16" name="TextBox 15">
+            <a:extLst>
+              <a:ext uri="{FF2B5EF4-FFF2-40B4-BE49-F238E27FC236}">
+                <a16:creationId xmlns:a16="http://schemas.microsoft.com/office/drawing/2014/main" id="{65AB9E32-91C1-16A5-98F9-ABA1E44F6B0A}"/>
+              </a:ext>
+            </a:extLst>
+          </p:cNvPr>
+          <p:cNvSpPr txBox="1"/>
+          <p:nvPr/>
+        </p:nvSpPr>
+        <p:spPr>
+          <a:xfrm>
+            <a:off x="5960534" y="1949713"/>
+            <a:ext cx="5325534" cy="2308324"/>
+          </a:xfrm>
+          <a:prstGeom prst="rect">
+            <a:avLst/>
+          </a:prstGeom>
+          <a:noFill/>
+        </p:spPr>
+        <p:txBody>
+          <a:bodyPr wrap="square" rtlCol="0">
+            <a:spAutoFit/>
+          </a:bodyPr>
+          <a:lstStyle/>
+          <a:p>
+            <a:r>
+              <a:rPr lang="nl-NL" b="1" dirty="0"/>
+              <a:t>Wat te doen met product specifieke kenmerken?</a:t>
+            </a:r>
+          </a:p>
+          <a:p>
+            <a:pPr marL="285750" indent="-285750">
+              <a:buFontTx/>
+              <a:buChar char="-"/>
+            </a:pPr>
+            <a:r>
+              <a:rPr lang="nl-NL" dirty="0"/>
+              <a:t>Auteur</a:t>
+            </a:r>
+          </a:p>
+          <a:p>
+            <a:pPr marL="285750" indent="-285750">
+              <a:buFontTx/>
+              <a:buChar char="-"/>
+            </a:pPr>
+            <a:r>
+              <a:rPr lang="nl-NL" dirty="0"/>
+              <a:t>Aantal pagina’s</a:t>
+            </a:r>
+          </a:p>
+          <a:p>
+            <a:pPr marL="285750" indent="-285750">
+              <a:buFontTx/>
+              <a:buChar char="-"/>
+            </a:pPr>
+            <a:endParaRPr lang="nl-NL" dirty="0"/>
+          </a:p>
+          <a:p>
+            <a:r>
+              <a:rPr lang="nl-NL" b="1" dirty="0"/>
+              <a:t>Allemaal toevoegen aan dezelfde tabel?</a:t>
+            </a:r>
+          </a:p>
+          <a:p>
+            <a:pPr marL="285750" indent="-285750">
+              <a:buFontTx/>
+              <a:buChar char="-"/>
+            </a:pPr>
+            <a:r>
+              <a:rPr lang="nl-NL" dirty="0"/>
+              <a:t>De tabel wordt te breed om mee te kunnen werken…</a:t>
+            </a:r>
+          </a:p>
+          <a:p>
+            <a:endParaRPr lang="nl-NL" dirty="0"/>
+          </a:p>
+        </p:txBody>
+      </p:sp>
+    </p:spTree>
+    <p:extLst>
+      <p:ext uri="{BB962C8B-B14F-4D97-AF65-F5344CB8AC3E}">
+        <p14:creationId xmlns:p14="http://schemas.microsoft.com/office/powerpoint/2010/main" val="489352100"/>
+      </p:ext>
+    </p:extLst>
+  </p:cSld>
+  <p:clrMapOvr>
+    <a:masterClrMapping/>
+  </p:clrMapOvr>
+</p:sld>
+</file>
+
+<file path=ppt/slides/slide8.xml><?xml version="1.0" encoding="utf-8"?>
+<p:sld xmlns:a="http://schemas.openxmlformats.org/drawingml/2006/main" xmlns:r="http://schemas.openxmlformats.org/officeDocument/2006/relationships" xmlns:p="http://schemas.openxmlformats.org/presentationml/2006/main">
+  <p:cSld>
+    <p:spTree>
+      <p:nvGrpSpPr>
+        <p:cNvPr id="1" name=""/>
+        <p:cNvGrpSpPr/>
+        <p:nvPr/>
+      </p:nvGrpSpPr>
+      <p:grpSpPr>
+        <a:xfrm>
+          <a:off x="0" y="0"/>
+          <a:ext cx="0" cy="0"/>
+          <a:chOff x="0" y="0"/>
+          <a:chExt cx="0" cy="0"/>
+        </a:xfrm>
+      </p:grpSpPr>
+      <p:sp>
+        <p:nvSpPr>
+          <p:cNvPr id="30" name="Title 1">
+            <a:extLst>
+              <a:ext uri="{FF2B5EF4-FFF2-40B4-BE49-F238E27FC236}">
+                <a16:creationId xmlns:a16="http://schemas.microsoft.com/office/drawing/2014/main" id="{B660D0A5-4D69-4009-939F-E9EA258F856C}"/>
+              </a:ext>
+            </a:extLst>
+          </p:cNvPr>
+          <p:cNvSpPr>
+            <a:spLocks noGrp="1"/>
+          </p:cNvSpPr>
+          <p:nvPr>
+            <p:ph type="title"/>
+          </p:nvPr>
+        </p:nvSpPr>
+        <p:spPr>
+          <a:xfrm>
+            <a:off x="838200" y="365125"/>
+            <a:ext cx="10515600" cy="1325563"/>
+          </a:xfrm>
+        </p:spPr>
+        <p:txBody>
+          <a:bodyPr>
+            <a:normAutofit/>
+          </a:bodyPr>
+          <a:lstStyle/>
+          <a:p>
+            <a:r>
+              <a:rPr lang="nl-NL" sz="3600" dirty="0"/>
+              <a:t>Producten: Unieke kenmerken</a:t>
+            </a:r>
+          </a:p>
+        </p:txBody>
+      </p:sp>
+      <p:graphicFrame>
+        <p:nvGraphicFramePr>
+          <p:cNvPr id="2" name="Table 3">
+            <a:extLst>
+              <a:ext uri="{FF2B5EF4-FFF2-40B4-BE49-F238E27FC236}">
+                <a16:creationId xmlns:a16="http://schemas.microsoft.com/office/drawing/2014/main" id="{667974EE-7976-B876-F99D-EA58284ED043}"/>
+              </a:ext>
+            </a:extLst>
+          </p:cNvPr>
+          <p:cNvGraphicFramePr>
+            <a:graphicFrameLocks noGrp="1"/>
+          </p:cNvGraphicFramePr>
+          <p:nvPr>
+            <p:extLst>
+              <p:ext uri="{D42A27DB-BD31-4B8C-83A1-F6EECF244321}">
+                <p14:modId xmlns:p14="http://schemas.microsoft.com/office/powerpoint/2010/main" val="1369777285"/>
+              </p:ext>
+            </p:extLst>
+          </p:nvPr>
+        </p:nvGraphicFramePr>
+        <p:xfrm>
+          <a:off x="838200" y="2316480"/>
+          <a:ext cx="4411132" cy="1112520"/>
+        </p:xfrm>
+        <a:graphic>
+          <a:graphicData uri="http://schemas.openxmlformats.org/drawingml/2006/table">
+            <a:tbl>
+              <a:tblPr firstRow="1" bandRow="1">
+                <a:tableStyleId>{5C22544A-7EE6-4342-B048-85BDC9FD1C3A}</a:tableStyleId>
+              </a:tblPr>
+              <a:tblGrid>
+                <a:gridCol w="990600">
+                  <a:extLst>
+                    <a:ext uri="{9D8B030D-6E8A-4147-A177-3AD203B41FA5}">
+                      <a16:colId xmlns:a16="http://schemas.microsoft.com/office/drawing/2014/main" val="2260167414"/>
+                    </a:ext>
+                  </a:extLst>
+                </a:gridCol>
+                <a:gridCol w="2015067">
+                  <a:extLst>
+                    <a:ext uri="{9D8B030D-6E8A-4147-A177-3AD203B41FA5}">
+                      <a16:colId xmlns:a16="http://schemas.microsoft.com/office/drawing/2014/main" val="3113348022"/>
+                    </a:ext>
+                  </a:extLst>
+                </a:gridCol>
+                <a:gridCol w="872066">
+                  <a:extLst>
+                    <a:ext uri="{9D8B030D-6E8A-4147-A177-3AD203B41FA5}">
+                      <a16:colId xmlns:a16="http://schemas.microsoft.com/office/drawing/2014/main" val="2553575160"/>
+                    </a:ext>
+                  </a:extLst>
+                </a:gridCol>
+                <a:gridCol w="533399">
+                  <a:extLst>
+                    <a:ext uri="{9D8B030D-6E8A-4147-A177-3AD203B41FA5}">
+                      <a16:colId xmlns:a16="http://schemas.microsoft.com/office/drawing/2014/main" val="3305451767"/>
+                    </a:ext>
+                  </a:extLst>
+                </a:gridCol>
+              </a:tblGrid>
+              <a:tr h="370840">
+                <a:tc>
+                  <a:txBody>
+                    <a:bodyPr/>
+                    <a:lstStyle/>
+                    <a:p>
+                      <a:r>
+                        <a:rPr lang="en-US" sz="1400" dirty="0" err="1"/>
+                        <a:t>ProductId</a:t>
+                      </a:r>
+                      <a:endParaRPr lang="en-NL" sz="1400" dirty="0"/>
+                    </a:p>
+                  </a:txBody>
+                  <a:tcPr/>
+                </a:tc>
+                <a:tc>
+                  <a:txBody>
+                    <a:bodyPr/>
+                    <a:lstStyle/>
+                    <a:p>
+                      <a:r>
+                        <a:rPr lang="en-US" sz="1400" dirty="0"/>
+                        <a:t>Naam</a:t>
+                      </a:r>
+                      <a:endParaRPr lang="en-NL" sz="1400" dirty="0"/>
+                    </a:p>
+                  </a:txBody>
+                  <a:tcPr/>
+                </a:tc>
+                <a:tc>
+                  <a:txBody>
+                    <a:bodyPr/>
+                    <a:lstStyle/>
+                    <a:p>
+                      <a:r>
+                        <a:rPr lang="en-US" sz="1400" dirty="0" err="1"/>
+                        <a:t>EANCode</a:t>
+                      </a:r>
+                      <a:endParaRPr lang="en-NL" sz="1400" dirty="0"/>
+                    </a:p>
+                  </a:txBody>
+                  <a:tcPr/>
+                </a:tc>
+                <a:tc>
+                  <a:txBody>
+                    <a:bodyPr/>
+                    <a:lstStyle/>
+                    <a:p>
+                      <a:r>
+                        <a:rPr lang="en-US" sz="1400" dirty="0"/>
+                        <a:t>…</a:t>
+                      </a:r>
+                      <a:endParaRPr lang="en-NL" sz="1400" dirty="0"/>
+                    </a:p>
+                  </a:txBody>
+                  <a:tcPr/>
+                </a:tc>
+                <a:extLst>
+                  <a:ext uri="{0D108BD9-81ED-4DB2-BD59-A6C34878D82A}">
+                    <a16:rowId xmlns:a16="http://schemas.microsoft.com/office/drawing/2014/main" val="1030692646"/>
+                  </a:ext>
+                </a:extLst>
+              </a:tr>
+              <a:tr h="370840">
+                <a:tc>
+                  <a:txBody>
+                    <a:bodyPr/>
+                    <a:lstStyle/>
+                    <a:p>
+                      <a:r>
+                        <a:rPr lang="en-US" sz="1400" dirty="0"/>
+                        <a:t>1</a:t>
+                      </a:r>
+                      <a:endParaRPr lang="en-NL" sz="1400" dirty="0"/>
+                    </a:p>
+                  </a:txBody>
+                  <a:tcPr/>
+                </a:tc>
+                <a:tc>
+                  <a:txBody>
+                    <a:bodyPr/>
+                    <a:lstStyle/>
+                    <a:p>
+                      <a:r>
+                        <a:rPr lang="en-US" sz="1400" dirty="0" err="1"/>
+                        <a:t>Jip</a:t>
+                      </a:r>
+                      <a:r>
+                        <a:rPr lang="en-US" sz="1400" dirty="0"/>
+                        <a:t> </a:t>
+                      </a:r>
+                      <a:r>
+                        <a:rPr lang="en-US" sz="1400" dirty="0" err="1"/>
+                        <a:t>en</a:t>
+                      </a:r>
+                      <a:r>
+                        <a:rPr lang="en-US" sz="1400" dirty="0"/>
+                        <a:t> </a:t>
+                      </a:r>
+                      <a:r>
+                        <a:rPr lang="en-US" sz="1400" dirty="0" err="1"/>
+                        <a:t>Janneke</a:t>
+                      </a:r>
+                      <a:endParaRPr lang="en-NL" sz="1400" dirty="0"/>
+                    </a:p>
+                  </a:txBody>
+                  <a:tcPr/>
+                </a:tc>
+                <a:tc>
+                  <a:txBody>
+                    <a:bodyPr/>
+                    <a:lstStyle/>
+                    <a:p>
+                      <a:r>
+                        <a:rPr lang="en-US" sz="1400" dirty="0"/>
+                        <a:t>EAN001</a:t>
+                      </a:r>
+                      <a:endParaRPr lang="en-NL" sz="1400" dirty="0"/>
+                    </a:p>
+                  </a:txBody>
+                  <a:tcPr/>
+                </a:tc>
+                <a:tc>
+                  <a:txBody>
+                    <a:bodyPr/>
+                    <a:lstStyle/>
+                    <a:p>
+                      <a:r>
+                        <a:rPr lang="en-US" sz="1400" dirty="0"/>
+                        <a:t>…</a:t>
+                      </a:r>
+                      <a:endParaRPr lang="en-NL" sz="1400" dirty="0"/>
+                    </a:p>
+                  </a:txBody>
+                  <a:tcPr/>
+                </a:tc>
+                <a:extLst>
+                  <a:ext uri="{0D108BD9-81ED-4DB2-BD59-A6C34878D82A}">
+                    <a16:rowId xmlns:a16="http://schemas.microsoft.com/office/drawing/2014/main" val="3317498871"/>
+                  </a:ext>
+                </a:extLst>
+              </a:tr>
+              <a:tr h="370840">
+                <a:tc>
+                  <a:txBody>
+                    <a:bodyPr/>
+                    <a:lstStyle/>
+                    <a:p>
+                      <a:r>
+                        <a:rPr lang="en-US" sz="1400" dirty="0"/>
+                        <a:t>2</a:t>
+                      </a:r>
+                      <a:endParaRPr lang="en-NL" sz="1400" dirty="0"/>
+                    </a:p>
+                  </a:txBody>
+                  <a:tcPr/>
+                </a:tc>
+                <a:tc>
+                  <a:txBody>
+                    <a:bodyPr/>
+                    <a:lstStyle/>
+                    <a:p>
+                      <a:r>
+                        <a:rPr lang="en-US" sz="1400" dirty="0"/>
+                        <a:t>LEGO DUPLO </a:t>
+                      </a:r>
+                      <a:r>
+                        <a:rPr lang="en-US" sz="1400" dirty="0" err="1"/>
+                        <a:t>Brandweer</a:t>
+                      </a:r>
+                      <a:endParaRPr lang="en-NL" sz="1400" dirty="0"/>
+                    </a:p>
+                  </a:txBody>
+                  <a:tcPr/>
+                </a:tc>
+                <a:tc>
+                  <a:txBody>
+                    <a:bodyPr/>
+                    <a:lstStyle/>
+                    <a:p>
+                      <a:r>
+                        <a:rPr lang="en-US" sz="1400" dirty="0"/>
+                        <a:t>EAN002</a:t>
+                      </a:r>
+                      <a:endParaRPr lang="en-NL" sz="1400" dirty="0"/>
+                    </a:p>
+                  </a:txBody>
+                  <a:tcPr/>
+                </a:tc>
+                <a:tc>
+                  <a:txBody>
+                    <a:bodyPr/>
+                    <a:lstStyle/>
+                    <a:p>
+                      <a:r>
+                        <a:rPr lang="en-US" sz="1400" dirty="0"/>
+                        <a:t>…</a:t>
+                      </a:r>
+                      <a:endParaRPr lang="en-NL" sz="1400" dirty="0"/>
+                    </a:p>
+                  </a:txBody>
+                  <a:tcPr/>
+                </a:tc>
+                <a:extLst>
+                  <a:ext uri="{0D108BD9-81ED-4DB2-BD59-A6C34878D82A}">
+                    <a16:rowId xmlns:a16="http://schemas.microsoft.com/office/drawing/2014/main" val="4019080770"/>
+                  </a:ext>
+                </a:extLst>
+              </a:tr>
+            </a:tbl>
+          </a:graphicData>
+        </a:graphic>
+      </p:graphicFrame>
+      <p:sp>
+        <p:nvSpPr>
+          <p:cNvPr id="4" name="TextBox 3">
+            <a:extLst>
+              <a:ext uri="{FF2B5EF4-FFF2-40B4-BE49-F238E27FC236}">
+                <a16:creationId xmlns:a16="http://schemas.microsoft.com/office/drawing/2014/main" id="{D8D21865-C4EA-76CC-F22B-4F684B633F56}"/>
+              </a:ext>
+            </a:extLst>
+          </p:cNvPr>
+          <p:cNvSpPr txBox="1"/>
+          <p:nvPr/>
+        </p:nvSpPr>
+        <p:spPr>
+          <a:xfrm>
+            <a:off x="838200" y="1947148"/>
+            <a:ext cx="1154675" cy="369332"/>
+          </a:xfrm>
+          <a:prstGeom prst="rect">
+            <a:avLst/>
+          </a:prstGeom>
+          <a:noFill/>
+        </p:spPr>
+        <p:txBody>
+          <a:bodyPr wrap="none" rtlCol="0">
+            <a:spAutoFit/>
+          </a:bodyPr>
+          <a:lstStyle/>
+          <a:p>
+            <a:r>
+              <a:rPr lang="nl-NL" dirty="0"/>
+              <a:t>Producten</a:t>
+            </a:r>
+          </a:p>
+        </p:txBody>
+      </p:sp>
+      <p:graphicFrame>
+        <p:nvGraphicFramePr>
+          <p:cNvPr id="3" name="Table 4">
+            <a:extLst>
+              <a:ext uri="{FF2B5EF4-FFF2-40B4-BE49-F238E27FC236}">
+                <a16:creationId xmlns:a16="http://schemas.microsoft.com/office/drawing/2014/main" id="{ADA19259-FE08-05F2-9024-51D4186A8503}"/>
+              </a:ext>
+            </a:extLst>
+          </p:cNvPr>
+          <p:cNvGraphicFramePr>
+            <a:graphicFrameLocks noGrp="1"/>
+          </p:cNvGraphicFramePr>
+          <p:nvPr>
+            <p:extLst>
+              <p:ext uri="{D42A27DB-BD31-4B8C-83A1-F6EECF244321}">
+                <p14:modId xmlns:p14="http://schemas.microsoft.com/office/powerpoint/2010/main" val="713487229"/>
+              </p:ext>
+            </p:extLst>
+          </p:nvPr>
+        </p:nvGraphicFramePr>
+        <p:xfrm>
+          <a:off x="838200" y="4360333"/>
+          <a:ext cx="4411133" cy="1483360"/>
+        </p:xfrm>
+        <a:graphic>
+          <a:graphicData uri="http://schemas.openxmlformats.org/drawingml/2006/table">
+            <a:tbl>
+              <a:tblPr firstRow="1" bandRow="1">
+                <a:tableStyleId>{5C22544A-7EE6-4342-B048-85BDC9FD1C3A}</a:tableStyleId>
+              </a:tblPr>
+              <a:tblGrid>
+                <a:gridCol w="995812">
+                  <a:extLst>
+                    <a:ext uri="{9D8B030D-6E8A-4147-A177-3AD203B41FA5}">
+                      <a16:colId xmlns:a16="http://schemas.microsoft.com/office/drawing/2014/main" val="1547597187"/>
+                    </a:ext>
+                  </a:extLst>
+                </a:gridCol>
+                <a:gridCol w="1070589">
+                  <a:extLst>
+                    <a:ext uri="{9D8B030D-6E8A-4147-A177-3AD203B41FA5}">
+                      <a16:colId xmlns:a16="http://schemas.microsoft.com/office/drawing/2014/main" val="1209011704"/>
+                    </a:ext>
+                  </a:extLst>
+                </a:gridCol>
+                <a:gridCol w="2344732">
+                  <a:extLst>
+                    <a:ext uri="{9D8B030D-6E8A-4147-A177-3AD203B41FA5}">
+                      <a16:colId xmlns:a16="http://schemas.microsoft.com/office/drawing/2014/main" val="3853541196"/>
+                    </a:ext>
+                  </a:extLst>
+                </a:gridCol>
+              </a:tblGrid>
+              <a:tr h="370840">
+                <a:tc>
+                  <a:txBody>
+                    <a:bodyPr/>
+                    <a:lstStyle/>
+                    <a:p>
+                      <a:r>
+                        <a:rPr lang="en-US" sz="1400" dirty="0" err="1"/>
+                        <a:t>ProductId</a:t>
+                      </a:r>
+                      <a:endParaRPr lang="en-NL" sz="1400" dirty="0"/>
+                    </a:p>
+                  </a:txBody>
+                  <a:tcPr/>
+                </a:tc>
+                <a:tc>
+                  <a:txBody>
+                    <a:bodyPr/>
+                    <a:lstStyle/>
+                    <a:p>
+                      <a:r>
+                        <a:rPr lang="en-US" sz="1400" dirty="0" err="1"/>
+                        <a:t>Kenmerk</a:t>
+                      </a:r>
+                      <a:endParaRPr lang="en-NL" sz="1400" dirty="0"/>
+                    </a:p>
+                  </a:txBody>
+                  <a:tcPr/>
+                </a:tc>
+                <a:tc>
+                  <a:txBody>
+                    <a:bodyPr/>
+                    <a:lstStyle/>
+                    <a:p>
+                      <a:r>
+                        <a:rPr lang="en-US" sz="1400" dirty="0" err="1"/>
+                        <a:t>Waarde</a:t>
+                      </a:r>
+                      <a:endParaRPr lang="en-NL" sz="1400" dirty="0"/>
+                    </a:p>
+                  </a:txBody>
+                  <a:tcPr/>
+                </a:tc>
+                <a:extLst>
+                  <a:ext uri="{0D108BD9-81ED-4DB2-BD59-A6C34878D82A}">
+                    <a16:rowId xmlns:a16="http://schemas.microsoft.com/office/drawing/2014/main" val="216668575"/>
+                  </a:ext>
+                </a:extLst>
+              </a:tr>
+              <a:tr h="370840">
+                <a:tc>
+                  <a:txBody>
+                    <a:bodyPr/>
+                    <a:lstStyle/>
+                    <a:p>
+                      <a:r>
+                        <a:rPr lang="en-US" sz="1400" dirty="0"/>
+                        <a:t>1</a:t>
+                      </a:r>
+                      <a:endParaRPr lang="en-NL" sz="1400" dirty="0"/>
+                    </a:p>
+                  </a:txBody>
+                  <a:tcPr/>
+                </a:tc>
+                <a:tc>
+                  <a:txBody>
+                    <a:bodyPr/>
+                    <a:lstStyle/>
+                    <a:p>
+                      <a:r>
+                        <a:rPr lang="en-US" sz="1400" dirty="0"/>
+                        <a:t>Auteur</a:t>
+                      </a:r>
+                      <a:endParaRPr lang="en-NL" sz="1400" dirty="0"/>
+                    </a:p>
+                  </a:txBody>
+                  <a:tcPr/>
+                </a:tc>
+                <a:tc>
+                  <a:txBody>
+                    <a:bodyPr/>
+                    <a:lstStyle/>
+                    <a:p>
+                      <a:r>
+                        <a:rPr lang="en-US" sz="1400" dirty="0"/>
+                        <a:t>Annie M.G. Schmidt</a:t>
+                      </a:r>
+                      <a:endParaRPr lang="en-NL" sz="1400" dirty="0"/>
+                    </a:p>
+                  </a:txBody>
+                  <a:tcPr/>
+                </a:tc>
+                <a:extLst>
+                  <a:ext uri="{0D108BD9-81ED-4DB2-BD59-A6C34878D82A}">
+                    <a16:rowId xmlns:a16="http://schemas.microsoft.com/office/drawing/2014/main" val="453986422"/>
+                  </a:ext>
+                </a:extLst>
+              </a:tr>
+              <a:tr h="370840">
+                <a:tc>
+                  <a:txBody>
+                    <a:bodyPr/>
+                    <a:lstStyle/>
+                    <a:p>
+                      <a:r>
+                        <a:rPr lang="en-US" sz="1400" dirty="0"/>
+                        <a:t>1</a:t>
+                      </a:r>
+                      <a:endParaRPr lang="en-NL" sz="1400" dirty="0"/>
+                    </a:p>
+                  </a:txBody>
+                  <a:tcPr/>
+                </a:tc>
+                <a:tc>
+                  <a:txBody>
+                    <a:bodyPr/>
+                    <a:lstStyle/>
+                    <a:p>
+                      <a:r>
+                        <a:rPr lang="en-US" sz="1400" dirty="0" err="1"/>
+                        <a:t>Pagina’s</a:t>
+                      </a:r>
+                      <a:endParaRPr lang="en-NL" sz="1400" dirty="0"/>
+                    </a:p>
+                  </a:txBody>
+                  <a:tcPr/>
+                </a:tc>
+                <a:tc>
+                  <a:txBody>
+                    <a:bodyPr/>
+                    <a:lstStyle/>
+                    <a:p>
+                      <a:r>
+                        <a:rPr lang="en-US" sz="1400" dirty="0"/>
+                        <a:t>353</a:t>
+                      </a:r>
+                      <a:endParaRPr lang="en-NL" sz="1400" dirty="0"/>
+                    </a:p>
+                  </a:txBody>
+                  <a:tcPr/>
+                </a:tc>
+                <a:extLst>
+                  <a:ext uri="{0D108BD9-81ED-4DB2-BD59-A6C34878D82A}">
+                    <a16:rowId xmlns:a16="http://schemas.microsoft.com/office/drawing/2014/main" val="1223654244"/>
+                  </a:ext>
+                </a:extLst>
+              </a:tr>
+              <a:tr h="370840">
+                <a:tc>
+                  <a:txBody>
+                    <a:bodyPr/>
+                    <a:lstStyle/>
+                    <a:p>
+                      <a:r>
+                        <a:rPr lang="en-US" sz="1400" dirty="0"/>
+                        <a:t>2</a:t>
+                      </a:r>
+                      <a:endParaRPr lang="en-NL" sz="1400" dirty="0"/>
+                    </a:p>
+                  </a:txBody>
+                  <a:tcPr/>
+                </a:tc>
+                <a:tc>
+                  <a:txBody>
+                    <a:bodyPr/>
+                    <a:lstStyle/>
+                    <a:p>
+                      <a:r>
+                        <a:rPr lang="en-US" sz="1400" dirty="0" err="1"/>
+                        <a:t>Setnummer</a:t>
+                      </a:r>
+                      <a:endParaRPr lang="en-NL" sz="1400" dirty="0"/>
+                    </a:p>
+                  </a:txBody>
+                  <a:tcPr/>
+                </a:tc>
+                <a:tc>
+                  <a:txBody>
+                    <a:bodyPr/>
+                    <a:lstStyle/>
+                    <a:p>
+                      <a:r>
+                        <a:rPr lang="en-US" sz="1400" dirty="0"/>
+                        <a:t>10969</a:t>
+                      </a:r>
+                      <a:endParaRPr lang="en-NL" sz="1400" dirty="0"/>
+                    </a:p>
+                  </a:txBody>
+                  <a:tcPr/>
+                </a:tc>
+                <a:extLst>
+                  <a:ext uri="{0D108BD9-81ED-4DB2-BD59-A6C34878D82A}">
+                    <a16:rowId xmlns:a16="http://schemas.microsoft.com/office/drawing/2014/main" val="3909285557"/>
+                  </a:ext>
+                </a:extLst>
+              </a:tr>
+            </a:tbl>
+          </a:graphicData>
+        </a:graphic>
+      </p:graphicFrame>
+      <p:sp>
+        <p:nvSpPr>
+          <p:cNvPr id="5" name="TextBox 4">
+            <a:extLst>
+              <a:ext uri="{FF2B5EF4-FFF2-40B4-BE49-F238E27FC236}">
+                <a16:creationId xmlns:a16="http://schemas.microsoft.com/office/drawing/2014/main" id="{E247233D-022F-C419-2A30-26021B9DF157}"/>
+              </a:ext>
+            </a:extLst>
+          </p:cNvPr>
+          <p:cNvSpPr txBox="1"/>
+          <p:nvPr/>
+        </p:nvSpPr>
+        <p:spPr>
+          <a:xfrm>
+            <a:off x="5960534" y="1949713"/>
+            <a:ext cx="5325534" cy="3416320"/>
+          </a:xfrm>
+          <a:prstGeom prst="rect">
+            <a:avLst/>
+          </a:prstGeom>
+          <a:noFill/>
+        </p:spPr>
+        <p:txBody>
+          <a:bodyPr wrap="square" rtlCol="0">
+            <a:spAutoFit/>
+          </a:bodyPr>
+          <a:lstStyle/>
+          <a:p>
+            <a:r>
+              <a:rPr lang="nl-NL" b="1" dirty="0"/>
+              <a:t>Wat te doen met product specifieke kenmerken?</a:t>
+            </a:r>
+          </a:p>
+          <a:p>
+            <a:pPr marL="285750" indent="-285750">
+              <a:buFontTx/>
+              <a:buChar char="-"/>
+            </a:pPr>
+            <a:r>
+              <a:rPr lang="nl-NL" dirty="0"/>
+              <a:t>Auteur</a:t>
+            </a:r>
+          </a:p>
+          <a:p>
+            <a:pPr marL="285750" indent="-285750">
+              <a:buFontTx/>
+              <a:buChar char="-"/>
+            </a:pPr>
+            <a:r>
+              <a:rPr lang="nl-NL" dirty="0"/>
+              <a:t>Aantal pagina’s</a:t>
+            </a:r>
+          </a:p>
+          <a:p>
+            <a:pPr marL="285750" indent="-285750">
+              <a:buFontTx/>
+              <a:buChar char="-"/>
+            </a:pPr>
+            <a:endParaRPr lang="nl-NL" dirty="0"/>
+          </a:p>
+          <a:p>
+            <a:r>
+              <a:rPr lang="nl-NL" b="1" dirty="0"/>
+              <a:t>Allemaal toevoegen aan dezelfde tabel?</a:t>
+            </a:r>
+          </a:p>
+          <a:p>
+            <a:pPr marL="285750" indent="-285750">
+              <a:buFontTx/>
+              <a:buChar char="-"/>
+            </a:pPr>
+            <a:r>
+              <a:rPr lang="nl-NL" dirty="0"/>
+              <a:t>De tabel wordt te breed om mee te kunnen werken…</a:t>
+            </a:r>
+          </a:p>
+          <a:p>
+            <a:endParaRPr lang="nl-NL" dirty="0"/>
+          </a:p>
+          <a:p>
+            <a:r>
+              <a:rPr lang="nl-NL" b="1" dirty="0"/>
+              <a:t>Alternatief:</a:t>
+            </a:r>
+          </a:p>
+          <a:p>
+            <a:pPr marL="285750" indent="-285750">
+              <a:buFontTx/>
+              <a:buChar char="-"/>
+            </a:pPr>
+            <a:r>
+              <a:rPr lang="nl-NL" dirty="0"/>
+              <a:t>Stop unieke kenmerken in een aparte tabel.</a:t>
+            </a:r>
+          </a:p>
+          <a:p>
+            <a:pPr marL="285750" indent="-285750">
+              <a:buFontTx/>
+              <a:buChar char="-"/>
+            </a:pPr>
+            <a:r>
+              <a:rPr lang="nl-NL" dirty="0"/>
+              <a:t>Sets van product + kenmerk + waarde.</a:t>
+            </a:r>
+          </a:p>
+          <a:p>
+            <a:pPr marL="285750" indent="-285750">
+              <a:buFontTx/>
+              <a:buChar char="-"/>
+            </a:pPr>
+            <a:r>
+              <a:rPr lang="nl-NL" dirty="0"/>
+              <a:t>Pivot het resultaat.</a:t>
+            </a:r>
+          </a:p>
+        </p:txBody>
+      </p:sp>
+      <p:sp>
+        <p:nvSpPr>
+          <p:cNvPr id="6" name="TextBox 5">
+            <a:extLst>
+              <a:ext uri="{FF2B5EF4-FFF2-40B4-BE49-F238E27FC236}">
+                <a16:creationId xmlns:a16="http://schemas.microsoft.com/office/drawing/2014/main" id="{946569C8-F9A7-501B-EA14-29EEDD351B3E}"/>
+              </a:ext>
+            </a:extLst>
+          </p:cNvPr>
+          <p:cNvSpPr txBox="1"/>
+          <p:nvPr/>
+        </p:nvSpPr>
+        <p:spPr>
+          <a:xfrm>
+            <a:off x="838199" y="3991001"/>
+            <a:ext cx="1987147" cy="369332"/>
+          </a:xfrm>
+          <a:prstGeom prst="rect">
+            <a:avLst/>
+          </a:prstGeom>
+          <a:noFill/>
+        </p:spPr>
+        <p:txBody>
+          <a:bodyPr wrap="none" rtlCol="0">
+            <a:spAutoFit/>
+          </a:bodyPr>
+          <a:lstStyle/>
+          <a:p>
+            <a:r>
+              <a:rPr lang="nl-NL"/>
+              <a:t>ProductKenmerken</a:t>
+            </a:r>
+            <a:endParaRPr lang="nl-NL" dirty="0"/>
+          </a:p>
+        </p:txBody>
+      </p:sp>
+    </p:spTree>
+    <p:extLst>
+      <p:ext uri="{BB962C8B-B14F-4D97-AF65-F5344CB8AC3E}">
+        <p14:creationId xmlns:p14="http://schemas.microsoft.com/office/powerpoint/2010/main" val="3427805686"/>
+      </p:ext>
+    </p:extLst>
+  </p:cSld>
+  <p:clrMapOvr>
+    <a:masterClrMapping/>
+  </p:clrMapOvr>
+</p:sld>
+</file>
+
+<file path=ppt/slides/slide9.xml><?xml version="1.0" encoding="utf-8"?>
+<p:sld xmlns:a="http://schemas.openxmlformats.org/drawingml/2006/main" xmlns:r="http://schemas.openxmlformats.org/officeDocument/2006/relationships" xmlns:p="http://schemas.openxmlformats.org/presentationml/2006/main">
+  <p:cSld>
+    <p:spTree>
+      <p:nvGrpSpPr>
+        <p:cNvPr id="1" name="">
+          <a:extLst>
+            <a:ext uri="{FF2B5EF4-FFF2-40B4-BE49-F238E27FC236}">
+              <a16:creationId xmlns:a16="http://schemas.microsoft.com/office/drawing/2014/main" id="{1053551B-4241-20B4-A45D-AE2D262223C0}"/>
+            </a:ext>
+          </a:extLst>
+        </p:cNvPr>
+        <p:cNvGrpSpPr/>
+        <p:nvPr/>
+      </p:nvGrpSpPr>
+      <p:grpSpPr>
+        <a:xfrm>
+          <a:off x="0" y="0"/>
+          <a:ext cx="0" cy="0"/>
+          <a:chOff x="0" y="0"/>
+          <a:chExt cx="0" cy="0"/>
+        </a:xfrm>
+      </p:grpSpPr>
+      <p:sp>
+        <p:nvSpPr>
+          <p:cNvPr id="30" name="Title 1">
+            <a:extLst>
+              <a:ext uri="{FF2B5EF4-FFF2-40B4-BE49-F238E27FC236}">
+                <a16:creationId xmlns:a16="http://schemas.microsoft.com/office/drawing/2014/main" id="{C05EF566-B602-062F-2229-41D20AD823C3}"/>
+              </a:ext>
+            </a:extLst>
+          </p:cNvPr>
+          <p:cNvSpPr>
+            <a:spLocks noGrp="1"/>
+          </p:cNvSpPr>
+          <p:nvPr>
+            <p:ph type="title"/>
+          </p:nvPr>
+        </p:nvSpPr>
+        <p:spPr>
+          <a:xfrm>
+            <a:off x="838200" y="365125"/>
+            <a:ext cx="10515600" cy="1325563"/>
+          </a:xfrm>
+        </p:spPr>
+        <p:txBody>
+          <a:bodyPr>
+            <a:normAutofit/>
+          </a:bodyPr>
+          <a:lstStyle/>
+          <a:p>
+            <a:r>
+              <a:rPr lang="nl-NL" sz="3600" dirty="0"/>
+              <a:t>Producten: Hiërarchische categorieën</a:t>
+            </a:r>
+          </a:p>
+        </p:txBody>
+      </p:sp>
+      <p:graphicFrame>
+        <p:nvGraphicFramePr>
+          <p:cNvPr id="3" name="Table 4">
+            <a:extLst>
+              <a:ext uri="{FF2B5EF4-FFF2-40B4-BE49-F238E27FC236}">
+                <a16:creationId xmlns:a16="http://schemas.microsoft.com/office/drawing/2014/main" id="{5976A568-2B0F-4FFE-51C7-18B5C4835058}"/>
+              </a:ext>
+            </a:extLst>
+          </p:cNvPr>
+          <p:cNvGraphicFramePr>
+            <a:graphicFrameLocks noGrp="1"/>
+          </p:cNvGraphicFramePr>
+          <p:nvPr>
+            <p:extLst>
+              <p:ext uri="{D42A27DB-BD31-4B8C-83A1-F6EECF244321}">
+                <p14:modId xmlns:p14="http://schemas.microsoft.com/office/powerpoint/2010/main" val="805049329"/>
+              </p:ext>
+            </p:extLst>
+          </p:nvPr>
+        </p:nvGraphicFramePr>
+        <p:xfrm>
+          <a:off x="838200" y="2319046"/>
+          <a:ext cx="4880212" cy="1524000"/>
+        </p:xfrm>
+        <a:graphic>
+          <a:graphicData uri="http://schemas.openxmlformats.org/drawingml/2006/table">
+            <a:tbl>
+              <a:tblPr firstRow="1" bandRow="1">
+                <a:tableStyleId>{5C22544A-7EE6-4342-B048-85BDC9FD1C3A}</a:tableStyleId>
+              </a:tblPr>
+              <a:tblGrid>
+                <a:gridCol w="1101707">
+                  <a:extLst>
+                    <a:ext uri="{9D8B030D-6E8A-4147-A177-3AD203B41FA5}">
+                      <a16:colId xmlns:a16="http://schemas.microsoft.com/office/drawing/2014/main" val="1547597187"/>
+                    </a:ext>
+                  </a:extLst>
+                </a:gridCol>
+                <a:gridCol w="1410618">
+                  <a:extLst>
+                    <a:ext uri="{9D8B030D-6E8A-4147-A177-3AD203B41FA5}">
+                      <a16:colId xmlns:a16="http://schemas.microsoft.com/office/drawing/2014/main" val="1209011704"/>
+                    </a:ext>
+                  </a:extLst>
+                </a:gridCol>
+                <a:gridCol w="2367887">
+                  <a:extLst>
+                    <a:ext uri="{9D8B030D-6E8A-4147-A177-3AD203B41FA5}">
+                      <a16:colId xmlns:a16="http://schemas.microsoft.com/office/drawing/2014/main" val="3853541196"/>
+                    </a:ext>
+                  </a:extLst>
+                </a:gridCol>
+              </a:tblGrid>
+              <a:tr h="167844">
+                <a:tc>
+                  <a:txBody>
+                    <a:bodyPr/>
+                    <a:lstStyle/>
+                    <a:p>
+                      <a:pPr algn="ctr"/>
+                      <a:r>
+                        <a:rPr lang="en-US" sz="1400" dirty="0" err="1"/>
+                        <a:t>CategorieId</a:t>
+                      </a:r>
+                      <a:endParaRPr lang="en-NL" sz="1400" dirty="0"/>
+                    </a:p>
+                  </a:txBody>
+                  <a:tcPr/>
+                </a:tc>
+                <a:tc>
+                  <a:txBody>
+                    <a:bodyPr/>
+                    <a:lstStyle/>
+                    <a:p>
+                      <a:pPr algn="ctr"/>
+                      <a:r>
+                        <a:rPr lang="en-US" sz="1400" dirty="0" err="1"/>
+                        <a:t>ValtOnderId</a:t>
+                      </a:r>
+                      <a:endParaRPr lang="en-NL" sz="1400" dirty="0"/>
+                    </a:p>
+                  </a:txBody>
+                  <a:tcPr/>
+                </a:tc>
+                <a:tc>
+                  <a:txBody>
+                    <a:bodyPr/>
+                    <a:lstStyle/>
+                    <a:p>
+                      <a:r>
+                        <a:rPr lang="en-US" sz="1400" dirty="0" err="1"/>
+                        <a:t>Omschrijving</a:t>
+                      </a:r>
+                      <a:endParaRPr lang="en-NL" sz="1400" dirty="0"/>
+                    </a:p>
+                  </a:txBody>
+                  <a:tcPr/>
+                </a:tc>
+                <a:extLst>
+                  <a:ext uri="{0D108BD9-81ED-4DB2-BD59-A6C34878D82A}">
+                    <a16:rowId xmlns:a16="http://schemas.microsoft.com/office/drawing/2014/main" val="216668575"/>
+                  </a:ext>
+                </a:extLst>
+              </a:tr>
+              <a:tr h="234522">
+                <a:tc>
+                  <a:txBody>
+                    <a:bodyPr/>
+                    <a:lstStyle/>
+                    <a:p>
+                      <a:pPr algn="ctr"/>
+                      <a:r>
+                        <a:rPr lang="en-US" sz="1400" dirty="0">
+                          <a:latin typeface="Courier New" panose="02070309020205020404" pitchFamily="49" charset="0"/>
+                          <a:cs typeface="Courier New" panose="02070309020205020404" pitchFamily="49" charset="0"/>
+                        </a:rPr>
+                        <a:t>1</a:t>
+                      </a:r>
+                      <a:endParaRPr lang="en-NL" sz="1400" dirty="0">
+                        <a:latin typeface="Courier New" panose="02070309020205020404" pitchFamily="49" charset="0"/>
+                        <a:cs typeface="Courier New" panose="02070309020205020404" pitchFamily="49" charset="0"/>
+                      </a:endParaRPr>
+                    </a:p>
+                  </a:txBody>
+                  <a:tcPr/>
+                </a:tc>
+                <a:tc>
+                  <a:txBody>
+                    <a:bodyPr/>
+                    <a:lstStyle/>
+                    <a:p>
+                      <a:pPr algn="ctr"/>
+                      <a:r>
+                        <a:rPr lang="en-US" sz="1400" dirty="0">
+                          <a:latin typeface="Courier New" panose="02070309020205020404" pitchFamily="49" charset="0"/>
+                          <a:cs typeface="Courier New" panose="02070309020205020404" pitchFamily="49" charset="0"/>
+                        </a:rPr>
+                        <a:t>NULL</a:t>
+                      </a:r>
+                      <a:endParaRPr lang="en-NL" sz="1400" dirty="0">
+                        <a:latin typeface="Courier New" panose="02070309020205020404" pitchFamily="49" charset="0"/>
+                        <a:cs typeface="Courier New" panose="02070309020205020404" pitchFamily="49" charset="0"/>
+                      </a:endParaRPr>
+                    </a:p>
+                  </a:txBody>
+                  <a:tcPr/>
+                </a:tc>
+                <a:tc>
+                  <a:txBody>
+                    <a:bodyPr/>
+                    <a:lstStyle/>
+                    <a:p>
+                      <a:r>
+                        <a:rPr lang="en-US" sz="1400" dirty="0" err="1">
+                          <a:latin typeface="Courier New" panose="02070309020205020404" pitchFamily="49" charset="0"/>
+                          <a:cs typeface="Courier New" panose="02070309020205020404" pitchFamily="49" charset="0"/>
+                        </a:rPr>
+                        <a:t>Levensmiddelen</a:t>
+                      </a:r>
+                      <a:endParaRPr lang="en-NL" sz="1400" dirty="0">
+                        <a:latin typeface="Courier New" panose="02070309020205020404" pitchFamily="49" charset="0"/>
+                        <a:cs typeface="Courier New" panose="02070309020205020404" pitchFamily="49" charset="0"/>
+                      </a:endParaRPr>
+                    </a:p>
+                  </a:txBody>
+                  <a:tcPr/>
+                </a:tc>
+                <a:extLst>
+                  <a:ext uri="{0D108BD9-81ED-4DB2-BD59-A6C34878D82A}">
+                    <a16:rowId xmlns:a16="http://schemas.microsoft.com/office/drawing/2014/main" val="453986422"/>
+                  </a:ext>
+                </a:extLst>
+              </a:tr>
+              <a:tr h="167844">
+                <a:tc>
+                  <a:txBody>
+                    <a:bodyPr/>
+                    <a:lstStyle/>
+                    <a:p>
+                      <a:pPr algn="ctr"/>
+                      <a:r>
+                        <a:rPr lang="en-US" sz="1400" dirty="0">
+                          <a:latin typeface="Courier New" panose="02070309020205020404" pitchFamily="49" charset="0"/>
+                          <a:cs typeface="Courier New" panose="02070309020205020404" pitchFamily="49" charset="0"/>
+                        </a:rPr>
+                        <a:t>2</a:t>
+                      </a:r>
+                      <a:endParaRPr lang="en-NL" sz="1400" dirty="0">
+                        <a:latin typeface="Courier New" panose="02070309020205020404" pitchFamily="49" charset="0"/>
+                        <a:cs typeface="Courier New" panose="02070309020205020404" pitchFamily="49" charset="0"/>
+                      </a:endParaRPr>
+                    </a:p>
+                  </a:txBody>
+                  <a:tcPr/>
+                </a:tc>
+                <a:tc>
+                  <a:txBody>
+                    <a:bodyPr/>
+                    <a:lstStyle/>
+                    <a:p>
+                      <a:pPr algn="ctr"/>
+                      <a:r>
+                        <a:rPr lang="en-US" sz="1400" dirty="0">
+                          <a:latin typeface="Courier New" panose="02070309020205020404" pitchFamily="49" charset="0"/>
+                          <a:cs typeface="Courier New" panose="02070309020205020404" pitchFamily="49" charset="0"/>
+                        </a:rPr>
+                        <a:t>1</a:t>
+                      </a:r>
+                      <a:endParaRPr lang="en-NL" sz="1400" dirty="0">
+                        <a:latin typeface="Courier New" panose="02070309020205020404" pitchFamily="49" charset="0"/>
+                        <a:cs typeface="Courier New" panose="02070309020205020404" pitchFamily="49" charset="0"/>
+                      </a:endParaRPr>
+                    </a:p>
+                  </a:txBody>
+                  <a:tcPr/>
+                </a:tc>
+                <a:tc>
+                  <a:txBody>
+                    <a:bodyPr/>
+                    <a:lstStyle/>
+                    <a:p>
+                      <a:r>
+                        <a:rPr lang="en-US" sz="1400" dirty="0" err="1">
+                          <a:latin typeface="Courier New" panose="02070309020205020404" pitchFamily="49" charset="0"/>
+                          <a:cs typeface="Courier New" panose="02070309020205020404" pitchFamily="49" charset="0"/>
+                        </a:rPr>
+                        <a:t>Vers</a:t>
+                      </a:r>
+                      <a:endParaRPr lang="en-NL" sz="1400" dirty="0">
+                        <a:latin typeface="Courier New" panose="02070309020205020404" pitchFamily="49" charset="0"/>
+                        <a:cs typeface="Courier New" panose="02070309020205020404" pitchFamily="49" charset="0"/>
+                      </a:endParaRPr>
+                    </a:p>
+                  </a:txBody>
+                  <a:tcPr/>
+                </a:tc>
+                <a:extLst>
+                  <a:ext uri="{0D108BD9-81ED-4DB2-BD59-A6C34878D82A}">
+                    <a16:rowId xmlns:a16="http://schemas.microsoft.com/office/drawing/2014/main" val="1223654244"/>
+                  </a:ext>
+                </a:extLst>
+              </a:tr>
+              <a:tr h="0">
+                <a:tc>
+                  <a:txBody>
+                    <a:bodyPr/>
+                    <a:lstStyle/>
+                    <a:p>
+                      <a:pPr algn="ctr"/>
+                      <a:r>
+                        <a:rPr lang="en-US" sz="1400" dirty="0">
+                          <a:latin typeface="Courier New" panose="02070309020205020404" pitchFamily="49" charset="0"/>
+                          <a:cs typeface="Courier New" panose="02070309020205020404" pitchFamily="49" charset="0"/>
+                        </a:rPr>
+                        <a:t>3</a:t>
+                      </a:r>
+                      <a:endParaRPr lang="en-NL" sz="1400" dirty="0">
+                        <a:latin typeface="Courier New" panose="02070309020205020404" pitchFamily="49" charset="0"/>
+                        <a:cs typeface="Courier New" panose="02070309020205020404" pitchFamily="49" charset="0"/>
+                      </a:endParaRPr>
+                    </a:p>
+                  </a:txBody>
+                  <a:tcPr/>
+                </a:tc>
+                <a:tc>
+                  <a:txBody>
+                    <a:bodyPr/>
+                    <a:lstStyle/>
+                    <a:p>
+                      <a:pPr algn="ctr"/>
+                      <a:r>
+                        <a:rPr lang="en-US" sz="1400" dirty="0">
+                          <a:latin typeface="Courier New" panose="02070309020205020404" pitchFamily="49" charset="0"/>
+                          <a:cs typeface="Courier New" panose="02070309020205020404" pitchFamily="49" charset="0"/>
+                        </a:rPr>
+                        <a:t>2</a:t>
+                      </a:r>
+                      <a:endParaRPr lang="en-NL" sz="1400" dirty="0">
+                        <a:latin typeface="Courier New" panose="02070309020205020404" pitchFamily="49" charset="0"/>
+                        <a:cs typeface="Courier New" panose="02070309020205020404" pitchFamily="49" charset="0"/>
+                      </a:endParaRPr>
+                    </a:p>
+                  </a:txBody>
+                  <a:tcPr/>
+                </a:tc>
+                <a:tc>
+                  <a:txBody>
+                    <a:bodyPr/>
+                    <a:lstStyle/>
+                    <a:p>
+                      <a:r>
+                        <a:rPr lang="en-US" sz="1400" dirty="0">
+                          <a:latin typeface="Courier New" panose="02070309020205020404" pitchFamily="49" charset="0"/>
+                          <a:cs typeface="Courier New" panose="02070309020205020404" pitchFamily="49" charset="0"/>
+                        </a:rPr>
+                        <a:t>Fruit</a:t>
+                      </a:r>
+                      <a:endParaRPr lang="en-NL" sz="1400" dirty="0">
+                        <a:latin typeface="Courier New" panose="02070309020205020404" pitchFamily="49" charset="0"/>
+                        <a:cs typeface="Courier New" panose="02070309020205020404" pitchFamily="49" charset="0"/>
+                      </a:endParaRPr>
+                    </a:p>
+                  </a:txBody>
+                  <a:tcPr/>
+                </a:tc>
+                <a:extLst>
+                  <a:ext uri="{0D108BD9-81ED-4DB2-BD59-A6C34878D82A}">
+                    <a16:rowId xmlns:a16="http://schemas.microsoft.com/office/drawing/2014/main" val="3909285557"/>
+                  </a:ext>
+                </a:extLst>
+              </a:tr>
+              <a:tr h="0">
+                <a:tc>
+                  <a:txBody>
+                    <a:bodyPr/>
+                    <a:lstStyle/>
+                    <a:p>
+                      <a:pPr algn="ctr"/>
+                      <a:r>
+                        <a:rPr lang="en-US" sz="1400" dirty="0">
+                          <a:latin typeface="Courier New" panose="02070309020205020404" pitchFamily="49" charset="0"/>
+                          <a:cs typeface="Courier New" panose="02070309020205020404" pitchFamily="49" charset="0"/>
+                        </a:rPr>
+                        <a:t>4</a:t>
+                      </a:r>
+                      <a:endParaRPr lang="en-NL" sz="1400" dirty="0">
+                        <a:latin typeface="Courier New" panose="02070309020205020404" pitchFamily="49" charset="0"/>
+                        <a:cs typeface="Courier New" panose="02070309020205020404" pitchFamily="49" charset="0"/>
+                      </a:endParaRPr>
+                    </a:p>
+                  </a:txBody>
+                  <a:tcPr/>
+                </a:tc>
+                <a:tc>
+                  <a:txBody>
+                    <a:bodyPr/>
+                    <a:lstStyle/>
+                    <a:p>
+                      <a:pPr algn="ctr"/>
+                      <a:r>
+                        <a:rPr lang="en-US" sz="1400" dirty="0">
+                          <a:latin typeface="Courier New" panose="02070309020205020404" pitchFamily="49" charset="0"/>
+                          <a:cs typeface="Courier New" panose="02070309020205020404" pitchFamily="49" charset="0"/>
+                        </a:rPr>
+                        <a:t>2</a:t>
+                      </a:r>
+                      <a:endParaRPr lang="en-NL" sz="1400" dirty="0">
+                        <a:latin typeface="Courier New" panose="02070309020205020404" pitchFamily="49" charset="0"/>
+                        <a:cs typeface="Courier New" panose="02070309020205020404" pitchFamily="49" charset="0"/>
+                      </a:endParaRPr>
+                    </a:p>
+                  </a:txBody>
+                  <a:tcPr/>
+                </a:tc>
+                <a:tc>
+                  <a:txBody>
+                    <a:bodyPr/>
+                    <a:lstStyle/>
+                    <a:p>
+                      <a:r>
+                        <a:rPr lang="en-US" sz="1400" dirty="0" err="1">
+                          <a:latin typeface="Courier New" panose="02070309020205020404" pitchFamily="49" charset="0"/>
+                          <a:cs typeface="Courier New" panose="02070309020205020404" pitchFamily="49" charset="0"/>
+                        </a:rPr>
+                        <a:t>Groente</a:t>
+                      </a:r>
+                      <a:endParaRPr lang="en-NL" sz="1400" dirty="0">
+                        <a:latin typeface="Courier New" panose="02070309020205020404" pitchFamily="49" charset="0"/>
+                        <a:cs typeface="Courier New" panose="02070309020205020404" pitchFamily="49" charset="0"/>
+                      </a:endParaRPr>
+                    </a:p>
+                  </a:txBody>
+                  <a:tcPr/>
+                </a:tc>
+                <a:extLst>
+                  <a:ext uri="{0D108BD9-81ED-4DB2-BD59-A6C34878D82A}">
+                    <a16:rowId xmlns:a16="http://schemas.microsoft.com/office/drawing/2014/main" val="3541047257"/>
+                  </a:ext>
+                </a:extLst>
+              </a:tr>
+            </a:tbl>
+          </a:graphicData>
+        </a:graphic>
+      </p:graphicFrame>
+      <p:sp>
+        <p:nvSpPr>
+          <p:cNvPr id="5" name="TextBox 4">
+            <a:extLst>
+              <a:ext uri="{FF2B5EF4-FFF2-40B4-BE49-F238E27FC236}">
+                <a16:creationId xmlns:a16="http://schemas.microsoft.com/office/drawing/2014/main" id="{CCA0FAC3-ADE7-7E12-D37F-D9B7A76EC603}"/>
+              </a:ext>
+            </a:extLst>
+          </p:cNvPr>
+          <p:cNvSpPr txBox="1"/>
+          <p:nvPr/>
+        </p:nvSpPr>
+        <p:spPr>
+          <a:xfrm>
+            <a:off x="5960534" y="1949713"/>
+            <a:ext cx="5325534" cy="369332"/>
+          </a:xfrm>
+          <a:prstGeom prst="rect">
+            <a:avLst/>
+          </a:prstGeom>
+          <a:noFill/>
+        </p:spPr>
+        <p:txBody>
+          <a:bodyPr wrap="square" rtlCol="0">
+            <a:spAutoFit/>
+          </a:bodyPr>
+          <a:lstStyle/>
+          <a:p>
+            <a:r>
+              <a:rPr lang="nl-NL" b="1" dirty="0"/>
+              <a:t>TODO : Uitwerken</a:t>
+            </a:r>
+            <a:endParaRPr lang="nl-NL" dirty="0"/>
+          </a:p>
+        </p:txBody>
+      </p:sp>
+      <p:sp>
+        <p:nvSpPr>
+          <p:cNvPr id="6" name="TextBox 5">
+            <a:extLst>
+              <a:ext uri="{FF2B5EF4-FFF2-40B4-BE49-F238E27FC236}">
+                <a16:creationId xmlns:a16="http://schemas.microsoft.com/office/drawing/2014/main" id="{DBBE523A-44FE-686F-926F-3DA107138378}"/>
+              </a:ext>
+            </a:extLst>
+          </p:cNvPr>
+          <p:cNvSpPr txBox="1"/>
+          <p:nvPr/>
+        </p:nvSpPr>
+        <p:spPr>
+          <a:xfrm>
+            <a:off x="838199" y="1949713"/>
+            <a:ext cx="1819409" cy="369332"/>
+          </a:xfrm>
+          <a:prstGeom prst="rect">
+            <a:avLst/>
+          </a:prstGeom>
+          <a:noFill/>
+        </p:spPr>
+        <p:txBody>
+          <a:bodyPr wrap="none" rtlCol="0">
+            <a:spAutoFit/>
+          </a:bodyPr>
+          <a:lstStyle/>
+          <a:p>
+            <a:r>
+              <a:rPr lang="nl-NL" dirty="0" err="1"/>
+              <a:t>ProductCategorie</a:t>
+            </a:r>
+            <a:endParaRPr lang="nl-NL" dirty="0"/>
+          </a:p>
+        </p:txBody>
+      </p:sp>
+    </p:spTree>
+    <p:extLst>
+      <p:ext uri="{BB962C8B-B14F-4D97-AF65-F5344CB8AC3E}">
+        <p14:creationId xmlns:p14="http://schemas.microsoft.com/office/powerpoint/2010/main" val="3765068766"/>
       </p:ext>
     </p:extLst>
   </p:cSld>

--- a/sql_course/3_python/3_python.pptx
+++ b/sql_course/3_python/3_python.pptx
@@ -262,7 +262,7 @@
           <a:p>
             <a:fld id="{685BAE75-55A4-4394-9868-AE29E61D43AE}" type="datetimeFigureOut">
               <a:rPr lang="nl-NL" smtClean="0"/>
-              <a:t>5-2-2025</a:t>
+              <a:t>6-2-2025</a:t>
             </a:fld>
             <a:endParaRPr lang="nl-NL"/>
           </a:p>
@@ -974,7 +974,7 @@
           <a:p>
             <a:fld id="{74C49272-0111-4310-A9F0-C1CA0D6AA5E5}" type="datetimeFigureOut">
               <a:rPr lang="en-NL" smtClean="0"/>
-              <a:t>05/02/2025</a:t>
+              <a:t>06/02/2025</a:t>
             </a:fld>
             <a:endParaRPr lang="en-NL"/>
           </a:p>
@@ -1174,7 +1174,7 @@
           <a:p>
             <a:fld id="{74C49272-0111-4310-A9F0-C1CA0D6AA5E5}" type="datetimeFigureOut">
               <a:rPr lang="en-NL" smtClean="0"/>
-              <a:t>05/02/2025</a:t>
+              <a:t>06/02/2025</a:t>
             </a:fld>
             <a:endParaRPr lang="en-NL"/>
           </a:p>
@@ -1384,7 +1384,7 @@
           <a:p>
             <a:fld id="{74C49272-0111-4310-A9F0-C1CA0D6AA5E5}" type="datetimeFigureOut">
               <a:rPr lang="en-NL" smtClean="0"/>
-              <a:t>05/02/2025</a:t>
+              <a:t>06/02/2025</a:t>
             </a:fld>
             <a:endParaRPr lang="en-NL"/>
           </a:p>
@@ -1584,7 +1584,7 @@
           <a:p>
             <a:fld id="{74C49272-0111-4310-A9F0-C1CA0D6AA5E5}" type="datetimeFigureOut">
               <a:rPr lang="en-NL" smtClean="0"/>
-              <a:t>05/02/2025</a:t>
+              <a:t>06/02/2025</a:t>
             </a:fld>
             <a:endParaRPr lang="en-NL"/>
           </a:p>
@@ -1860,7 +1860,7 @@
           <a:p>
             <a:fld id="{74C49272-0111-4310-A9F0-C1CA0D6AA5E5}" type="datetimeFigureOut">
               <a:rPr lang="en-NL" smtClean="0"/>
-              <a:t>05/02/2025</a:t>
+              <a:t>06/02/2025</a:t>
             </a:fld>
             <a:endParaRPr lang="en-NL"/>
           </a:p>
@@ -2128,7 +2128,7 @@
           <a:p>
             <a:fld id="{74C49272-0111-4310-A9F0-C1CA0D6AA5E5}" type="datetimeFigureOut">
               <a:rPr lang="en-NL" smtClean="0"/>
-              <a:t>05/02/2025</a:t>
+              <a:t>06/02/2025</a:t>
             </a:fld>
             <a:endParaRPr lang="en-NL"/>
           </a:p>
@@ -2543,7 +2543,7 @@
           <a:p>
             <a:fld id="{74C49272-0111-4310-A9F0-C1CA0D6AA5E5}" type="datetimeFigureOut">
               <a:rPr lang="en-NL" smtClean="0"/>
-              <a:t>05/02/2025</a:t>
+              <a:t>06/02/2025</a:t>
             </a:fld>
             <a:endParaRPr lang="en-NL"/>
           </a:p>
@@ -2685,7 +2685,7 @@
           <a:p>
             <a:fld id="{74C49272-0111-4310-A9F0-C1CA0D6AA5E5}" type="datetimeFigureOut">
               <a:rPr lang="en-NL" smtClean="0"/>
-              <a:t>05/02/2025</a:t>
+              <a:t>06/02/2025</a:t>
             </a:fld>
             <a:endParaRPr lang="en-NL"/>
           </a:p>
@@ -2798,7 +2798,7 @@
           <a:p>
             <a:fld id="{74C49272-0111-4310-A9F0-C1CA0D6AA5E5}" type="datetimeFigureOut">
               <a:rPr lang="en-NL" smtClean="0"/>
-              <a:t>05/02/2025</a:t>
+              <a:t>06/02/2025</a:t>
             </a:fld>
             <a:endParaRPr lang="en-NL"/>
           </a:p>
@@ -3111,7 +3111,7 @@
           <a:p>
             <a:fld id="{74C49272-0111-4310-A9F0-C1CA0D6AA5E5}" type="datetimeFigureOut">
               <a:rPr lang="en-NL" smtClean="0"/>
-              <a:t>05/02/2025</a:t>
+              <a:t>06/02/2025</a:t>
             </a:fld>
             <a:endParaRPr lang="en-NL"/>
           </a:p>
@@ -3400,7 +3400,7 @@
           <a:p>
             <a:fld id="{74C49272-0111-4310-A9F0-C1CA0D6AA5E5}" type="datetimeFigureOut">
               <a:rPr lang="en-NL" smtClean="0"/>
-              <a:t>05/02/2025</a:t>
+              <a:t>06/02/2025</a:t>
             </a:fld>
             <a:endParaRPr lang="en-NL"/>
           </a:p>
@@ -3643,7 +3643,7 @@
           <a:p>
             <a:fld id="{74C49272-0111-4310-A9F0-C1CA0D6AA5E5}" type="datetimeFigureOut">
               <a:rPr lang="en-NL" smtClean="0"/>
-              <a:t>05/02/2025</a:t>
+              <a:t>06/02/2025</a:t>
             </a:fld>
             <a:endParaRPr lang="en-NL"/>
           </a:p>
@@ -26197,21 +26197,21 @@
               <a:buNone/>
             </a:pPr>
             <a:r>
-              <a:rPr lang="nl-NL" sz="1600" b="1" noProof="0" dirty="0">
+              <a:rPr lang="en-US" sz="1600" b="1" noProof="0">
                 <a:latin typeface="Courier New" panose="02070309020205020404" pitchFamily="49" charset="0"/>
                 <a:cs typeface="Courier New" panose="02070309020205020404" pitchFamily="49" charset="0"/>
               </a:rPr>
               <a:t>class </a:t>
             </a:r>
             <a:r>
-              <a:rPr lang="nl-NL" sz="1600" b="1" noProof="0" dirty="0" err="1">
+              <a:rPr lang="en-US" sz="1600" b="1" noProof="0" dirty="0" err="1">
                 <a:latin typeface="Courier New" panose="02070309020205020404" pitchFamily="49" charset="0"/>
                 <a:cs typeface="Courier New" panose="02070309020205020404" pitchFamily="49" charset="0"/>
               </a:rPr>
               <a:t>TaskList</a:t>
             </a:r>
             <a:r>
-              <a:rPr lang="nl-NL" sz="1600" b="1" noProof="0" dirty="0">
+              <a:rPr lang="en-US" sz="1600" b="1" noProof="0" dirty="0">
                 <a:latin typeface="Courier New" panose="02070309020205020404" pitchFamily="49" charset="0"/>
                 <a:cs typeface="Courier New" panose="02070309020205020404" pitchFamily="49" charset="0"/>
               </a:rPr>
@@ -26224,7 +26224,7 @@
               <a:buNone/>
             </a:pPr>
             <a:r>
-              <a:rPr lang="nl-NL" sz="1600" noProof="0" dirty="0">
+              <a:rPr lang="en-US" sz="1600" noProof="0" dirty="0">
                 <a:latin typeface="Courier New" panose="02070309020205020404" pitchFamily="49" charset="0"/>
                 <a:cs typeface="Courier New" panose="02070309020205020404" pitchFamily="49" charset="0"/>
               </a:rPr>
@@ -26237,25 +26237,11 @@
               <a:buNone/>
             </a:pPr>
             <a:r>
-              <a:rPr lang="nl-NL" sz="1600" dirty="0">
-                <a:latin typeface="Courier New" panose="02070309020205020404" pitchFamily="49" charset="0"/>
-                <a:cs typeface="Courier New" panose="02070309020205020404" pitchFamily="49" charset="0"/>
-              </a:rPr>
-              <a:t>  </a:t>
-            </a:r>
-            <a:r>
-              <a:rPr lang="nl-NL" sz="1600" dirty="0" err="1">
-                <a:latin typeface="Courier New" panose="02070309020205020404" pitchFamily="49" charset="0"/>
-                <a:cs typeface="Courier New" panose="02070309020205020404" pitchFamily="49" charset="0"/>
-              </a:rPr>
-              <a:t>tasks</a:t>
-            </a:r>
-            <a:r>
-              <a:rPr lang="nl-NL" sz="1600" dirty="0">
-                <a:latin typeface="Courier New" panose="02070309020205020404" pitchFamily="49" charset="0"/>
-                <a:cs typeface="Courier New" panose="02070309020205020404" pitchFamily="49" charset="0"/>
-              </a:rPr>
-              <a:t> = {}</a:t>
+              <a:rPr lang="en-US" sz="1600" dirty="0">
+                <a:latin typeface="Courier New" panose="02070309020205020404" pitchFamily="49" charset="0"/>
+                <a:cs typeface="Courier New" panose="02070309020205020404" pitchFamily="49" charset="0"/>
+              </a:rPr>
+              <a:t>  tasks = []</a:t>
             </a:r>
           </a:p>
           <a:p>
@@ -26263,7 +26249,7 @@
               <a:buFont typeface="Arial" panose="020B0604020202020204" pitchFamily="34" charset="0"/>
               <a:buNone/>
             </a:pPr>
-            <a:endParaRPr lang="nl-NL" sz="1600" noProof="0" dirty="0">
+            <a:endParaRPr lang="en-US" sz="1600" noProof="0" dirty="0">
               <a:latin typeface="Courier New" panose="02070309020205020404" pitchFamily="49" charset="0"/>
               <a:cs typeface="Courier New" panose="02070309020205020404" pitchFamily="49" charset="0"/>
             </a:endParaRPr>
@@ -26274,25 +26260,11 @@
               <a:buNone/>
             </a:pPr>
             <a:r>
-              <a:rPr lang="nl-NL" sz="1600" b="1" noProof="0" dirty="0">
-                <a:latin typeface="Courier New" panose="02070309020205020404" pitchFamily="49" charset="0"/>
-                <a:cs typeface="Courier New" panose="02070309020205020404" pitchFamily="49" charset="0"/>
-              </a:rPr>
-              <a:t>class </a:t>
-            </a:r>
-            <a:r>
-              <a:rPr lang="nl-NL" sz="1600" b="1" noProof="0" dirty="0" err="1">
-                <a:latin typeface="Courier New" panose="02070309020205020404" pitchFamily="49" charset="0"/>
-                <a:cs typeface="Courier New" panose="02070309020205020404" pitchFamily="49" charset="0"/>
-              </a:rPr>
-              <a:t>Task</a:t>
-            </a:r>
-            <a:r>
-              <a:rPr lang="nl-NL" sz="1600" b="1" noProof="0" dirty="0">
-                <a:latin typeface="Courier New" panose="02070309020205020404" pitchFamily="49" charset="0"/>
-                <a:cs typeface="Courier New" panose="02070309020205020404" pitchFamily="49" charset="0"/>
-              </a:rPr>
-              <a:t>:</a:t>
+              <a:rPr lang="en-US" sz="1600" b="1" noProof="0" dirty="0">
+                <a:latin typeface="Courier New" panose="02070309020205020404" pitchFamily="49" charset="0"/>
+                <a:cs typeface="Courier New" panose="02070309020205020404" pitchFamily="49" charset="0"/>
+              </a:rPr>
+              <a:t>class Task:</a:t>
             </a:r>
           </a:p>
           <a:p>
@@ -26301,25 +26273,11 @@
               <a:buNone/>
             </a:pPr>
             <a:r>
-              <a:rPr lang="nl-NL" sz="1600" noProof="0" dirty="0">
-                <a:latin typeface="Courier New" panose="02070309020205020404" pitchFamily="49" charset="0"/>
-                <a:cs typeface="Courier New" panose="02070309020205020404" pitchFamily="49" charset="0"/>
-              </a:rPr>
-              <a:t>  </a:t>
-            </a:r>
-            <a:r>
-              <a:rPr lang="nl-NL" sz="1600" noProof="0" dirty="0" err="1">
-                <a:latin typeface="Courier New" panose="02070309020205020404" pitchFamily="49" charset="0"/>
-                <a:cs typeface="Courier New" panose="02070309020205020404" pitchFamily="49" charset="0"/>
-              </a:rPr>
-              <a:t>description</a:t>
-            </a:r>
-            <a:r>
-              <a:rPr lang="nl-NL" sz="1600" noProof="0" dirty="0">
-                <a:latin typeface="Courier New" panose="02070309020205020404" pitchFamily="49" charset="0"/>
-                <a:cs typeface="Courier New" panose="02070309020205020404" pitchFamily="49" charset="0"/>
-              </a:rPr>
-              <a:t> = None</a:t>
+              <a:rPr lang="en-US" sz="1600" noProof="0" dirty="0">
+                <a:latin typeface="Courier New" panose="02070309020205020404" pitchFamily="49" charset="0"/>
+                <a:cs typeface="Courier New" panose="02070309020205020404" pitchFamily="49" charset="0"/>
+              </a:rPr>
+              <a:t>  description = None</a:t>
             </a:r>
           </a:p>
           <a:p>
@@ -26328,20 +26286,20 @@
               <a:buNone/>
             </a:pPr>
             <a:r>
-              <a:rPr lang="nl-NL" sz="1600" dirty="0">
+              <a:rPr lang="en-US" sz="1600" dirty="0">
                 <a:latin typeface="Courier New" panose="02070309020205020404" pitchFamily="49" charset="0"/>
                 <a:cs typeface="Courier New" panose="02070309020205020404" pitchFamily="49" charset="0"/>
               </a:rPr>
               <a:t>  state = </a:t>
             </a:r>
             <a:r>
-              <a:rPr lang="nl-NL" sz="1600" dirty="0" err="1">
-                <a:latin typeface="Courier New" panose="02070309020205020404" pitchFamily="49" charset="0"/>
-                <a:cs typeface="Courier New" panose="02070309020205020404" pitchFamily="49" charset="0"/>
-              </a:rPr>
-              <a:t>Status.NEW</a:t>
-            </a:r>
-            <a:endParaRPr lang="nl-NL" sz="1600" dirty="0">
+              <a:rPr lang="en-US" sz="1600" dirty="0" err="1">
+                <a:latin typeface="Courier New" panose="02070309020205020404" pitchFamily="49" charset="0"/>
+                <a:cs typeface="Courier New" panose="02070309020205020404" pitchFamily="49" charset="0"/>
+              </a:rPr>
+              <a:t>State.NEW</a:t>
+            </a:r>
+            <a:endParaRPr lang="en-US" sz="1600" dirty="0">
               <a:latin typeface="Courier New" panose="02070309020205020404" pitchFamily="49" charset="0"/>
               <a:cs typeface="Courier New" panose="02070309020205020404" pitchFamily="49" charset="0"/>
             </a:endParaRPr>
@@ -26352,35 +26310,21 @@
               <a:buNone/>
             </a:pPr>
             <a:r>
-              <a:rPr lang="nl-NL" sz="1600" dirty="0">
-                <a:latin typeface="Courier New" panose="02070309020205020404" pitchFamily="49" charset="0"/>
-                <a:cs typeface="Courier New" panose="02070309020205020404" pitchFamily="49" charset="0"/>
-              </a:rPr>
-              <a:t>  </a:t>
-            </a:r>
-            <a:r>
-              <a:rPr lang="nl-NL" sz="1600" dirty="0" err="1">
-                <a:latin typeface="Courier New" panose="02070309020205020404" pitchFamily="49" charset="0"/>
-                <a:cs typeface="Courier New" panose="02070309020205020404" pitchFamily="49" charset="0"/>
-              </a:rPr>
-              <a:t>updated</a:t>
-            </a:r>
-            <a:r>
-              <a:rPr lang="nl-NL" sz="1600" dirty="0">
-                <a:latin typeface="Courier New" panose="02070309020205020404" pitchFamily="49" charset="0"/>
-                <a:cs typeface="Courier New" panose="02070309020205020404" pitchFamily="49" charset="0"/>
-              </a:rPr>
-              <a:t> = </a:t>
-            </a:r>
-            <a:r>
-              <a:rPr lang="nl-NL" sz="1600" dirty="0" err="1">
+              <a:rPr lang="en-US" sz="1600" dirty="0">
+                <a:latin typeface="Courier New" panose="02070309020205020404" pitchFamily="49" charset="0"/>
+                <a:cs typeface="Courier New" panose="02070309020205020404" pitchFamily="49" charset="0"/>
+              </a:rPr>
+              <a:t>  updated = </a:t>
+            </a:r>
+            <a:r>
+              <a:rPr lang="en-US" sz="1600" dirty="0" err="1">
                 <a:latin typeface="Courier New" panose="02070309020205020404" pitchFamily="49" charset="0"/>
                 <a:cs typeface="Courier New" panose="02070309020205020404" pitchFamily="49" charset="0"/>
               </a:rPr>
               <a:t>dt.datetime.now</a:t>
             </a:r>
             <a:r>
-              <a:rPr lang="nl-NL" sz="1600" dirty="0">
+              <a:rPr lang="en-US" sz="1600" dirty="0">
                 <a:latin typeface="Courier New" panose="02070309020205020404" pitchFamily="49" charset="0"/>
                 <a:cs typeface="Courier New" panose="02070309020205020404" pitchFamily="49" charset="0"/>
               </a:rPr>
@@ -26392,7 +26336,7 @@
               <a:buFont typeface="Arial" panose="020B0604020202020204" pitchFamily="34" charset="0"/>
               <a:buNone/>
             </a:pPr>
-            <a:endParaRPr lang="nl-NL" sz="1600" noProof="0" dirty="0">
+            <a:endParaRPr lang="en-US" sz="1600" noProof="0" dirty="0">
               <a:latin typeface="Courier New" panose="02070309020205020404" pitchFamily="49" charset="0"/>
               <a:cs typeface="Courier New" panose="02070309020205020404" pitchFamily="49" charset="0"/>
             </a:endParaRPr>
@@ -26403,21 +26347,21 @@
               <a:buNone/>
             </a:pPr>
             <a:r>
-              <a:rPr lang="nl-NL" sz="1600" b="1" dirty="0">
+              <a:rPr lang="en-US" sz="1600" b="1" dirty="0">
                 <a:latin typeface="Courier New" panose="02070309020205020404" pitchFamily="49" charset="0"/>
                 <a:cs typeface="Courier New" panose="02070309020205020404" pitchFamily="49" charset="0"/>
               </a:rPr>
               <a:t>class State(</a:t>
             </a:r>
             <a:r>
-              <a:rPr lang="nl-NL" sz="1600" b="1" dirty="0" err="1">
+              <a:rPr lang="en-US" sz="1600" b="1" dirty="0" err="1">
                 <a:latin typeface="Courier New" panose="02070309020205020404" pitchFamily="49" charset="0"/>
                 <a:cs typeface="Courier New" panose="02070309020205020404" pitchFamily="49" charset="0"/>
               </a:rPr>
               <a:t>StrEnum</a:t>
             </a:r>
             <a:r>
-              <a:rPr lang="nl-NL" sz="1600" b="1" dirty="0">
+              <a:rPr lang="en-US" sz="1600" b="1" dirty="0">
                 <a:latin typeface="Courier New" panose="02070309020205020404" pitchFamily="49" charset="0"/>
                 <a:cs typeface="Courier New" panose="02070309020205020404" pitchFamily="49" charset="0"/>
               </a:rPr>
@@ -26430,14 +26374,14 @@
               <a:buNone/>
             </a:pPr>
             <a:r>
-              <a:rPr lang="nl-NL" sz="1600" noProof="0" dirty="0">
+              <a:rPr lang="en-US" sz="1600" noProof="0" dirty="0">
                 <a:latin typeface="Courier New" panose="02070309020205020404" pitchFamily="49" charset="0"/>
                 <a:cs typeface="Courier New" panose="02070309020205020404" pitchFamily="49" charset="0"/>
               </a:rPr>
               <a:t>  NEW = </a:t>
             </a:r>
             <a:r>
-              <a:rPr lang="nl-NL" sz="1600" noProof="0" dirty="0">
+              <a:rPr lang="en-US" sz="1600" noProof="0" dirty="0">
                 <a:solidFill>
                   <a:schemeClr val="accent2">
                     <a:lumMod val="75000"/>
@@ -26455,14 +26399,14 @@
               <a:buNone/>
             </a:pPr>
             <a:r>
-              <a:rPr lang="nl-NL" sz="1600" dirty="0">
+              <a:rPr lang="en-US" sz="1600" dirty="0">
                 <a:latin typeface="Courier New" panose="02070309020205020404" pitchFamily="49" charset="0"/>
                 <a:cs typeface="Courier New" panose="02070309020205020404" pitchFamily="49" charset="0"/>
               </a:rPr>
               <a:t>  DONE = </a:t>
             </a:r>
             <a:r>
-              <a:rPr lang="nl-NL" sz="1600" dirty="0">
+              <a:rPr lang="en-US" sz="1600" dirty="0">
                 <a:solidFill>
                   <a:schemeClr val="accent2">
                     <a:lumMod val="75000"/>
@@ -26471,33 +26415,9 @@
                 <a:latin typeface="Courier New" panose="02070309020205020404" pitchFamily="49" charset="0"/>
                 <a:cs typeface="Courier New" panose="02070309020205020404" pitchFamily="49" charset="0"/>
               </a:rPr>
-              <a:t>"</a:t>
-            </a:r>
-            <a:r>
-              <a:rPr lang="nl-NL" sz="1600" dirty="0" err="1">
-                <a:solidFill>
-                  <a:schemeClr val="accent2">
-                    <a:lumMod val="75000"/>
-                  </a:schemeClr>
-                </a:solidFill>
-                <a:latin typeface="Courier New" panose="02070309020205020404" pitchFamily="49" charset="0"/>
-                <a:cs typeface="Courier New" panose="02070309020205020404" pitchFamily="49" charset="0"/>
-              </a:rPr>
-              <a:t>Done</a:t>
-            </a:r>
-            <a:r>
-              <a:rPr lang="nl-NL" sz="1600" dirty="0">
-                <a:solidFill>
-                  <a:schemeClr val="accent2">
-                    <a:lumMod val="75000"/>
-                  </a:schemeClr>
-                </a:solidFill>
-                <a:latin typeface="Courier New" panose="02070309020205020404" pitchFamily="49" charset="0"/>
-                <a:cs typeface="Courier New" panose="02070309020205020404" pitchFamily="49" charset="0"/>
-              </a:rPr>
-              <a:t>"</a:t>
-            </a:r>
-            <a:endParaRPr lang="nl-NL" sz="1600" noProof="0" dirty="0">
+              <a:t>"Done"</a:t>
+            </a:r>
+            <a:endParaRPr lang="en-US" sz="1600" noProof="0" dirty="0">
               <a:solidFill>
                 <a:schemeClr val="accent2">
                   <a:lumMod val="75000"/>
@@ -26646,15 +26566,7 @@
             </a:pPr>
             <a:r>
               <a:rPr lang="nl-NL" sz="1800" noProof="0" dirty="0"/>
-              <a:t>Stel: je wilt een takenlijst bijhouden in Python en maakt de volgende </a:t>
-            </a:r>
-            <a:r>
-              <a:rPr lang="nl-NL" sz="1800" noProof="0" dirty="0" err="1"/>
-              <a:t>klasses</a:t>
-            </a:r>
-            <a:r>
-              <a:rPr lang="nl-NL" sz="1800" noProof="0" dirty="0"/>
-              <a:t>:</a:t>
+              <a:t>Stel: je wilt een takenlijst bijhouden in Python en maakt de volgende classes:</a:t>
             </a:r>
           </a:p>
           <a:p>
@@ -26669,7 +26581,7 @@
             </a:pPr>
             <a:r>
               <a:rPr lang="nl-NL" sz="1800" b="1" noProof="0" dirty="0" err="1"/>
-              <a:t>TaakLijst</a:t>
+              <a:t>TaskList</a:t>
             </a:r>
             <a:endParaRPr lang="nl-NL" sz="1800" noProof="0" dirty="0"/>
           </a:p>
@@ -26705,8 +26617,8 @@
               <a:buNone/>
             </a:pPr>
             <a:r>
-              <a:rPr lang="nl-NL" sz="1800" b="1" noProof="0" dirty="0"/>
-              <a:t>Taak</a:t>
+              <a:rPr lang="nl-NL" sz="1800" b="1" noProof="0" dirty="0" err="1"/>
+              <a:t>Task</a:t>
             </a:r>
             <a:endParaRPr lang="nl-NL" sz="1800" noProof="0" dirty="0"/>
           </a:p>
@@ -26731,7 +26643,7 @@
             </a:pPr>
             <a:r>
               <a:rPr lang="nl-NL" sz="1800" b="1" dirty="0"/>
-              <a:t>Status</a:t>
+              <a:t>State</a:t>
             </a:r>
           </a:p>
           <a:p>
@@ -26740,7 +26652,7 @@
             </a:pPr>
             <a:r>
               <a:rPr lang="nl-NL" sz="1800" noProof="0" dirty="0"/>
-              <a:t>Set standaardwaarden voor taak status.</a:t>
+              <a:t>Set standaardwaarden voor status taak.</a:t>
             </a:r>
           </a:p>
         </p:txBody>
@@ -26942,7 +26854,7 @@
               <a:buNone/>
             </a:pPr>
             <a:r>
-              <a:rPr lang="nl-NL" sz="1600" noProof="0" dirty="0">
+              <a:rPr lang="en-US" sz="1600" noProof="0" dirty="0">
                 <a:solidFill>
                   <a:schemeClr val="accent6">
                     <a:lumMod val="75000"/>
@@ -26951,10 +26863,10 @@
                 <a:latin typeface="Courier New" panose="02070309020205020404" pitchFamily="49" charset="0"/>
                 <a:cs typeface="Courier New" panose="02070309020205020404" pitchFamily="49" charset="0"/>
               </a:rPr>
-              <a:t># </a:t>
-            </a:r>
-            <a:r>
-              <a:rPr lang="nl-NL" sz="1600" noProof="0" dirty="0" err="1">
+              <a:t># Create a </a:t>
+            </a:r>
+            <a:r>
+              <a:rPr lang="en-US" sz="1600" noProof="0" dirty="0" err="1">
                 <a:solidFill>
                   <a:schemeClr val="accent6">
                     <a:lumMod val="75000"/>
@@ -26963,10 +26875,10 @@
                 <a:latin typeface="Courier New" panose="02070309020205020404" pitchFamily="49" charset="0"/>
                 <a:cs typeface="Courier New" panose="02070309020205020404" pitchFamily="49" charset="0"/>
               </a:rPr>
-              <a:t>Create</a:t>
-            </a:r>
-            <a:r>
-              <a:rPr lang="nl-NL" sz="1600" noProof="0" dirty="0">
+              <a:t>TaskList</a:t>
+            </a:r>
+            <a:r>
+              <a:rPr lang="en-US" sz="1600" noProof="0" dirty="0">
                 <a:solidFill>
                   <a:schemeClr val="accent6">
                     <a:lumMod val="75000"/>
@@ -26975,10 +26887,129 @@
                 <a:latin typeface="Courier New" panose="02070309020205020404" pitchFamily="49" charset="0"/>
                 <a:cs typeface="Courier New" panose="02070309020205020404" pitchFamily="49" charset="0"/>
               </a:rPr>
-              <a:t> a </a:t>
-            </a:r>
-            <a:r>
-              <a:rPr lang="nl-NL" sz="1600" noProof="0" dirty="0" err="1">
+              <a:t> and add a task.</a:t>
+            </a:r>
+          </a:p>
+          <a:p>
+            <a:pPr marL="0" indent="0">
+              <a:buFont typeface="Arial" panose="020B0604020202020204" pitchFamily="34" charset="0"/>
+              <a:buNone/>
+            </a:pPr>
+            <a:r>
+              <a:rPr lang="en-US" sz="1600" noProof="0" dirty="0" err="1">
+                <a:latin typeface="Courier New" panose="02070309020205020404" pitchFamily="49" charset="0"/>
+                <a:cs typeface="Courier New" panose="02070309020205020404" pitchFamily="49" charset="0"/>
+              </a:rPr>
+              <a:t>my_list</a:t>
+            </a:r>
+            <a:r>
+              <a:rPr lang="en-US" sz="1600" noProof="0" dirty="0">
+                <a:latin typeface="Courier New" panose="02070309020205020404" pitchFamily="49" charset="0"/>
+                <a:cs typeface="Courier New" panose="02070309020205020404" pitchFamily="49" charset="0"/>
+              </a:rPr>
+              <a:t> = </a:t>
+            </a:r>
+            <a:r>
+              <a:rPr lang="en-US" sz="1600" noProof="0" dirty="0" err="1">
+                <a:latin typeface="Courier New" panose="02070309020205020404" pitchFamily="49" charset="0"/>
+                <a:cs typeface="Courier New" panose="02070309020205020404" pitchFamily="49" charset="0"/>
+              </a:rPr>
+              <a:t>TaskList</a:t>
+            </a:r>
+            <a:r>
+              <a:rPr lang="en-US" sz="1600" dirty="0">
+                <a:latin typeface="Courier New" panose="02070309020205020404" pitchFamily="49" charset="0"/>
+                <a:cs typeface="Courier New" panose="02070309020205020404" pitchFamily="49" charset="0"/>
+              </a:rPr>
+              <a:t>(</a:t>
+            </a:r>
+            <a:r>
+              <a:rPr lang="en-US" sz="1600" dirty="0">
+                <a:solidFill>
+                  <a:schemeClr val="accent2">
+                    <a:lumMod val="75000"/>
+                  </a:schemeClr>
+                </a:solidFill>
+                <a:latin typeface="Courier New" panose="02070309020205020404" pitchFamily="49" charset="0"/>
+                <a:cs typeface="Courier New" panose="02070309020205020404" pitchFamily="49" charset="0"/>
+              </a:rPr>
+              <a:t>"House keeping"</a:t>
+            </a:r>
+            <a:r>
+              <a:rPr lang="en-US" sz="1600" dirty="0">
+                <a:latin typeface="Courier New" panose="02070309020205020404" pitchFamily="49" charset="0"/>
+                <a:cs typeface="Courier New" panose="02070309020205020404" pitchFamily="49" charset="0"/>
+              </a:rPr>
+              <a:t>)</a:t>
+            </a:r>
+            <a:endParaRPr lang="en-US" sz="1600" noProof="0" dirty="0">
+              <a:latin typeface="Courier New" panose="02070309020205020404" pitchFamily="49" charset="0"/>
+              <a:cs typeface="Courier New" panose="02070309020205020404" pitchFamily="49" charset="0"/>
+            </a:endParaRPr>
+          </a:p>
+          <a:p>
+            <a:pPr marL="0" indent="0">
+              <a:buFont typeface="Arial" panose="020B0604020202020204" pitchFamily="34" charset="0"/>
+              <a:buNone/>
+            </a:pPr>
+            <a:r>
+              <a:rPr lang="en-US" sz="1600" dirty="0" err="1">
+                <a:latin typeface="Courier New" panose="02070309020205020404" pitchFamily="49" charset="0"/>
+                <a:cs typeface="Courier New" panose="02070309020205020404" pitchFamily="49" charset="0"/>
+              </a:rPr>
+              <a:t>my_list.add</a:t>
+            </a:r>
+            <a:r>
+              <a:rPr lang="en-US" sz="1600" dirty="0">
+                <a:latin typeface="Courier New" panose="02070309020205020404" pitchFamily="49" charset="0"/>
+                <a:cs typeface="Courier New" panose="02070309020205020404" pitchFamily="49" charset="0"/>
+              </a:rPr>
+              <a:t>(</a:t>
+            </a:r>
+            <a:r>
+              <a:rPr lang="en-US" sz="1600" dirty="0">
+                <a:solidFill>
+                  <a:schemeClr val="accent2">
+                    <a:lumMod val="75000"/>
+                  </a:schemeClr>
+                </a:solidFill>
+                <a:latin typeface="Courier New" panose="02070309020205020404" pitchFamily="49" charset="0"/>
+                <a:cs typeface="Courier New" panose="02070309020205020404" pitchFamily="49" charset="0"/>
+              </a:rPr>
+              <a:t>"Do the dishes"</a:t>
+            </a:r>
+            <a:r>
+              <a:rPr lang="en-US" sz="1600" dirty="0">
+                <a:latin typeface="Courier New" panose="02070309020205020404" pitchFamily="49" charset="0"/>
+                <a:cs typeface="Courier New" panose="02070309020205020404" pitchFamily="49" charset="0"/>
+              </a:rPr>
+              <a:t>)</a:t>
+            </a:r>
+          </a:p>
+          <a:p>
+            <a:pPr marL="0" indent="0">
+              <a:buNone/>
+            </a:pPr>
+            <a:endParaRPr lang="en-US" sz="1600" noProof="0" dirty="0">
+              <a:latin typeface="Courier New" panose="02070309020205020404" pitchFamily="49" charset="0"/>
+              <a:cs typeface="Courier New" panose="02070309020205020404" pitchFamily="49" charset="0"/>
+            </a:endParaRPr>
+          </a:p>
+          <a:p>
+            <a:pPr marL="0" indent="0">
+              <a:buNone/>
+            </a:pPr>
+            <a:endParaRPr lang="en-US" sz="1600" noProof="0" dirty="0">
+              <a:latin typeface="Courier New" panose="02070309020205020404" pitchFamily="49" charset="0"/>
+              <a:cs typeface="Courier New" panose="02070309020205020404" pitchFamily="49" charset="0"/>
+            </a:endParaRPr>
+          </a:p>
+          <a:p>
+            <a:pPr marL="0" indent="0">
+              <a:buNone/>
+            </a:pPr>
+            <a:r>
+              <a:rPr lang="en-US" sz="1600" dirty="0">
                 <a:solidFill>
                   <a:schemeClr val="accent6">
                     <a:lumMod val="75000"/>
@@ -26987,128 +27018,41 @@
                 <a:latin typeface="Courier New" panose="02070309020205020404" pitchFamily="49" charset="0"/>
                 <a:cs typeface="Courier New" panose="02070309020205020404" pitchFamily="49" charset="0"/>
               </a:rPr>
-              <a:t>task</a:t>
-            </a:r>
-            <a:r>
-              <a:rPr lang="nl-NL" sz="1600" noProof="0" dirty="0">
-                <a:solidFill>
-                  <a:schemeClr val="accent6">
-                    <a:lumMod val="75000"/>
-                  </a:schemeClr>
-                </a:solidFill>
-                <a:latin typeface="Courier New" panose="02070309020205020404" pitchFamily="49" charset="0"/>
-                <a:cs typeface="Courier New" panose="02070309020205020404" pitchFamily="49" charset="0"/>
-              </a:rPr>
-              <a:t> list </a:t>
-            </a:r>
-            <a:r>
-              <a:rPr lang="nl-NL" sz="1600" noProof="0" dirty="0" err="1">
-                <a:solidFill>
-                  <a:schemeClr val="accent6">
-                    <a:lumMod val="75000"/>
-                  </a:schemeClr>
-                </a:solidFill>
-                <a:latin typeface="Courier New" panose="02070309020205020404" pitchFamily="49" charset="0"/>
-                <a:cs typeface="Courier New" panose="02070309020205020404" pitchFamily="49" charset="0"/>
-              </a:rPr>
-              <a:t>and</a:t>
-            </a:r>
-            <a:r>
-              <a:rPr lang="nl-NL" sz="1600" noProof="0" dirty="0">
-                <a:solidFill>
-                  <a:schemeClr val="accent6">
-                    <a:lumMod val="75000"/>
-                  </a:schemeClr>
-                </a:solidFill>
-                <a:latin typeface="Courier New" panose="02070309020205020404" pitchFamily="49" charset="0"/>
-                <a:cs typeface="Courier New" panose="02070309020205020404" pitchFamily="49" charset="0"/>
-              </a:rPr>
-              <a:t> </a:t>
-            </a:r>
-            <a:r>
-              <a:rPr lang="nl-NL" sz="1600" noProof="0" dirty="0" err="1">
-                <a:solidFill>
-                  <a:schemeClr val="accent6">
-                    <a:lumMod val="75000"/>
-                  </a:schemeClr>
-                </a:solidFill>
-                <a:latin typeface="Courier New" panose="02070309020205020404" pitchFamily="49" charset="0"/>
-                <a:cs typeface="Courier New" panose="02070309020205020404" pitchFamily="49" charset="0"/>
-              </a:rPr>
-              <a:t>add</a:t>
-            </a:r>
-            <a:r>
-              <a:rPr lang="nl-NL" sz="1600" noProof="0" dirty="0">
-                <a:solidFill>
-                  <a:schemeClr val="accent6">
-                    <a:lumMod val="75000"/>
-                  </a:schemeClr>
-                </a:solidFill>
-                <a:latin typeface="Courier New" panose="02070309020205020404" pitchFamily="49" charset="0"/>
-                <a:cs typeface="Courier New" panose="02070309020205020404" pitchFamily="49" charset="0"/>
-              </a:rPr>
-              <a:t> a </a:t>
-            </a:r>
-            <a:r>
-              <a:rPr lang="nl-NL" sz="1600" noProof="0" dirty="0" err="1">
-                <a:solidFill>
-                  <a:schemeClr val="accent6">
-                    <a:lumMod val="75000"/>
-                  </a:schemeClr>
-                </a:solidFill>
-                <a:latin typeface="Courier New" panose="02070309020205020404" pitchFamily="49" charset="0"/>
-                <a:cs typeface="Courier New" panose="02070309020205020404" pitchFamily="49" charset="0"/>
-              </a:rPr>
-              <a:t>task</a:t>
-            </a:r>
-            <a:r>
-              <a:rPr lang="nl-NL" sz="1600" noProof="0" dirty="0">
-                <a:solidFill>
-                  <a:schemeClr val="accent6">
-                    <a:lumMod val="75000"/>
-                  </a:schemeClr>
-                </a:solidFill>
-                <a:latin typeface="Courier New" panose="02070309020205020404" pitchFamily="49" charset="0"/>
-                <a:cs typeface="Courier New" panose="02070309020205020404" pitchFamily="49" charset="0"/>
-              </a:rPr>
-              <a:t>.</a:t>
-            </a:r>
-          </a:p>
-          <a:p>
-            <a:pPr marL="0" indent="0">
-              <a:buFont typeface="Arial" panose="020B0604020202020204" pitchFamily="34" charset="0"/>
-              <a:buNone/>
-            </a:pPr>
-            <a:r>
-              <a:rPr lang="nl-NL" sz="1600" noProof="0" dirty="0" err="1">
-                <a:latin typeface="Courier New" panose="02070309020205020404" pitchFamily="49" charset="0"/>
-                <a:cs typeface="Courier New" panose="02070309020205020404" pitchFamily="49" charset="0"/>
-              </a:rPr>
-              <a:t>my_list</a:t>
-            </a:r>
-            <a:r>
-              <a:rPr lang="nl-NL" sz="1600" noProof="0" dirty="0">
-                <a:latin typeface="Courier New" panose="02070309020205020404" pitchFamily="49" charset="0"/>
-                <a:cs typeface="Courier New" panose="02070309020205020404" pitchFamily="49" charset="0"/>
-              </a:rPr>
-              <a:t> = </a:t>
-            </a:r>
-            <a:r>
-              <a:rPr lang="nl-NL" sz="1600" noProof="0" dirty="0" err="1">
+              <a:t># Resulting object structure.</a:t>
+            </a:r>
+          </a:p>
+          <a:p>
+            <a:pPr marL="0" indent="0">
+              <a:buNone/>
+            </a:pPr>
+            <a:r>
+              <a:rPr lang="en-US" sz="1600" dirty="0" err="1">
                 <a:latin typeface="Courier New" panose="02070309020205020404" pitchFamily="49" charset="0"/>
                 <a:cs typeface="Courier New" panose="02070309020205020404" pitchFamily="49" charset="0"/>
               </a:rPr>
               <a:t>TaskList</a:t>
             </a:r>
             <a:r>
-              <a:rPr lang="nl-NL" sz="1600" dirty="0">
-                <a:latin typeface="Courier New" panose="02070309020205020404" pitchFamily="49" charset="0"/>
-                <a:cs typeface="Courier New" panose="02070309020205020404" pitchFamily="49" charset="0"/>
-              </a:rPr>
-              <a:t>(</a:t>
-            </a:r>
-            <a:r>
-              <a:rPr lang="nl-NL" sz="1600" dirty="0">
+              <a:rPr lang="en-US" sz="1600" dirty="0">
+                <a:latin typeface="Courier New" panose="02070309020205020404" pitchFamily="49" charset="0"/>
+                <a:cs typeface="Courier New" panose="02070309020205020404" pitchFamily="49" charset="0"/>
+              </a:rPr>
+              <a:t> {</a:t>
+            </a:r>
+          </a:p>
+          <a:p>
+            <a:pPr marL="0" indent="0">
+              <a:buNone/>
+            </a:pPr>
+            <a:r>
+              <a:rPr lang="en-US" sz="1600" dirty="0">
+                <a:latin typeface="Courier New" panose="02070309020205020404" pitchFamily="49" charset="0"/>
+                <a:cs typeface="Courier New" panose="02070309020205020404" pitchFamily="49" charset="0"/>
+              </a:rPr>
+              <a:t>  name = </a:t>
+            </a:r>
+            <a:r>
+              <a:rPr lang="en-US" sz="1600" dirty="0">
                 <a:solidFill>
                   <a:schemeClr val="accent2">
                     <a:lumMod val="75000"/>
@@ -27117,10 +27061,46 @@
                 <a:latin typeface="Courier New" panose="02070309020205020404" pitchFamily="49" charset="0"/>
                 <a:cs typeface="Courier New" panose="02070309020205020404" pitchFamily="49" charset="0"/>
               </a:rPr>
-              <a:t>"House </a:t>
-            </a:r>
-            <a:r>
-              <a:rPr lang="nl-NL" sz="1600" dirty="0" err="1">
+              <a:t>"House keeping"</a:t>
+            </a:r>
+          </a:p>
+          <a:p>
+            <a:pPr marL="0" indent="0">
+              <a:buNone/>
+            </a:pPr>
+            <a:r>
+              <a:rPr lang="en-US" sz="1600" dirty="0">
+                <a:latin typeface="Courier New" panose="02070309020205020404" pitchFamily="49" charset="0"/>
+                <a:cs typeface="Courier New" panose="02070309020205020404" pitchFamily="49" charset="0"/>
+              </a:rPr>
+              <a:t>  tasks = [</a:t>
+            </a:r>
+          </a:p>
+          <a:p>
+            <a:pPr marL="0" indent="0">
+              <a:buNone/>
+            </a:pPr>
+            <a:r>
+              <a:rPr lang="en-US" sz="1600" dirty="0">
+                <a:latin typeface="Courier New" panose="02070309020205020404" pitchFamily="49" charset="0"/>
+                <a:cs typeface="Courier New" panose="02070309020205020404" pitchFamily="49" charset="0"/>
+              </a:rPr>
+              <a:t>    Task {</a:t>
+            </a:r>
+          </a:p>
+          <a:p>
+            <a:pPr marL="0" indent="0">
+              <a:buNone/>
+            </a:pPr>
+            <a:r>
+              <a:rPr lang="en-US" sz="1600" dirty="0">
+                <a:latin typeface="Courier New" panose="02070309020205020404" pitchFamily="49" charset="0"/>
+                <a:cs typeface="Courier New" panose="02070309020205020404" pitchFamily="49" charset="0"/>
+              </a:rPr>
+              <a:t>       description = </a:t>
+            </a:r>
+            <a:r>
+              <a:rPr lang="en-US" sz="1600" dirty="0">
                 <a:solidFill>
                   <a:schemeClr val="accent2">
                     <a:lumMod val="75000"/>
@@ -27129,10 +27109,55 @@
                 <a:latin typeface="Courier New" panose="02070309020205020404" pitchFamily="49" charset="0"/>
                 <a:cs typeface="Courier New" panose="02070309020205020404" pitchFamily="49" charset="0"/>
               </a:rPr>
-              <a:t>keeping</a:t>
-            </a:r>
-            <a:r>
-              <a:rPr lang="nl-NL" sz="1600" dirty="0">
+              <a:t>"Do the dishes"</a:t>
+            </a:r>
+            <a:r>
+              <a:rPr lang="en-US" sz="1600" dirty="0">
+                <a:latin typeface="Courier New" panose="02070309020205020404" pitchFamily="49" charset="0"/>
+                <a:cs typeface="Courier New" panose="02070309020205020404" pitchFamily="49" charset="0"/>
+              </a:rPr>
+              <a:t>,</a:t>
+            </a:r>
+          </a:p>
+          <a:p>
+            <a:pPr marL="0" indent="0">
+              <a:buNone/>
+            </a:pPr>
+            <a:r>
+              <a:rPr lang="en-US" sz="1600" dirty="0">
+                <a:latin typeface="Courier New" panose="02070309020205020404" pitchFamily="49" charset="0"/>
+                <a:cs typeface="Courier New" panose="02070309020205020404" pitchFamily="49" charset="0"/>
+              </a:rPr>
+              <a:t>       state = </a:t>
+            </a:r>
+            <a:r>
+              <a:rPr lang="en-US" sz="1600" dirty="0" err="1">
+                <a:latin typeface="Courier New" panose="02070309020205020404" pitchFamily="49" charset="0"/>
+                <a:cs typeface="Courier New" panose="02070309020205020404" pitchFamily="49" charset="0"/>
+              </a:rPr>
+              <a:t>State.NEW</a:t>
+            </a:r>
+            <a:r>
+              <a:rPr lang="en-US" sz="1600" dirty="0">
+                <a:latin typeface="Courier New" panose="02070309020205020404" pitchFamily="49" charset="0"/>
+                <a:cs typeface="Courier New" panose="02070309020205020404" pitchFamily="49" charset="0"/>
+              </a:rPr>
+              <a:t>,</a:t>
+            </a:r>
+          </a:p>
+          <a:p>
+            <a:pPr marL="0" indent="0">
+              <a:buNone/>
+            </a:pPr>
+            <a:r>
+              <a:rPr lang="en-US" sz="1600" dirty="0">
+                <a:latin typeface="Courier New" panose="02070309020205020404" pitchFamily="49" charset="0"/>
+                <a:cs typeface="Courier New" panose="02070309020205020404" pitchFamily="49" charset="0"/>
+              </a:rPr>
+              <a:t>       updated = </a:t>
+            </a:r>
+            <a:r>
+              <a:rPr lang="en-US" sz="1600" dirty="0">
                 <a:solidFill>
                   <a:schemeClr val="accent2">
                     <a:lumMod val="75000"/>
@@ -27141,475 +27166,66 @@
                 <a:latin typeface="Courier New" panose="02070309020205020404" pitchFamily="49" charset="0"/>
                 <a:cs typeface="Courier New" panose="02070309020205020404" pitchFamily="49" charset="0"/>
               </a:rPr>
-              <a:t>"</a:t>
-            </a:r>
-            <a:r>
-              <a:rPr lang="nl-NL" sz="1600" dirty="0">
-                <a:latin typeface="Courier New" panose="02070309020205020404" pitchFamily="49" charset="0"/>
-                <a:cs typeface="Courier New" panose="02070309020205020404" pitchFamily="49" charset="0"/>
-              </a:rPr>
-              <a:t>)</a:t>
-            </a:r>
-            <a:endParaRPr lang="nl-NL" sz="1600" noProof="0" dirty="0">
+              <a:t>"2025-01-01 15:05:07"</a:t>
+            </a:r>
+            <a:r>
+              <a:rPr lang="en-US" sz="1600" dirty="0">
+                <a:latin typeface="Courier New" panose="02070309020205020404" pitchFamily="49" charset="0"/>
+                <a:cs typeface="Courier New" panose="02070309020205020404" pitchFamily="49" charset="0"/>
+              </a:rPr>
+              <a:t>,</a:t>
+            </a:r>
+          </a:p>
+          <a:p>
+            <a:pPr marL="0" indent="0">
+              <a:buNone/>
+            </a:pPr>
+            <a:r>
+              <a:rPr lang="en-US" sz="1600" dirty="0">
+                <a:latin typeface="Courier New" panose="02070309020205020404" pitchFamily="49" charset="0"/>
+                <a:cs typeface="Courier New" panose="02070309020205020404" pitchFamily="49" charset="0"/>
+              </a:rPr>
+              <a:t>    }</a:t>
+            </a:r>
+          </a:p>
+          <a:p>
+            <a:pPr marL="0" indent="0">
+              <a:buNone/>
+            </a:pPr>
+            <a:r>
+              <a:rPr lang="en-US" sz="1600" dirty="0">
+                <a:latin typeface="Courier New" panose="02070309020205020404" pitchFamily="49" charset="0"/>
+                <a:cs typeface="Courier New" panose="02070309020205020404" pitchFamily="49" charset="0"/>
+              </a:rPr>
+              <a:t>  ]</a:t>
+            </a:r>
+            <a:endParaRPr lang="en-US" sz="1600" noProof="0" dirty="0">
               <a:latin typeface="Courier New" panose="02070309020205020404" pitchFamily="49" charset="0"/>
               <a:cs typeface="Courier New" panose="02070309020205020404" pitchFamily="49" charset="0"/>
             </a:endParaRPr>
           </a:p>
           <a:p>
             <a:pPr marL="0" indent="0">
-              <a:buFont typeface="Arial" panose="020B0604020202020204" pitchFamily="34" charset="0"/>
-              <a:buNone/>
-            </a:pPr>
-            <a:r>
-              <a:rPr lang="nl-NL" sz="1600" dirty="0" err="1">
-                <a:latin typeface="Courier New" panose="02070309020205020404" pitchFamily="49" charset="0"/>
-                <a:cs typeface="Courier New" panose="02070309020205020404" pitchFamily="49" charset="0"/>
-              </a:rPr>
-              <a:t>my_list.add</a:t>
-            </a:r>
-            <a:r>
-              <a:rPr lang="nl-NL" sz="1600" dirty="0">
-                <a:latin typeface="Courier New" panose="02070309020205020404" pitchFamily="49" charset="0"/>
-                <a:cs typeface="Courier New" panose="02070309020205020404" pitchFamily="49" charset="0"/>
-              </a:rPr>
-              <a:t>(</a:t>
-            </a:r>
-            <a:r>
-              <a:rPr lang="nl-NL" sz="1600" dirty="0">
-                <a:solidFill>
-                  <a:schemeClr val="accent2">
-                    <a:lumMod val="75000"/>
-                  </a:schemeClr>
-                </a:solidFill>
-                <a:latin typeface="Courier New" panose="02070309020205020404" pitchFamily="49" charset="0"/>
-                <a:cs typeface="Courier New" panose="02070309020205020404" pitchFamily="49" charset="0"/>
-              </a:rPr>
-              <a:t>"Do </a:t>
-            </a:r>
-            <a:r>
-              <a:rPr lang="nl-NL" sz="1600" dirty="0" err="1">
-                <a:solidFill>
-                  <a:schemeClr val="accent2">
-                    <a:lumMod val="75000"/>
-                  </a:schemeClr>
-                </a:solidFill>
-                <a:latin typeface="Courier New" panose="02070309020205020404" pitchFamily="49" charset="0"/>
-                <a:cs typeface="Courier New" panose="02070309020205020404" pitchFamily="49" charset="0"/>
-              </a:rPr>
-              <a:t>the</a:t>
-            </a:r>
-            <a:r>
-              <a:rPr lang="nl-NL" sz="1600" dirty="0">
-                <a:solidFill>
-                  <a:schemeClr val="accent2">
-                    <a:lumMod val="75000"/>
-                  </a:schemeClr>
-                </a:solidFill>
-                <a:latin typeface="Courier New" panose="02070309020205020404" pitchFamily="49" charset="0"/>
-                <a:cs typeface="Courier New" panose="02070309020205020404" pitchFamily="49" charset="0"/>
-              </a:rPr>
-              <a:t> </a:t>
-            </a:r>
-            <a:r>
-              <a:rPr lang="nl-NL" sz="1600" dirty="0" err="1">
-                <a:solidFill>
-                  <a:schemeClr val="accent2">
-                    <a:lumMod val="75000"/>
-                  </a:schemeClr>
-                </a:solidFill>
-                <a:latin typeface="Courier New" panose="02070309020205020404" pitchFamily="49" charset="0"/>
-                <a:cs typeface="Courier New" panose="02070309020205020404" pitchFamily="49" charset="0"/>
-              </a:rPr>
-              <a:t>dishes</a:t>
-            </a:r>
-            <a:r>
-              <a:rPr lang="nl-NL" sz="1600" dirty="0">
-                <a:solidFill>
-                  <a:schemeClr val="accent2">
-                    <a:lumMod val="75000"/>
-                  </a:schemeClr>
-                </a:solidFill>
-                <a:latin typeface="Courier New" panose="02070309020205020404" pitchFamily="49" charset="0"/>
-                <a:cs typeface="Courier New" panose="02070309020205020404" pitchFamily="49" charset="0"/>
-              </a:rPr>
-              <a:t>"</a:t>
-            </a:r>
-            <a:r>
-              <a:rPr lang="nl-NL" sz="1600" dirty="0">
-                <a:latin typeface="Courier New" panose="02070309020205020404" pitchFamily="49" charset="0"/>
-                <a:cs typeface="Courier New" panose="02070309020205020404" pitchFamily="49" charset="0"/>
-              </a:rPr>
-              <a:t>)</a:t>
-            </a:r>
-          </a:p>
-          <a:p>
-            <a:pPr marL="0" indent="0">
-              <a:buNone/>
-            </a:pPr>
-            <a:endParaRPr lang="nl-NL" sz="1600" noProof="0" dirty="0">
+              <a:buNone/>
+            </a:pPr>
+            <a:r>
+              <a:rPr lang="en-US" sz="1600" dirty="0">
+                <a:latin typeface="Courier New" panose="02070309020205020404" pitchFamily="49" charset="0"/>
+                <a:cs typeface="Courier New" panose="02070309020205020404" pitchFamily="49" charset="0"/>
+              </a:rPr>
+              <a:t>}</a:t>
+            </a:r>
+            <a:endParaRPr lang="en-US" sz="1600" noProof="0" dirty="0">
               <a:latin typeface="Courier New" panose="02070309020205020404" pitchFamily="49" charset="0"/>
               <a:cs typeface="Courier New" panose="02070309020205020404" pitchFamily="49" charset="0"/>
             </a:endParaRPr>
           </a:p>
           <a:p>
             <a:pPr marL="0" indent="0">
-              <a:buNone/>
-            </a:pPr>
-            <a:endParaRPr lang="nl-NL" sz="1600" noProof="0" dirty="0">
-              <a:latin typeface="Courier New" panose="02070309020205020404" pitchFamily="49" charset="0"/>
-              <a:cs typeface="Courier New" panose="02070309020205020404" pitchFamily="49" charset="0"/>
-            </a:endParaRPr>
-          </a:p>
-          <a:p>
-            <a:pPr marL="0" indent="0">
-              <a:buNone/>
-            </a:pPr>
-            <a:r>
-              <a:rPr lang="nl-NL" sz="1600" dirty="0">
-                <a:solidFill>
-                  <a:schemeClr val="accent6">
-                    <a:lumMod val="75000"/>
-                  </a:schemeClr>
-                </a:solidFill>
-                <a:latin typeface="Courier New" panose="02070309020205020404" pitchFamily="49" charset="0"/>
-                <a:cs typeface="Courier New" panose="02070309020205020404" pitchFamily="49" charset="0"/>
-              </a:rPr>
-              <a:t># Objecten structuur.</a:t>
-            </a:r>
-          </a:p>
-          <a:p>
-            <a:pPr marL="0" indent="0">
-              <a:buNone/>
-            </a:pPr>
-            <a:r>
-              <a:rPr lang="nl-NL" sz="1600" dirty="0" err="1">
-                <a:latin typeface="Courier New" panose="02070309020205020404" pitchFamily="49" charset="0"/>
-                <a:cs typeface="Courier New" panose="02070309020205020404" pitchFamily="49" charset="0"/>
-              </a:rPr>
-              <a:t>TaskList</a:t>
-            </a:r>
-            <a:r>
-              <a:rPr lang="nl-NL" sz="1600" dirty="0">
-                <a:latin typeface="Courier New" panose="02070309020205020404" pitchFamily="49" charset="0"/>
-                <a:cs typeface="Courier New" panose="02070309020205020404" pitchFamily="49" charset="0"/>
-              </a:rPr>
-              <a:t> {</a:t>
-            </a:r>
-          </a:p>
-          <a:p>
-            <a:pPr marL="0" indent="0">
-              <a:buNone/>
-            </a:pPr>
-            <a:r>
-              <a:rPr lang="nl-NL" sz="1600" dirty="0">
-                <a:latin typeface="Courier New" panose="02070309020205020404" pitchFamily="49" charset="0"/>
-                <a:cs typeface="Courier New" panose="02070309020205020404" pitchFamily="49" charset="0"/>
-              </a:rPr>
-              <a:t>  name = </a:t>
-            </a:r>
-            <a:r>
-              <a:rPr lang="nl-NL" sz="1600" dirty="0">
-                <a:solidFill>
-                  <a:schemeClr val="accent2">
-                    <a:lumMod val="75000"/>
-                  </a:schemeClr>
-                </a:solidFill>
-                <a:latin typeface="Courier New" panose="02070309020205020404" pitchFamily="49" charset="0"/>
-                <a:cs typeface="Courier New" panose="02070309020205020404" pitchFamily="49" charset="0"/>
-              </a:rPr>
-              <a:t>"House </a:t>
-            </a:r>
-            <a:r>
-              <a:rPr lang="nl-NL" sz="1600" dirty="0" err="1">
-                <a:solidFill>
-                  <a:schemeClr val="accent2">
-                    <a:lumMod val="75000"/>
-                  </a:schemeClr>
-                </a:solidFill>
-                <a:latin typeface="Courier New" panose="02070309020205020404" pitchFamily="49" charset="0"/>
-                <a:cs typeface="Courier New" panose="02070309020205020404" pitchFamily="49" charset="0"/>
-              </a:rPr>
-              <a:t>keeping</a:t>
-            </a:r>
-            <a:r>
-              <a:rPr lang="nl-NL" sz="1600" dirty="0">
-                <a:solidFill>
-                  <a:schemeClr val="accent2">
-                    <a:lumMod val="75000"/>
-                  </a:schemeClr>
-                </a:solidFill>
-                <a:latin typeface="Courier New" panose="02070309020205020404" pitchFamily="49" charset="0"/>
-                <a:cs typeface="Courier New" panose="02070309020205020404" pitchFamily="49" charset="0"/>
-              </a:rPr>
-              <a:t>"</a:t>
-            </a:r>
-          </a:p>
-          <a:p>
-            <a:pPr marL="0" indent="0">
-              <a:buNone/>
-            </a:pPr>
-            <a:r>
-              <a:rPr lang="nl-NL" sz="1600" dirty="0">
-                <a:latin typeface="Courier New" panose="02070309020205020404" pitchFamily="49" charset="0"/>
-                <a:cs typeface="Courier New" panose="02070309020205020404" pitchFamily="49" charset="0"/>
-              </a:rPr>
-              <a:t>  </a:t>
-            </a:r>
-            <a:r>
-              <a:rPr lang="nl-NL" sz="1600" dirty="0" err="1">
-                <a:latin typeface="Courier New" panose="02070309020205020404" pitchFamily="49" charset="0"/>
-                <a:cs typeface="Courier New" panose="02070309020205020404" pitchFamily="49" charset="0"/>
-              </a:rPr>
-              <a:t>tasks</a:t>
-            </a:r>
-            <a:r>
-              <a:rPr lang="nl-NL" sz="1600" dirty="0">
-                <a:latin typeface="Courier New" panose="02070309020205020404" pitchFamily="49" charset="0"/>
-                <a:cs typeface="Courier New" panose="02070309020205020404" pitchFamily="49" charset="0"/>
-              </a:rPr>
-              <a:t> = [</a:t>
-            </a:r>
-          </a:p>
-          <a:p>
-            <a:pPr marL="0" indent="0">
-              <a:buNone/>
-            </a:pPr>
-            <a:r>
-              <a:rPr lang="nl-NL" sz="1600" dirty="0">
-                <a:latin typeface="Courier New" panose="02070309020205020404" pitchFamily="49" charset="0"/>
-                <a:cs typeface="Courier New" panose="02070309020205020404" pitchFamily="49" charset="0"/>
-              </a:rPr>
-              <a:t>    </a:t>
-            </a:r>
-            <a:r>
-              <a:rPr lang="nl-NL" sz="1600" dirty="0" err="1">
-                <a:latin typeface="Courier New" panose="02070309020205020404" pitchFamily="49" charset="0"/>
-                <a:cs typeface="Courier New" panose="02070309020205020404" pitchFamily="49" charset="0"/>
-              </a:rPr>
-              <a:t>Task</a:t>
-            </a:r>
-            <a:r>
-              <a:rPr lang="nl-NL" sz="1600" dirty="0">
-                <a:latin typeface="Courier New" panose="02070309020205020404" pitchFamily="49" charset="0"/>
-                <a:cs typeface="Courier New" panose="02070309020205020404" pitchFamily="49" charset="0"/>
-              </a:rPr>
-              <a:t> {</a:t>
-            </a:r>
-          </a:p>
-          <a:p>
-            <a:pPr marL="0" indent="0">
-              <a:buNone/>
-            </a:pPr>
-            <a:r>
-              <a:rPr lang="nl-NL" sz="1600" dirty="0">
-                <a:latin typeface="Courier New" panose="02070309020205020404" pitchFamily="49" charset="0"/>
-                <a:cs typeface="Courier New" panose="02070309020205020404" pitchFamily="49" charset="0"/>
-              </a:rPr>
-              <a:t>       </a:t>
-            </a:r>
-            <a:r>
-              <a:rPr lang="nl-NL" sz="1600" dirty="0" err="1">
-                <a:latin typeface="Courier New" panose="02070309020205020404" pitchFamily="49" charset="0"/>
-                <a:cs typeface="Courier New" panose="02070309020205020404" pitchFamily="49" charset="0"/>
-              </a:rPr>
-              <a:t>description</a:t>
-            </a:r>
-            <a:r>
-              <a:rPr lang="nl-NL" sz="1600" dirty="0">
-                <a:latin typeface="Courier New" panose="02070309020205020404" pitchFamily="49" charset="0"/>
-                <a:cs typeface="Courier New" panose="02070309020205020404" pitchFamily="49" charset="0"/>
-              </a:rPr>
-              <a:t> = </a:t>
-            </a:r>
-            <a:r>
-              <a:rPr lang="nl-NL" sz="1600" dirty="0">
-                <a:solidFill>
-                  <a:schemeClr val="accent2">
-                    <a:lumMod val="75000"/>
-                  </a:schemeClr>
-                </a:solidFill>
-                <a:latin typeface="Courier New" panose="02070309020205020404" pitchFamily="49" charset="0"/>
-                <a:cs typeface="Courier New" panose="02070309020205020404" pitchFamily="49" charset="0"/>
-              </a:rPr>
-              <a:t>"Do </a:t>
-            </a:r>
-            <a:r>
-              <a:rPr lang="nl-NL" sz="1600" dirty="0" err="1">
-                <a:solidFill>
-                  <a:schemeClr val="accent2">
-                    <a:lumMod val="75000"/>
-                  </a:schemeClr>
-                </a:solidFill>
-                <a:latin typeface="Courier New" panose="02070309020205020404" pitchFamily="49" charset="0"/>
-                <a:cs typeface="Courier New" panose="02070309020205020404" pitchFamily="49" charset="0"/>
-              </a:rPr>
-              <a:t>the</a:t>
-            </a:r>
-            <a:r>
-              <a:rPr lang="nl-NL" sz="1600" dirty="0">
-                <a:solidFill>
-                  <a:schemeClr val="accent2">
-                    <a:lumMod val="75000"/>
-                  </a:schemeClr>
-                </a:solidFill>
-                <a:latin typeface="Courier New" panose="02070309020205020404" pitchFamily="49" charset="0"/>
-                <a:cs typeface="Courier New" panose="02070309020205020404" pitchFamily="49" charset="0"/>
-              </a:rPr>
-              <a:t> </a:t>
-            </a:r>
-            <a:r>
-              <a:rPr lang="nl-NL" sz="1600" dirty="0" err="1">
-                <a:solidFill>
-                  <a:schemeClr val="accent2">
-                    <a:lumMod val="75000"/>
-                  </a:schemeClr>
-                </a:solidFill>
-                <a:latin typeface="Courier New" panose="02070309020205020404" pitchFamily="49" charset="0"/>
-                <a:cs typeface="Courier New" panose="02070309020205020404" pitchFamily="49" charset="0"/>
-              </a:rPr>
-              <a:t>dishes</a:t>
-            </a:r>
-            <a:r>
-              <a:rPr lang="nl-NL" sz="1600" dirty="0">
-                <a:solidFill>
-                  <a:schemeClr val="accent2">
-                    <a:lumMod val="75000"/>
-                  </a:schemeClr>
-                </a:solidFill>
-                <a:latin typeface="Courier New" panose="02070309020205020404" pitchFamily="49" charset="0"/>
-                <a:cs typeface="Courier New" panose="02070309020205020404" pitchFamily="49" charset="0"/>
-              </a:rPr>
-              <a:t>"</a:t>
-            </a:r>
-            <a:r>
-              <a:rPr lang="nl-NL" sz="1600" dirty="0">
-                <a:latin typeface="Courier New" panose="02070309020205020404" pitchFamily="49" charset="0"/>
-                <a:cs typeface="Courier New" panose="02070309020205020404" pitchFamily="49" charset="0"/>
-              </a:rPr>
-              <a:t>,</a:t>
-            </a:r>
-          </a:p>
-          <a:p>
-            <a:pPr marL="0" indent="0">
-              <a:buNone/>
-            </a:pPr>
-            <a:r>
-              <a:rPr lang="nl-NL" sz="1600" dirty="0">
-                <a:latin typeface="Courier New" panose="02070309020205020404" pitchFamily="49" charset="0"/>
-                <a:cs typeface="Courier New" panose="02070309020205020404" pitchFamily="49" charset="0"/>
-              </a:rPr>
-              <a:t>       state = </a:t>
-            </a:r>
-            <a:r>
-              <a:rPr lang="nl-NL" sz="1600" dirty="0" err="1">
-                <a:latin typeface="Courier New" panose="02070309020205020404" pitchFamily="49" charset="0"/>
-                <a:cs typeface="Courier New" panose="02070309020205020404" pitchFamily="49" charset="0"/>
-              </a:rPr>
-              <a:t>State.NEW</a:t>
-            </a:r>
-            <a:r>
-              <a:rPr lang="nl-NL" sz="1600" dirty="0">
-                <a:latin typeface="Courier New" panose="02070309020205020404" pitchFamily="49" charset="0"/>
-                <a:cs typeface="Courier New" panose="02070309020205020404" pitchFamily="49" charset="0"/>
-              </a:rPr>
-              <a:t>,</a:t>
-            </a:r>
-          </a:p>
-          <a:p>
-            <a:pPr marL="0" indent="0">
-              <a:buNone/>
-            </a:pPr>
-            <a:r>
-              <a:rPr lang="nl-NL" sz="1600" dirty="0">
-                <a:latin typeface="Courier New" panose="02070309020205020404" pitchFamily="49" charset="0"/>
-                <a:cs typeface="Courier New" panose="02070309020205020404" pitchFamily="49" charset="0"/>
-              </a:rPr>
-              <a:t>       </a:t>
-            </a:r>
-            <a:r>
-              <a:rPr lang="nl-NL" sz="1600" dirty="0" err="1">
-                <a:latin typeface="Courier New" panose="02070309020205020404" pitchFamily="49" charset="0"/>
-                <a:cs typeface="Courier New" panose="02070309020205020404" pitchFamily="49" charset="0"/>
-              </a:rPr>
-              <a:t>updated</a:t>
-            </a:r>
-            <a:r>
-              <a:rPr lang="nl-NL" sz="1600" dirty="0">
-                <a:latin typeface="Courier New" panose="02070309020205020404" pitchFamily="49" charset="0"/>
-                <a:cs typeface="Courier New" panose="02070309020205020404" pitchFamily="49" charset="0"/>
-              </a:rPr>
-              <a:t> = </a:t>
-            </a:r>
-            <a:r>
-              <a:rPr lang="nl-NL" sz="1600" dirty="0">
-                <a:solidFill>
-                  <a:schemeClr val="accent2">
-                    <a:lumMod val="75000"/>
-                  </a:schemeClr>
-                </a:solidFill>
-                <a:latin typeface="Courier New" panose="02070309020205020404" pitchFamily="49" charset="0"/>
-                <a:cs typeface="Courier New" panose="02070309020205020404" pitchFamily="49" charset="0"/>
-              </a:rPr>
-              <a:t>"2025-01-01 15:05:07"</a:t>
-            </a:r>
-            <a:r>
-              <a:rPr lang="nl-NL" sz="1600" dirty="0">
-                <a:latin typeface="Courier New" panose="02070309020205020404" pitchFamily="49" charset="0"/>
-                <a:cs typeface="Courier New" panose="02070309020205020404" pitchFamily="49" charset="0"/>
-              </a:rPr>
-              <a:t>,</a:t>
-            </a:r>
-          </a:p>
-          <a:p>
-            <a:pPr marL="0" indent="0">
-              <a:buNone/>
-            </a:pPr>
-            <a:r>
-              <a:rPr lang="nl-NL" sz="1600" dirty="0">
-                <a:latin typeface="Courier New" panose="02070309020205020404" pitchFamily="49" charset="0"/>
-                <a:cs typeface="Courier New" panose="02070309020205020404" pitchFamily="49" charset="0"/>
-              </a:rPr>
-              <a:t>    }</a:t>
-            </a:r>
-          </a:p>
-          <a:p>
-            <a:pPr marL="0" indent="0">
-              <a:buNone/>
-            </a:pPr>
-            <a:r>
-              <a:rPr lang="nl-NL" sz="1600" dirty="0">
-                <a:latin typeface="Courier New" panose="02070309020205020404" pitchFamily="49" charset="0"/>
-                <a:cs typeface="Courier New" panose="02070309020205020404" pitchFamily="49" charset="0"/>
-              </a:rPr>
-              <a:t>  ]</a:t>
-            </a:r>
-            <a:endParaRPr lang="nl-NL" sz="1600" noProof="0" dirty="0">
-              <a:latin typeface="Courier New" panose="02070309020205020404" pitchFamily="49" charset="0"/>
-              <a:cs typeface="Courier New" panose="02070309020205020404" pitchFamily="49" charset="0"/>
-            </a:endParaRPr>
-          </a:p>
-          <a:p>
-            <a:pPr marL="0" indent="0">
-              <a:buNone/>
-            </a:pPr>
-            <a:r>
-              <a:rPr lang="nl-NL" sz="1600" dirty="0">
-                <a:latin typeface="Courier New" panose="02070309020205020404" pitchFamily="49" charset="0"/>
-                <a:cs typeface="Courier New" panose="02070309020205020404" pitchFamily="49" charset="0"/>
-              </a:rPr>
-              <a:t>}</a:t>
-            </a:r>
-            <a:endParaRPr lang="nl-NL" sz="1600" noProof="0" dirty="0">
-              <a:latin typeface="Courier New" panose="02070309020205020404" pitchFamily="49" charset="0"/>
-              <a:cs typeface="Courier New" panose="02070309020205020404" pitchFamily="49" charset="0"/>
-            </a:endParaRPr>
-          </a:p>
-          <a:p>
-            <a:pPr marL="0" indent="0">
               <a:buFont typeface="Arial" panose="020B0604020202020204" pitchFamily="34" charset="0"/>
               <a:buNone/>
             </a:pPr>
-            <a:endParaRPr lang="nl-NL" sz="1600" noProof="0" dirty="0">
+            <a:endParaRPr lang="en-US" sz="1600" noProof="0" dirty="0">
               <a:latin typeface="Courier New" panose="02070309020205020404" pitchFamily="49" charset="0"/>
               <a:cs typeface="Courier New" panose="02070309020205020404" pitchFamily="49" charset="0"/>
             </a:endParaRPr>
@@ -27917,7 +27533,7 @@
               <a:buNone/>
             </a:pPr>
             <a:r>
-              <a:rPr lang="nl-NL" sz="1600" noProof="0" dirty="0">
+              <a:rPr lang="en-US" sz="1600" noProof="0" dirty="0">
                 <a:solidFill>
                   <a:schemeClr val="accent6">
                     <a:lumMod val="75000"/>
@@ -27926,10 +27542,10 @@
                 <a:latin typeface="Courier New" panose="02070309020205020404" pitchFamily="49" charset="0"/>
                 <a:cs typeface="Courier New" panose="02070309020205020404" pitchFamily="49" charset="0"/>
               </a:rPr>
-              <a:t># </a:t>
-            </a:r>
-            <a:r>
-              <a:rPr lang="nl-NL" sz="1600" noProof="0" dirty="0" err="1">
+              <a:t># Create a </a:t>
+            </a:r>
+            <a:r>
+              <a:rPr lang="en-US" sz="1600" noProof="0" dirty="0" err="1">
                 <a:solidFill>
                   <a:schemeClr val="accent6">
                     <a:lumMod val="75000"/>
@@ -27938,10 +27554,10 @@
                 <a:latin typeface="Courier New" panose="02070309020205020404" pitchFamily="49" charset="0"/>
                 <a:cs typeface="Courier New" panose="02070309020205020404" pitchFamily="49" charset="0"/>
               </a:rPr>
-              <a:t>Create</a:t>
-            </a:r>
-            <a:r>
-              <a:rPr lang="nl-NL" sz="1600" noProof="0" dirty="0">
+              <a:t>TaskList</a:t>
+            </a:r>
+            <a:r>
+              <a:rPr lang="en-US" sz="1600" noProof="0" dirty="0">
                 <a:solidFill>
                   <a:schemeClr val="accent6">
                     <a:lumMod val="75000"/>
@@ -27950,103 +27566,7 @@
                 <a:latin typeface="Courier New" panose="02070309020205020404" pitchFamily="49" charset="0"/>
                 <a:cs typeface="Courier New" panose="02070309020205020404" pitchFamily="49" charset="0"/>
               </a:rPr>
-              <a:t> a </a:t>
-            </a:r>
-            <a:r>
-              <a:rPr lang="nl-NL" sz="1600" noProof="0" dirty="0" err="1">
-                <a:solidFill>
-                  <a:schemeClr val="accent6">
-                    <a:lumMod val="75000"/>
-                  </a:schemeClr>
-                </a:solidFill>
-                <a:latin typeface="Courier New" panose="02070309020205020404" pitchFamily="49" charset="0"/>
-                <a:cs typeface="Courier New" panose="02070309020205020404" pitchFamily="49" charset="0"/>
-              </a:rPr>
-              <a:t>task</a:t>
-            </a:r>
-            <a:r>
-              <a:rPr lang="nl-NL" sz="1600" noProof="0" dirty="0">
-                <a:solidFill>
-                  <a:schemeClr val="accent6">
-                    <a:lumMod val="75000"/>
-                  </a:schemeClr>
-                </a:solidFill>
-                <a:latin typeface="Courier New" panose="02070309020205020404" pitchFamily="49" charset="0"/>
-                <a:cs typeface="Courier New" panose="02070309020205020404" pitchFamily="49" charset="0"/>
-              </a:rPr>
-              <a:t> list </a:t>
-            </a:r>
-            <a:r>
-              <a:rPr lang="nl-NL" sz="1600" noProof="0" dirty="0" err="1">
-                <a:solidFill>
-                  <a:schemeClr val="accent6">
-                    <a:lumMod val="75000"/>
-                  </a:schemeClr>
-                </a:solidFill>
-                <a:latin typeface="Courier New" panose="02070309020205020404" pitchFamily="49" charset="0"/>
-                <a:cs typeface="Courier New" panose="02070309020205020404" pitchFamily="49" charset="0"/>
-              </a:rPr>
-              <a:t>and</a:t>
-            </a:r>
-            <a:r>
-              <a:rPr lang="nl-NL" sz="1600" noProof="0" dirty="0">
-                <a:solidFill>
-                  <a:schemeClr val="accent6">
-                    <a:lumMod val="75000"/>
-                  </a:schemeClr>
-                </a:solidFill>
-                <a:latin typeface="Courier New" panose="02070309020205020404" pitchFamily="49" charset="0"/>
-                <a:cs typeface="Courier New" panose="02070309020205020404" pitchFamily="49" charset="0"/>
-              </a:rPr>
-              <a:t> </a:t>
-            </a:r>
-            <a:r>
-              <a:rPr lang="nl-NL" sz="1600" noProof="0" dirty="0" err="1">
-                <a:solidFill>
-                  <a:schemeClr val="accent6">
-                    <a:lumMod val="75000"/>
-                  </a:schemeClr>
-                </a:solidFill>
-                <a:latin typeface="Courier New" panose="02070309020205020404" pitchFamily="49" charset="0"/>
-                <a:cs typeface="Courier New" panose="02070309020205020404" pitchFamily="49" charset="0"/>
-              </a:rPr>
-              <a:t>add</a:t>
-            </a:r>
-            <a:r>
-              <a:rPr lang="nl-NL" sz="1600" noProof="0" dirty="0">
-                <a:solidFill>
-                  <a:schemeClr val="accent6">
-                    <a:lumMod val="75000"/>
-                  </a:schemeClr>
-                </a:solidFill>
-                <a:latin typeface="Courier New" panose="02070309020205020404" pitchFamily="49" charset="0"/>
-                <a:cs typeface="Courier New" panose="02070309020205020404" pitchFamily="49" charset="0"/>
-              </a:rPr>
-              <a:t> a </a:t>
-            </a:r>
-            <a:r>
-              <a:rPr lang="nl-NL" sz="1600" noProof="0" dirty="0" err="1">
-                <a:solidFill>
-                  <a:schemeClr val="accent6">
-                    <a:lumMod val="75000"/>
-                  </a:schemeClr>
-                </a:solidFill>
-                <a:latin typeface="Courier New" panose="02070309020205020404" pitchFamily="49" charset="0"/>
-                <a:cs typeface="Courier New" panose="02070309020205020404" pitchFamily="49" charset="0"/>
-              </a:rPr>
-              <a:t>task</a:t>
-            </a:r>
-            <a:r>
-              <a:rPr lang="nl-NL" sz="1600" noProof="0" dirty="0">
-                <a:solidFill>
-                  <a:schemeClr val="accent6">
-                    <a:lumMod val="75000"/>
-                  </a:schemeClr>
-                </a:solidFill>
-                <a:latin typeface="Courier New" panose="02070309020205020404" pitchFamily="49" charset="0"/>
-                <a:cs typeface="Courier New" panose="02070309020205020404" pitchFamily="49" charset="0"/>
-              </a:rPr>
-              <a:t>.</a:t>
+              <a:t> and add a task.</a:t>
             </a:r>
           </a:p>
           <a:p>
@@ -28172,7 +27692,7 @@
               <a:buNone/>
             </a:pPr>
             <a:r>
-              <a:rPr lang="nl-NL" sz="1600" dirty="0">
+              <a:rPr lang="en-US" sz="1600" dirty="0">
                 <a:solidFill>
                   <a:schemeClr val="accent6">
                     <a:lumMod val="75000"/>
@@ -28181,7 +27701,7 @@
                 <a:latin typeface="Courier New" panose="02070309020205020404" pitchFamily="49" charset="0"/>
                 <a:cs typeface="Courier New" panose="02070309020205020404" pitchFamily="49" charset="0"/>
               </a:rPr>
-              <a:t># Objecten structuur.</a:t>
+              <a:t># Resulting object structure.</a:t>
             </a:r>
           </a:p>
           <a:p>
@@ -31327,11 +30847,18 @@
               <a:buNone/>
             </a:pPr>
             <a:r>
+              <a:rPr lang="en-US" sz="1400" b="1" dirty="0">
+                <a:latin typeface="Courier New" panose="02070309020205020404" pitchFamily="49" charset="0"/>
+                <a:cs typeface="Courier New" panose="02070309020205020404" pitchFamily="49" charset="0"/>
+              </a:rPr>
+              <a:t>class Task</a:t>
+            </a:r>
+            <a:r>
               <a:rPr lang="en-US" sz="1400" dirty="0">
                 <a:latin typeface="Courier New" panose="02070309020205020404" pitchFamily="49" charset="0"/>
                 <a:cs typeface="Courier New" panose="02070309020205020404" pitchFamily="49" charset="0"/>
               </a:rPr>
-              <a:t>class Task(</a:t>
+              <a:t>(</a:t>
             </a:r>
             <a:r>
               <a:rPr lang="en-US" sz="1400" dirty="0" err="1">
@@ -31376,7 +30903,7 @@
                 <a:latin typeface="Courier New" panose="02070309020205020404" pitchFamily="49" charset="0"/>
                 <a:cs typeface="Courier New" panose="02070309020205020404" pitchFamily="49" charset="0"/>
               </a:rPr>
-              <a:t> </a:t>
+              <a:t>  </a:t>
             </a:r>
             <a:r>
               <a:rPr lang="en-US" sz="1400" noProof="0" dirty="0">
@@ -31445,7 +30972,7 @@
                 <a:latin typeface="Courier New" panose="02070309020205020404" pitchFamily="49" charset="0"/>
                 <a:cs typeface="Courier New" panose="02070309020205020404" pitchFamily="49" charset="0"/>
               </a:rPr>
-              <a:t>SQLAlchemy</a:t>
+              <a:t>sqlalchemy</a:t>
             </a:r>
             <a:r>
               <a:rPr lang="en-US" sz="1400" dirty="0">
@@ -33563,6 +33090,22 @@
               </a:rPr>
               <a:t>"New"</a:t>
             </a:r>
+            <a:r>
+              <a:rPr lang="en-US" sz="1400" dirty="0">
+                <a:latin typeface="Courier New" panose="02070309020205020404" pitchFamily="49" charset="0"/>
+                <a:cs typeface="Courier New" panose="02070309020205020404" pitchFamily="49" charset="0"/>
+              </a:rPr>
+              <a:t>)</a:t>
+            </a:r>
+            <a:endParaRPr lang="en-US" sz="1400" dirty="0">
+              <a:solidFill>
+                <a:schemeClr val="accent2">
+                  <a:lumMod val="75000"/>
+                </a:schemeClr>
+              </a:solidFill>
+              <a:latin typeface="Courier New" panose="02070309020205020404" pitchFamily="49" charset="0"/>
+              <a:cs typeface="Courier New" panose="02070309020205020404" pitchFamily="49" charset="0"/>
+            </a:endParaRPr>
           </a:p>
           <a:p>
             <a:pPr marL="0" indent="0">

--- a/sql_course/3_python/3_python.pptx
+++ b/sql_course/3_python/3_python.pptx
@@ -262,7 +262,7 @@
           <a:p>
             <a:fld id="{685BAE75-55A4-4394-9868-AE29E61D43AE}" type="datetimeFigureOut">
               <a:rPr lang="nl-NL" smtClean="0"/>
-              <a:t>6-2-2025</a:t>
+              <a:t>7-2-2025</a:t>
             </a:fld>
             <a:endParaRPr lang="nl-NL"/>
           </a:p>
@@ -825,6 +825,90 @@
 </p:notes>
 </file>
 
+<file path=ppt/notesSlides/notesSlide4.xml><?xml version="1.0" encoding="utf-8"?>
+<p:notes xmlns:a="http://schemas.openxmlformats.org/drawingml/2006/main" xmlns:r="http://schemas.openxmlformats.org/officeDocument/2006/relationships" xmlns:p="http://schemas.openxmlformats.org/presentationml/2006/main">
+  <p:cSld>
+    <p:spTree>
+      <p:nvGrpSpPr>
+        <p:cNvPr id="1" name=""/>
+        <p:cNvGrpSpPr/>
+        <p:nvPr/>
+      </p:nvGrpSpPr>
+      <p:grpSpPr>
+        <a:xfrm>
+          <a:off x="0" y="0"/>
+          <a:ext cx="0" cy="0"/>
+          <a:chOff x="0" y="0"/>
+          <a:chExt cx="0" cy="0"/>
+        </a:xfrm>
+      </p:grpSpPr>
+      <p:sp>
+        <p:nvSpPr>
+          <p:cNvPr id="2" name="Slide Image Placeholder 1"/>
+          <p:cNvSpPr>
+            <a:spLocks noGrp="1" noRot="1" noChangeAspect="1"/>
+          </p:cNvSpPr>
+          <p:nvPr>
+            <p:ph type="sldImg"/>
+          </p:nvPr>
+        </p:nvSpPr>
+        <p:spPr/>
+      </p:sp>
+      <p:sp>
+        <p:nvSpPr>
+          <p:cNvPr id="3" name="Notes Placeholder 2"/>
+          <p:cNvSpPr>
+            <a:spLocks noGrp="1"/>
+          </p:cNvSpPr>
+          <p:nvPr>
+            <p:ph type="body" idx="1"/>
+          </p:nvPr>
+        </p:nvSpPr>
+        <p:spPr/>
+        <p:txBody>
+          <a:bodyPr/>
+          <a:lstStyle/>
+          <a:p>
+            <a:endParaRPr lang="en-NL"/>
+          </a:p>
+        </p:txBody>
+      </p:sp>
+      <p:sp>
+        <p:nvSpPr>
+          <p:cNvPr id="4" name="Slide Number Placeholder 3"/>
+          <p:cNvSpPr>
+            <a:spLocks noGrp="1"/>
+          </p:cNvSpPr>
+          <p:nvPr>
+            <p:ph type="sldNum" sz="quarter" idx="5"/>
+          </p:nvPr>
+        </p:nvSpPr>
+        <p:spPr/>
+        <p:txBody>
+          <a:bodyPr/>
+          <a:lstStyle/>
+          <a:p>
+            <a:fld id="{592CCAD8-DC29-44DA-AA6C-03A5A9FE5209}" type="slidenum">
+              <a:rPr lang="nl-NL" smtClean="0"/>
+              <a:t>48</a:t>
+            </a:fld>
+            <a:endParaRPr lang="nl-NL"/>
+          </a:p>
+        </p:txBody>
+      </p:sp>
+    </p:spTree>
+    <p:extLst>
+      <p:ext uri="{BB962C8B-B14F-4D97-AF65-F5344CB8AC3E}">
+        <p14:creationId xmlns:p14="http://schemas.microsoft.com/office/powerpoint/2010/main" val="4172926022"/>
+      </p:ext>
+    </p:extLst>
+  </p:cSld>
+  <p:clrMapOvr>
+    <a:masterClrMapping/>
+  </p:clrMapOvr>
+</p:notes>
+</file>
+
 <file path=ppt/slideLayouts/slideLayout1.xml><?xml version="1.0" encoding="utf-8"?>
 <p:sldLayout xmlns:a="http://schemas.openxmlformats.org/drawingml/2006/main" xmlns:r="http://schemas.openxmlformats.org/officeDocument/2006/relationships" xmlns:p="http://schemas.openxmlformats.org/presentationml/2006/main" type="title" preserve="1">
   <p:cSld name="Title Slide">
@@ -974,7 +1058,7 @@
           <a:p>
             <a:fld id="{74C49272-0111-4310-A9F0-C1CA0D6AA5E5}" type="datetimeFigureOut">
               <a:rPr lang="en-NL" smtClean="0"/>
-              <a:t>06/02/2025</a:t>
+              <a:t>07/02/2025</a:t>
             </a:fld>
             <a:endParaRPr lang="en-NL"/>
           </a:p>
@@ -1174,7 +1258,7 @@
           <a:p>
             <a:fld id="{74C49272-0111-4310-A9F0-C1CA0D6AA5E5}" type="datetimeFigureOut">
               <a:rPr lang="en-NL" smtClean="0"/>
-              <a:t>06/02/2025</a:t>
+              <a:t>07/02/2025</a:t>
             </a:fld>
             <a:endParaRPr lang="en-NL"/>
           </a:p>
@@ -1384,7 +1468,7 @@
           <a:p>
             <a:fld id="{74C49272-0111-4310-A9F0-C1CA0D6AA5E5}" type="datetimeFigureOut">
               <a:rPr lang="en-NL" smtClean="0"/>
-              <a:t>06/02/2025</a:t>
+              <a:t>07/02/2025</a:t>
             </a:fld>
             <a:endParaRPr lang="en-NL"/>
           </a:p>
@@ -1584,7 +1668,7 @@
           <a:p>
             <a:fld id="{74C49272-0111-4310-A9F0-C1CA0D6AA5E5}" type="datetimeFigureOut">
               <a:rPr lang="en-NL" smtClean="0"/>
-              <a:t>06/02/2025</a:t>
+              <a:t>07/02/2025</a:t>
             </a:fld>
             <a:endParaRPr lang="en-NL"/>
           </a:p>
@@ -1860,7 +1944,7 @@
           <a:p>
             <a:fld id="{74C49272-0111-4310-A9F0-C1CA0D6AA5E5}" type="datetimeFigureOut">
               <a:rPr lang="en-NL" smtClean="0"/>
-              <a:t>06/02/2025</a:t>
+              <a:t>07/02/2025</a:t>
             </a:fld>
             <a:endParaRPr lang="en-NL"/>
           </a:p>
@@ -2128,7 +2212,7 @@
           <a:p>
             <a:fld id="{74C49272-0111-4310-A9F0-C1CA0D6AA5E5}" type="datetimeFigureOut">
               <a:rPr lang="en-NL" smtClean="0"/>
-              <a:t>06/02/2025</a:t>
+              <a:t>07/02/2025</a:t>
             </a:fld>
             <a:endParaRPr lang="en-NL"/>
           </a:p>
@@ -2543,7 +2627,7 @@
           <a:p>
             <a:fld id="{74C49272-0111-4310-A9F0-C1CA0D6AA5E5}" type="datetimeFigureOut">
               <a:rPr lang="en-NL" smtClean="0"/>
-              <a:t>06/02/2025</a:t>
+              <a:t>07/02/2025</a:t>
             </a:fld>
             <a:endParaRPr lang="en-NL"/>
           </a:p>
@@ -2685,7 +2769,7 @@
           <a:p>
             <a:fld id="{74C49272-0111-4310-A9F0-C1CA0D6AA5E5}" type="datetimeFigureOut">
               <a:rPr lang="en-NL" smtClean="0"/>
-              <a:t>06/02/2025</a:t>
+              <a:t>07/02/2025</a:t>
             </a:fld>
             <a:endParaRPr lang="en-NL"/>
           </a:p>
@@ -2798,7 +2882,7 @@
           <a:p>
             <a:fld id="{74C49272-0111-4310-A9F0-C1CA0D6AA5E5}" type="datetimeFigureOut">
               <a:rPr lang="en-NL" smtClean="0"/>
-              <a:t>06/02/2025</a:t>
+              <a:t>07/02/2025</a:t>
             </a:fld>
             <a:endParaRPr lang="en-NL"/>
           </a:p>
@@ -3111,7 +3195,7 @@
           <a:p>
             <a:fld id="{74C49272-0111-4310-A9F0-C1CA0D6AA5E5}" type="datetimeFigureOut">
               <a:rPr lang="en-NL" smtClean="0"/>
-              <a:t>06/02/2025</a:t>
+              <a:t>07/02/2025</a:t>
             </a:fld>
             <a:endParaRPr lang="en-NL"/>
           </a:p>
@@ -3400,7 +3484,7 @@
           <a:p>
             <a:fld id="{74C49272-0111-4310-A9F0-C1CA0D6AA5E5}" type="datetimeFigureOut">
               <a:rPr lang="en-NL" smtClean="0"/>
-              <a:t>06/02/2025</a:t>
+              <a:t>07/02/2025</a:t>
             </a:fld>
             <a:endParaRPr lang="en-NL"/>
           </a:p>
@@ -3643,7 +3727,7 @@
           <a:p>
             <a:fld id="{74C49272-0111-4310-A9F0-C1CA0D6AA5E5}" type="datetimeFigureOut">
               <a:rPr lang="en-NL" smtClean="0"/>
-              <a:t>06/02/2025</a:t>
+              <a:t>07/02/2025</a:t>
             </a:fld>
             <a:endParaRPr lang="en-NL"/>
           </a:p>
@@ -11832,32 +11916,11 @@
               <a:buNone/>
             </a:pPr>
             <a:r>
-              <a:rPr lang="nl-NL" sz="1600" noProof="0" dirty="0" err="1">
-                <a:latin typeface="Courier New" panose="02070309020205020404" pitchFamily="49" charset="0"/>
-                <a:cs typeface="Courier New" panose="02070309020205020404" pitchFamily="49" charset="0"/>
-              </a:rPr>
-              <a:t>result</a:t>
-            </a:r>
-            <a:r>
-              <a:rPr lang="nl-NL" sz="1600" noProof="0" dirty="0">
-                <a:latin typeface="Courier New" panose="02070309020205020404" pitchFamily="49" charset="0"/>
-                <a:cs typeface="Courier New" panose="02070309020205020404" pitchFamily="49" charset="0"/>
-              </a:rPr>
-              <a:t> = </a:t>
-            </a:r>
-            <a:r>
-              <a:rPr lang="nl-NL" sz="1600" noProof="0" dirty="0" err="1">
-                <a:latin typeface="Courier New" panose="02070309020205020404" pitchFamily="49" charset="0"/>
-                <a:cs typeface="Courier New" panose="02070309020205020404" pitchFamily="49" charset="0"/>
-              </a:rPr>
-              <a:t>cursor.fetchall</a:t>
-            </a:r>
-            <a:r>
-              <a:rPr lang="nl-NL" sz="1600" noProof="0" dirty="0">
-                <a:latin typeface="Courier New" panose="02070309020205020404" pitchFamily="49" charset="0"/>
-                <a:cs typeface="Courier New" panose="02070309020205020404" pitchFamily="49" charset="0"/>
-              </a:rPr>
-              <a:t>()</a:t>
+              <a:rPr lang="nl-NL" sz="1600" noProof="0">
+                <a:latin typeface="Courier New" panose="02070309020205020404" pitchFamily="49" charset="0"/>
+                <a:cs typeface="Courier New" panose="02070309020205020404" pitchFamily="49" charset="0"/>
+              </a:rPr>
+              <a:t>result = cursor.fetchall()</a:t>
             </a:r>
           </a:p>
           <a:p>
@@ -11865,7 +11928,7 @@
               <a:buFont typeface="Arial" panose="020B0604020202020204" pitchFamily="34" charset="0"/>
               <a:buNone/>
             </a:pPr>
-            <a:endParaRPr lang="nl-NL" sz="1600" dirty="0">
+            <a:endParaRPr lang="nl-NL" sz="1600">
               <a:latin typeface="Courier New" panose="02070309020205020404" pitchFamily="49" charset="0"/>
               <a:cs typeface="Courier New" panose="02070309020205020404" pitchFamily="49" charset="0"/>
             </a:endParaRPr>
@@ -11876,7 +11939,7 @@
               <a:buNone/>
             </a:pPr>
             <a:r>
-              <a:rPr lang="nl-NL" sz="1600" dirty="0">
+              <a:rPr lang="nl-NL" sz="1600">
                 <a:solidFill>
                   <a:schemeClr val="accent6">
                     <a:lumMod val="75000"/>
@@ -11885,10 +11948,27 @@
                 <a:latin typeface="Courier New" panose="02070309020205020404" pitchFamily="49" charset="0"/>
                 <a:cs typeface="Courier New" panose="02070309020205020404" pitchFamily="49" charset="0"/>
               </a:rPr>
-              <a:t># Resultaat is lijst van </a:t>
-            </a:r>
-            <a:r>
-              <a:rPr lang="nl-NL" sz="1600" dirty="0" err="1">
+              <a:t># Resultaat is lijst van tuples.</a:t>
+            </a:r>
+          </a:p>
+          <a:p>
+            <a:pPr marL="0" indent="0">
+              <a:buNone/>
+            </a:pPr>
+            <a:r>
+              <a:rPr lang="nl-NL" sz="1600" noProof="0">
+                <a:latin typeface="Courier New" panose="02070309020205020404" pitchFamily="49" charset="0"/>
+                <a:cs typeface="Courier New" panose="02070309020205020404" pitchFamily="49" charset="0"/>
+              </a:rPr>
+              <a:t>print(result)</a:t>
+            </a:r>
+          </a:p>
+          <a:p>
+            <a:pPr marL="0" indent="0">
+              <a:buNone/>
+            </a:pPr>
+            <a:r>
+              <a:rPr lang="nl-NL" sz="1600">
                 <a:solidFill>
                   <a:schemeClr val="accent6">
                     <a:lumMod val="75000"/>
@@ -11897,10 +11977,30 @@
                 <a:latin typeface="Courier New" panose="02070309020205020404" pitchFamily="49" charset="0"/>
                 <a:cs typeface="Courier New" panose="02070309020205020404" pitchFamily="49" charset="0"/>
               </a:rPr>
-              <a:t>tuples</a:t>
-            </a:r>
-            <a:r>
-              <a:rPr lang="nl-NL" sz="1600" dirty="0">
+              <a:t># [(1, 'John', ' Doe')]</a:t>
+            </a:r>
+            <a:endParaRPr lang="nl-NL" sz="1600" noProof="0">
+              <a:latin typeface="Courier New" panose="02070309020205020404" pitchFamily="49" charset="0"/>
+              <a:cs typeface="Courier New" panose="02070309020205020404" pitchFamily="49" charset="0"/>
+            </a:endParaRPr>
+          </a:p>
+          <a:p>
+            <a:pPr marL="0" indent="0">
+              <a:buFont typeface="Arial" panose="020B0604020202020204" pitchFamily="34" charset="0"/>
+              <a:buNone/>
+            </a:pPr>
+            <a:endParaRPr lang="nl-NL" sz="1600">
+              <a:latin typeface="Courier New" panose="02070309020205020404" pitchFamily="49" charset="0"/>
+              <a:cs typeface="Courier New" panose="02070309020205020404" pitchFamily="49" charset="0"/>
+            </a:endParaRPr>
+          </a:p>
+          <a:p>
+            <a:pPr marL="0" indent="0">
+              <a:buFont typeface="Arial" panose="020B0604020202020204" pitchFamily="34" charset="0"/>
+              <a:buNone/>
+            </a:pPr>
+            <a:r>
+              <a:rPr lang="nl-NL" sz="1600" noProof="0">
                 <a:solidFill>
                   <a:schemeClr val="accent6">
                     <a:lumMod val="75000"/>
@@ -11909,41 +12009,29 @@
                 <a:latin typeface="Courier New" panose="02070309020205020404" pitchFamily="49" charset="0"/>
                 <a:cs typeface="Courier New" panose="02070309020205020404" pitchFamily="49" charset="0"/>
               </a:rPr>
-              <a:t>.</a:t>
-            </a:r>
-          </a:p>
-          <a:p>
-            <a:pPr marL="0" indent="0">
-              <a:buNone/>
-            </a:pPr>
-            <a:r>
-              <a:rPr lang="nl-NL" sz="1600" noProof="0" dirty="0">
-                <a:latin typeface="Courier New" panose="02070309020205020404" pitchFamily="49" charset="0"/>
-                <a:cs typeface="Courier New" panose="02070309020205020404" pitchFamily="49" charset="0"/>
-              </a:rPr>
-              <a:t>print(</a:t>
-            </a:r>
-            <a:r>
-              <a:rPr lang="nl-NL" sz="1600" noProof="0" dirty="0" err="1">
-                <a:latin typeface="Courier New" panose="02070309020205020404" pitchFamily="49" charset="0"/>
-                <a:cs typeface="Courier New" panose="02070309020205020404" pitchFamily="49" charset="0"/>
-              </a:rPr>
-              <a:t>result</a:t>
-            </a:r>
-            <a:r>
-              <a:rPr lang="nl-NL" sz="1600" noProof="0" dirty="0">
-                <a:latin typeface="Courier New" panose="02070309020205020404" pitchFamily="49" charset="0"/>
-                <a:cs typeface="Courier New" panose="02070309020205020404" pitchFamily="49" charset="0"/>
-              </a:rPr>
-              <a:t>)</a:t>
-            </a:r>
-          </a:p>
-          <a:p>
-            <a:pPr marL="0" indent="0">
-              <a:buNone/>
-            </a:pPr>
-            <a:r>
-              <a:rPr lang="nl-NL" sz="1600" dirty="0">
+              <a:t># Beschrijving via Cursor object.</a:t>
+            </a:r>
+          </a:p>
+          <a:p>
+            <a:pPr marL="0" indent="0">
+              <a:buFont typeface="Arial" panose="020B0604020202020204" pitchFamily="34" charset="0"/>
+              <a:buNone/>
+            </a:pPr>
+            <a:r>
+              <a:rPr lang="nl-NL" sz="1600">
+                <a:latin typeface="Courier New" panose="02070309020205020404" pitchFamily="49" charset="0"/>
+                <a:cs typeface="Courier New" panose="02070309020205020404" pitchFamily="49" charset="0"/>
+              </a:rPr>
+              <a:t>print(cursor.description)</a:t>
+            </a:r>
+          </a:p>
+          <a:p>
+            <a:pPr marL="0" indent="0">
+              <a:buFont typeface="Arial" panose="020B0604020202020204" pitchFamily="34" charset="0"/>
+              <a:buNone/>
+            </a:pPr>
+            <a:r>
+              <a:rPr lang="nl-NL" sz="1600">
                 <a:solidFill>
                   <a:schemeClr val="accent6">
                     <a:lumMod val="75000"/>
@@ -11952,30 +12040,16 @@
                 <a:latin typeface="Courier New" panose="02070309020205020404" pitchFamily="49" charset="0"/>
                 <a:cs typeface="Courier New" panose="02070309020205020404" pitchFamily="49" charset="0"/>
               </a:rPr>
-              <a:t># [(1, 'John', ' Doe')]</a:t>
-            </a:r>
-            <a:endParaRPr lang="nl-NL" sz="1600" noProof="0" dirty="0">
-              <a:latin typeface="Courier New" panose="02070309020205020404" pitchFamily="49" charset="0"/>
-              <a:cs typeface="Courier New" panose="02070309020205020404" pitchFamily="49" charset="0"/>
-            </a:endParaRPr>
+              <a:t># [('CustomerId', ..., None),</a:t>
+            </a:r>
           </a:p>
           <a:p>
             <a:pPr marL="0" indent="0">
               <a:buFont typeface="Arial" panose="020B0604020202020204" pitchFamily="34" charset="0"/>
               <a:buNone/>
             </a:pPr>
-            <a:endParaRPr lang="nl-NL" sz="1600" dirty="0">
-              <a:latin typeface="Courier New" panose="02070309020205020404" pitchFamily="49" charset="0"/>
-              <a:cs typeface="Courier New" panose="02070309020205020404" pitchFamily="49" charset="0"/>
-            </a:endParaRPr>
-          </a:p>
-          <a:p>
-            <a:pPr marL="0" indent="0">
-              <a:buFont typeface="Arial" panose="020B0604020202020204" pitchFamily="34" charset="0"/>
-              <a:buNone/>
-            </a:pPr>
-            <a:r>
-              <a:rPr lang="nl-NL" sz="1600" noProof="0" dirty="0">
+            <a:r>
+              <a:rPr lang="nl-NL" sz="1600">
                 <a:solidFill>
                   <a:schemeClr val="accent6">
                     <a:lumMod val="75000"/>
@@ -11984,43 +12058,15 @@
                 <a:latin typeface="Courier New" panose="02070309020205020404" pitchFamily="49" charset="0"/>
                 <a:cs typeface="Courier New" panose="02070309020205020404" pitchFamily="49" charset="0"/>
               </a:rPr>
-              <a:t># Beschrijving via Cursor object.</a:t>
-            </a:r>
-          </a:p>
-          <a:p>
-            <a:pPr marL="0" indent="0">
-              <a:buFont typeface="Arial" panose="020B0604020202020204" pitchFamily="34" charset="0"/>
-              <a:buNone/>
-            </a:pPr>
-            <a:r>
-              <a:rPr lang="nl-NL" sz="1600" dirty="0">
-                <a:latin typeface="Courier New" panose="02070309020205020404" pitchFamily="49" charset="0"/>
-                <a:cs typeface="Courier New" panose="02070309020205020404" pitchFamily="49" charset="0"/>
-              </a:rPr>
-              <a:t>print(</a:t>
-            </a:r>
-            <a:r>
-              <a:rPr lang="nl-NL" sz="1600" dirty="0" err="1">
-                <a:latin typeface="Courier New" panose="02070309020205020404" pitchFamily="49" charset="0"/>
-                <a:cs typeface="Courier New" panose="02070309020205020404" pitchFamily="49" charset="0"/>
-              </a:rPr>
-              <a:t>cursor.decription</a:t>
-            </a:r>
-            <a:r>
-              <a:rPr lang="nl-NL" sz="1600" dirty="0">
-                <a:latin typeface="Courier New" panose="02070309020205020404" pitchFamily="49" charset="0"/>
-                <a:cs typeface="Courier New" panose="02070309020205020404" pitchFamily="49" charset="0"/>
-              </a:rPr>
-              <a:t>)</a:t>
-            </a:r>
-          </a:p>
-          <a:p>
-            <a:pPr marL="0" indent="0">
-              <a:buFont typeface="Arial" panose="020B0604020202020204" pitchFamily="34" charset="0"/>
-              <a:buNone/>
-            </a:pPr>
-            <a:r>
-              <a:rPr lang="nl-NL" sz="1600" dirty="0">
+              <a:t>#  ('Name'      , ..., None),</a:t>
+            </a:r>
+          </a:p>
+          <a:p>
+            <a:pPr marL="0" indent="0">
+              <a:buNone/>
+            </a:pPr>
+            <a:r>
+              <a:rPr lang="nl-NL" sz="1600">
                 <a:solidFill>
                   <a:schemeClr val="accent6">
                     <a:lumMod val="75000"/>
@@ -12029,90 +12075,7 @@
                 <a:latin typeface="Courier New" panose="02070309020205020404" pitchFamily="49" charset="0"/>
                 <a:cs typeface="Courier New" panose="02070309020205020404" pitchFamily="49" charset="0"/>
               </a:rPr>
-              <a:t># [('</a:t>
-            </a:r>
-            <a:r>
-              <a:rPr lang="nl-NL" sz="1600" dirty="0" err="1">
-                <a:solidFill>
-                  <a:schemeClr val="accent6">
-                    <a:lumMod val="75000"/>
-                  </a:schemeClr>
-                </a:solidFill>
-                <a:latin typeface="Courier New" panose="02070309020205020404" pitchFamily="49" charset="0"/>
-                <a:cs typeface="Courier New" panose="02070309020205020404" pitchFamily="49" charset="0"/>
-              </a:rPr>
-              <a:t>CustomerId</a:t>
-            </a:r>
-            <a:r>
-              <a:rPr lang="nl-NL" sz="1600" dirty="0">
-                <a:solidFill>
-                  <a:schemeClr val="accent6">
-                    <a:lumMod val="75000"/>
-                  </a:schemeClr>
-                </a:solidFill>
-                <a:latin typeface="Courier New" panose="02070309020205020404" pitchFamily="49" charset="0"/>
-                <a:cs typeface="Courier New" panose="02070309020205020404" pitchFamily="49" charset="0"/>
-              </a:rPr>
-              <a:t>', ..., None),</a:t>
-            </a:r>
-          </a:p>
-          <a:p>
-            <a:pPr marL="0" indent="0">
-              <a:buFont typeface="Arial" panose="020B0604020202020204" pitchFamily="34" charset="0"/>
-              <a:buNone/>
-            </a:pPr>
-            <a:r>
-              <a:rPr lang="nl-NL" sz="1600" dirty="0">
-                <a:solidFill>
-                  <a:schemeClr val="accent6">
-                    <a:lumMod val="75000"/>
-                  </a:schemeClr>
-                </a:solidFill>
-                <a:latin typeface="Courier New" panose="02070309020205020404" pitchFamily="49" charset="0"/>
-                <a:cs typeface="Courier New" panose="02070309020205020404" pitchFamily="49" charset="0"/>
-              </a:rPr>
-              <a:t>#  ('Name'      , ..., None),</a:t>
-            </a:r>
-          </a:p>
-          <a:p>
-            <a:pPr marL="0" indent="0">
-              <a:buNone/>
-            </a:pPr>
-            <a:r>
-              <a:rPr lang="nl-NL" sz="1600" dirty="0">
-                <a:solidFill>
-                  <a:schemeClr val="accent6">
-                    <a:lumMod val="75000"/>
-                  </a:schemeClr>
-                </a:solidFill>
-                <a:latin typeface="Courier New" panose="02070309020205020404" pitchFamily="49" charset="0"/>
-                <a:cs typeface="Courier New" panose="02070309020205020404" pitchFamily="49" charset="0"/>
-              </a:rPr>
-              <a:t>#  ('</a:t>
-            </a:r>
-            <a:r>
-              <a:rPr lang="nl-NL" sz="1600" dirty="0" err="1">
-                <a:solidFill>
-                  <a:schemeClr val="accent6">
-                    <a:lumMod val="75000"/>
-                  </a:schemeClr>
-                </a:solidFill>
-                <a:latin typeface="Courier New" panose="02070309020205020404" pitchFamily="49" charset="0"/>
-                <a:cs typeface="Courier New" panose="02070309020205020404" pitchFamily="49" charset="0"/>
-              </a:rPr>
-              <a:t>Lastname</a:t>
-            </a:r>
-            <a:r>
-              <a:rPr lang="nl-NL" sz="1600" dirty="0">
-                <a:solidFill>
-                  <a:schemeClr val="accent6">
-                    <a:lumMod val="75000"/>
-                  </a:schemeClr>
-                </a:solidFill>
-                <a:latin typeface="Courier New" panose="02070309020205020404" pitchFamily="49" charset="0"/>
-                <a:cs typeface="Courier New" panose="02070309020205020404" pitchFamily="49" charset="0"/>
-              </a:rPr>
-              <a:t>'  , ..., None)]</a:t>
+              <a:t>#  ('Lastname'  , ..., None)]</a:t>
             </a:r>
             <a:endParaRPr lang="nl-NL" sz="1600" noProof="0" dirty="0">
               <a:solidFill>
@@ -15418,7 +15381,7 @@
                 <a:latin typeface="Courier New" panose="02070309020205020404" pitchFamily="49" charset="0"/>
                 <a:cs typeface="Courier New" panose="02070309020205020404" pitchFamily="49" charset="0"/>
               </a:rPr>
-              <a:t>, </a:t>
+              <a:t>,   </a:t>
             </a:r>
             <a:r>
               <a:rPr lang="nl-NL" sz="1800" dirty="0">
@@ -16827,11 +16790,11 @@
               <a:t>Welke data types heeft </a:t>
             </a:r>
             <a:r>
-              <a:rPr lang="nl-NL" sz="1800" dirty="0" err="1">
-                <a:latin typeface="Courier New" panose="02070309020205020404" pitchFamily="49" charset="0"/>
-                <a:cs typeface="Courier New" panose="02070309020205020404" pitchFamily="49" charset="0"/>
-              </a:rPr>
-              <a:t>GeboorteDatum</a:t>
+              <a:rPr lang="nl-NL" sz="1800" dirty="0">
+                <a:latin typeface="Courier New" panose="02070309020205020404" pitchFamily="49" charset="0"/>
+                <a:cs typeface="Courier New" panose="02070309020205020404" pitchFamily="49" charset="0"/>
+              </a:rPr>
+              <a:t>Geboortedatum</a:t>
             </a:r>
             <a:r>
               <a:rPr lang="nl-NL" sz="1800" dirty="0"/>
@@ -25904,8 +25867,12 @@
               <a:t>Stel: je wilt een takenlijst bijhouden in Python en maakt de volgende </a:t>
             </a:r>
             <a:r>
+              <a:rPr lang="nl-NL" sz="1800" dirty="0"/>
+              <a:t>c</a:t>
+            </a:r>
+            <a:r>
               <a:rPr lang="nl-NL" sz="1800" noProof="0" dirty="0" err="1"/>
-              <a:t>klasses</a:t>
+              <a:t>lasses</a:t>
             </a:r>
             <a:r>
               <a:rPr lang="nl-NL" sz="1800" noProof="0" dirty="0"/>
@@ -25924,7 +25891,7 @@
             </a:pPr>
             <a:r>
               <a:rPr lang="nl-NL" sz="1800" b="1" noProof="0" dirty="0" err="1"/>
-              <a:t>TaakLijst</a:t>
+              <a:t>TaskList</a:t>
             </a:r>
             <a:endParaRPr lang="nl-NL" sz="1800" noProof="0" dirty="0"/>
           </a:p>
@@ -25960,8 +25927,8 @@
               <a:buNone/>
             </a:pPr>
             <a:r>
-              <a:rPr lang="nl-NL" sz="1800" b="1" noProof="0" dirty="0"/>
-              <a:t>Taak</a:t>
+              <a:rPr lang="nl-NL" sz="1800" b="1" noProof="0" dirty="0" err="1"/>
+              <a:t>Task</a:t>
             </a:r>
             <a:endParaRPr lang="nl-NL" sz="1800" noProof="0" dirty="0"/>
           </a:p>
@@ -25972,30 +25939,6 @@
             <a:r>
               <a:rPr lang="nl-NL" sz="1800" dirty="0"/>
               <a:t>Een individuele taak met omschrijving en status.</a:t>
-            </a:r>
-          </a:p>
-          <a:p>
-            <a:pPr marL="0" indent="0">
-              <a:buNone/>
-            </a:pPr>
-            <a:endParaRPr lang="nl-NL" sz="1800" noProof="0" dirty="0"/>
-          </a:p>
-          <a:p>
-            <a:pPr marL="0" indent="0">
-              <a:buNone/>
-            </a:pPr>
-            <a:r>
-              <a:rPr lang="nl-NL" sz="1800" b="1" dirty="0"/>
-              <a:t>Status</a:t>
-            </a:r>
-          </a:p>
-          <a:p>
-            <a:pPr marL="0" indent="0">
-              <a:buNone/>
-            </a:pPr>
-            <a:r>
-              <a:rPr lang="nl-NL" sz="1800" noProof="0" dirty="0"/>
-              <a:t>Set standaardwaarden voor taak status.</a:t>
             </a:r>
           </a:p>
         </p:txBody>
@@ -26197,7 +26140,7 @@
               <a:buNone/>
             </a:pPr>
             <a:r>
-              <a:rPr lang="en-US" sz="1600" b="1" noProof="0">
+              <a:rPr lang="en-US" sz="1600" b="1" noProof="0" dirty="0">
                 <a:latin typeface="Courier New" panose="02070309020205020404" pitchFamily="49" charset="0"/>
                 <a:cs typeface="Courier New" panose="02070309020205020404" pitchFamily="49" charset="0"/>
               </a:rPr>
@@ -26259,46 +26202,6 @@
               <a:buFont typeface="Arial" panose="020B0604020202020204" pitchFamily="34" charset="0"/>
               <a:buNone/>
             </a:pPr>
-            <a:r>
-              <a:rPr lang="en-US" sz="1600" b="1" noProof="0" dirty="0">
-                <a:latin typeface="Courier New" panose="02070309020205020404" pitchFamily="49" charset="0"/>
-                <a:cs typeface="Courier New" panose="02070309020205020404" pitchFamily="49" charset="0"/>
-              </a:rPr>
-              <a:t>class Task:</a:t>
-            </a:r>
-          </a:p>
-          <a:p>
-            <a:pPr marL="0" indent="0">
-              <a:buFont typeface="Arial" panose="020B0604020202020204" pitchFamily="34" charset="0"/>
-              <a:buNone/>
-            </a:pPr>
-            <a:r>
-              <a:rPr lang="en-US" sz="1600" noProof="0" dirty="0">
-                <a:latin typeface="Courier New" panose="02070309020205020404" pitchFamily="49" charset="0"/>
-                <a:cs typeface="Courier New" panose="02070309020205020404" pitchFamily="49" charset="0"/>
-              </a:rPr>
-              <a:t>  description = None</a:t>
-            </a:r>
-          </a:p>
-          <a:p>
-            <a:pPr marL="0" indent="0">
-              <a:buFont typeface="Arial" panose="020B0604020202020204" pitchFamily="34" charset="0"/>
-              <a:buNone/>
-            </a:pPr>
-            <a:r>
-              <a:rPr lang="en-US" sz="1600" dirty="0">
-                <a:latin typeface="Courier New" panose="02070309020205020404" pitchFamily="49" charset="0"/>
-                <a:cs typeface="Courier New" panose="02070309020205020404" pitchFamily="49" charset="0"/>
-              </a:rPr>
-              <a:t>  state = </a:t>
-            </a:r>
-            <a:r>
-              <a:rPr lang="en-US" sz="1600" dirty="0" err="1">
-                <a:latin typeface="Courier New" panose="02070309020205020404" pitchFamily="49" charset="0"/>
-                <a:cs typeface="Courier New" panose="02070309020205020404" pitchFamily="49" charset="0"/>
-              </a:rPr>
-              <a:t>State.NEW</a:t>
-            </a:r>
             <a:endParaRPr lang="en-US" sz="1600" dirty="0">
               <a:latin typeface="Courier New" panose="02070309020205020404" pitchFamily="49" charset="0"/>
               <a:cs typeface="Courier New" panose="02070309020205020404" pitchFamily="49" charset="0"/>
@@ -26309,33 +26212,6 @@
               <a:buFont typeface="Arial" panose="020B0604020202020204" pitchFamily="34" charset="0"/>
               <a:buNone/>
             </a:pPr>
-            <a:r>
-              <a:rPr lang="en-US" sz="1600" dirty="0">
-                <a:latin typeface="Courier New" panose="02070309020205020404" pitchFamily="49" charset="0"/>
-                <a:cs typeface="Courier New" panose="02070309020205020404" pitchFamily="49" charset="0"/>
-              </a:rPr>
-              <a:t>  updated = </a:t>
-            </a:r>
-            <a:r>
-              <a:rPr lang="en-US" sz="1600" dirty="0" err="1">
-                <a:latin typeface="Courier New" panose="02070309020205020404" pitchFamily="49" charset="0"/>
-                <a:cs typeface="Courier New" panose="02070309020205020404" pitchFamily="49" charset="0"/>
-              </a:rPr>
-              <a:t>dt.datetime.now</a:t>
-            </a:r>
-            <a:r>
-              <a:rPr lang="en-US" sz="1600" dirty="0">
-                <a:latin typeface="Courier New" panose="02070309020205020404" pitchFamily="49" charset="0"/>
-                <a:cs typeface="Courier New" panose="02070309020205020404" pitchFamily="49" charset="0"/>
-              </a:rPr>
-              <a:t>()</a:t>
-            </a:r>
-          </a:p>
-          <a:p>
-            <a:pPr marL="0" indent="0">
-              <a:buFont typeface="Arial" panose="020B0604020202020204" pitchFamily="34" charset="0"/>
-              <a:buNone/>
-            </a:pPr>
             <a:endParaRPr lang="en-US" sz="1600" noProof="0" dirty="0">
               <a:latin typeface="Courier New" panose="02070309020205020404" pitchFamily="49" charset="0"/>
               <a:cs typeface="Courier New" panose="02070309020205020404" pitchFamily="49" charset="0"/>
@@ -26347,25 +26223,11 @@
               <a:buNone/>
             </a:pPr>
             <a:r>
-              <a:rPr lang="en-US" sz="1600" b="1" dirty="0">
-                <a:latin typeface="Courier New" panose="02070309020205020404" pitchFamily="49" charset="0"/>
-                <a:cs typeface="Courier New" panose="02070309020205020404" pitchFamily="49" charset="0"/>
-              </a:rPr>
-              <a:t>class State(</a:t>
-            </a:r>
-            <a:r>
-              <a:rPr lang="en-US" sz="1600" b="1" dirty="0" err="1">
-                <a:latin typeface="Courier New" panose="02070309020205020404" pitchFamily="49" charset="0"/>
-                <a:cs typeface="Courier New" panose="02070309020205020404" pitchFamily="49" charset="0"/>
-              </a:rPr>
-              <a:t>StrEnum</a:t>
-            </a:r>
-            <a:r>
-              <a:rPr lang="en-US" sz="1600" b="1" dirty="0">
-                <a:latin typeface="Courier New" panose="02070309020205020404" pitchFamily="49" charset="0"/>
-                <a:cs typeface="Courier New" panose="02070309020205020404" pitchFamily="49" charset="0"/>
-              </a:rPr>
-              <a:t>):</a:t>
+              <a:rPr lang="en-US" sz="1600" b="1" noProof="0" dirty="0">
+                <a:latin typeface="Courier New" panose="02070309020205020404" pitchFamily="49" charset="0"/>
+                <a:cs typeface="Courier New" panose="02070309020205020404" pitchFamily="49" charset="0"/>
+              </a:rPr>
+              <a:t>class Task:</a:t>
             </a:r>
           </a:p>
           <a:p>
@@ -26378,10 +26240,23 @@
                 <a:latin typeface="Courier New" panose="02070309020205020404" pitchFamily="49" charset="0"/>
                 <a:cs typeface="Courier New" panose="02070309020205020404" pitchFamily="49" charset="0"/>
               </a:rPr>
-              <a:t>  NEW = </a:t>
-            </a:r>
-            <a:r>
-              <a:rPr lang="en-US" sz="1600" noProof="0" dirty="0">
+              <a:t>  description = None</a:t>
+            </a:r>
+          </a:p>
+          <a:p>
+            <a:pPr marL="0" indent="0">
+              <a:buFont typeface="Arial" panose="020B0604020202020204" pitchFamily="34" charset="0"/>
+              <a:buNone/>
+            </a:pPr>
+            <a:r>
+              <a:rPr lang="en-US" sz="1600" dirty="0">
+                <a:latin typeface="Courier New" panose="02070309020205020404" pitchFamily="49" charset="0"/>
+                <a:cs typeface="Courier New" panose="02070309020205020404" pitchFamily="49" charset="0"/>
+              </a:rPr>
+              <a:t>  state = </a:t>
+            </a:r>
+            <a:r>
+              <a:rPr lang="en-US" sz="1600" dirty="0">
                 <a:solidFill>
                   <a:schemeClr val="accent2">
                     <a:lumMod val="75000"/>
@@ -26403,29 +26278,22 @@
                 <a:latin typeface="Courier New" panose="02070309020205020404" pitchFamily="49" charset="0"/>
                 <a:cs typeface="Courier New" panose="02070309020205020404" pitchFamily="49" charset="0"/>
               </a:rPr>
-              <a:t>  DONE = </a:t>
+              <a:t>  updated = </a:t>
+            </a:r>
+            <a:r>
+              <a:rPr lang="en-US" sz="1600" dirty="0" err="1">
+                <a:latin typeface="Courier New" panose="02070309020205020404" pitchFamily="49" charset="0"/>
+                <a:cs typeface="Courier New" panose="02070309020205020404" pitchFamily="49" charset="0"/>
+              </a:rPr>
+              <a:t>dt.datetime.now</a:t>
             </a:r>
             <a:r>
               <a:rPr lang="en-US" sz="1600" dirty="0">
-                <a:solidFill>
-                  <a:schemeClr val="accent2">
-                    <a:lumMod val="75000"/>
-                  </a:schemeClr>
-                </a:solidFill>
-                <a:latin typeface="Courier New" panose="02070309020205020404" pitchFamily="49" charset="0"/>
-                <a:cs typeface="Courier New" panose="02070309020205020404" pitchFamily="49" charset="0"/>
-              </a:rPr>
-              <a:t>"Done"</a:t>
-            </a:r>
-            <a:endParaRPr lang="en-US" sz="1600" noProof="0" dirty="0">
-              <a:solidFill>
-                <a:schemeClr val="accent2">
-                  <a:lumMod val="75000"/>
-                </a:schemeClr>
-              </a:solidFill>
-              <a:latin typeface="Courier New" panose="02070309020205020404" pitchFamily="49" charset="0"/>
-              <a:cs typeface="Courier New" panose="02070309020205020404" pitchFamily="49" charset="0"/>
-            </a:endParaRPr>
+                <a:latin typeface="Courier New" panose="02070309020205020404" pitchFamily="49" charset="0"/>
+                <a:cs typeface="Courier New" panose="02070309020205020404" pitchFamily="49" charset="0"/>
+              </a:rPr>
+              <a:t>()</a:t>
+            </a:r>
           </a:p>
         </p:txBody>
       </p:sp>
@@ -26630,30 +26498,7 @@
               <a:rPr lang="nl-NL" sz="1800" dirty="0"/>
               <a:t>Een individuele taak met omschrijving en status.</a:t>
             </a:r>
-          </a:p>
-          <a:p>
-            <a:pPr marL="0" indent="0">
-              <a:buNone/>
-            </a:pPr>
             <a:endParaRPr lang="nl-NL" sz="1800" noProof="0" dirty="0"/>
-          </a:p>
-          <a:p>
-            <a:pPr marL="0" indent="0">
-              <a:buNone/>
-            </a:pPr>
-            <a:r>
-              <a:rPr lang="nl-NL" sz="1800" b="1" dirty="0"/>
-              <a:t>State</a:t>
-            </a:r>
-          </a:p>
-          <a:p>
-            <a:pPr marL="0" indent="0">
-              <a:buNone/>
-            </a:pPr>
-            <a:r>
-              <a:rPr lang="nl-NL" sz="1800" noProof="0" dirty="0"/>
-              <a:t>Set standaardwaarden voor status taak.</a:t>
-            </a:r>
           </a:p>
         </p:txBody>
       </p:sp>
@@ -27131,11 +26976,16 @@
               <a:t>       state = </a:t>
             </a:r>
             <a:r>
-              <a:rPr lang="en-US" sz="1600" dirty="0" err="1">
-                <a:latin typeface="Courier New" panose="02070309020205020404" pitchFamily="49" charset="0"/>
-                <a:cs typeface="Courier New" panose="02070309020205020404" pitchFamily="49" charset="0"/>
-              </a:rPr>
-              <a:t>State.NEW</a:t>
+              <a:rPr lang="en-US" sz="1600" dirty="0">
+                <a:solidFill>
+                  <a:schemeClr val="accent2">
+                    <a:lumMod val="75000"/>
+                  </a:schemeClr>
+                </a:solidFill>
+                <a:latin typeface="Courier New" panose="02070309020205020404" pitchFamily="49" charset="0"/>
+                <a:cs typeface="Courier New" panose="02070309020205020404" pitchFamily="49" charset="0"/>
+              </a:rPr>
+              <a:t>"New"</a:t>
             </a:r>
             <a:r>
               <a:rPr lang="en-US" sz="1600" dirty="0">
@@ -27928,11 +27778,16 @@
               <a:t>       state = </a:t>
             </a:r>
             <a:r>
-              <a:rPr lang="nl-NL" sz="1600" dirty="0" err="1">
-                <a:latin typeface="Courier New" panose="02070309020205020404" pitchFamily="49" charset="0"/>
-                <a:cs typeface="Courier New" panose="02070309020205020404" pitchFamily="49" charset="0"/>
-              </a:rPr>
-              <a:t>State.NEW</a:t>
+              <a:rPr lang="nl-NL" sz="1600" dirty="0">
+                <a:solidFill>
+                  <a:schemeClr val="accent2">
+                    <a:lumMod val="75000"/>
+                  </a:schemeClr>
+                </a:solidFill>
+                <a:latin typeface="Courier New" panose="02070309020205020404" pitchFamily="49" charset="0"/>
+                <a:cs typeface="Courier New" panose="02070309020205020404" pitchFamily="49" charset="0"/>
+              </a:rPr>
+              <a:t>"New"</a:t>
             </a:r>
             <a:r>
               <a:rPr lang="nl-NL" sz="1600" dirty="0">
@@ -28058,13 +27913,13 @@
           <p:nvPr>
             <p:extLst>
               <p:ext uri="{D42A27DB-BD31-4B8C-83A1-F6EECF244321}">
-                <p14:modId xmlns:p14="http://schemas.microsoft.com/office/powerpoint/2010/main" val="3827686035"/>
+                <p14:modId xmlns:p14="http://schemas.microsoft.com/office/powerpoint/2010/main" val="3944945171"/>
               </p:ext>
             </p:extLst>
           </p:nvPr>
         </p:nvGraphicFramePr>
         <p:xfrm>
-          <a:off x="6313984" y="1690688"/>
+          <a:off x="6337490" y="2267888"/>
           <a:ext cx="3447198" cy="741680"/>
         </p:xfrm>
         <a:graphic>
@@ -28194,13 +28049,13 @@
           <p:nvPr>
             <p:extLst>
               <p:ext uri="{D42A27DB-BD31-4B8C-83A1-F6EECF244321}">
-                <p14:modId xmlns:p14="http://schemas.microsoft.com/office/powerpoint/2010/main" val="2496899139"/>
+                <p14:modId xmlns:p14="http://schemas.microsoft.com/office/powerpoint/2010/main" val="3401733"/>
               </p:ext>
             </p:extLst>
           </p:nvPr>
         </p:nvGraphicFramePr>
         <p:xfrm>
-          <a:off x="6313984" y="3168862"/>
+          <a:off x="6325737" y="4181159"/>
           <a:ext cx="5039816" cy="1112520"/>
         </p:xfrm>
         <a:graphic>
@@ -28374,7 +28229,7 @@
                           <a:latin typeface="Courier New" panose="02070309020205020404" pitchFamily="49" charset="0"/>
                           <a:cs typeface="Courier New" panose="02070309020205020404" pitchFamily="49" charset="0"/>
                         </a:rPr>
-                        <a:t>1</a:t>
+                        <a:t>New</a:t>
                       </a:r>
                     </a:p>
                   </a:txBody>
@@ -28461,7 +28316,7 @@
                           <a:latin typeface="Courier New" panose="02070309020205020404" pitchFamily="49" charset="0"/>
                           <a:cs typeface="Courier New" panose="02070309020205020404" pitchFamily="49" charset="0"/>
                         </a:rPr>
-                        <a:t>1</a:t>
+                        <a:t>New</a:t>
                       </a:r>
                     </a:p>
                   </a:txBody>
@@ -28510,290 +28365,6 @@
           </a:graphicData>
         </a:graphic>
       </p:graphicFrame>
-      <p:graphicFrame>
-        <p:nvGraphicFramePr>
-          <p:cNvPr id="10" name="Table 9">
-            <a:extLst>
-              <a:ext uri="{FF2B5EF4-FFF2-40B4-BE49-F238E27FC236}">
-                <a16:creationId xmlns:a16="http://schemas.microsoft.com/office/drawing/2014/main" id="{952C1760-1845-31DA-DD92-5313E3BB6912}"/>
-              </a:ext>
-            </a:extLst>
-          </p:cNvPr>
-          <p:cNvGraphicFramePr>
-            <a:graphicFrameLocks noGrp="1"/>
-          </p:cNvGraphicFramePr>
-          <p:nvPr>
-            <p:extLst>
-              <p:ext uri="{D42A27DB-BD31-4B8C-83A1-F6EECF244321}">
-                <p14:modId xmlns:p14="http://schemas.microsoft.com/office/powerpoint/2010/main" val="2181988910"/>
-              </p:ext>
-            </p:extLst>
-          </p:nvPr>
-        </p:nvGraphicFramePr>
-        <p:xfrm>
-          <a:off x="6313985" y="5017876"/>
-          <a:ext cx="2023565" cy="1112520"/>
-        </p:xfrm>
-        <a:graphic>
-          <a:graphicData uri="http://schemas.openxmlformats.org/drawingml/2006/table">
-            <a:tbl>
-              <a:tblPr firstRow="1" bandRow="1">
-                <a:tableStyleId>{5C22544A-7EE6-4342-B048-85BDC9FD1C3A}</a:tableStyleId>
-              </a:tblPr>
-              <a:tblGrid>
-                <a:gridCol w="887709">
-                  <a:extLst>
-                    <a:ext uri="{9D8B030D-6E8A-4147-A177-3AD203B41FA5}">
-                      <a16:colId xmlns:a16="http://schemas.microsoft.com/office/drawing/2014/main" val="2708213738"/>
-                    </a:ext>
-                  </a:extLst>
-                </a:gridCol>
-                <a:gridCol w="1135856">
-                  <a:extLst>
-                    <a:ext uri="{9D8B030D-6E8A-4147-A177-3AD203B41FA5}">
-                      <a16:colId xmlns:a16="http://schemas.microsoft.com/office/drawing/2014/main" val="3298213058"/>
-                    </a:ext>
-                  </a:extLst>
-                </a:gridCol>
-              </a:tblGrid>
-              <a:tr h="370840">
-                <a:tc>
-                  <a:txBody>
-                    <a:bodyPr/>
-                    <a:lstStyle/>
-                    <a:p>
-                      <a:pPr algn="ctr"/>
-                      <a:r>
-                        <a:rPr lang="nl-NL" sz="1400" dirty="0" err="1"/>
-                        <a:t>StateId</a:t>
-                      </a:r>
-                      <a:endParaRPr lang="nl-NL" sz="1400" dirty="0"/>
-                    </a:p>
-                  </a:txBody>
-                  <a:tcPr/>
-                </a:tc>
-                <a:tc>
-                  <a:txBody>
-                    <a:bodyPr/>
-                    <a:lstStyle/>
-                    <a:p>
-                      <a:r>
-                        <a:rPr lang="nl-NL" sz="1400" dirty="0"/>
-                        <a:t>State</a:t>
-                      </a:r>
-                    </a:p>
-                  </a:txBody>
-                  <a:tcPr/>
-                </a:tc>
-                <a:extLst>
-                  <a:ext uri="{0D108BD9-81ED-4DB2-BD59-A6C34878D82A}">
-                    <a16:rowId xmlns:a16="http://schemas.microsoft.com/office/drawing/2014/main" val="3151280356"/>
-                  </a:ext>
-                </a:extLst>
-              </a:tr>
-              <a:tr h="370840">
-                <a:tc>
-                  <a:txBody>
-                    <a:bodyPr/>
-                    <a:lstStyle/>
-                    <a:p>
-                      <a:pPr algn="ctr"/>
-                      <a:r>
-                        <a:rPr lang="nl-NL" sz="1400" dirty="0"/>
-                        <a:t>1</a:t>
-                      </a:r>
-                    </a:p>
-                  </a:txBody>
-                  <a:tcPr anchor="ctr"/>
-                </a:tc>
-                <a:tc>
-                  <a:txBody>
-                    <a:bodyPr/>
-                    <a:lstStyle/>
-                    <a:p>
-                      <a:r>
-                        <a:rPr lang="nl-NL" sz="1400" dirty="0"/>
-                        <a:t>New</a:t>
-                      </a:r>
-                    </a:p>
-                  </a:txBody>
-                  <a:tcPr anchor="ctr"/>
-                </a:tc>
-                <a:extLst>
-                  <a:ext uri="{0D108BD9-81ED-4DB2-BD59-A6C34878D82A}">
-                    <a16:rowId xmlns:a16="http://schemas.microsoft.com/office/drawing/2014/main" val="4009411874"/>
-                  </a:ext>
-                </a:extLst>
-              </a:tr>
-              <a:tr h="370840">
-                <a:tc>
-                  <a:txBody>
-                    <a:bodyPr/>
-                    <a:lstStyle/>
-                    <a:p>
-                      <a:pPr algn="ctr"/>
-                      <a:r>
-                        <a:rPr lang="nl-NL" sz="1400" dirty="0"/>
-                        <a:t>2</a:t>
-                      </a:r>
-                    </a:p>
-                  </a:txBody>
-                  <a:tcPr anchor="ctr"/>
-                </a:tc>
-                <a:tc>
-                  <a:txBody>
-                    <a:bodyPr/>
-                    <a:lstStyle/>
-                    <a:p>
-                      <a:r>
-                        <a:rPr lang="nl-NL" sz="1400" dirty="0" err="1"/>
-                        <a:t>Done</a:t>
-                      </a:r>
-                      <a:endParaRPr lang="nl-NL" sz="1400" dirty="0"/>
-                    </a:p>
-                  </a:txBody>
-                  <a:tcPr anchor="ctr"/>
-                </a:tc>
-                <a:extLst>
-                  <a:ext uri="{0D108BD9-81ED-4DB2-BD59-A6C34878D82A}">
-                    <a16:rowId xmlns:a16="http://schemas.microsoft.com/office/drawing/2014/main" val="1551953923"/>
-                  </a:ext>
-                </a:extLst>
-              </a:tr>
-            </a:tbl>
-          </a:graphicData>
-        </a:graphic>
-      </p:graphicFrame>
-      <p:cxnSp>
-        <p:nvCxnSpPr>
-          <p:cNvPr id="12" name="Connector: Elbow 11">
-            <a:extLst>
-              <a:ext uri="{FF2B5EF4-FFF2-40B4-BE49-F238E27FC236}">
-                <a16:creationId xmlns:a16="http://schemas.microsoft.com/office/drawing/2014/main" id="{8B92ABA8-7B70-42B3-568B-C9678587DCA8}"/>
-              </a:ext>
-            </a:extLst>
-          </p:cNvPr>
-          <p:cNvCxnSpPr>
-            <a:cxnSpLocks/>
-          </p:cNvCxnSpPr>
-          <p:nvPr/>
-        </p:nvCxnSpPr>
-        <p:spPr>
-          <a:xfrm flipV="1">
-            <a:off x="2169994" y="2245057"/>
-            <a:ext cx="4155743" cy="1183943"/>
-          </a:xfrm>
-          <a:prstGeom prst="bentConnector3">
-            <a:avLst>
-              <a:gd name="adj1" fmla="val 78571"/>
-            </a:avLst>
-          </a:prstGeom>
-          <a:ln>
-            <a:tailEnd type="triangle"/>
-          </a:ln>
-        </p:spPr>
-        <p:style>
-          <a:lnRef idx="2">
-            <a:schemeClr val="dk1"/>
-          </a:lnRef>
-          <a:fillRef idx="0">
-            <a:schemeClr val="dk1"/>
-          </a:fillRef>
-          <a:effectRef idx="1">
-            <a:schemeClr val="dk1"/>
-          </a:effectRef>
-          <a:fontRef idx="minor">
-            <a:schemeClr val="tx1"/>
-          </a:fontRef>
-        </p:style>
-      </p:cxnSp>
-      <p:cxnSp>
-        <p:nvCxnSpPr>
-          <p:cNvPr id="15" name="Connector: Elbow 14">
-            <a:extLst>
-              <a:ext uri="{FF2B5EF4-FFF2-40B4-BE49-F238E27FC236}">
-                <a16:creationId xmlns:a16="http://schemas.microsoft.com/office/drawing/2014/main" id="{719B4697-4FFC-1109-8E12-5676ABDEC5B5}"/>
-              </a:ext>
-            </a:extLst>
-          </p:cNvPr>
-          <p:cNvCxnSpPr>
-            <a:cxnSpLocks/>
-            <a:endCxn id="9" idx="1"/>
-          </p:cNvCxnSpPr>
-          <p:nvPr/>
-        </p:nvCxnSpPr>
-        <p:spPr>
-          <a:xfrm flipV="1">
-            <a:off x="1869743" y="3725122"/>
-            <a:ext cx="4444241" cy="498860"/>
-          </a:xfrm>
-          <a:prstGeom prst="bentConnector3">
-            <a:avLst>
-              <a:gd name="adj1" fmla="val 80095"/>
-            </a:avLst>
-          </a:prstGeom>
-          <a:ln>
-            <a:tailEnd type="triangle"/>
-          </a:ln>
-        </p:spPr>
-        <p:style>
-          <a:lnRef idx="2">
-            <a:schemeClr val="dk1"/>
-          </a:lnRef>
-          <a:fillRef idx="0">
-            <a:schemeClr val="dk1"/>
-          </a:fillRef>
-          <a:effectRef idx="1">
-            <a:schemeClr val="dk1"/>
-          </a:effectRef>
-          <a:fontRef idx="minor">
-            <a:schemeClr val="tx1"/>
-          </a:fontRef>
-        </p:style>
-      </p:cxnSp>
-      <p:cxnSp>
-        <p:nvCxnSpPr>
-          <p:cNvPr id="23" name="Connector: Elbow 22">
-            <a:extLst>
-              <a:ext uri="{FF2B5EF4-FFF2-40B4-BE49-F238E27FC236}">
-                <a16:creationId xmlns:a16="http://schemas.microsoft.com/office/drawing/2014/main" id="{AE7E4233-6BC2-FBC6-EC42-65F16CD2DFFF}"/>
-              </a:ext>
-            </a:extLst>
-          </p:cNvPr>
-          <p:cNvCxnSpPr>
-            <a:endCxn id="10" idx="1"/>
-          </p:cNvCxnSpPr>
-          <p:nvPr/>
-        </p:nvCxnSpPr>
-        <p:spPr>
-          <a:xfrm>
-            <a:off x="3330054" y="4728949"/>
-            <a:ext cx="2983931" cy="845187"/>
-          </a:xfrm>
-          <a:prstGeom prst="bentConnector3">
-            <a:avLst>
-              <a:gd name="adj1" fmla="val 70582"/>
-            </a:avLst>
-          </a:prstGeom>
-          <a:ln>
-            <a:tailEnd type="triangle"/>
-          </a:ln>
-        </p:spPr>
-        <p:style>
-          <a:lnRef idx="2">
-            <a:schemeClr val="dk1"/>
-          </a:lnRef>
-          <a:fillRef idx="0">
-            <a:schemeClr val="dk1"/>
-          </a:fillRef>
-          <a:effectRef idx="1">
-            <a:schemeClr val="dk1"/>
-          </a:effectRef>
-          <a:fontRef idx="minor">
-            <a:schemeClr val="tx1"/>
-          </a:fontRef>
-        </p:style>
-      </p:cxnSp>
       <p:sp>
         <p:nvSpPr>
           <p:cNvPr id="25" name="TextBox 24">
@@ -28808,7 +28379,7 @@
         </p:nvSpPr>
         <p:spPr>
           <a:xfrm>
-            <a:off x="6313984" y="1351137"/>
+            <a:off x="6337490" y="1928337"/>
             <a:ext cx="898900" cy="338554"/>
           </a:xfrm>
           <a:prstGeom prst="rect">
@@ -28844,7 +28415,7 @@
         </p:nvSpPr>
         <p:spPr>
           <a:xfrm>
-            <a:off x="6325737" y="2836135"/>
+            <a:off x="6337490" y="3848432"/>
             <a:ext cx="617157" cy="338554"/>
           </a:xfrm>
           <a:prstGeom prst="rect">
@@ -28866,42 +28437,92 @@
           </a:p>
         </p:txBody>
       </p:sp>
-      <p:sp>
-        <p:nvSpPr>
-          <p:cNvPr id="27" name="TextBox 26">
+      <p:cxnSp>
+        <p:nvCxnSpPr>
+          <p:cNvPr id="5" name="Connector: Elbow 4">
             <a:extLst>
               <a:ext uri="{FF2B5EF4-FFF2-40B4-BE49-F238E27FC236}">
-                <a16:creationId xmlns:a16="http://schemas.microsoft.com/office/drawing/2014/main" id="{A8858C46-F50D-63FD-0893-F98FC1469CE2}"/>
+                <a16:creationId xmlns:a16="http://schemas.microsoft.com/office/drawing/2014/main" id="{42678370-DA4A-8767-DC91-1A0E8F49B141}"/>
               </a:ext>
             </a:extLst>
           </p:cNvPr>
-          <p:cNvSpPr txBox="1"/>
+          <p:cNvCxnSpPr>
+            <a:cxnSpLocks/>
+          </p:cNvCxnSpPr>
           <p:nvPr/>
-        </p:nvSpPr>
+        </p:nvCxnSpPr>
+        <p:spPr>
+          <a:xfrm flipV="1">
+            <a:off x="2187385" y="2665622"/>
+            <a:ext cx="4033561" cy="790272"/>
+          </a:xfrm>
+          <a:prstGeom prst="bentConnector3">
+            <a:avLst>
+              <a:gd name="adj1" fmla="val 74003"/>
+            </a:avLst>
+          </a:prstGeom>
+          <a:ln>
+            <a:tailEnd type="triangle"/>
+          </a:ln>
+        </p:spPr>
+        <p:style>
+          <a:lnRef idx="3">
+            <a:schemeClr val="dk1"/>
+          </a:lnRef>
+          <a:fillRef idx="0">
+            <a:schemeClr val="dk1"/>
+          </a:fillRef>
+          <a:effectRef idx="2">
+            <a:schemeClr val="dk1"/>
+          </a:effectRef>
+          <a:fontRef idx="minor">
+            <a:schemeClr val="tx1"/>
+          </a:fontRef>
+        </p:style>
+      </p:cxnSp>
+      <p:cxnSp>
+        <p:nvCxnSpPr>
+          <p:cNvPr id="7" name="Connector: Elbow 6">
+            <a:extLst>
+              <a:ext uri="{FF2B5EF4-FFF2-40B4-BE49-F238E27FC236}">
+                <a16:creationId xmlns:a16="http://schemas.microsoft.com/office/drawing/2014/main" id="{B72FEA6E-2C91-B004-F16F-3DBE1DE2A29E}"/>
+              </a:ext>
+            </a:extLst>
+          </p:cNvPr>
+          <p:cNvCxnSpPr>
+            <a:cxnSpLocks/>
+          </p:cNvCxnSpPr>
+          <p:nvPr/>
+        </p:nvCxnSpPr>
         <p:spPr>
           <a:xfrm>
-            <a:off x="6313984" y="4683664"/>
-            <a:ext cx="691023" cy="338554"/>
+            <a:off x="2268071" y="4181159"/>
+            <a:ext cx="3950088" cy="556260"/>
           </a:xfrm>
-          <a:prstGeom prst="rect">
-            <a:avLst/>
+          <a:prstGeom prst="bentConnector3">
+            <a:avLst>
+              <a:gd name="adj1" fmla="val 73603"/>
+            </a:avLst>
           </a:prstGeom>
-          <a:noFill/>
+          <a:ln>
+            <a:tailEnd type="triangle"/>
+          </a:ln>
         </p:spPr>
-        <p:txBody>
-          <a:bodyPr wrap="none" rtlCol="0">
-            <a:spAutoFit/>
-          </a:bodyPr>
-          <a:lstStyle/>
-          <a:p>
-            <a:r>
-              <a:rPr lang="nl-NL" sz="1600" dirty="0" err="1"/>
-              <a:t>States</a:t>
-            </a:r>
-            <a:endParaRPr lang="nl-NL" sz="1600" dirty="0"/>
-          </a:p>
-        </p:txBody>
-      </p:sp>
+        <p:style>
+          <a:lnRef idx="3">
+            <a:schemeClr val="dk1"/>
+          </a:lnRef>
+          <a:fillRef idx="0">
+            <a:schemeClr val="dk1"/>
+          </a:fillRef>
+          <a:effectRef idx="2">
+            <a:schemeClr val="dk1"/>
+          </a:effectRef>
+          <a:fontRef idx="minor">
+            <a:schemeClr val="tx1"/>
+          </a:fontRef>
+        </p:style>
+      </p:cxnSp>
     </p:spTree>
     <p:extLst>
       <p:ext uri="{BB962C8B-B14F-4D97-AF65-F5344CB8AC3E}">
@@ -29076,8 +28697,8 @@
         </p:nvSpPr>
         <p:spPr>
           <a:xfrm>
-            <a:off x="838200" y="1825625"/>
-            <a:ext cx="4749800" cy="4351338"/>
+            <a:off x="838199" y="1825625"/>
+            <a:ext cx="5257797" cy="4351338"/>
           </a:xfrm>
           <a:prstGeom prst="rect">
             <a:avLst/>
@@ -29431,6 +29052,20 @@
                 <a:cs typeface="Courier New" panose="02070309020205020404" pitchFamily="49" charset="0"/>
               </a:rPr>
               <a:t>(</a:t>
+            </a:r>
+            <a:r>
+              <a:rPr lang="nl-NL" sz="1600" dirty="0" err="1">
+                <a:latin typeface="Courier New" panose="02070309020205020404" pitchFamily="49" charset="0"/>
+                <a:cs typeface="Courier New" panose="02070309020205020404" pitchFamily="49" charset="0"/>
+              </a:rPr>
+              <a:t>description</a:t>
+            </a:r>
+            <a:r>
+              <a:rPr lang="nl-NL" sz="1600" dirty="0">
+                <a:latin typeface="Courier New" panose="02070309020205020404" pitchFamily="49" charset="0"/>
+                <a:cs typeface="Courier New" panose="02070309020205020404" pitchFamily="49" charset="0"/>
+              </a:rPr>
+              <a:t>=</a:t>
             </a:r>
             <a:r>
               <a:rPr lang="nl-NL" sz="1600" dirty="0" err="1">
@@ -30250,19 +29885,20 @@
                 <a:latin typeface="Courier New" panose="02070309020205020404" pitchFamily="49" charset="0"/>
                 <a:cs typeface="Courier New" panose="02070309020205020404" pitchFamily="49" charset="0"/>
               </a:rPr>
-              <a:t>: State = </a:t>
-            </a:r>
-            <a:r>
-              <a:rPr lang="en-US" sz="1400" dirty="0" err="1">
-                <a:latin typeface="Courier New" panose="02070309020205020404" pitchFamily="49" charset="0"/>
-                <a:cs typeface="Courier New" panose="02070309020205020404" pitchFamily="49" charset="0"/>
-              </a:rPr>
-              <a:t>State.NEW</a:t>
-            </a:r>
-            <a:endParaRPr lang="en-US" sz="1400" dirty="0">
-              <a:latin typeface="Courier New" panose="02070309020205020404" pitchFamily="49" charset="0"/>
-              <a:cs typeface="Courier New" panose="02070309020205020404" pitchFamily="49" charset="0"/>
-            </a:endParaRPr>
+              <a:t>: str = </a:t>
+            </a:r>
+            <a:r>
+              <a:rPr lang="en-US" sz="1400" dirty="0">
+                <a:solidFill>
+                  <a:schemeClr val="accent2">
+                    <a:lumMod val="75000"/>
+                  </a:schemeClr>
+                </a:solidFill>
+                <a:latin typeface="Courier New" panose="02070309020205020404" pitchFamily="49" charset="0"/>
+                <a:cs typeface="Courier New" panose="02070309020205020404" pitchFamily="49" charset="0"/>
+              </a:rPr>
+              <a:t>"New"</a:t>
+            </a:r>
           </a:p>
           <a:p>
             <a:pPr marL="0" indent="0">
@@ -30521,7 +30157,19 @@
                 <a:latin typeface="Courier New" panose="02070309020205020404" pitchFamily="49" charset="0"/>
                 <a:cs typeface="Courier New" panose="02070309020205020404" pitchFamily="49" charset="0"/>
               </a:rPr>
-              <a:t>=True</a:t>
+              <a:t>=</a:t>
+            </a:r>
+            <a:r>
+              <a:rPr lang="nl-NL" sz="1800" dirty="0">
+                <a:solidFill>
+                  <a:schemeClr val="accent5">
+                    <a:lumMod val="75000"/>
+                  </a:schemeClr>
+                </a:solidFill>
+                <a:latin typeface="Courier New" panose="02070309020205020404" pitchFamily="49" charset="0"/>
+                <a:cs typeface="Courier New" panose="02070309020205020404" pitchFamily="49" charset="0"/>
+              </a:rPr>
+              <a:t>True</a:t>
             </a:r>
             <a:r>
               <a:rPr lang="nl-NL" sz="1800" dirty="0"/>
@@ -31591,7 +31239,7 @@
                 <a:latin typeface="Courier New" panose="02070309020205020404" pitchFamily="49" charset="0"/>
                 <a:cs typeface="Courier New" panose="02070309020205020404" pitchFamily="49" charset="0"/>
               </a:rPr>
-              <a:t> = Task(</a:t>
+              <a:t> = Task(description=</a:t>
             </a:r>
             <a:r>
               <a:rPr lang="en-US" sz="1400" noProof="0" dirty="0">
@@ -32183,7 +31831,7 @@
                 <a:latin typeface="Courier New" panose="02070309020205020404" pitchFamily="49" charset="0"/>
                 <a:cs typeface="Courier New" panose="02070309020205020404" pitchFamily="49" charset="0"/>
               </a:rPr>
-              <a:t> = Task(</a:t>
+              <a:t> = Task(description=</a:t>
             </a:r>
             <a:r>
               <a:rPr lang="en-US" sz="1400" noProof="0" dirty="0">
@@ -33069,7 +32717,7 @@
                 <a:latin typeface="Courier New" panose="02070309020205020404" pitchFamily="49" charset="0"/>
                 <a:cs typeface="Courier New" panose="02070309020205020404" pitchFamily="49" charset="0"/>
               </a:rPr>
-              <a:t>Task.State</a:t>
+              <a:t>Task.state</a:t>
             </a:r>
             <a:r>
               <a:rPr lang="en-US" sz="1400" dirty="0">
@@ -33384,27 +33032,19 @@
               <a:rPr lang="nl-NL" sz="1600" noProof="0" dirty="0">
                 <a:cs typeface="Courier New" panose="02070309020205020404" pitchFamily="49" charset="0"/>
               </a:rPr>
-              <a:t>		Een </a:t>
+              <a:t>		Een tekstveld, standaard </a:t>
             </a:r>
             <a:r>
               <a:rPr lang="nl-NL" sz="1600" noProof="0" dirty="0">
-                <a:latin typeface="Courier New" panose="02070309020205020404" pitchFamily="49" charset="0"/>
-                <a:cs typeface="Courier New" panose="02070309020205020404" pitchFamily="49" charset="0"/>
-              </a:rPr>
-              <a:t>State</a:t>
-            </a:r>
-            <a:r>
-              <a:rPr lang="nl-NL" sz="1600" noProof="0" dirty="0">
-                <a:cs typeface="Courier New" panose="02070309020205020404" pitchFamily="49" charset="0"/>
-              </a:rPr>
-              <a:t>, standaard </a:t>
-            </a:r>
-            <a:r>
-              <a:rPr lang="nl-NL" sz="1600" noProof="0" dirty="0" err="1">
-                <a:latin typeface="Courier New" panose="02070309020205020404" pitchFamily="49" charset="0"/>
-                <a:cs typeface="Courier New" panose="02070309020205020404" pitchFamily="49" charset="0"/>
-              </a:rPr>
-              <a:t>State.NEW</a:t>
+                <a:solidFill>
+                  <a:schemeClr val="accent2">
+                    <a:lumMod val="75000"/>
+                  </a:schemeClr>
+                </a:solidFill>
+                <a:latin typeface="Courier New" panose="02070309020205020404" pitchFamily="49" charset="0"/>
+                <a:cs typeface="Courier New" panose="02070309020205020404" pitchFamily="49" charset="0"/>
+              </a:rPr>
+              <a:t>"New"</a:t>
             </a:r>
             <a:r>
               <a:rPr lang="nl-NL" sz="1600" noProof="0" dirty="0">
@@ -35703,6 +35343,11 @@
             </a:r>
             <a:r>
               <a:rPr lang="en-US" sz="1200" b="1" noProof="0" dirty="0">
+                <a:solidFill>
+                  <a:schemeClr val="accent2">
+                    <a:lumMod val="75000"/>
+                  </a:schemeClr>
+                </a:solidFill>
                 <a:latin typeface="Courier New" panose="02070309020205020404" pitchFamily="49" charset="0"/>
                 <a:cs typeface="Courier New" panose="02070309020205020404" pitchFamily="49" charset="0"/>
               </a:rPr>
@@ -36619,6 +36264,11 @@
             </a:r>
             <a:r>
               <a:rPr lang="en-US" sz="1200" b="1" noProof="0" dirty="0">
+                <a:solidFill>
+                  <a:schemeClr val="accent2">
+                    <a:lumMod val="75000"/>
+                  </a:schemeClr>
+                </a:solidFill>
                 <a:latin typeface="Courier New" panose="02070309020205020404" pitchFamily="49" charset="0"/>
                 <a:cs typeface="Courier New" panose="02070309020205020404" pitchFamily="49" charset="0"/>
               </a:rPr>
@@ -36626,6 +36276,11 @@
             </a:r>
             <a:r>
               <a:rPr lang="en-US" sz="1200" noProof="0" dirty="0">
+                <a:solidFill>
+                  <a:schemeClr val="accent2">
+                    <a:lumMod val="75000"/>
+                  </a:schemeClr>
+                </a:solidFill>
                 <a:latin typeface="Courier New" panose="02070309020205020404" pitchFamily="49" charset="0"/>
                 <a:cs typeface="Courier New" panose="02070309020205020404" pitchFamily="49" charset="0"/>
               </a:rPr>
@@ -36633,6 +36288,11 @@
             </a:r>
             <a:r>
               <a:rPr lang="en-US" sz="1200" b="1" noProof="0" dirty="0">
+                <a:solidFill>
+                  <a:schemeClr val="accent2">
+                    <a:lumMod val="75000"/>
+                  </a:schemeClr>
+                </a:solidFill>
                 <a:latin typeface="Courier New" panose="02070309020205020404" pitchFamily="49" charset="0"/>
                 <a:cs typeface="Courier New" panose="02070309020205020404" pitchFamily="49" charset="0"/>
               </a:rPr>
@@ -37129,9 +36789,10 @@
           <a:lstStyle/>
           <a:p>
             <a:r>
-              <a:rPr lang="nl-NL" sz="3600" noProof="0" dirty="0"/>
-              <a:t>Oefeningen 5</a:t>
-            </a:r>
+              <a:rPr lang="nl-NL" sz="3600" noProof="0"/>
+              <a:t>Oefeningen 6</a:t>
+            </a:r>
+            <a:endParaRPr lang="nl-NL" sz="3600" noProof="0" dirty="0"/>
           </a:p>
         </p:txBody>
       </p:sp>
